--- a/AsoGameSho.pptx
+++ b/AsoGameSho.pptx
@@ -5297,7 +5297,7 @@
         <p:spPr>
           <a:xfrm>
             <a:off x="561109" y="581890"/>
-            <a:ext cx="2423391" cy="769441"/>
+            <a:ext cx="4783889" cy="769441"/>
           </a:xfrm>
           <a:prstGeom prst="rect">
             <a:avLst/>
@@ -5315,10 +5315,10 @@
                 <a:solidFill>
                   <a:srgbClr val="FF0000"/>
                 </a:solidFill>
-                <a:latin typeface="UD デジタル 教科書体 NK-B" panose="02020700000000000000" pitchFamily="18" charset="-128"/>
-                <a:ea typeface="UD デジタル 教科書体 NK-B" panose="02020700000000000000" pitchFamily="18" charset="-128"/>
-              </a:rPr>
-              <a:t>特殊能力</a:t>
+                <a:latin typeface="HGS創英角ﾎﾟｯﾌﾟ体" panose="040B0A00000000000000" pitchFamily="50" charset="-128"/>
+                <a:ea typeface="HGS創英角ﾎﾟｯﾌﾟ体" panose="040B0A00000000000000" pitchFamily="50" charset="-128"/>
+              </a:rPr>
+              <a:t>～特殊能力～</a:t>
             </a:r>
           </a:p>
         </p:txBody>
@@ -6911,19 +6911,8 @@
                 <a:latin typeface="HGS創英角ﾎﾟｯﾌﾟ体" panose="040B0A00000000000000" pitchFamily="50" charset="-128"/>
                 <a:ea typeface="HGS創英角ﾎﾟｯﾌﾟ体" panose="040B0A00000000000000" pitchFamily="50" charset="-128"/>
               </a:rPr>
-              <a:t>ご清聴</a:t>
-            </a:r>
-            <a:r>
-              <a:rPr kumimoji="1" lang="ja-JP" altLang="en-US" sz="5400">
-                <a:latin typeface="HGS創英角ﾎﾟｯﾌﾟ体" panose="040B0A00000000000000" pitchFamily="50" charset="-128"/>
-                <a:ea typeface="HGS創英角ﾎﾟｯﾌﾟ体" panose="040B0A00000000000000" pitchFamily="50" charset="-128"/>
-              </a:rPr>
-              <a:t>ありがとうございました。</a:t>
-            </a:r>
-            <a:endParaRPr kumimoji="1" lang="ja-JP" altLang="en-US" sz="5400" dirty="0">
-              <a:latin typeface="HGS創英角ﾎﾟｯﾌﾟ体" panose="040B0A00000000000000" pitchFamily="50" charset="-128"/>
-              <a:ea typeface="HGS創英角ﾎﾟｯﾌﾟ体" panose="040B0A00000000000000" pitchFamily="50" charset="-128"/>
-            </a:endParaRPr>
+              <a:t>ご清聴ありがとうございました。</a:t>
+            </a:r>
           </a:p>
         </p:txBody>
       </p:sp>
@@ -7013,12 +7002,15 @@
                 <a:solidFill>
                   <a:srgbClr val="FF0000"/>
                 </a:solidFill>
-                <a:latin typeface="UD デジタル 教科書体 NK-B" panose="02020700000000000000" pitchFamily="18" charset="-128"/>
-                <a:ea typeface="UD デジタル 教科書体 NK-B" panose="02020700000000000000" pitchFamily="18" charset="-128"/>
-              </a:rPr>
-              <a:t>動画</a:t>
-            </a:r>
-            <a:endParaRPr kumimoji="1" lang="ja-JP" altLang="en-US" dirty="0"/>
+                <a:latin typeface="HGS創英角ﾎﾟｯﾌﾟ体" panose="040B0A00000000000000" pitchFamily="50" charset="-128"/>
+                <a:ea typeface="HGS創英角ﾎﾟｯﾌﾟ体" panose="040B0A00000000000000" pitchFamily="50" charset="-128"/>
+              </a:rPr>
+              <a:t>～動画～</a:t>
+            </a:r>
+            <a:endParaRPr kumimoji="1" lang="ja-JP" altLang="en-US" dirty="0">
+              <a:latin typeface="HGS創英角ﾎﾟｯﾌﾟ体" panose="040B0A00000000000000" pitchFamily="50" charset="-128"/>
+              <a:ea typeface="HGS創英角ﾎﾟｯﾌﾟ体" panose="040B0A00000000000000" pitchFamily="50" charset="-128"/>
+            </a:endParaRPr>
           </a:p>
         </p:txBody>
       </p:sp>
@@ -7116,7 +7108,7 @@
         <p:spPr>
           <a:xfrm>
             <a:off x="546738" y="151653"/>
-            <a:ext cx="2007755" cy="769441"/>
+            <a:ext cx="3601056" cy="769441"/>
           </a:xfrm>
           <a:prstGeom prst="rect">
             <a:avLst/>
@@ -7134,10 +7126,10 @@
                 <a:solidFill>
                   <a:srgbClr val="FF0000"/>
                 </a:solidFill>
-                <a:latin typeface="UD デジタル 教科書体 NK-B" panose="02020700000000000000" pitchFamily="18" charset="-128"/>
-                <a:ea typeface="UD デジタル 教科書体 NK-B" panose="02020700000000000000" pitchFamily="18" charset="-128"/>
-              </a:rPr>
-              <a:t>動画</a:t>
+                <a:latin typeface="HGS創英角ﾎﾟｯﾌﾟ体" panose="040B0A00000000000000" pitchFamily="50" charset="-128"/>
+                <a:ea typeface="HGS創英角ﾎﾟｯﾌﾟ体" panose="040B0A00000000000000" pitchFamily="50" charset="-128"/>
+              </a:rPr>
+              <a:t>～動画～</a:t>
             </a:r>
           </a:p>
         </p:txBody>
@@ -7493,10 +7485,10 @@
                 <a:solidFill>
                   <a:srgbClr val="FF0000"/>
                 </a:solidFill>
-                <a:latin typeface="UD デジタル 教科書体 NK-B" panose="02020700000000000000" pitchFamily="18" charset="-128"/>
-                <a:ea typeface="UD デジタル 教科書体 NK-B" panose="02020700000000000000" pitchFamily="18" charset="-128"/>
-              </a:rPr>
-              <a:t>開発環境</a:t>
+                <a:latin typeface="HGS創英角ﾎﾟｯﾌﾟ体" panose="040B0A00000000000000" pitchFamily="50" charset="-128"/>
+                <a:ea typeface="HGS創英角ﾎﾟｯﾌﾟ体" panose="040B0A00000000000000" pitchFamily="50" charset="-128"/>
+              </a:rPr>
+              <a:t>～開発環境～</a:t>
             </a:r>
           </a:p>
         </p:txBody>
@@ -7785,7 +7777,7 @@
         <p:spPr>
           <a:xfrm>
             <a:off x="397602" y="219123"/>
-            <a:ext cx="3456033" cy="769441"/>
+            <a:ext cx="4900262" cy="769441"/>
           </a:xfrm>
           <a:prstGeom prst="rect">
             <a:avLst/>
@@ -7803,10 +7795,10 @@
                 <a:solidFill>
                   <a:srgbClr val="FF0000"/>
                 </a:solidFill>
-                <a:latin typeface="UD デジタル 教科書体 NK-B" panose="02020700000000000000" pitchFamily="18" charset="-128"/>
-                <a:ea typeface="UD デジタル 教科書体 NK-B" panose="02020700000000000000" pitchFamily="18" charset="-128"/>
-              </a:rPr>
-              <a:t>ゲームの説明</a:t>
+                <a:latin typeface="HGS創英角ﾎﾟｯﾌﾟ体" panose="040B0A00000000000000" pitchFamily="50" charset="-128"/>
+                <a:ea typeface="HGS創英角ﾎﾟｯﾌﾟ体" panose="040B0A00000000000000" pitchFamily="50" charset="-128"/>
+              </a:rPr>
+              <a:t>～ゲームの説明～</a:t>
             </a:r>
           </a:p>
         </p:txBody>
@@ -8005,7 +7997,7 @@
         <p:spPr>
           <a:xfrm>
             <a:off x="292100" y="280238"/>
-            <a:ext cx="4569692" cy="769441"/>
+            <a:ext cx="5803900" cy="769441"/>
           </a:xfrm>
           <a:prstGeom prst="rect">
             <a:avLst/>
@@ -8023,10 +8015,10 @@
                 <a:solidFill>
                   <a:srgbClr val="FF0000"/>
                 </a:solidFill>
-                <a:latin typeface="UD デジタル 教科書体 NK-B" panose="02020700000000000000" pitchFamily="18" charset="-128"/>
-                <a:ea typeface="UD デジタル 教科書体 NK-B" panose="02020700000000000000" pitchFamily="18" charset="-128"/>
-              </a:rPr>
-              <a:t>プレイヤーの動き</a:t>
+                <a:latin typeface="HGS創英角ﾎﾟｯﾌﾟ体" panose="040B0A00000000000000" pitchFamily="50" charset="-128"/>
+                <a:ea typeface="HGS創英角ﾎﾟｯﾌﾟ体" panose="040B0A00000000000000" pitchFamily="50" charset="-128"/>
+              </a:rPr>
+              <a:t>～プレイヤーの動き～</a:t>
             </a:r>
           </a:p>
         </p:txBody>

--- a/AsoGameSho.pptx
+++ b/AsoGameSho.pptx
@@ -5152,10 +5152,10 @@
       </p:sp>
       <p:pic>
         <p:nvPicPr>
-          <p:cNvPr id="3" name="図 2">
+          <p:cNvPr id="6" name="図 5">
             <a:extLst>
               <a:ext uri="{FF2B5EF4-FFF2-40B4-BE49-F238E27FC236}">
-                <a16:creationId xmlns:a16="http://schemas.microsoft.com/office/drawing/2014/main" id="{3F5845A6-F8FF-4F8E-8A96-3676FD736800}"/>
+                <a16:creationId xmlns:a16="http://schemas.microsoft.com/office/drawing/2014/main" id="{27D11C1B-E65F-4055-86D3-F253EA7A7410}"/>
               </a:ext>
             </a:extLst>
           </p:cNvPr>
@@ -5172,26 +5172,20 @@
         </p:blipFill>
         <p:spPr>
           <a:xfrm>
-            <a:off x="6230039" y="1380562"/>
-            <a:ext cx="1828800" cy="1478696"/>
+            <a:off x="6932341" y="302359"/>
+            <a:ext cx="1456307" cy="1564988"/>
           </a:xfrm>
           <a:prstGeom prst="rect">
             <a:avLst/>
           </a:prstGeom>
-          <a:ln>
-            <a:noFill/>
-          </a:ln>
-          <a:effectLst>
-            <a:softEdge rad="112500"/>
-          </a:effectLst>
         </p:spPr>
       </p:pic>
       <p:pic>
         <p:nvPicPr>
-          <p:cNvPr id="4" name="図 3">
+          <p:cNvPr id="9" name="図 8">
             <a:extLst>
               <a:ext uri="{FF2B5EF4-FFF2-40B4-BE49-F238E27FC236}">
-                <a16:creationId xmlns:a16="http://schemas.microsoft.com/office/drawing/2014/main" id="{48D97593-CA02-44E0-8BED-3A8ADE717C82}"/>
+                <a16:creationId xmlns:a16="http://schemas.microsoft.com/office/drawing/2014/main" id="{D2E4F9DD-AFB8-4CF7-9591-E4440CAC5580}"/>
               </a:ext>
             </a:extLst>
           </p:cNvPr>
@@ -5208,18 +5202,42 @@
         </p:blipFill>
         <p:spPr>
           <a:xfrm>
-            <a:off x="9523957" y="4144420"/>
-            <a:ext cx="1828800" cy="1258854"/>
+            <a:off x="9685078" y="1438507"/>
+            <a:ext cx="1453989" cy="1537414"/>
           </a:xfrm>
           <a:prstGeom prst="rect">
             <a:avLst/>
           </a:prstGeom>
-          <a:ln>
-            <a:noFill/>
-          </a:ln>
-          <a:effectLst>
-            <a:softEdge rad="112500"/>
-          </a:effectLst>
+        </p:spPr>
+      </p:pic>
+      <p:pic>
+        <p:nvPicPr>
+          <p:cNvPr id="11" name="図 10">
+            <a:extLst>
+              <a:ext uri="{FF2B5EF4-FFF2-40B4-BE49-F238E27FC236}">
+                <a16:creationId xmlns:a16="http://schemas.microsoft.com/office/drawing/2014/main" id="{8DB90C39-1DE8-4D71-862E-59D1E04EC4D2}"/>
+              </a:ext>
+            </a:extLst>
+          </p:cNvPr>
+          <p:cNvPicPr>
+            <a:picLocks noChangeAspect="1"/>
+          </p:cNvPicPr>
+          <p:nvPr/>
+        </p:nvPicPr>
+        <p:blipFill>
+          <a:blip r:embed="rId6"/>
+          <a:stretch>
+            <a:fillRect/>
+          </a:stretch>
+        </p:blipFill>
+        <p:spPr>
+          <a:xfrm>
+            <a:off x="8729969" y="4460065"/>
+            <a:ext cx="1682103" cy="1265740"/>
+          </a:xfrm>
+          <a:prstGeom prst="rect">
+            <a:avLst/>
+          </a:prstGeom>
         </p:spPr>
       </p:pic>
     </p:spTree>
@@ -5514,6 +5532,42 @@
           </a:effectLst>
         </p:spPr>
       </p:pic>
+      <p:pic>
+        <p:nvPicPr>
+          <p:cNvPr id="4" name="図 3">
+            <a:extLst>
+              <a:ext uri="{FF2B5EF4-FFF2-40B4-BE49-F238E27FC236}">
+                <a16:creationId xmlns:a16="http://schemas.microsoft.com/office/drawing/2014/main" id="{1E442A58-5059-4E42-8D8E-909DC7B5FA64}"/>
+              </a:ext>
+            </a:extLst>
+          </p:cNvPr>
+          <p:cNvPicPr>
+            <a:picLocks noChangeAspect="1"/>
+          </p:cNvPicPr>
+          <p:nvPr/>
+        </p:nvPicPr>
+        <p:blipFill>
+          <a:blip r:embed="rId5"/>
+          <a:stretch>
+            <a:fillRect/>
+          </a:stretch>
+        </p:blipFill>
+        <p:spPr>
+          <a:xfrm>
+            <a:off x="7463981" y="4524860"/>
+            <a:ext cx="2249021" cy="1657958"/>
+          </a:xfrm>
+          <a:prstGeom prst="rect">
+            <a:avLst/>
+          </a:prstGeom>
+          <a:ln>
+            <a:noFill/>
+          </a:ln>
+          <a:effectLst>
+            <a:softEdge rad="112500"/>
+          </a:effectLst>
+        </p:spPr>
+      </p:pic>
     </p:spTree>
     <p:extLst>
       <p:ext uri="{BB962C8B-B14F-4D97-AF65-F5344CB8AC3E}">
@@ -5712,6 +5766,36 @@
           <a:effectLst>
             <a:softEdge rad="112500"/>
           </a:effectLst>
+        </p:spPr>
+      </p:pic>
+      <p:pic>
+        <p:nvPicPr>
+          <p:cNvPr id="5" name="図 4">
+            <a:extLst>
+              <a:ext uri="{FF2B5EF4-FFF2-40B4-BE49-F238E27FC236}">
+                <a16:creationId xmlns:a16="http://schemas.microsoft.com/office/drawing/2014/main" id="{BB915DCB-8CAB-4A76-923F-DD93D0386696}"/>
+              </a:ext>
+            </a:extLst>
+          </p:cNvPr>
+          <p:cNvPicPr>
+            <a:picLocks noChangeAspect="1"/>
+          </p:cNvPicPr>
+          <p:nvPr/>
+        </p:nvPicPr>
+        <p:blipFill>
+          <a:blip r:embed="rId5"/>
+          <a:stretch>
+            <a:fillRect/>
+          </a:stretch>
+        </p:blipFill>
+        <p:spPr>
+          <a:xfrm>
+            <a:off x="2431387" y="3721148"/>
+            <a:ext cx="1779318" cy="2154549"/>
+          </a:xfrm>
+          <a:prstGeom prst="rect">
+            <a:avLst/>
+          </a:prstGeom>
         </p:spPr>
       </p:pic>
     </p:spTree>
@@ -7967,7 +8051,7 @@
           <p:nvPr/>
         </p:nvPicPr>
         <p:blipFill>
-          <a:blip r:embed="rId3"/>
+          <a:blip r:embed="rId4"/>
           <a:stretch>
             <a:fillRect/>
           </a:stretch>
@@ -8181,6 +8265,132 @@
           </a:p>
         </p:txBody>
       </p:sp>
+      <p:graphicFrame>
+        <p:nvGraphicFramePr>
+          <p:cNvPr id="6" name="オブジェクト 5">
+            <a:extLst>
+              <a:ext uri="{FF2B5EF4-FFF2-40B4-BE49-F238E27FC236}">
+                <a16:creationId xmlns:a16="http://schemas.microsoft.com/office/drawing/2014/main" id="{9BE27444-37BD-4F77-8199-7EDB4083BA66}"/>
+              </a:ext>
+            </a:extLst>
+          </p:cNvPr>
+          <p:cNvGraphicFramePr>
+            <a:graphicFrameLocks noChangeAspect="1"/>
+          </p:cNvGraphicFramePr>
+          <p:nvPr>
+            <p:extLst>
+              <p:ext uri="{D42A27DB-BD31-4B8C-83A1-F6EECF244321}">
+                <p14:modId xmlns:p14="http://schemas.microsoft.com/office/powerpoint/2010/main" val="1462655351"/>
+              </p:ext>
+            </p:extLst>
+          </p:nvPr>
+        </p:nvGraphicFramePr>
+        <p:xfrm>
+          <a:off x="7676374" y="4238974"/>
+          <a:ext cx="2794000" cy="2070100"/>
+        </p:xfrm>
+        <a:graphic>
+          <a:graphicData uri="http://schemas.openxmlformats.org/presentationml/2006/ole">
+            <mc:AlternateContent xmlns:mc="http://schemas.openxmlformats.org/markup-compatibility/2006">
+              <mc:Choice xmlns:v="urn:schemas-microsoft-com:vml" Requires="v">
+                <p:oleObj spid="_x0000_s1028" name="Image" r:id="rId5" imgW="2793600" imgH="2069640" progId="Photoshop.Image.11">
+                  <p:embed/>
+                </p:oleObj>
+              </mc:Choice>
+              <mc:Fallback>
+                <p:oleObj name="Image" r:id="rId5" imgW="2793600" imgH="2069640" progId="Photoshop.Image.11">
+                  <p:embed/>
+                  <p:pic>
+                    <p:nvPicPr>
+                      <p:cNvPr id="0" name=""/>
+                      <p:cNvPicPr/>
+                      <p:nvPr/>
+                    </p:nvPicPr>
+                    <p:blipFill>
+                      <a:blip r:embed="rId6"/>
+                      <a:stretch>
+                        <a:fillRect/>
+                      </a:stretch>
+                    </p:blipFill>
+                    <p:spPr>
+                      <a:xfrm>
+                        <a:off x="7676374" y="4238974"/>
+                        <a:ext cx="2794000" cy="2070100"/>
+                      </a:xfrm>
+                      <a:prstGeom prst="rect">
+                        <a:avLst/>
+                      </a:prstGeom>
+                    </p:spPr>
+                  </p:pic>
+                </p:oleObj>
+              </mc:Fallback>
+            </mc:AlternateContent>
+          </a:graphicData>
+        </a:graphic>
+      </p:graphicFrame>
+      <p:graphicFrame>
+        <p:nvGraphicFramePr>
+          <p:cNvPr id="7" name="オブジェクト 6">
+            <a:extLst>
+              <a:ext uri="{FF2B5EF4-FFF2-40B4-BE49-F238E27FC236}">
+                <a16:creationId xmlns:a16="http://schemas.microsoft.com/office/drawing/2014/main" id="{1ADC2F9F-EA55-4C35-8881-29706EB53944}"/>
+              </a:ext>
+            </a:extLst>
+          </p:cNvPr>
+          <p:cNvGraphicFramePr>
+            <a:graphicFrameLocks noChangeAspect="1"/>
+          </p:cNvGraphicFramePr>
+          <p:nvPr>
+            <p:extLst>
+              <p:ext uri="{D42A27DB-BD31-4B8C-83A1-F6EECF244321}">
+                <p14:modId xmlns:p14="http://schemas.microsoft.com/office/powerpoint/2010/main" val="94681359"/>
+              </p:ext>
+            </p:extLst>
+          </p:nvPr>
+        </p:nvGraphicFramePr>
+        <p:xfrm>
+          <a:off x="1784350" y="4289774"/>
+          <a:ext cx="2819400" cy="2019300"/>
+        </p:xfrm>
+        <a:graphic>
+          <a:graphicData uri="http://schemas.openxmlformats.org/presentationml/2006/ole">
+            <mc:AlternateContent xmlns:mc="http://schemas.openxmlformats.org/markup-compatibility/2006">
+              <mc:Choice xmlns:v="urn:schemas-microsoft-com:vml" Requires="v">
+                <p:oleObj spid="_x0000_s1029" name="Image" r:id="rId7" imgW="2818800" imgH="2018880" progId="Photoshop.Image.11">
+                  <p:embed/>
+                </p:oleObj>
+              </mc:Choice>
+              <mc:Fallback>
+                <p:oleObj name="Image" r:id="rId7" imgW="2818800" imgH="2018880" progId="Photoshop.Image.11">
+                  <p:embed/>
+                  <p:pic>
+                    <p:nvPicPr>
+                      <p:cNvPr id="0" name=""/>
+                      <p:cNvPicPr/>
+                      <p:nvPr/>
+                    </p:nvPicPr>
+                    <p:blipFill>
+                      <a:blip r:embed="rId8"/>
+                      <a:stretch>
+                        <a:fillRect/>
+                      </a:stretch>
+                    </p:blipFill>
+                    <p:spPr>
+                      <a:xfrm>
+                        <a:off x="1784350" y="4289774"/>
+                        <a:ext cx="2819400" cy="2019300"/>
+                      </a:xfrm>
+                      <a:prstGeom prst="rect">
+                        <a:avLst/>
+                      </a:prstGeom>
+                    </p:spPr>
+                  </p:pic>
+                </p:oleObj>
+              </mc:Fallback>
+            </mc:AlternateContent>
+          </a:graphicData>
+        </a:graphic>
+      </p:graphicFrame>
     </p:spTree>
     <p:extLst>
       <p:ext uri="{BB962C8B-B14F-4D97-AF65-F5344CB8AC3E}">
@@ -8324,6 +8534,66 @@
           </a:p>
         </p:txBody>
       </p:sp>
+      <p:pic>
+        <p:nvPicPr>
+          <p:cNvPr id="8" name="図 7">
+            <a:extLst>
+              <a:ext uri="{FF2B5EF4-FFF2-40B4-BE49-F238E27FC236}">
+                <a16:creationId xmlns:a16="http://schemas.microsoft.com/office/drawing/2014/main" id="{2EFCC41C-8547-4D05-B882-7E7915BC4B0F}"/>
+              </a:ext>
+            </a:extLst>
+          </p:cNvPr>
+          <p:cNvPicPr>
+            <a:picLocks noChangeAspect="1"/>
+          </p:cNvPicPr>
+          <p:nvPr/>
+        </p:nvPicPr>
+        <p:blipFill>
+          <a:blip r:embed="rId4"/>
+          <a:stretch>
+            <a:fillRect/>
+          </a:stretch>
+        </p:blipFill>
+        <p:spPr>
+          <a:xfrm>
+            <a:off x="3111751" y="2933364"/>
+            <a:ext cx="6825633" cy="1619852"/>
+          </a:xfrm>
+          <a:prstGeom prst="rect">
+            <a:avLst/>
+          </a:prstGeom>
+        </p:spPr>
+      </p:pic>
+      <p:pic>
+        <p:nvPicPr>
+          <p:cNvPr id="10" name="図 9">
+            <a:extLst>
+              <a:ext uri="{FF2B5EF4-FFF2-40B4-BE49-F238E27FC236}">
+                <a16:creationId xmlns:a16="http://schemas.microsoft.com/office/drawing/2014/main" id="{996035CB-D5DC-4EF8-B2E0-A63A2C36AEC8}"/>
+              </a:ext>
+            </a:extLst>
+          </p:cNvPr>
+          <p:cNvPicPr>
+            <a:picLocks noChangeAspect="1"/>
+          </p:cNvPicPr>
+          <p:nvPr/>
+        </p:nvPicPr>
+        <p:blipFill>
+          <a:blip r:embed="rId5"/>
+          <a:stretch>
+            <a:fillRect/>
+          </a:stretch>
+        </p:blipFill>
+        <p:spPr>
+          <a:xfrm>
+            <a:off x="3111751" y="4980180"/>
+            <a:ext cx="6825633" cy="1687656"/>
+          </a:xfrm>
+          <a:prstGeom prst="rect">
+            <a:avLst/>
+          </a:prstGeom>
+        </p:spPr>
+      </p:pic>
     </p:spTree>
     <p:extLst>
       <p:ext uri="{BB962C8B-B14F-4D97-AF65-F5344CB8AC3E}">
@@ -8492,6 +8762,140 @@
           </a:p>
         </p:txBody>
       </p:sp>
+      <p:pic>
+        <p:nvPicPr>
+          <p:cNvPr id="5" name="図 4">
+            <a:extLst>
+              <a:ext uri="{FF2B5EF4-FFF2-40B4-BE49-F238E27FC236}">
+                <a16:creationId xmlns:a16="http://schemas.microsoft.com/office/drawing/2014/main" id="{624F66BB-8072-4B0B-A866-53AD1A5905E5}"/>
+              </a:ext>
+            </a:extLst>
+          </p:cNvPr>
+          <p:cNvPicPr>
+            <a:picLocks noChangeAspect="1"/>
+          </p:cNvPicPr>
+          <p:nvPr/>
+        </p:nvPicPr>
+        <p:blipFill>
+          <a:blip r:embed="rId4"/>
+          <a:stretch>
+            <a:fillRect/>
+          </a:stretch>
+        </p:blipFill>
+        <p:spPr>
+          <a:xfrm>
+            <a:off x="1488207" y="3914517"/>
+            <a:ext cx="2058808" cy="1838223"/>
+          </a:xfrm>
+          <a:prstGeom prst="rect">
+            <a:avLst/>
+          </a:prstGeom>
+        </p:spPr>
+      </p:pic>
+      <p:pic>
+        <p:nvPicPr>
+          <p:cNvPr id="7" name="図 6">
+            <a:extLst>
+              <a:ext uri="{FF2B5EF4-FFF2-40B4-BE49-F238E27FC236}">
+                <a16:creationId xmlns:a16="http://schemas.microsoft.com/office/drawing/2014/main" id="{23C19729-52FD-4AED-AD23-135AAFBC87EB}"/>
+              </a:ext>
+            </a:extLst>
+          </p:cNvPr>
+          <p:cNvPicPr>
+            <a:picLocks noChangeAspect="1"/>
+          </p:cNvPicPr>
+          <p:nvPr/>
+        </p:nvPicPr>
+        <p:blipFill>
+          <a:blip r:embed="rId5"/>
+          <a:stretch>
+            <a:fillRect/>
+          </a:stretch>
+        </p:blipFill>
+        <p:spPr>
+          <a:xfrm>
+            <a:off x="8644986" y="3914517"/>
+            <a:ext cx="2382434" cy="1838223"/>
+          </a:xfrm>
+          <a:prstGeom prst="rect">
+            <a:avLst/>
+          </a:prstGeom>
+        </p:spPr>
+      </p:pic>
+      <p:pic>
+        <p:nvPicPr>
+          <p:cNvPr id="9" name="図 8">
+            <a:extLst>
+              <a:ext uri="{FF2B5EF4-FFF2-40B4-BE49-F238E27FC236}">
+                <a16:creationId xmlns:a16="http://schemas.microsoft.com/office/drawing/2014/main" id="{1D5A9A1A-E48B-4597-9478-9E6CBB4A4935}"/>
+              </a:ext>
+            </a:extLst>
+          </p:cNvPr>
+          <p:cNvPicPr>
+            <a:picLocks noChangeAspect="1"/>
+          </p:cNvPicPr>
+          <p:nvPr/>
+        </p:nvPicPr>
+        <p:blipFill>
+          <a:blip r:embed="rId6"/>
+          <a:stretch>
+            <a:fillRect/>
+          </a:stretch>
+        </p:blipFill>
+        <p:spPr>
+          <a:xfrm>
+            <a:off x="4976568" y="3914517"/>
+            <a:ext cx="2238861" cy="1838223"/>
+          </a:xfrm>
+          <a:prstGeom prst="rect">
+            <a:avLst/>
+          </a:prstGeom>
+        </p:spPr>
+      </p:pic>
+      <p:sp>
+        <p:nvSpPr>
+          <p:cNvPr id="12" name="矢印: 右 11">
+            <a:extLst>
+              <a:ext uri="{FF2B5EF4-FFF2-40B4-BE49-F238E27FC236}">
+                <a16:creationId xmlns:a16="http://schemas.microsoft.com/office/drawing/2014/main" id="{4755CD07-39A8-40E3-AA26-A74E6C911E7E}"/>
+              </a:ext>
+            </a:extLst>
+          </p:cNvPr>
+          <p:cNvSpPr/>
+          <p:nvPr/>
+        </p:nvSpPr>
+        <p:spPr>
+          <a:xfrm>
+            <a:off x="7422827" y="4460062"/>
+            <a:ext cx="1014761" cy="747131"/>
+          </a:xfrm>
+          <a:prstGeom prst="rightArrow">
+            <a:avLst/>
+          </a:prstGeom>
+        </p:spPr>
+        <p:style>
+          <a:lnRef idx="1">
+            <a:schemeClr val="accent2"/>
+          </a:lnRef>
+          <a:fillRef idx="2">
+            <a:schemeClr val="accent2"/>
+          </a:fillRef>
+          <a:effectRef idx="1">
+            <a:schemeClr val="accent2"/>
+          </a:effectRef>
+          <a:fontRef idx="minor">
+            <a:schemeClr val="dk1"/>
+          </a:fontRef>
+        </p:style>
+        <p:txBody>
+          <a:bodyPr rtlCol="0" anchor="ctr"/>
+          <a:lstStyle/>
+          <a:p>
+            <a:pPr algn="ctr"/>
+            <a:endParaRPr kumimoji="1" lang="ja-JP" altLang="en-US"/>
+          </a:p>
+        </p:txBody>
+      </p:sp>
     </p:spTree>
     <p:extLst>
       <p:ext uri="{BB962C8B-B14F-4D97-AF65-F5344CB8AC3E}">
@@ -8689,10 +9093,10 @@
       </p:sp>
       <p:pic>
         <p:nvPicPr>
-          <p:cNvPr id="6" name="図 5">
+          <p:cNvPr id="4" name="図 3">
             <a:extLst>
               <a:ext uri="{FF2B5EF4-FFF2-40B4-BE49-F238E27FC236}">
-                <a16:creationId xmlns:a16="http://schemas.microsoft.com/office/drawing/2014/main" id="{3A17B602-255F-45B4-BB40-8F5EABE64C35}"/>
+                <a16:creationId xmlns:a16="http://schemas.microsoft.com/office/drawing/2014/main" id="{5020C300-04ED-41E8-A621-E607D144B2C0}"/>
               </a:ext>
             </a:extLst>
           </p:cNvPr>
@@ -8709,18 +9113,42 @@
         </p:blipFill>
         <p:spPr>
           <a:xfrm>
-            <a:off x="1590545" y="4403607"/>
-            <a:ext cx="2133333" cy="1485714"/>
+            <a:off x="2128069" y="4262069"/>
+            <a:ext cx="2577746" cy="1837229"/>
           </a:xfrm>
           <a:prstGeom prst="rect">
             <a:avLst/>
           </a:prstGeom>
-          <a:ln>
-            <a:noFill/>
-          </a:ln>
-          <a:effectLst>
-            <a:softEdge rad="112500"/>
-          </a:effectLst>
+        </p:spPr>
+      </p:pic>
+      <p:pic>
+        <p:nvPicPr>
+          <p:cNvPr id="7" name="図 6">
+            <a:extLst>
+              <a:ext uri="{FF2B5EF4-FFF2-40B4-BE49-F238E27FC236}">
+                <a16:creationId xmlns:a16="http://schemas.microsoft.com/office/drawing/2014/main" id="{C64358FB-5848-4DB9-8FCA-53DD94CF3658}"/>
+              </a:ext>
+            </a:extLst>
+          </p:cNvPr>
+          <p:cNvPicPr>
+            <a:picLocks noChangeAspect="1"/>
+          </p:cNvPicPr>
+          <p:nvPr/>
+        </p:nvPicPr>
+        <p:blipFill>
+          <a:blip r:embed="rId5"/>
+          <a:stretch>
+            <a:fillRect/>
+          </a:stretch>
+        </p:blipFill>
+        <p:spPr>
+          <a:xfrm>
+            <a:off x="6833885" y="4262069"/>
+            <a:ext cx="2577745" cy="1837228"/>
+          </a:xfrm>
+          <a:prstGeom prst="rect">
+            <a:avLst/>
+          </a:prstGeom>
         </p:spPr>
       </p:pic>
     </p:spTree>

--- a/AsoGameSho.pptx
+++ b/AsoGameSho.pptx
@@ -211,7 +211,7 @@
           <a:p>
             <a:fld id="{D1713FBA-B853-4997-8442-745CCA304781}" type="datetimeFigureOut">
               <a:rPr kumimoji="1" lang="ja-JP" altLang="en-US" smtClean="0"/>
-              <a:t>2018/2/9</a:t>
+              <a:t>2018/2/10</a:t>
             </a:fld>
             <a:endParaRPr kumimoji="1" lang="ja-JP" altLang="en-US"/>
           </a:p>
@@ -638,6 +638,129 @@
           <a:bodyPr/>
           <a:lstStyle/>
           <a:p>
+            <a:r>
+              <a:rPr kumimoji="1" lang="ja-JP" altLang="en-US" dirty="0"/>
+              <a:t>舌で食パンをとっている感じ</a:t>
+            </a:r>
+            <a:endParaRPr kumimoji="1" lang="en-US" altLang="ja-JP" dirty="0"/>
+          </a:p>
+          <a:p>
+            <a:r>
+              <a:rPr kumimoji="1" lang="ja-JP" altLang="en-US" dirty="0"/>
+              <a:t>フィーバーボタン</a:t>
+            </a:r>
+            <a:r>
+              <a:rPr kumimoji="1" lang="en-US" altLang="ja-JP" dirty="0"/>
+              <a:t>(key Z,</a:t>
+            </a:r>
+            <a:r>
+              <a:rPr kumimoji="1" lang="ja-JP" altLang="en-US" dirty="0"/>
+              <a:t>   </a:t>
+            </a:r>
+            <a:r>
+              <a:rPr kumimoji="1" lang="en-US" altLang="ja-JP" dirty="0"/>
+              <a:t>pad Y)</a:t>
+            </a:r>
+            <a:r>
+              <a:rPr kumimoji="1" lang="ja-JP" altLang="en-US" dirty="0"/>
+              <a:t>押しました感の出る画像</a:t>
+            </a:r>
+            <a:r>
+              <a:rPr kumimoji="1" lang="en-US" altLang="ja-JP" dirty="0"/>
+              <a:t>(</a:t>
+            </a:r>
+            <a:r>
+              <a:rPr kumimoji="1" lang="ja-JP" altLang="en-US" dirty="0"/>
+              <a:t>何を言っているんだ</a:t>
+            </a:r>
+            <a:r>
+              <a:rPr kumimoji="1" lang="en-US" altLang="ja-JP" dirty="0"/>
+              <a:t>)</a:t>
+            </a:r>
+            <a:endParaRPr kumimoji="1" lang="ja-JP" altLang="en-US" dirty="0"/>
+          </a:p>
+        </p:txBody>
+      </p:sp>
+      <p:sp>
+        <p:nvSpPr>
+          <p:cNvPr id="4" name="スライド番号プレースホルダー 3"/>
+          <p:cNvSpPr>
+            <a:spLocks noGrp="1"/>
+          </p:cNvSpPr>
+          <p:nvPr>
+            <p:ph type="sldNum" sz="quarter" idx="10"/>
+          </p:nvPr>
+        </p:nvSpPr>
+        <p:spPr/>
+        <p:txBody>
+          <a:bodyPr/>
+          <a:lstStyle/>
+          <a:p>
+            <a:fld id="{0C56D7D3-23B3-4BB2-BA60-AC49FB66122B}" type="slidenum">
+              <a:rPr kumimoji="1" lang="ja-JP" altLang="en-US" smtClean="0"/>
+              <a:t>12</a:t>
+            </a:fld>
+            <a:endParaRPr kumimoji="1" lang="ja-JP" altLang="en-US"/>
+          </a:p>
+        </p:txBody>
+      </p:sp>
+    </p:spTree>
+    <p:extLst>
+      <p:ext uri="{BB962C8B-B14F-4D97-AF65-F5344CB8AC3E}">
+        <p14:creationId xmlns:p14="http://schemas.microsoft.com/office/powerpoint/2010/main" val="3902405496"/>
+      </p:ext>
+    </p:extLst>
+  </p:cSld>
+  <p:clrMapOvr>
+    <a:masterClrMapping/>
+  </p:clrMapOvr>
+</p:notes>
+</file>
+
+<file path=ppt/notesSlides/notesSlide11.xml><?xml version="1.0" encoding="utf-8"?>
+<p:notes xmlns:a="http://schemas.openxmlformats.org/drawingml/2006/main" xmlns:r="http://schemas.openxmlformats.org/officeDocument/2006/relationships" xmlns:p="http://schemas.openxmlformats.org/presentationml/2006/main">
+  <p:cSld>
+    <p:spTree>
+      <p:nvGrpSpPr>
+        <p:cNvPr id="1" name=""/>
+        <p:cNvGrpSpPr/>
+        <p:nvPr/>
+      </p:nvGrpSpPr>
+      <p:grpSpPr>
+        <a:xfrm>
+          <a:off x="0" y="0"/>
+          <a:ext cx="0" cy="0"/>
+          <a:chOff x="0" y="0"/>
+          <a:chExt cx="0" cy="0"/>
+        </a:xfrm>
+      </p:grpSpPr>
+      <p:sp>
+        <p:nvSpPr>
+          <p:cNvPr id="2" name="スライド イメージ プレースホルダー 1"/>
+          <p:cNvSpPr>
+            <a:spLocks noGrp="1" noRot="1" noChangeAspect="1"/>
+          </p:cNvSpPr>
+          <p:nvPr>
+            <p:ph type="sldImg"/>
+          </p:nvPr>
+        </p:nvSpPr>
+        <p:spPr/>
+      </p:sp>
+      <p:sp>
+        <p:nvSpPr>
+          <p:cNvPr id="3" name="ノート プレースホルダー 2"/>
+          <p:cNvSpPr>
+            <a:spLocks noGrp="1"/>
+          </p:cNvSpPr>
+          <p:nvPr>
+            <p:ph type="body" idx="1"/>
+          </p:nvPr>
+        </p:nvSpPr>
+        <p:spPr/>
+        <p:txBody>
+          <a:bodyPr/>
+          <a:lstStyle/>
+          <a:p>
             <a:endParaRPr kumimoji="1" lang="ja-JP" altLang="en-US" dirty="0"/>
           </a:p>
         </p:txBody>
@@ -743,7 +866,7 @@
           <a:p>
             <a:fld id="{0C56D7D3-23B3-4BB2-BA60-AC49FB66122B}" type="slidenum">
               <a:rPr kumimoji="1" lang="ja-JP" altLang="en-US" smtClean="0"/>
-              <a:t>5</a:t>
+              <a:t>4</a:t>
             </a:fld>
             <a:endParaRPr kumimoji="1" lang="ja-JP" altLang="en-US"/>
           </a:p>
@@ -752,7 +875,7 @@
     </p:spTree>
     <p:extLst>
       <p:ext uri="{BB962C8B-B14F-4D97-AF65-F5344CB8AC3E}">
-        <p14:creationId xmlns:p14="http://schemas.microsoft.com/office/powerpoint/2010/main" val="1101044721"/>
+        <p14:creationId xmlns:p14="http://schemas.microsoft.com/office/powerpoint/2010/main" val="2236300810"/>
       </p:ext>
     </p:extLst>
   </p:cSld>
@@ -806,29 +929,7 @@
           <a:bodyPr/>
           <a:lstStyle/>
           <a:p>
-            <a:r>
-              <a:rPr kumimoji="1" lang="ja-JP" altLang="en-US" dirty="0"/>
-              <a:t>引っ張る床の画像</a:t>
-            </a:r>
-            <a:endParaRPr kumimoji="1" lang="en-US" altLang="ja-JP" dirty="0"/>
-          </a:p>
-          <a:p>
-            <a:r>
-              <a:rPr kumimoji="1" lang="en-US" altLang="ja-JP" dirty="0"/>
-              <a:t>Tutorial</a:t>
-            </a:r>
-            <a:r>
-              <a:rPr kumimoji="1" lang="ja-JP" altLang="en-US" dirty="0"/>
-              <a:t>の引っ張っているほう</a:t>
-            </a:r>
-            <a:endParaRPr kumimoji="1" lang="en-US" altLang="ja-JP" dirty="0"/>
-          </a:p>
-          <a:p>
-            <a:r>
-              <a:rPr kumimoji="1" lang="ja-JP" altLang="en-US" dirty="0"/>
-              <a:t>したで鍵とっているふぅ</a:t>
-            </a:r>
-            <a:endParaRPr kumimoji="1" lang="en-US" altLang="ja-JP" dirty="0"/>
+            <a:endParaRPr kumimoji="1" lang="ja-JP" altLang="en-US" dirty="0"/>
           </a:p>
         </p:txBody>
       </p:sp>
@@ -849,7 +950,7 @@
           <a:p>
             <a:fld id="{0C56D7D3-23B3-4BB2-BA60-AC49FB66122B}" type="slidenum">
               <a:rPr kumimoji="1" lang="ja-JP" altLang="en-US" smtClean="0"/>
-              <a:t>6</a:t>
+              <a:t>5</a:t>
             </a:fld>
             <a:endParaRPr kumimoji="1" lang="ja-JP" altLang="en-US"/>
           </a:p>
@@ -858,7 +959,7 @@
     </p:spTree>
     <p:extLst>
       <p:ext uri="{BB962C8B-B14F-4D97-AF65-F5344CB8AC3E}">
-        <p14:creationId xmlns:p14="http://schemas.microsoft.com/office/powerpoint/2010/main" val="2670573641"/>
+        <p14:creationId xmlns:p14="http://schemas.microsoft.com/office/powerpoint/2010/main" val="1101044721"/>
       </p:ext>
     </p:extLst>
   </p:cSld>
@@ -914,8 +1015,27 @@
           <a:p>
             <a:r>
               <a:rPr kumimoji="1" lang="ja-JP" altLang="en-US" dirty="0"/>
-              <a:t>展示用操作説明画像你好</a:t>
-            </a:r>
+              <a:t>引っ張る床の画像</a:t>
+            </a:r>
+            <a:endParaRPr kumimoji="1" lang="en-US" altLang="ja-JP" dirty="0"/>
+          </a:p>
+          <a:p>
+            <a:r>
+              <a:rPr kumimoji="1" lang="en-US" altLang="ja-JP" dirty="0"/>
+              <a:t>Tutorial</a:t>
+            </a:r>
+            <a:r>
+              <a:rPr kumimoji="1" lang="ja-JP" altLang="en-US" dirty="0"/>
+              <a:t>の引っ張っているほう</a:t>
+            </a:r>
+            <a:endParaRPr kumimoji="1" lang="en-US" altLang="ja-JP" dirty="0"/>
+          </a:p>
+          <a:p>
+            <a:r>
+              <a:rPr kumimoji="1" lang="ja-JP" altLang="en-US" dirty="0"/>
+              <a:t>したで鍵とっているふぅ</a:t>
+            </a:r>
+            <a:endParaRPr kumimoji="1" lang="en-US" altLang="ja-JP" dirty="0"/>
           </a:p>
         </p:txBody>
       </p:sp>
@@ -936,7 +1056,7 @@
           <a:p>
             <a:fld id="{0C56D7D3-23B3-4BB2-BA60-AC49FB66122B}" type="slidenum">
               <a:rPr kumimoji="1" lang="ja-JP" altLang="en-US" smtClean="0"/>
-              <a:t>7</a:t>
+              <a:t>6</a:t>
             </a:fld>
             <a:endParaRPr kumimoji="1" lang="ja-JP" altLang="en-US"/>
           </a:p>
@@ -945,7 +1065,7 @@
     </p:spTree>
     <p:extLst>
       <p:ext uri="{BB962C8B-B14F-4D97-AF65-F5344CB8AC3E}">
-        <p14:creationId xmlns:p14="http://schemas.microsoft.com/office/powerpoint/2010/main" val="2471867663"/>
+        <p14:creationId xmlns:p14="http://schemas.microsoft.com/office/powerpoint/2010/main" val="2670573641"/>
       </p:ext>
     </p:extLst>
   </p:cSld>
@@ -1001,21 +1121,7 @@
           <a:p>
             <a:r>
               <a:rPr kumimoji="1" lang="ja-JP" altLang="en-US" dirty="0"/>
-              <a:t>舌が当たって敵混乱</a:t>
-            </a:r>
-            <a:endParaRPr kumimoji="1" lang="en-US" altLang="ja-JP" dirty="0"/>
-          </a:p>
-          <a:p>
-            <a:r>
-              <a:rPr kumimoji="1" lang="ja-JP" altLang="en-US" dirty="0"/>
-              <a:t>警戒度が上がる前の敵</a:t>
-            </a:r>
-            <a:endParaRPr kumimoji="1" lang="en-US" altLang="ja-JP" dirty="0"/>
-          </a:p>
-          <a:p>
-            <a:r>
-              <a:rPr kumimoji="1" lang="ja-JP" altLang="en-US" dirty="0"/>
-              <a:t>上がった後</a:t>
+              <a:t>展示用操作説明画像你好</a:t>
             </a:r>
           </a:p>
         </p:txBody>
@@ -1037,7 +1143,7 @@
           <a:p>
             <a:fld id="{0C56D7D3-23B3-4BB2-BA60-AC49FB66122B}" type="slidenum">
               <a:rPr kumimoji="1" lang="ja-JP" altLang="en-US" smtClean="0"/>
-              <a:t>8</a:t>
+              <a:t>7</a:t>
             </a:fld>
             <a:endParaRPr kumimoji="1" lang="ja-JP" altLang="en-US"/>
           </a:p>
@@ -1046,7 +1152,7 @@
     </p:spTree>
     <p:extLst>
       <p:ext uri="{BB962C8B-B14F-4D97-AF65-F5344CB8AC3E}">
-        <p14:creationId xmlns:p14="http://schemas.microsoft.com/office/powerpoint/2010/main" val="2571610801"/>
+        <p14:creationId xmlns:p14="http://schemas.microsoft.com/office/powerpoint/2010/main" val="2471867663"/>
       </p:ext>
     </p:extLst>
   </p:cSld>
@@ -1102,14 +1208,21 @@
           <a:p>
             <a:r>
               <a:rPr kumimoji="1" lang="ja-JP" altLang="en-US" dirty="0"/>
-              <a:t>背景を少し変えるくらい</a:t>
+              <a:t>舌が当たって敵混乱</a:t>
             </a:r>
             <a:endParaRPr kumimoji="1" lang="en-US" altLang="ja-JP" dirty="0"/>
           </a:p>
           <a:p>
             <a:r>
               <a:rPr kumimoji="1" lang="ja-JP" altLang="en-US" dirty="0"/>
-              <a:t>センサー当たってみえない？出てるやつ</a:t>
+              <a:t>警戒度が上がる前の敵</a:t>
+            </a:r>
+            <a:endParaRPr kumimoji="1" lang="en-US" altLang="ja-JP" dirty="0"/>
+          </a:p>
+          <a:p>
+            <a:r>
+              <a:rPr kumimoji="1" lang="ja-JP" altLang="en-US" dirty="0"/>
+              <a:t>上がった後</a:t>
             </a:r>
           </a:p>
         </p:txBody>
@@ -1131,7 +1244,7 @@
           <a:p>
             <a:fld id="{0C56D7D3-23B3-4BB2-BA60-AC49FB66122B}" type="slidenum">
               <a:rPr kumimoji="1" lang="ja-JP" altLang="en-US" smtClean="0"/>
-              <a:t>9</a:t>
+              <a:t>8</a:t>
             </a:fld>
             <a:endParaRPr kumimoji="1" lang="ja-JP" altLang="en-US"/>
           </a:p>
@@ -1140,7 +1253,7 @@
     </p:spTree>
     <p:extLst>
       <p:ext uri="{BB962C8B-B14F-4D97-AF65-F5344CB8AC3E}">
-        <p14:creationId xmlns:p14="http://schemas.microsoft.com/office/powerpoint/2010/main" val="1406644140"/>
+        <p14:creationId xmlns:p14="http://schemas.microsoft.com/office/powerpoint/2010/main" val="2571610801"/>
       </p:ext>
     </p:extLst>
   </p:cSld>
@@ -1196,14 +1309,14 @@
           <a:p>
             <a:r>
               <a:rPr kumimoji="1" lang="ja-JP" altLang="en-US" dirty="0"/>
-              <a:t>しゃがみ画像</a:t>
+              <a:t>背景を少し変えるくらい</a:t>
             </a:r>
             <a:endParaRPr kumimoji="1" lang="en-US" altLang="ja-JP" dirty="0"/>
           </a:p>
           <a:p>
             <a:r>
               <a:rPr kumimoji="1" lang="ja-JP" altLang="en-US" dirty="0"/>
-              <a:t>背景統一</a:t>
+              <a:t>センサー当たってみえない？出てるやつ</a:t>
             </a:r>
           </a:p>
         </p:txBody>
@@ -1225,7 +1338,7 @@
           <a:p>
             <a:fld id="{0C56D7D3-23B3-4BB2-BA60-AC49FB66122B}" type="slidenum">
               <a:rPr kumimoji="1" lang="ja-JP" altLang="en-US" smtClean="0"/>
-              <a:t>10</a:t>
+              <a:t>9</a:t>
             </a:fld>
             <a:endParaRPr kumimoji="1" lang="ja-JP" altLang="en-US"/>
           </a:p>
@@ -1234,7 +1347,7 @@
     </p:spTree>
     <p:extLst>
       <p:ext uri="{BB962C8B-B14F-4D97-AF65-F5344CB8AC3E}">
-        <p14:creationId xmlns:p14="http://schemas.microsoft.com/office/powerpoint/2010/main" val="7046846"/>
+        <p14:creationId xmlns:p14="http://schemas.microsoft.com/office/powerpoint/2010/main" val="1406644140"/>
       </p:ext>
     </p:extLst>
   </p:cSld>
@@ -1289,14 +1402,16 @@
           <a:lstStyle/>
           <a:p>
             <a:r>
-              <a:rPr kumimoji="1" lang="en-US" altLang="ja-JP" dirty="0"/>
-              <a:t>All </a:t>
-            </a:r>
-            <a:r>
-              <a:rPr kumimoji="1" lang="en-US" altLang="ja-JP" dirty="0" err="1"/>
-              <a:t>stels</a:t>
-            </a:r>
-            <a:endParaRPr kumimoji="1" lang="ja-JP" altLang="en-US" dirty="0"/>
+              <a:rPr kumimoji="1" lang="ja-JP" altLang="en-US" dirty="0"/>
+              <a:t>しゃがみ画像</a:t>
+            </a:r>
+            <a:endParaRPr kumimoji="1" lang="en-US" altLang="ja-JP" dirty="0"/>
+          </a:p>
+          <a:p>
+            <a:r>
+              <a:rPr kumimoji="1" lang="ja-JP" altLang="en-US" dirty="0"/>
+              <a:t>背景統一</a:t>
+            </a:r>
           </a:p>
         </p:txBody>
       </p:sp>
@@ -1317,7 +1432,7 @@
           <a:p>
             <a:fld id="{0C56D7D3-23B3-4BB2-BA60-AC49FB66122B}" type="slidenum">
               <a:rPr kumimoji="1" lang="ja-JP" altLang="en-US" smtClean="0"/>
-              <a:t>11</a:t>
+              <a:t>10</a:t>
             </a:fld>
             <a:endParaRPr kumimoji="1" lang="ja-JP" altLang="en-US"/>
           </a:p>
@@ -1326,7 +1441,7 @@
     </p:spTree>
     <p:extLst>
       <p:ext uri="{BB962C8B-B14F-4D97-AF65-F5344CB8AC3E}">
-        <p14:creationId xmlns:p14="http://schemas.microsoft.com/office/powerpoint/2010/main" val="82442073"/>
+        <p14:creationId xmlns:p14="http://schemas.microsoft.com/office/powerpoint/2010/main" val="7046846"/>
       </p:ext>
     </p:extLst>
   </p:cSld>
@@ -1381,43 +1496,12 @@
           <a:lstStyle/>
           <a:p>
             <a:r>
-              <a:rPr kumimoji="1" lang="ja-JP" altLang="en-US" dirty="0"/>
-              <a:t>舌で食パンをとっている感じ</a:t>
-            </a:r>
-            <a:endParaRPr kumimoji="1" lang="en-US" altLang="ja-JP" dirty="0"/>
-          </a:p>
-          <a:p>
-            <a:r>
-              <a:rPr kumimoji="1" lang="ja-JP" altLang="en-US" dirty="0"/>
-              <a:t>フィーバーボタン</a:t>
-            </a:r>
-            <a:r>
               <a:rPr kumimoji="1" lang="en-US" altLang="ja-JP" dirty="0"/>
-              <a:t>(key Z,</a:t>
-            </a:r>
-            <a:r>
-              <a:rPr kumimoji="1" lang="ja-JP" altLang="en-US" dirty="0"/>
-              <a:t>   </a:t>
-            </a:r>
-            <a:r>
-              <a:rPr kumimoji="1" lang="en-US" altLang="ja-JP" dirty="0"/>
-              <a:t>pad Y)</a:t>
-            </a:r>
-            <a:r>
-              <a:rPr kumimoji="1" lang="ja-JP" altLang="en-US" dirty="0"/>
-              <a:t>押しました感の出る画像</a:t>
-            </a:r>
-            <a:r>
-              <a:rPr kumimoji="1" lang="en-US" altLang="ja-JP" dirty="0"/>
-              <a:t>(</a:t>
-            </a:r>
-            <a:r>
-              <a:rPr kumimoji="1" lang="ja-JP" altLang="en-US" dirty="0"/>
-              <a:t>何を言っているんだ</a:t>
-            </a:r>
-            <a:r>
-              <a:rPr kumimoji="1" lang="en-US" altLang="ja-JP" dirty="0"/>
-              <a:t>)</a:t>
+              <a:t>All </a:t>
+            </a:r>
+            <a:r>
+              <a:rPr kumimoji="1" lang="en-US" altLang="ja-JP" dirty="0" err="1"/>
+              <a:t>stels</a:t>
             </a:r>
             <a:endParaRPr kumimoji="1" lang="ja-JP" altLang="en-US" dirty="0"/>
           </a:p>
@@ -1440,7 +1524,7 @@
           <a:p>
             <a:fld id="{0C56D7D3-23B3-4BB2-BA60-AC49FB66122B}" type="slidenum">
               <a:rPr kumimoji="1" lang="ja-JP" altLang="en-US" smtClean="0"/>
-              <a:t>12</a:t>
+              <a:t>11</a:t>
             </a:fld>
             <a:endParaRPr kumimoji="1" lang="ja-JP" altLang="en-US"/>
           </a:p>
@@ -1449,7 +1533,7 @@
     </p:spTree>
     <p:extLst>
       <p:ext uri="{BB962C8B-B14F-4D97-AF65-F5344CB8AC3E}">
-        <p14:creationId xmlns:p14="http://schemas.microsoft.com/office/powerpoint/2010/main" val="3902405496"/>
+        <p14:creationId xmlns:p14="http://schemas.microsoft.com/office/powerpoint/2010/main" val="82442073"/>
       </p:ext>
     </p:extLst>
   </p:cSld>
@@ -1602,7 +1686,7 @@
             <a:fld id="{B61BEF0D-F0BB-DE4B-95CE-6DB70DBA9567}" type="datetimeFigureOut">
               <a:rPr lang="en-US" smtClean="0"/>
               <a:pPr/>
-              <a:t>2/9/2018</a:t>
+              <a:t>2/10/2018</a:t>
             </a:fld>
             <a:endParaRPr lang="en-US" dirty="0"/>
           </a:p>
@@ -1806,7 +1890,7 @@
             <a:fld id="{B61BEF0D-F0BB-DE4B-95CE-6DB70DBA9567}" type="datetimeFigureOut">
               <a:rPr lang="en-US" smtClean="0"/>
               <a:pPr/>
-              <a:t>2/9/2018</a:t>
+              <a:t>2/10/2018</a:t>
             </a:fld>
             <a:endParaRPr lang="en-US" dirty="0"/>
           </a:p>
@@ -2020,7 +2104,7 @@
             <a:fld id="{B61BEF0D-F0BB-DE4B-95CE-6DB70DBA9567}" type="datetimeFigureOut">
               <a:rPr lang="en-US" smtClean="0"/>
               <a:pPr/>
-              <a:t>2/9/2018</a:t>
+              <a:t>2/10/2018</a:t>
             </a:fld>
             <a:endParaRPr lang="en-US" dirty="0"/>
           </a:p>
@@ -2224,7 +2308,7 @@
             <a:fld id="{B61BEF0D-F0BB-DE4B-95CE-6DB70DBA9567}" type="datetimeFigureOut">
               <a:rPr lang="en-US" smtClean="0"/>
               <a:pPr/>
-              <a:t>2/9/2018</a:t>
+              <a:t>2/10/2018</a:t>
             </a:fld>
             <a:endParaRPr lang="en-US" dirty="0"/>
           </a:p>
@@ -2477,7 +2561,7 @@
             <a:fld id="{B61BEF0D-F0BB-DE4B-95CE-6DB70DBA9567}" type="datetimeFigureOut">
               <a:rPr lang="en-US" smtClean="0"/>
               <a:pPr/>
-              <a:t>2/9/2018</a:t>
+              <a:t>2/10/2018</a:t>
             </a:fld>
             <a:endParaRPr lang="en-US" dirty="0"/>
           </a:p>
@@ -2774,7 +2858,7 @@
           <a:p>
             <a:fld id="{EB712588-04B1-427B-82EE-E8DB90309F08}" type="datetimeFigureOut">
               <a:rPr lang="en-US" smtClean="0"/>
-              <a:t>2/9/2018</a:t>
+              <a:t>2/10/2018</a:t>
             </a:fld>
             <a:endParaRPr lang="en-US" dirty="0"/>
           </a:p>
@@ -3191,7 +3275,7 @@
             <a:fld id="{B61BEF0D-F0BB-DE4B-95CE-6DB70DBA9567}" type="datetimeFigureOut">
               <a:rPr lang="en-US" smtClean="0"/>
               <a:pPr/>
-              <a:t>2/9/2018</a:t>
+              <a:t>2/10/2018</a:t>
             </a:fld>
             <a:endParaRPr lang="en-US" dirty="0"/>
           </a:p>
@@ -3316,7 +3400,7 @@
             <a:fld id="{B61BEF0D-F0BB-DE4B-95CE-6DB70DBA9567}" type="datetimeFigureOut">
               <a:rPr lang="en-US" smtClean="0"/>
               <a:pPr/>
-              <a:t>2/9/2018</a:t>
+              <a:t>2/10/2018</a:t>
             </a:fld>
             <a:endParaRPr lang="en-US" dirty="0"/>
           </a:p>
@@ -3436,7 +3520,7 @@
             <a:fld id="{B61BEF0D-F0BB-DE4B-95CE-6DB70DBA9567}" type="datetimeFigureOut">
               <a:rPr lang="en-US" smtClean="0"/>
               <a:pPr/>
-              <a:t>2/9/2018</a:t>
+              <a:t>2/10/2018</a:t>
             </a:fld>
             <a:endParaRPr lang="en-US" dirty="0"/>
           </a:p>
@@ -3754,7 +3838,7 @@
             <a:fld id="{B61BEF0D-F0BB-DE4B-95CE-6DB70DBA9567}" type="datetimeFigureOut">
               <a:rPr lang="en-US" smtClean="0"/>
               <a:pPr/>
-              <a:t>2/9/2018</a:t>
+              <a:t>2/10/2018</a:t>
             </a:fld>
             <a:endParaRPr lang="en-US" dirty="0"/>
           </a:p>
@@ -4025,7 +4109,7 @@
             <a:fld id="{B61BEF0D-F0BB-DE4B-95CE-6DB70DBA9567}" type="datetimeFigureOut">
               <a:rPr lang="en-US" smtClean="0"/>
               <a:pPr/>
-              <a:t>2/9/2018</a:t>
+              <a:t>2/10/2018</a:t>
             </a:fld>
             <a:endParaRPr lang="en-US" dirty="0"/>
           </a:p>
@@ -4273,7 +4357,7 @@
             <a:fld id="{B61BEF0D-F0BB-DE4B-95CE-6DB70DBA9567}" type="datetimeFigureOut">
               <a:rPr lang="en-US" smtClean="0"/>
               <a:pPr/>
-              <a:t>2/9/2018</a:t>
+              <a:t>2/10/2018</a:t>
             </a:fld>
             <a:endParaRPr lang="en-US" dirty="0"/>
           </a:p>
@@ -4695,7 +4779,7 @@
         </p:blipFill>
         <p:spPr>
           <a:xfrm rot="16200000">
-            <a:off x="2660382" y="-2633472"/>
+            <a:off x="2660382" y="-2666722"/>
             <a:ext cx="6871236" cy="12192000"/>
           </a:xfrm>
           <a:prstGeom prst="rect">
@@ -4705,45 +4789,13 @@
       </p:pic>
       <p:sp>
         <p:nvSpPr>
-          <p:cNvPr id="3" name="サブタイトル 2"/>
-          <p:cNvSpPr>
-            <a:spLocks noGrp="1"/>
-          </p:cNvSpPr>
-          <p:nvPr>
-            <p:ph type="subTitle" idx="1"/>
-          </p:nvPr>
-        </p:nvSpPr>
-        <p:spPr>
-          <a:xfrm>
-            <a:off x="1695969" y="3429000"/>
-            <a:ext cx="9144000" cy="1655762"/>
-          </a:xfrm>
-        </p:spPr>
-        <p:txBody>
-          <a:bodyPr>
-            <a:normAutofit/>
-          </a:bodyPr>
-          <a:lstStyle/>
-          <a:p>
-            <a:r>
-              <a:rPr kumimoji="1" lang="ja-JP" altLang="en-US" sz="4000" dirty="0">
-                <a:latin typeface="HGS創英角ﾎﾟｯﾌﾟ体" panose="040B0A00000000000000" pitchFamily="50" charset="-128"/>
-                <a:ea typeface="HGS創英角ﾎﾟｯﾌﾟ体" panose="040B0A00000000000000" pitchFamily="50" charset="-128"/>
-              </a:rPr>
-              <a:t>ステルスアクションゲーム</a:t>
-            </a:r>
-          </a:p>
-        </p:txBody>
-      </p:sp>
-      <p:sp>
-        <p:nvSpPr>
           <p:cNvPr id="5" name="テキスト ボックス 4"/>
           <p:cNvSpPr txBox="1"/>
           <p:nvPr/>
         </p:nvSpPr>
         <p:spPr>
           <a:xfrm>
-            <a:off x="2805545" y="4423042"/>
+            <a:off x="2785860" y="4256881"/>
             <a:ext cx="9164782" cy="1323439"/>
           </a:xfrm>
           <a:prstGeom prst="rect">
@@ -4785,8 +4837,8 @@
         </p:nvSpPr>
         <p:spPr>
           <a:xfrm>
-            <a:off x="2785860" y="5084761"/>
-            <a:ext cx="7372312" cy="830997"/>
+            <a:off x="2569710" y="5050355"/>
+            <a:ext cx="7372312" cy="1569660"/>
           </a:xfrm>
           <a:prstGeom prst="rect">
             <a:avLst/>
@@ -4804,35 +4856,21 @@
                 <a:latin typeface="HGS創英角ﾎﾟｯﾌﾟ体" panose="040B0A00000000000000" pitchFamily="50" charset="-128"/>
                 <a:ea typeface="HGS創英角ﾎﾟｯﾌﾟ体" panose="040B0A00000000000000" pitchFamily="50" charset="-128"/>
               </a:rPr>
-              <a:t>メンバー</a:t>
+              <a:t>メンバー　ゲームクリエータ科２年　金田　光輝</a:t>
             </a:r>
             <a:r>
               <a:rPr kumimoji="1" lang="en-US" altLang="ja-JP" sz="2400" dirty="0">
                 <a:latin typeface="HGS創英角ﾎﾟｯﾌﾟ体" panose="040B0A00000000000000" pitchFamily="50" charset="-128"/>
                 <a:ea typeface="HGS創英角ﾎﾟｯﾌﾟ体" panose="040B0A00000000000000" pitchFamily="50" charset="-128"/>
               </a:rPr>
-              <a:t>		</a:t>
+              <a:t>	</a:t>
             </a:r>
             <a:r>
               <a:rPr kumimoji="1" lang="ja-JP" altLang="en-US" sz="2400" dirty="0">
                 <a:latin typeface="HGS創英角ﾎﾟｯﾌﾟ体" panose="040B0A00000000000000" pitchFamily="50" charset="-128"/>
                 <a:ea typeface="HGS創英角ﾎﾟｯﾌﾟ体" panose="040B0A00000000000000" pitchFamily="50" charset="-128"/>
               </a:rPr>
-              <a:t>金田　光輝</a:t>
-            </a:r>
-            <a:r>
-              <a:rPr kumimoji="1" lang="en-US" altLang="ja-JP" sz="2400" dirty="0">
-                <a:latin typeface="HGS創英角ﾎﾟｯﾌﾟ体" panose="040B0A00000000000000" pitchFamily="50" charset="-128"/>
-                <a:ea typeface="HGS創英角ﾎﾟｯﾌﾟ体" panose="040B0A00000000000000" pitchFamily="50" charset="-128"/>
-              </a:rPr>
-              <a:t>		</a:t>
-            </a:r>
-            <a:r>
-              <a:rPr kumimoji="1" lang="ja-JP" altLang="en-US" sz="2400" dirty="0">
-                <a:latin typeface="HGS創英角ﾎﾟｯﾌﾟ体" panose="040B0A00000000000000" pitchFamily="50" charset="-128"/>
-                <a:ea typeface="HGS創英角ﾎﾟｯﾌﾟ体" panose="040B0A00000000000000" pitchFamily="50" charset="-128"/>
-              </a:rPr>
-              <a:t>井手　啓輔</a:t>
+              <a:t>　　ゲームクリエータ科２年　井手　啓輔</a:t>
             </a:r>
             <a:endParaRPr kumimoji="1" lang="en-US" altLang="ja-JP" sz="2400" dirty="0">
               <a:latin typeface="HGS創英角ﾎﾟｯﾌﾟ体" panose="040B0A00000000000000" pitchFamily="50" charset="-128"/>
@@ -4845,28 +4883,42 @@
                 <a:latin typeface="HGS創英角ﾎﾟｯﾌﾟ体" panose="040B0A00000000000000" pitchFamily="50" charset="-128"/>
                 <a:ea typeface="HGS創英角ﾎﾟｯﾌﾟ体" panose="040B0A00000000000000" pitchFamily="50" charset="-128"/>
               </a:rPr>
-              <a:t>			</a:t>
+              <a:t>	      </a:t>
             </a:r>
             <a:r>
               <a:rPr kumimoji="1" lang="ja-JP" altLang="en-US" sz="2400" dirty="0">
                 <a:latin typeface="HGS創英角ﾎﾟｯﾌﾟ体" panose="040B0A00000000000000" pitchFamily="50" charset="-128"/>
                 <a:ea typeface="HGS創英角ﾎﾟｯﾌﾟ体" panose="040B0A00000000000000" pitchFamily="50" charset="-128"/>
               </a:rPr>
-              <a:t>辻　　 陵太</a:t>
+              <a:t>ゲームクリエータ科２年</a:t>
             </a:r>
             <a:r>
               <a:rPr kumimoji="1" lang="en-US" altLang="ja-JP" sz="2400" dirty="0">
                 <a:latin typeface="HGS創英角ﾎﾟｯﾌﾟ体" panose="040B0A00000000000000" pitchFamily="50" charset="-128"/>
                 <a:ea typeface="HGS創英角ﾎﾟｯﾌﾟ体" panose="040B0A00000000000000" pitchFamily="50" charset="-128"/>
               </a:rPr>
-              <a:t>		</a:t>
+              <a:t>   </a:t>
             </a:r>
             <a:r>
               <a:rPr kumimoji="1" lang="ja-JP" altLang="en-US" sz="2400" dirty="0">
                 <a:latin typeface="HGS創英角ﾎﾟｯﾌﾟ体" panose="040B0A00000000000000" pitchFamily="50" charset="-128"/>
                 <a:ea typeface="HGS創英角ﾎﾟｯﾌﾟ体" panose="040B0A00000000000000" pitchFamily="50" charset="-128"/>
               </a:rPr>
-              <a:t>中村　葵</a:t>
+              <a:t>辻　　陵太</a:t>
+            </a:r>
+            <a:r>
+              <a:rPr kumimoji="1" lang="en-US" altLang="ja-JP" sz="2400" dirty="0">
+                <a:latin typeface="HGS創英角ﾎﾟｯﾌﾟ体" panose="040B0A00000000000000" pitchFamily="50" charset="-128"/>
+                <a:ea typeface="HGS創英角ﾎﾟｯﾌﾟ体" panose="040B0A00000000000000" pitchFamily="50" charset="-128"/>
+              </a:rPr>
+              <a:t>	      </a:t>
+            </a:r>
+            <a:r>
+              <a:rPr kumimoji="1" lang="ja-JP" altLang="en-US" sz="2400" dirty="0">
+                <a:latin typeface="HGS創英角ﾎﾟｯﾌﾟ体" panose="040B0A00000000000000" pitchFamily="50" charset="-128"/>
+                <a:ea typeface="HGS創英角ﾎﾟｯﾌﾟ体" panose="040B0A00000000000000" pitchFamily="50" charset="-128"/>
+              </a:rPr>
+              <a:t>ゲームクリエータ科２年   中村　葵</a:t>
             </a:r>
           </a:p>
         </p:txBody>
@@ -4893,8 +4945,8 @@
         </p:blipFill>
         <p:spPr>
           <a:xfrm>
-            <a:off x="2595360" y="-408121"/>
-            <a:ext cx="6355951" cy="5084761"/>
+            <a:off x="1298575" y="-798145"/>
+            <a:ext cx="9164782" cy="6555648"/>
           </a:xfrm>
           <a:prstGeom prst="rect">
             <a:avLst/>
@@ -5141,7 +5193,7 @@
                 <a:latin typeface="HGS創英角ﾎﾟｯﾌﾟ体" panose="040B0A00000000000000" pitchFamily="50" charset="-128"/>
                 <a:ea typeface="HGS創英角ﾎﾟｯﾌﾟ体" panose="040B0A00000000000000" pitchFamily="50" charset="-128"/>
               </a:rPr>
-              <a:t>　　舌の出る位置を下げることができます。</a:t>
+              <a:t>　　主に舌の出る位置を下げたいときに使います。</a:t>
             </a:r>
             <a:endParaRPr kumimoji="1" lang="en-US" altLang="ja-JP" sz="3200" dirty="0">
               <a:latin typeface="HGS創英角ﾎﾟｯﾌﾟ体" panose="040B0A00000000000000" pitchFamily="50" charset="-128"/>
@@ -5172,7 +5224,7 @@
         </p:blipFill>
         <p:spPr>
           <a:xfrm>
-            <a:off x="6932341" y="302359"/>
+            <a:off x="6095999" y="302359"/>
             <a:ext cx="1456307" cy="1564988"/>
           </a:xfrm>
           <a:prstGeom prst="rect">
@@ -5202,7 +5254,7 @@
         </p:blipFill>
         <p:spPr>
           <a:xfrm>
-            <a:off x="9685078" y="1438507"/>
+            <a:off x="9685077" y="1372005"/>
             <a:ext cx="1453989" cy="1537414"/>
           </a:xfrm>
           <a:prstGeom prst="rect">
@@ -5232,7 +5284,7 @@
         </p:blipFill>
         <p:spPr>
           <a:xfrm>
-            <a:off x="8729969" y="4460065"/>
+            <a:off x="8966441" y="4220255"/>
             <a:ext cx="1682103" cy="1265740"/>
           </a:xfrm>
           <a:prstGeom prst="rect">
@@ -5518,7 +5570,7 @@
         </p:blipFill>
         <p:spPr>
           <a:xfrm>
-            <a:off x="2272400" y="4524860"/>
+            <a:off x="1337879" y="4524860"/>
             <a:ext cx="2394111" cy="1657958"/>
           </a:xfrm>
           <a:prstGeom prst="rect">
@@ -5754,7 +5806,7 @@
         </p:blipFill>
         <p:spPr>
           <a:xfrm>
-            <a:off x="8870955" y="3325825"/>
+            <a:off x="6560358" y="3429000"/>
             <a:ext cx="2257709" cy="1924184"/>
           </a:xfrm>
           <a:prstGeom prst="rect">
@@ -5790,7 +5842,7 @@
         </p:blipFill>
         <p:spPr>
           <a:xfrm>
-            <a:off x="2431387" y="3721148"/>
+            <a:off x="1407107" y="4122857"/>
             <a:ext cx="1779318" cy="2154549"/>
           </a:xfrm>
           <a:prstGeom prst="rect">
@@ -5873,7 +5925,7 @@
         <p:spPr>
           <a:xfrm>
             <a:off x="330895" y="187298"/>
-            <a:ext cx="888305" cy="769441"/>
+            <a:ext cx="2229425" cy="769441"/>
           </a:xfrm>
           <a:prstGeom prst="rect">
             <a:avLst/>
@@ -5894,7 +5946,7 @@
                 <a:latin typeface="UD デジタル 教科書体 NK-B" panose="02020700000000000000" pitchFamily="18" charset="-128"/>
                 <a:ea typeface="UD デジタル 教科書体 NK-B" panose="02020700000000000000" pitchFamily="18" charset="-128"/>
               </a:rPr>
-              <a:t>敵</a:t>
+              <a:t>～敵～</a:t>
             </a:r>
           </a:p>
         </p:txBody>
@@ -5937,7 +5989,7 @@
                 <a:latin typeface="HGS創英角ﾎﾟｯﾌﾟ体" panose="040B0A00000000000000" pitchFamily="50" charset="-128"/>
                 <a:ea typeface="HGS創英角ﾎﾟｯﾌﾟ体" panose="040B0A00000000000000" pitchFamily="50" charset="-128"/>
               </a:rPr>
-              <a:t>・ステージ中には様々な敵が監視しており、プレイヤーを見つけると</a:t>
+              <a:t>・ステージ中には様々な敵が監視しており、警戒度が設定されてます。</a:t>
             </a:r>
             <a:endParaRPr kumimoji="1" lang="en-US" altLang="ja-JP" sz="2800" dirty="0">
               <a:latin typeface="HGS創英角ﾎﾟｯﾌﾟ体" panose="040B0A00000000000000" pitchFamily="50" charset="-128"/>
@@ -5955,14 +6007,14 @@
                 <a:latin typeface="HGS創英角ﾎﾟｯﾌﾟ体" panose="040B0A00000000000000" pitchFamily="50" charset="-128"/>
                 <a:ea typeface="HGS創英角ﾎﾟｯﾌﾟ体" panose="040B0A00000000000000" pitchFamily="50" charset="-128"/>
               </a:rPr>
-              <a:t> </a:t>
+              <a:t>   </a:t>
             </a:r>
             <a:r>
               <a:rPr kumimoji="1" lang="ja-JP" altLang="en-US" sz="2800" dirty="0">
                 <a:latin typeface="HGS創英角ﾎﾟｯﾌﾟ体" panose="040B0A00000000000000" pitchFamily="50" charset="-128"/>
                 <a:ea typeface="HGS創英角ﾎﾟｯﾌﾟ体" panose="040B0A00000000000000" pitchFamily="50" charset="-128"/>
               </a:rPr>
-              <a:t>  追いかけてきます。</a:t>
+              <a:t>プレイヤーを見つけると、視界から外れるまで追いかけ続け、警戒度も  </a:t>
             </a:r>
             <a:endParaRPr kumimoji="1" lang="en-US" altLang="ja-JP" sz="2800" dirty="0">
               <a:latin typeface="HGS創英角ﾎﾟｯﾌﾟ体" panose="040B0A00000000000000" pitchFamily="50" charset="-128"/>
@@ -5980,14 +6032,14 @@
                 <a:latin typeface="HGS創英角ﾎﾟｯﾌﾟ体" panose="040B0A00000000000000" pitchFamily="50" charset="-128"/>
                 <a:ea typeface="HGS創英角ﾎﾟｯﾌﾟ体" panose="040B0A00000000000000" pitchFamily="50" charset="-128"/>
               </a:rPr>
-              <a:t> </a:t>
+              <a:t>   </a:t>
             </a:r>
             <a:r>
               <a:rPr kumimoji="1" lang="ja-JP" altLang="en-US" sz="2800" dirty="0">
                 <a:latin typeface="HGS創英角ﾎﾟｯﾌﾟ体" panose="040B0A00000000000000" pitchFamily="50" charset="-128"/>
                 <a:ea typeface="HGS創英角ﾎﾟｯﾌﾟ体" panose="040B0A00000000000000" pitchFamily="50" charset="-128"/>
               </a:rPr>
-              <a:t>  また、敵には警戒度が設定されており、プレイヤーを見つけることで上</a:t>
+              <a:t>上がります。警戒度が上がるごとにそれぞれ特徴に合わせて強化されて </a:t>
             </a:r>
             <a:endParaRPr kumimoji="1" lang="en-US" altLang="ja-JP" sz="2800" dirty="0">
               <a:latin typeface="HGS創英角ﾎﾟｯﾌﾟ体" panose="040B0A00000000000000" pitchFamily="50" charset="-128"/>
@@ -6005,28 +6057,14 @@
                 <a:latin typeface="HGS創英角ﾎﾟｯﾌﾟ体" panose="040B0A00000000000000" pitchFamily="50" charset="-128"/>
                 <a:ea typeface="HGS創英角ﾎﾟｯﾌﾟ体" panose="040B0A00000000000000" pitchFamily="50" charset="-128"/>
               </a:rPr>
-              <a:t> </a:t>
+              <a:t>   </a:t>
             </a:r>
             <a:r>
               <a:rPr kumimoji="1" lang="ja-JP" altLang="en-US" sz="2800" dirty="0">
                 <a:latin typeface="HGS創英角ﾎﾟｯﾌﾟ体" panose="040B0A00000000000000" pitchFamily="50" charset="-128"/>
                 <a:ea typeface="HGS創英角ﾎﾟｯﾌﾟ体" panose="040B0A00000000000000" pitchFamily="50" charset="-128"/>
               </a:rPr>
-              <a:t>  </a:t>
-            </a:r>
-            <a:r>
-              <a:rPr kumimoji="1" lang="ja-JP" altLang="en-US" sz="2800" dirty="0" err="1">
-                <a:latin typeface="HGS創英角ﾎﾟｯﾌﾟ体" panose="040B0A00000000000000" pitchFamily="50" charset="-128"/>
-                <a:ea typeface="HGS創英角ﾎﾟｯﾌﾟ体" panose="040B0A00000000000000" pitchFamily="50" charset="-128"/>
-              </a:rPr>
-              <a:t>がって</a:t>
-            </a:r>
-            <a:r>
-              <a:rPr kumimoji="1" lang="ja-JP" altLang="en-US" sz="2800" dirty="0">
-                <a:latin typeface="HGS創英角ﾎﾟｯﾌﾟ体" panose="040B0A00000000000000" pitchFamily="50" charset="-128"/>
-                <a:ea typeface="HGS創英角ﾎﾟｯﾌﾟ体" panose="040B0A00000000000000" pitchFamily="50" charset="-128"/>
-              </a:rPr>
-              <a:t>いきそれぞれ特徴に合わせて強化されていきます。</a:t>
+              <a:t>いきます。</a:t>
             </a:r>
             <a:endParaRPr kumimoji="1" lang="en-US" altLang="ja-JP" sz="2800" dirty="0">
               <a:latin typeface="HGS創英角ﾎﾟｯﾌﾟ体" panose="040B0A00000000000000" pitchFamily="50" charset="-128"/>
@@ -6057,7 +6095,7 @@
         </p:blipFill>
         <p:spPr>
           <a:xfrm>
-            <a:off x="226873" y="3741225"/>
+            <a:off x="383157" y="5029016"/>
             <a:ext cx="841314" cy="952665"/>
           </a:xfrm>
           <a:prstGeom prst="rect">
@@ -6087,7 +6125,7 @@
         </p:blipFill>
         <p:spPr>
           <a:xfrm>
-            <a:off x="1522879" y="3741224"/>
+            <a:off x="1679163" y="5029015"/>
             <a:ext cx="841314" cy="952665"/>
           </a:xfrm>
           <a:prstGeom prst="rect">
@@ -6117,7 +6155,7 @@
         </p:blipFill>
         <p:spPr>
           <a:xfrm>
-            <a:off x="2818885" y="3741223"/>
+            <a:off x="2975169" y="5029014"/>
             <a:ext cx="841315" cy="952665"/>
           </a:xfrm>
           <a:prstGeom prst="rect">
@@ -6139,7 +6177,7 @@
         </p:nvSpPr>
         <p:spPr>
           <a:xfrm>
-            <a:off x="103218" y="4676408"/>
+            <a:off x="259502" y="5964199"/>
             <a:ext cx="994470" cy="523220"/>
           </a:xfrm>
           <a:prstGeom prst="rect">
@@ -6177,7 +6215,7 @@
         </p:nvSpPr>
         <p:spPr>
           <a:xfrm>
-            <a:off x="2922104" y="4676406"/>
+            <a:off x="3078388" y="5964197"/>
             <a:ext cx="994470" cy="523220"/>
           </a:xfrm>
           <a:prstGeom prst="rect">
@@ -6215,12 +6253,36 @@
         </p:nvSpPr>
         <p:spPr>
           <a:xfrm>
-            <a:off x="1160859" y="4706609"/>
+            <a:off x="1317143" y="5994400"/>
             <a:ext cx="1565354" cy="523220"/>
           </a:xfrm>
           <a:prstGeom prst="rightArrow">
             <a:avLst/>
           </a:prstGeom>
+          <a:gradFill flip="none" rotWithShape="1">
+            <a:gsLst>
+              <a:gs pos="0">
+                <a:srgbClr val="FF0000">
+                  <a:tint val="66000"/>
+                  <a:satMod val="160000"/>
+                </a:srgbClr>
+              </a:gs>
+              <a:gs pos="50000">
+                <a:srgbClr val="FF0000">
+                  <a:tint val="44500"/>
+                  <a:satMod val="160000"/>
+                </a:srgbClr>
+              </a:gs>
+              <a:gs pos="100000">
+                <a:srgbClr val="FF0000">
+                  <a:tint val="23500"/>
+                  <a:satMod val="160000"/>
+                </a:srgbClr>
+              </a:gs>
+            </a:gsLst>
+            <a:lin ang="10800000" scaled="1"/>
+            <a:tileRect/>
+          </a:gradFill>
         </p:spPr>
         <p:style>
           <a:lnRef idx="2">
@@ -6249,136 +6311,6 @@
       </p:sp>
       <p:sp>
         <p:nvSpPr>
-          <p:cNvPr id="27" name="テキスト ボックス 26">
-            <a:extLst>
-              <a:ext uri="{FF2B5EF4-FFF2-40B4-BE49-F238E27FC236}">
-                <a16:creationId xmlns:a16="http://schemas.microsoft.com/office/drawing/2014/main" id="{C92032B7-408E-46D2-9FF9-455DD9D47F7E}"/>
-              </a:ext>
-            </a:extLst>
-          </p:cNvPr>
-          <p:cNvSpPr txBox="1"/>
-          <p:nvPr/>
-        </p:nvSpPr>
-        <p:spPr>
-          <a:xfrm>
-            <a:off x="928175" y="5505592"/>
-            <a:ext cx="2559607" cy="523220"/>
-          </a:xfrm>
-          <a:prstGeom prst="rect">
-            <a:avLst/>
-          </a:prstGeom>
-          <a:noFill/>
-        </p:spPr>
-        <p:txBody>
-          <a:bodyPr wrap="square" rtlCol="0">
-            <a:spAutoFit/>
-          </a:bodyPr>
-          <a:lstStyle/>
-          <a:p>
-            <a:r>
-              <a:rPr kumimoji="1" lang="ja-JP" altLang="en-US" sz="2800" dirty="0">
-                <a:latin typeface="HGS創英角ﾎﾟｯﾌﾟ体" panose="040B0A00000000000000" pitchFamily="50" charset="-128"/>
-                <a:ea typeface="HGS創英角ﾎﾟｯﾌﾟ体" panose="040B0A00000000000000" pitchFamily="50" charset="-128"/>
-              </a:rPr>
-              <a:t>警戒度ゲージ</a:t>
-            </a:r>
-          </a:p>
-        </p:txBody>
-      </p:sp>
-      <p:sp>
-        <p:nvSpPr>
-          <p:cNvPr id="3" name="正方形/長方形 2">
-            <a:extLst>
-              <a:ext uri="{FF2B5EF4-FFF2-40B4-BE49-F238E27FC236}">
-                <a16:creationId xmlns:a16="http://schemas.microsoft.com/office/drawing/2014/main" id="{E48F866A-6993-4937-AA2D-3C7FCAA7AE0B}"/>
-              </a:ext>
-            </a:extLst>
-          </p:cNvPr>
-          <p:cNvSpPr/>
-          <p:nvPr/>
-        </p:nvSpPr>
-        <p:spPr>
-          <a:xfrm>
-            <a:off x="4391071" y="3560448"/>
-            <a:ext cx="1443513" cy="1785630"/>
-          </a:xfrm>
-          <a:prstGeom prst="rect">
-            <a:avLst/>
-          </a:prstGeom>
-        </p:spPr>
-        <p:style>
-          <a:lnRef idx="2">
-            <a:schemeClr val="accent1">
-              <a:shade val="50000"/>
-            </a:schemeClr>
-          </a:lnRef>
-          <a:fillRef idx="1">
-            <a:schemeClr val="accent1"/>
-          </a:fillRef>
-          <a:effectRef idx="0">
-            <a:schemeClr val="accent1"/>
-          </a:effectRef>
-          <a:fontRef idx="minor">
-            <a:schemeClr val="lt1"/>
-          </a:fontRef>
-        </p:style>
-        <p:txBody>
-          <a:bodyPr rtlCol="0" anchor="ctr"/>
-          <a:lstStyle/>
-          <a:p>
-            <a:pPr algn="ctr"/>
-            <a:endParaRPr kumimoji="1" lang="ja-JP" altLang="en-US"/>
-          </a:p>
-        </p:txBody>
-      </p:sp>
-      <p:sp>
-        <p:nvSpPr>
-          <p:cNvPr id="7" name="正方形/長方形 6">
-            <a:extLst>
-              <a:ext uri="{FF2B5EF4-FFF2-40B4-BE49-F238E27FC236}">
-                <a16:creationId xmlns:a16="http://schemas.microsoft.com/office/drawing/2014/main" id="{52A81E9E-899C-40A6-9860-6D93995E557A}"/>
-              </a:ext>
-            </a:extLst>
-          </p:cNvPr>
-          <p:cNvSpPr/>
-          <p:nvPr/>
-        </p:nvSpPr>
-        <p:spPr>
-          <a:xfrm>
-            <a:off x="8648667" y="3554087"/>
-            <a:ext cx="1443513" cy="1798351"/>
-          </a:xfrm>
-          <a:prstGeom prst="rect">
-            <a:avLst/>
-          </a:prstGeom>
-        </p:spPr>
-        <p:style>
-          <a:lnRef idx="2">
-            <a:schemeClr val="accent1">
-              <a:shade val="50000"/>
-            </a:schemeClr>
-          </a:lnRef>
-          <a:fillRef idx="1">
-            <a:schemeClr val="accent1"/>
-          </a:fillRef>
-          <a:effectRef idx="0">
-            <a:schemeClr val="accent1"/>
-          </a:effectRef>
-          <a:fontRef idx="minor">
-            <a:schemeClr val="lt1"/>
-          </a:fontRef>
-        </p:style>
-        <p:txBody>
-          <a:bodyPr rtlCol="0" anchor="ctr"/>
-          <a:lstStyle/>
-          <a:p>
-            <a:pPr algn="ctr"/>
-            <a:endParaRPr kumimoji="1" lang="ja-JP" altLang="en-US"/>
-          </a:p>
-        </p:txBody>
-      </p:sp>
-      <p:sp>
-        <p:nvSpPr>
           <p:cNvPr id="13" name="テキスト ボックス 12">
             <a:extLst>
               <a:ext uri="{FF2B5EF4-FFF2-40B4-BE49-F238E27FC236}">
@@ -6391,7 +6323,7 @@
         </p:nvSpPr>
         <p:spPr>
           <a:xfrm>
-            <a:off x="4229047" y="5505592"/>
+            <a:off x="4522631" y="5505591"/>
             <a:ext cx="1820090" cy="461665"/>
           </a:xfrm>
           <a:prstGeom prst="rect">
@@ -6453,6 +6385,66 @@
           </a:p>
         </p:txBody>
       </p:sp>
+      <p:pic>
+        <p:nvPicPr>
+          <p:cNvPr id="5" name="図 4">
+            <a:extLst>
+              <a:ext uri="{FF2B5EF4-FFF2-40B4-BE49-F238E27FC236}">
+                <a16:creationId xmlns:a16="http://schemas.microsoft.com/office/drawing/2014/main" id="{E21C9EBF-1C7C-425D-8AAF-14F004551F2B}"/>
+              </a:ext>
+            </a:extLst>
+          </p:cNvPr>
+          <p:cNvPicPr>
+            <a:picLocks noChangeAspect="1"/>
+          </p:cNvPicPr>
+          <p:nvPr/>
+        </p:nvPicPr>
+        <p:blipFill>
+          <a:blip r:embed="rId7"/>
+          <a:stretch>
+            <a:fillRect/>
+          </a:stretch>
+        </p:blipFill>
+        <p:spPr>
+          <a:xfrm>
+            <a:off x="4305523" y="3806479"/>
+            <a:ext cx="2037198" cy="1545959"/>
+          </a:xfrm>
+          <a:prstGeom prst="rect">
+            <a:avLst/>
+          </a:prstGeom>
+        </p:spPr>
+      </p:pic>
+      <p:pic>
+        <p:nvPicPr>
+          <p:cNvPr id="9" name="図 8">
+            <a:extLst>
+              <a:ext uri="{FF2B5EF4-FFF2-40B4-BE49-F238E27FC236}">
+                <a16:creationId xmlns:a16="http://schemas.microsoft.com/office/drawing/2014/main" id="{1883AD5E-B355-47A0-A995-994D14705064}"/>
+              </a:ext>
+            </a:extLst>
+          </p:cNvPr>
+          <p:cNvPicPr>
+            <a:picLocks noChangeAspect="1"/>
+          </p:cNvPicPr>
+          <p:nvPr/>
+        </p:nvPicPr>
+        <p:blipFill>
+          <a:blip r:embed="rId8"/>
+          <a:stretch>
+            <a:fillRect/>
+          </a:stretch>
+        </p:blipFill>
+        <p:spPr>
+          <a:xfrm>
+            <a:off x="8418294" y="3806479"/>
+            <a:ext cx="1887508" cy="1545959"/>
+          </a:xfrm>
+          <a:prstGeom prst="rect">
+            <a:avLst/>
+          </a:prstGeom>
+        </p:spPr>
+      </p:pic>
     </p:spTree>
     <p:extLst>
       <p:ext uri="{BB962C8B-B14F-4D97-AF65-F5344CB8AC3E}">
@@ -6528,7 +6520,7 @@
         <p:spPr>
           <a:xfrm>
             <a:off x="330895" y="187298"/>
-            <a:ext cx="1477123" cy="769441"/>
+            <a:ext cx="2927694" cy="769441"/>
           </a:xfrm>
           <a:prstGeom prst="rect">
             <a:avLst/>
@@ -6549,7 +6541,7 @@
                 <a:latin typeface="UD デジタル 教科書体 NK-B" panose="02020700000000000000" pitchFamily="18" charset="-128"/>
                 <a:ea typeface="UD デジタル 教科書体 NK-B" panose="02020700000000000000" pitchFamily="18" charset="-128"/>
               </a:rPr>
-              <a:t>謝辞</a:t>
+              <a:t>～謝辞～</a:t>
             </a:r>
           </a:p>
         </p:txBody>
@@ -7527,7 +7519,7 @@
           <p:nvPr/>
         </p:nvPicPr>
         <p:blipFill>
-          <a:blip r:embed="rId2"/>
+          <a:blip r:embed="rId3"/>
           <a:stretch>
             <a:fillRect/>
           </a:stretch>
@@ -7663,7 +7655,7 @@
                 <a:latin typeface="HGS創英角ﾎﾟｯﾌﾟ体" panose="040B0A00000000000000" pitchFamily="50" charset="-128"/>
                 <a:ea typeface="HGS創英角ﾎﾟｯﾌﾟ体" panose="040B0A00000000000000" pitchFamily="50" charset="-128"/>
               </a:rPr>
-              <a:t>【使用ライブラリ】</a:t>
+              <a:t>【ライブラリ】</a:t>
             </a:r>
             <a:r>
               <a:rPr lang="en-US" altLang="ja-JP" sz="3600" dirty="0">
@@ -7728,11 +7720,11 @@
               <a:t>　　　　　　 ・</a:t>
             </a:r>
             <a:r>
-              <a:rPr lang="en-US" altLang="ja-JP" sz="3600" dirty="0" err="1">
-                <a:latin typeface="HGS創英角ﾎﾟｯﾌﾟ体" panose="040B0A00000000000000" pitchFamily="50" charset="-128"/>
-                <a:ea typeface="HGS創英角ﾎﾟｯﾌﾟ体" panose="040B0A00000000000000" pitchFamily="50" charset="-128"/>
-              </a:rPr>
-              <a:t>Photoshop,blender</a:t>
+              <a:rPr lang="en-US" altLang="ja-JP" sz="3600" dirty="0">
+                <a:latin typeface="HGS創英角ﾎﾟｯﾌﾟ体" panose="040B0A00000000000000" pitchFamily="50" charset="-128"/>
+                <a:ea typeface="HGS創英角ﾎﾟｯﾌﾟ体" panose="040B0A00000000000000" pitchFamily="50" charset="-128"/>
+              </a:rPr>
+              <a:t>Photoshop, blender</a:t>
             </a:r>
             <a:endParaRPr lang="ja-JP" altLang="ja-JP" sz="3600" dirty="0">
               <a:latin typeface="HGS創英角ﾎﾟｯﾌﾟ体" panose="040B0A00000000000000" pitchFamily="50" charset="-128"/>
@@ -7756,42 +7748,6 @@
           </a:p>
         </p:txBody>
       </p:sp>
-      <p:pic>
-        <p:nvPicPr>
-          <p:cNvPr id="6" name="図 5">
-            <a:extLst>
-              <a:ext uri="{FF2B5EF4-FFF2-40B4-BE49-F238E27FC236}">
-                <a16:creationId xmlns:a16="http://schemas.microsoft.com/office/drawing/2014/main" id="{49EEB757-17C1-480F-A0C2-FB48D7059440}"/>
-              </a:ext>
-            </a:extLst>
-          </p:cNvPr>
-          <p:cNvPicPr>
-            <a:picLocks noChangeAspect="1"/>
-          </p:cNvPicPr>
-          <p:nvPr/>
-        </p:nvPicPr>
-        <p:blipFill>
-          <a:blip r:embed="rId3"/>
-          <a:stretch>
-            <a:fillRect/>
-          </a:stretch>
-        </p:blipFill>
-        <p:spPr>
-          <a:xfrm>
-            <a:off x="1569028" y="4114830"/>
-            <a:ext cx="7512628" cy="2589414"/>
-          </a:xfrm>
-          <a:prstGeom prst="rect">
-            <a:avLst/>
-          </a:prstGeom>
-          <a:ln>
-            <a:noFill/>
-          </a:ln>
-          <a:effectLst>
-            <a:softEdge rad="112500"/>
-          </a:effectLst>
-        </p:spPr>
-      </p:pic>
     </p:spTree>
     <p:extLst>
       <p:ext uri="{BB962C8B-B14F-4D97-AF65-F5344CB8AC3E}">
@@ -7902,7 +7858,7 @@
         <p:spPr>
           <a:xfrm>
             <a:off x="245202" y="849155"/>
-            <a:ext cx="11328100" cy="4247317"/>
+            <a:ext cx="11328100" cy="3670236"/>
           </a:xfrm>
           <a:prstGeom prst="rect">
             <a:avLst/>
@@ -7921,13 +7877,13 @@
               </a:lnSpc>
             </a:pPr>
             <a:r>
-              <a:rPr kumimoji="1" lang="ja-JP" altLang="en-US" sz="3600" dirty="0">
+              <a:rPr kumimoji="1" lang="ja-JP" altLang="en-US" sz="3200" dirty="0">
                 <a:latin typeface="HGS創英角ﾎﾟｯﾌﾟ体" panose="040B0A00000000000000" pitchFamily="50" charset="-128"/>
                 <a:ea typeface="HGS創英角ﾎﾟｯﾌﾟ体" panose="040B0A00000000000000" pitchFamily="50" charset="-128"/>
               </a:rPr>
               <a:t>・薬をステージ内で入手して脱出するゲームです。</a:t>
             </a:r>
-            <a:endParaRPr kumimoji="1" lang="en-US" altLang="ja-JP" sz="3600" dirty="0">
+            <a:endParaRPr kumimoji="1" lang="en-US" altLang="ja-JP" sz="3200" dirty="0">
               <a:latin typeface="HGS創英角ﾎﾟｯﾌﾟ体" panose="040B0A00000000000000" pitchFamily="50" charset="-128"/>
               <a:ea typeface="HGS創英角ﾎﾟｯﾌﾟ体" panose="040B0A00000000000000" pitchFamily="50" charset="-128"/>
             </a:endParaRPr>
@@ -7939,13 +7895,13 @@
               </a:lnSpc>
             </a:pPr>
             <a:r>
-              <a:rPr kumimoji="1" lang="ja-JP" altLang="en-US" sz="3600" dirty="0">
+              <a:rPr kumimoji="1" lang="ja-JP" altLang="en-US" sz="3200" dirty="0">
                 <a:latin typeface="HGS創英角ﾎﾟｯﾌﾟ体" panose="040B0A00000000000000" pitchFamily="50" charset="-128"/>
                 <a:ea typeface="HGS創英角ﾎﾟｯﾌﾟ体" panose="040B0A00000000000000" pitchFamily="50" charset="-128"/>
               </a:rPr>
               <a:t>・薬はステージ中にある金庫を鍵を使って開けて入手</a:t>
             </a:r>
-            <a:endParaRPr kumimoji="1" lang="en-US" altLang="ja-JP" sz="3600" dirty="0">
+            <a:endParaRPr kumimoji="1" lang="en-US" altLang="ja-JP" sz="3200" dirty="0">
               <a:latin typeface="HGS創英角ﾎﾟｯﾌﾟ体" panose="040B0A00000000000000" pitchFamily="50" charset="-128"/>
               <a:ea typeface="HGS創英角ﾎﾟｯﾌﾟ体" panose="040B0A00000000000000" pitchFamily="50" charset="-128"/>
             </a:endParaRPr>
@@ -7957,13 +7913,13 @@
               </a:lnSpc>
             </a:pPr>
             <a:r>
-              <a:rPr kumimoji="1" lang="ja-JP" altLang="en-US" sz="3600" dirty="0">
+              <a:rPr kumimoji="1" lang="ja-JP" altLang="en-US" sz="3200" dirty="0">
                 <a:latin typeface="HGS創英角ﾎﾟｯﾌﾟ体" panose="040B0A00000000000000" pitchFamily="50" charset="-128"/>
                 <a:ea typeface="HGS創英角ﾎﾟｯﾌﾟ体" panose="040B0A00000000000000" pitchFamily="50" charset="-128"/>
               </a:rPr>
               <a:t>　する必要があります。</a:t>
             </a:r>
-            <a:endParaRPr kumimoji="1" lang="en-US" altLang="ja-JP" sz="3600" dirty="0">
+            <a:endParaRPr kumimoji="1" lang="en-US" altLang="ja-JP" sz="3200" dirty="0">
               <a:latin typeface="HGS創英角ﾎﾟｯﾌﾟ体" panose="040B0A00000000000000" pitchFamily="50" charset="-128"/>
               <a:ea typeface="HGS創英角ﾎﾟｯﾌﾟ体" panose="040B0A00000000000000" pitchFamily="50" charset="-128"/>
             </a:endParaRPr>
@@ -7975,13 +7931,13 @@
               </a:lnSpc>
             </a:pPr>
             <a:r>
-              <a:rPr kumimoji="1" lang="ja-JP" altLang="en-US" sz="3600" dirty="0">
+              <a:rPr kumimoji="1" lang="ja-JP" altLang="en-US" sz="3200" dirty="0">
                 <a:latin typeface="HGS創英角ﾎﾟｯﾌﾟ体" panose="040B0A00000000000000" pitchFamily="50" charset="-128"/>
                 <a:ea typeface="HGS創英角ﾎﾟｯﾌﾟ体" panose="040B0A00000000000000" pitchFamily="50" charset="-128"/>
               </a:rPr>
               <a:t>・舌を使ったロープアクションと、カメレオンの特性</a:t>
             </a:r>
-            <a:endParaRPr kumimoji="1" lang="en-US" altLang="ja-JP" sz="3600" dirty="0">
+            <a:endParaRPr kumimoji="1" lang="en-US" altLang="ja-JP" sz="3200" dirty="0">
               <a:latin typeface="HGS創英角ﾎﾟｯﾌﾟ体" panose="040B0A00000000000000" pitchFamily="50" charset="-128"/>
               <a:ea typeface="HGS創英角ﾎﾟｯﾌﾟ体" panose="040B0A00000000000000" pitchFamily="50" charset="-128"/>
             </a:endParaRPr>
@@ -7993,19 +7949,55 @@
               </a:lnSpc>
             </a:pPr>
             <a:r>
-              <a:rPr kumimoji="1" lang="ja-JP" altLang="en-US" sz="3600" dirty="0">
+              <a:rPr kumimoji="1" lang="ja-JP" altLang="en-US" sz="3200" dirty="0">
                 <a:latin typeface="HGS創英角ﾎﾟｯﾌﾟ体" panose="040B0A00000000000000" pitchFamily="50" charset="-128"/>
                 <a:ea typeface="HGS創英角ﾎﾟｯﾌﾟ体" panose="040B0A00000000000000" pitchFamily="50" charset="-128"/>
               </a:rPr>
               <a:t>　を活かしたステルスを行うことができます。</a:t>
             </a:r>
-            <a:endParaRPr kumimoji="1" lang="en-US" altLang="ja-JP" sz="3600" dirty="0">
+            <a:endParaRPr kumimoji="1" lang="en-US" altLang="ja-JP" sz="3200" dirty="0">
               <a:latin typeface="HGS創英角ﾎﾟｯﾌﾟ体" panose="040B0A00000000000000" pitchFamily="50" charset="-128"/>
               <a:ea typeface="HGS創英角ﾎﾟｯﾌﾟ体" panose="040B0A00000000000000" pitchFamily="50" charset="-128"/>
             </a:endParaRPr>
           </a:p>
         </p:txBody>
       </p:sp>
+      <p:pic>
+        <p:nvPicPr>
+          <p:cNvPr id="5" name="図 4">
+            <a:extLst>
+              <a:ext uri="{FF2B5EF4-FFF2-40B4-BE49-F238E27FC236}">
+                <a16:creationId xmlns:a16="http://schemas.microsoft.com/office/drawing/2014/main" id="{4C7F56FB-0A80-40A8-A596-9F3486CD6369}"/>
+              </a:ext>
+            </a:extLst>
+          </p:cNvPr>
+          <p:cNvPicPr>
+            <a:picLocks noChangeAspect="1"/>
+          </p:cNvPicPr>
+          <p:nvPr/>
+        </p:nvPicPr>
+        <p:blipFill>
+          <a:blip r:embed="rId4"/>
+          <a:stretch>
+            <a:fillRect/>
+          </a:stretch>
+        </p:blipFill>
+        <p:spPr>
+          <a:xfrm>
+            <a:off x="2555877" y="4559832"/>
+            <a:ext cx="6706749" cy="2311648"/>
+          </a:xfrm>
+          <a:prstGeom prst="rect">
+            <a:avLst/>
+          </a:prstGeom>
+          <a:ln>
+            <a:noFill/>
+          </a:ln>
+          <a:effectLst>
+            <a:softEdge rad="112500"/>
+          </a:effectLst>
+        </p:spPr>
+      </p:pic>
     </p:spTree>
     <p:extLst>
       <p:ext uri="{BB962C8B-B14F-4D97-AF65-F5344CB8AC3E}">
@@ -8191,7 +8183,7 @@
                 <a:latin typeface="HGS創英角ﾎﾟｯﾌﾟ体" panose="040B0A00000000000000" pitchFamily="50" charset="-128"/>
                 <a:ea typeface="HGS創英角ﾎﾟｯﾌﾟ体" panose="040B0A00000000000000" pitchFamily="50" charset="-128"/>
               </a:rPr>
-              <a:t>　ギミックを作動させることができます。</a:t>
+              <a:t>　特定の床を動かすことができます。</a:t>
             </a:r>
             <a:endParaRPr kumimoji="1" lang="en-US" altLang="ja-JP" sz="3600" dirty="0">
               <a:latin typeface="HGS創英角ﾎﾟｯﾌﾟ体" panose="040B0A00000000000000" pitchFamily="50" charset="-128"/>
@@ -8280,20 +8272,20 @@
           <p:nvPr>
             <p:extLst>
               <p:ext uri="{D42A27DB-BD31-4B8C-83A1-F6EECF244321}">
-                <p14:modId xmlns:p14="http://schemas.microsoft.com/office/powerpoint/2010/main" val="1462655351"/>
+                <p14:modId xmlns:p14="http://schemas.microsoft.com/office/powerpoint/2010/main" val="2657851386"/>
               </p:ext>
             </p:extLst>
           </p:nvPr>
         </p:nvGraphicFramePr>
         <p:xfrm>
-          <a:off x="7676374" y="4238974"/>
+          <a:off x="4698999" y="4507662"/>
           <a:ext cx="2794000" cy="2070100"/>
         </p:xfrm>
         <a:graphic>
           <a:graphicData uri="http://schemas.openxmlformats.org/presentationml/2006/ole">
             <mc:AlternateContent xmlns:mc="http://schemas.openxmlformats.org/markup-compatibility/2006">
               <mc:Choice xmlns:v="urn:schemas-microsoft-com:vml" Requires="v">
-                <p:oleObj spid="_x0000_s1028" name="Image" r:id="rId5" imgW="2793600" imgH="2069640" progId="Photoshop.Image.11">
+                <p:oleObj spid="_x0000_s1040" name="Image" r:id="rId5" imgW="2793600" imgH="2069640" progId="Photoshop.Image.11">
                   <p:embed/>
                 </p:oleObj>
               </mc:Choice>
@@ -8314,7 +8306,7 @@
                     </p:blipFill>
                     <p:spPr>
                       <a:xfrm>
-                        <a:off x="7676374" y="4238974"/>
+                        <a:off x="4698999" y="4507662"/>
                         <a:ext cx="2794000" cy="2070100"/>
                       </a:xfrm>
                       <a:prstGeom prst="rect">
@@ -8343,20 +8335,20 @@
           <p:nvPr>
             <p:extLst>
               <p:ext uri="{D42A27DB-BD31-4B8C-83A1-F6EECF244321}">
-                <p14:modId xmlns:p14="http://schemas.microsoft.com/office/powerpoint/2010/main" val="94681359"/>
+                <p14:modId xmlns:p14="http://schemas.microsoft.com/office/powerpoint/2010/main" val="3791682616"/>
               </p:ext>
             </p:extLst>
           </p:nvPr>
         </p:nvGraphicFramePr>
         <p:xfrm>
-          <a:off x="1784350" y="4289774"/>
+          <a:off x="609979" y="3590581"/>
           <a:ext cx="2819400" cy="2019300"/>
         </p:xfrm>
         <a:graphic>
           <a:graphicData uri="http://schemas.openxmlformats.org/presentationml/2006/ole">
             <mc:AlternateContent xmlns:mc="http://schemas.openxmlformats.org/markup-compatibility/2006">
               <mc:Choice xmlns:v="urn:schemas-microsoft-com:vml" Requires="v">
-                <p:oleObj spid="_x0000_s1029" name="Image" r:id="rId7" imgW="2818800" imgH="2018880" progId="Photoshop.Image.11">
+                <p:oleObj spid="_x0000_s1041" name="Image" r:id="rId7" imgW="2818800" imgH="2018880" progId="Photoshop.Image.11">
                   <p:embed/>
                 </p:oleObj>
               </mc:Choice>
@@ -8377,7 +8369,7 @@
                     </p:blipFill>
                     <p:spPr>
                       <a:xfrm>
-                        <a:off x="1784350" y="4289774"/>
+                        <a:off x="609979" y="3590581"/>
                         <a:ext cx="2819400" cy="2019300"/>
                       </a:xfrm>
                       <a:prstGeom prst="rect">
@@ -8784,7 +8776,7 @@
         </p:blipFill>
         <p:spPr>
           <a:xfrm>
-            <a:off x="1488207" y="3914517"/>
+            <a:off x="773312" y="3368970"/>
             <a:ext cx="2058808" cy="1838223"/>
           </a:xfrm>
           <a:prstGeom prst="rect">

--- a/AsoGameSho.pptx
+++ b/AsoGameSho.pptx
@@ -5,24 +5,23 @@
     <p:sldMasterId id="2147483719" r:id="rId1"/>
   </p:sldMasterIdLst>
   <p:notesMasterIdLst>
-    <p:notesMasterId r:id="rId17"/>
+    <p:notesMasterId r:id="rId16"/>
   </p:notesMasterIdLst>
   <p:sldIdLst>
     <p:sldId id="266" r:id="rId2"/>
     <p:sldId id="279" r:id="rId3"/>
-    <p:sldId id="257" r:id="rId4"/>
-    <p:sldId id="267" r:id="rId5"/>
-    <p:sldId id="260" r:id="rId6"/>
-    <p:sldId id="269" r:id="rId7"/>
-    <p:sldId id="274" r:id="rId8"/>
-    <p:sldId id="277" r:id="rId9"/>
-    <p:sldId id="272" r:id="rId10"/>
-    <p:sldId id="278" r:id="rId11"/>
-    <p:sldId id="264" r:id="rId12"/>
-    <p:sldId id="270" r:id="rId13"/>
-    <p:sldId id="263" r:id="rId14"/>
-    <p:sldId id="275" r:id="rId15"/>
-    <p:sldId id="273" r:id="rId16"/>
+    <p:sldId id="267" r:id="rId4"/>
+    <p:sldId id="260" r:id="rId5"/>
+    <p:sldId id="269" r:id="rId6"/>
+    <p:sldId id="274" r:id="rId7"/>
+    <p:sldId id="277" r:id="rId8"/>
+    <p:sldId id="272" r:id="rId9"/>
+    <p:sldId id="278" r:id="rId10"/>
+    <p:sldId id="264" r:id="rId11"/>
+    <p:sldId id="270" r:id="rId12"/>
+    <p:sldId id="263" r:id="rId13"/>
+    <p:sldId id="275" r:id="rId14"/>
+    <p:sldId id="273" r:id="rId15"/>
   </p:sldIdLst>
   <p:sldSz cx="12192000" cy="6858000"/>
   <p:notesSz cx="6858000" cy="9144000"/>
@@ -698,7 +697,7 @@
           <a:p>
             <a:fld id="{0C56D7D3-23B3-4BB2-BA60-AC49FB66122B}" type="slidenum">
               <a:rPr kumimoji="1" lang="ja-JP" altLang="en-US" smtClean="0"/>
-              <a:t>12</a:t>
+              <a:t>11</a:t>
             </a:fld>
             <a:endParaRPr kumimoji="1" lang="ja-JP" altLang="en-US"/>
           </a:p>
@@ -782,7 +781,7 @@
           <a:p>
             <a:fld id="{0C56D7D3-23B3-4BB2-BA60-AC49FB66122B}" type="slidenum">
               <a:rPr kumimoji="1" lang="ja-JP" altLang="en-US" smtClean="0"/>
-              <a:t>13</a:t>
+              <a:t>12</a:t>
             </a:fld>
             <a:endParaRPr kumimoji="1" lang="ja-JP" altLang="en-US"/>
           </a:p>
@@ -866,7 +865,7 @@
           <a:p>
             <a:fld id="{0C56D7D3-23B3-4BB2-BA60-AC49FB66122B}" type="slidenum">
               <a:rPr kumimoji="1" lang="ja-JP" altLang="en-US" smtClean="0"/>
-              <a:t>4</a:t>
+              <a:t>3</a:t>
             </a:fld>
             <a:endParaRPr kumimoji="1" lang="ja-JP" altLang="en-US"/>
           </a:p>
@@ -950,7 +949,7 @@
           <a:p>
             <a:fld id="{0C56D7D3-23B3-4BB2-BA60-AC49FB66122B}" type="slidenum">
               <a:rPr kumimoji="1" lang="ja-JP" altLang="en-US" smtClean="0"/>
-              <a:t>5</a:t>
+              <a:t>4</a:t>
             </a:fld>
             <a:endParaRPr kumimoji="1" lang="ja-JP" altLang="en-US"/>
           </a:p>
@@ -1056,7 +1055,7 @@
           <a:p>
             <a:fld id="{0C56D7D3-23B3-4BB2-BA60-AC49FB66122B}" type="slidenum">
               <a:rPr kumimoji="1" lang="ja-JP" altLang="en-US" smtClean="0"/>
-              <a:t>6</a:t>
+              <a:t>5</a:t>
             </a:fld>
             <a:endParaRPr kumimoji="1" lang="ja-JP" altLang="en-US"/>
           </a:p>
@@ -1143,7 +1142,7 @@
           <a:p>
             <a:fld id="{0C56D7D3-23B3-4BB2-BA60-AC49FB66122B}" type="slidenum">
               <a:rPr kumimoji="1" lang="ja-JP" altLang="en-US" smtClean="0"/>
-              <a:t>7</a:t>
+              <a:t>6</a:t>
             </a:fld>
             <a:endParaRPr kumimoji="1" lang="ja-JP" altLang="en-US"/>
           </a:p>
@@ -1244,7 +1243,7 @@
           <a:p>
             <a:fld id="{0C56D7D3-23B3-4BB2-BA60-AC49FB66122B}" type="slidenum">
               <a:rPr kumimoji="1" lang="ja-JP" altLang="en-US" smtClean="0"/>
-              <a:t>8</a:t>
+              <a:t>7</a:t>
             </a:fld>
             <a:endParaRPr kumimoji="1" lang="ja-JP" altLang="en-US"/>
           </a:p>
@@ -1338,7 +1337,7 @@
           <a:p>
             <a:fld id="{0C56D7D3-23B3-4BB2-BA60-AC49FB66122B}" type="slidenum">
               <a:rPr kumimoji="1" lang="ja-JP" altLang="en-US" smtClean="0"/>
-              <a:t>9</a:t>
+              <a:t>8</a:t>
             </a:fld>
             <a:endParaRPr kumimoji="1" lang="ja-JP" altLang="en-US"/>
           </a:p>
@@ -1432,7 +1431,7 @@
           <a:p>
             <a:fld id="{0C56D7D3-23B3-4BB2-BA60-AC49FB66122B}" type="slidenum">
               <a:rPr kumimoji="1" lang="ja-JP" altLang="en-US" smtClean="0"/>
-              <a:t>10</a:t>
+              <a:t>9</a:t>
             </a:fld>
             <a:endParaRPr kumimoji="1" lang="ja-JP" altLang="en-US"/>
           </a:p>
@@ -1524,7 +1523,7 @@
           <a:p>
             <a:fld id="{0C56D7D3-23B3-4BB2-BA60-AC49FB66122B}" type="slidenum">
               <a:rPr kumimoji="1" lang="ja-JP" altLang="en-US" smtClean="0"/>
-              <a:t>11</a:t>
+              <a:t>10</a:t>
             </a:fld>
             <a:endParaRPr kumimoji="1" lang="ja-JP" altLang="en-US"/>
           </a:p>
@@ -4762,7 +4761,7 @@
           <p:cNvPr id="9" name="図 8">
             <a:extLst>
               <a:ext uri="{FF2B5EF4-FFF2-40B4-BE49-F238E27FC236}">
-                <a16:creationId xmlns:a16="http://schemas.microsoft.com/office/drawing/2014/main" id="{A9C6F8E7-C554-4A3D-A90F-82904E22C655}"/>
+                <a16:creationId xmlns="" xmlns:a16="http://schemas.microsoft.com/office/drawing/2014/main" id="{A9C6F8E7-C554-4A3D-A90F-82904E22C655}"/>
               </a:ext>
             </a:extLst>
           </p:cNvPr>
@@ -4928,7 +4927,7 @@
           <p:cNvPr id="6" name="図 5">
             <a:extLst>
               <a:ext uri="{FF2B5EF4-FFF2-40B4-BE49-F238E27FC236}">
-                <a16:creationId xmlns:a16="http://schemas.microsoft.com/office/drawing/2014/main" id="{1DF02CDB-A5CB-4E13-90C8-B447B6CD7BD1}"/>
+                <a16:creationId xmlns="" xmlns:a16="http://schemas.microsoft.com/office/drawing/2014/main" id="{1DF02CDB-A5CB-4E13-90C8-B447B6CD7BD1}"/>
               </a:ext>
             </a:extLst>
           </p:cNvPr>
@@ -4963,6 +4962,13 @@
   <p:clrMapOvr>
     <a:masterClrMapping/>
   </p:clrMapOvr>
+  <p:timing>
+    <p:tnLst>
+      <p:par>
+        <p:cTn id="1" dur="indefinite" restart="never" nodeType="tmRoot"/>
+      </p:par>
+    </p:tnLst>
+  </p:timing>
 </p:sld>
 </file>
 
@@ -4985,10 +4991,10 @@
       </p:grpSpPr>
       <p:pic>
         <p:nvPicPr>
-          <p:cNvPr id="8" name="図 7">
+          <p:cNvPr id="9" name="図 8">
             <a:extLst>
               <a:ext uri="{FF2B5EF4-FFF2-40B4-BE49-F238E27FC236}">
-                <a16:creationId xmlns:a16="http://schemas.microsoft.com/office/drawing/2014/main" id="{F5B20E38-170D-499B-B8EF-085949EBBAB4}"/>
+                <a16:creationId xmlns="" xmlns:a16="http://schemas.microsoft.com/office/drawing/2014/main" id="{E899258B-FEF6-472D-858E-EB508882C21A}"/>
               </a:ext>
             </a:extLst>
           </p:cNvPr>
@@ -5015,27 +5021,69 @@
       </p:pic>
       <p:sp>
         <p:nvSpPr>
-          <p:cNvPr id="2" name="正方形/長方形 1">
+          <p:cNvPr id="2" name="テキスト ボックス 1">
             <a:extLst>
               <a:ext uri="{FF2B5EF4-FFF2-40B4-BE49-F238E27FC236}">
-                <a16:creationId xmlns:a16="http://schemas.microsoft.com/office/drawing/2014/main" id="{19FE10D6-B85F-482E-9330-694A3130DBAF}"/>
+                <a16:creationId xmlns="" xmlns:a16="http://schemas.microsoft.com/office/drawing/2014/main" id="{472AF6D7-6889-47D8-9B47-253401E69C59}"/>
               </a:ext>
             </a:extLst>
           </p:cNvPr>
-          <p:cNvSpPr/>
+          <p:cNvSpPr txBox="1"/>
           <p:nvPr/>
         </p:nvSpPr>
         <p:spPr>
           <a:xfrm>
-            <a:off x="318053" y="302359"/>
-            <a:ext cx="11200657" cy="6001643"/>
+            <a:off x="561109" y="581890"/>
+            <a:ext cx="4783889" cy="769441"/>
           </a:xfrm>
           <a:prstGeom prst="rect">
             <a:avLst/>
           </a:prstGeom>
+          <a:noFill/>
         </p:spPr>
         <p:txBody>
-          <a:bodyPr wrap="square">
+          <a:bodyPr wrap="square" rtlCol="0">
+            <a:spAutoFit/>
+          </a:bodyPr>
+          <a:lstStyle/>
+          <a:p>
+            <a:r>
+              <a:rPr kumimoji="1" lang="ja-JP" altLang="en-US" sz="4400" dirty="0">
+                <a:solidFill>
+                  <a:srgbClr val="FF0000"/>
+                </a:solidFill>
+                <a:latin typeface="HGS創英角ﾎﾟｯﾌﾟ体" panose="040B0A00000000000000" pitchFamily="50" charset="-128"/>
+                <a:ea typeface="HGS創英角ﾎﾟｯﾌﾟ体" panose="040B0A00000000000000" pitchFamily="50" charset="-128"/>
+              </a:rPr>
+              <a:t>～特殊能力～</a:t>
+            </a:r>
+          </a:p>
+        </p:txBody>
+      </p:sp>
+      <p:sp>
+        <p:nvSpPr>
+          <p:cNvPr id="7" name="テキスト ボックス 6">
+            <a:extLst>
+              <a:ext uri="{FF2B5EF4-FFF2-40B4-BE49-F238E27FC236}">
+                <a16:creationId xmlns="" xmlns:a16="http://schemas.microsoft.com/office/drawing/2014/main" id="{73800048-3568-41F0-9625-5BAA357C3353}"/>
+              </a:ext>
+            </a:extLst>
+          </p:cNvPr>
+          <p:cNvSpPr txBox="1"/>
+          <p:nvPr/>
+        </p:nvSpPr>
+        <p:spPr>
+          <a:xfrm>
+            <a:off x="196849" y="1351331"/>
+            <a:ext cx="11798302" cy="3046988"/>
+          </a:xfrm>
+          <a:prstGeom prst="rect">
+            <a:avLst/>
+          </a:prstGeom>
+          <a:noFill/>
+        </p:spPr>
+        <p:txBody>
+          <a:bodyPr wrap="square" rtlCol="0">
             <a:spAutoFit/>
           </a:bodyPr>
           <a:lstStyle/>
@@ -5046,26 +5094,29 @@
               </a:lnSpc>
             </a:pPr>
             <a:r>
-              <a:rPr kumimoji="1" lang="en-US" altLang="ja-JP" sz="3200" dirty="0">
-                <a:latin typeface="HGS創英角ﾎﾟｯﾌﾟ体" panose="040B0A00000000000000" pitchFamily="50" charset="-128"/>
-                <a:ea typeface="HGS創英角ﾎﾟｯﾌﾟ体" panose="040B0A00000000000000" pitchFamily="50" charset="-128"/>
-              </a:rPr>
-              <a:t>【</a:t>
-            </a:r>
-            <a:r>
               <a:rPr kumimoji="1" lang="ja-JP" altLang="en-US" sz="3200" dirty="0">
                 <a:latin typeface="HGS創英角ﾎﾟｯﾌﾟ体" panose="040B0A00000000000000" pitchFamily="50" charset="-128"/>
                 <a:ea typeface="HGS創英角ﾎﾟｯﾌﾟ体" panose="040B0A00000000000000" pitchFamily="50" charset="-128"/>
               </a:rPr>
-              <a:t>その他アクション</a:t>
-            </a:r>
-            <a:r>
-              <a:rPr kumimoji="1" lang="en-US" altLang="ja-JP" sz="3200" dirty="0">
-                <a:latin typeface="HGS創英角ﾎﾟｯﾌﾟ体" panose="040B0A00000000000000" pitchFamily="50" charset="-128"/>
-                <a:ea typeface="HGS創英角ﾎﾟｯﾌﾟ体" panose="040B0A00000000000000" pitchFamily="50" charset="-128"/>
-              </a:rPr>
-              <a:t>】</a:t>
-            </a:r>
+              <a:t>・プレイヤーは一定時間ステルス状態が継続する</a:t>
+            </a:r>
+            <a:r>
+              <a:rPr kumimoji="1" lang="ja-JP" altLang="en-US" sz="3200" dirty="0">
+                <a:solidFill>
+                  <a:srgbClr val="FF0000"/>
+                </a:solidFill>
+                <a:latin typeface="HGS創英角ﾎﾟｯﾌﾟ体" panose="040B0A00000000000000" pitchFamily="50" charset="-128"/>
+                <a:ea typeface="HGS創英角ﾎﾟｯﾌﾟ体" panose="040B0A00000000000000" pitchFamily="50" charset="-128"/>
+              </a:rPr>
+              <a:t>トランス状態　</a:t>
+            </a:r>
+            <a:endParaRPr kumimoji="1" lang="en-US" altLang="ja-JP" sz="3200" dirty="0">
+              <a:solidFill>
+                <a:srgbClr val="FF0000"/>
+              </a:solidFill>
+              <a:latin typeface="HGS創英角ﾎﾟｯﾌﾟ体" panose="040B0A00000000000000" pitchFamily="50" charset="-128"/>
+              <a:ea typeface="HGS創英角ﾎﾟｯﾌﾟ体" panose="040B0A00000000000000" pitchFamily="50" charset="-128"/>
+            </a:endParaRPr>
           </a:p>
           <a:p>
             <a:pPr>
@@ -5075,10 +5126,20 @@
             </a:pPr>
             <a:r>
               <a:rPr kumimoji="1" lang="ja-JP" altLang="en-US" sz="3200" dirty="0">
-                <a:latin typeface="HGS創英角ﾎﾟｯﾌﾟ体" panose="040B0A00000000000000" pitchFamily="50" charset="-128"/>
-                <a:ea typeface="HGS創英角ﾎﾟｯﾌﾟ体" panose="040B0A00000000000000" pitchFamily="50" charset="-128"/>
-              </a:rPr>
-              <a:t>　・ジャンプ</a:t>
+                <a:solidFill>
+                  <a:srgbClr val="FF0000"/>
+                </a:solidFill>
+                <a:latin typeface="HGS創英角ﾎﾟｯﾌﾟ体" panose="040B0A00000000000000" pitchFamily="50" charset="-128"/>
+                <a:ea typeface="HGS創英角ﾎﾟｯﾌﾟ体" panose="040B0A00000000000000" pitchFamily="50" charset="-128"/>
+              </a:rPr>
+              <a:t>　</a:t>
+            </a:r>
+            <a:r>
+              <a:rPr kumimoji="1" lang="ja-JP" altLang="en-US" sz="3200" dirty="0">
+                <a:latin typeface="HGS創英角ﾎﾟｯﾌﾟ体" panose="040B0A00000000000000" pitchFamily="50" charset="-128"/>
+                <a:ea typeface="HGS創英角ﾎﾟｯﾌﾟ体" panose="040B0A00000000000000" pitchFamily="50" charset="-128"/>
+              </a:rPr>
+              <a:t>というものがあります。通常では、停止している間にステル</a:t>
             </a:r>
             <a:endParaRPr kumimoji="1" lang="en-US" altLang="ja-JP" sz="3200" dirty="0">
               <a:latin typeface="HGS創英角ﾎﾟｯﾌﾟ体" panose="040B0A00000000000000" pitchFamily="50" charset="-128"/>
@@ -5096,7 +5157,38 @@
                 <a:latin typeface="HGS創英角ﾎﾟｯﾌﾟ体" panose="040B0A00000000000000" pitchFamily="50" charset="-128"/>
                 <a:ea typeface="HGS創英角ﾎﾟｯﾌﾟ体" panose="040B0A00000000000000" pitchFamily="50" charset="-128"/>
               </a:rPr>
-              <a:t>　　障害物を乗り越えます。</a:t>
+              <a:t>　</a:t>
+            </a:r>
+            <a:r>
+              <a:rPr kumimoji="1" lang="ja-JP" altLang="en-US" sz="3200" dirty="0" err="1">
+                <a:latin typeface="HGS創英角ﾎﾟｯﾌﾟ体" panose="040B0A00000000000000" pitchFamily="50" charset="-128"/>
+                <a:ea typeface="HGS創英角ﾎﾟｯﾌﾟ体" panose="040B0A00000000000000" pitchFamily="50" charset="-128"/>
+              </a:rPr>
+              <a:t>スしますが</a:t>
+            </a:r>
+            <a:r>
+              <a:rPr kumimoji="1" lang="ja-JP" altLang="en-US" sz="3200" dirty="0">
+                <a:latin typeface="HGS創英角ﾎﾟｯﾌﾟ体" panose="040B0A00000000000000" pitchFamily="50" charset="-128"/>
+                <a:ea typeface="HGS創英角ﾎﾟｯﾌﾟ体" panose="040B0A00000000000000" pitchFamily="50" charset="-128"/>
+              </a:rPr>
+              <a:t>、</a:t>
+            </a:r>
+            <a:r>
+              <a:rPr kumimoji="1" lang="ja-JP" altLang="en-US" sz="3200" dirty="0">
+                <a:solidFill>
+                  <a:srgbClr val="FF0000"/>
+                </a:solidFill>
+                <a:latin typeface="HGS創英角ﾎﾟｯﾌﾟ体" panose="040B0A00000000000000" pitchFamily="50" charset="-128"/>
+                <a:ea typeface="HGS創英角ﾎﾟｯﾌﾟ体" panose="040B0A00000000000000" pitchFamily="50" charset="-128"/>
+              </a:rPr>
+              <a:t>トランス状態</a:t>
+            </a:r>
+            <a:r>
+              <a:rPr kumimoji="1" lang="ja-JP" altLang="en-US" sz="3200" dirty="0">
+                <a:latin typeface="HGS創英角ﾎﾟｯﾌﾟ体" panose="040B0A00000000000000" pitchFamily="50" charset="-128"/>
+                <a:ea typeface="HGS創英角ﾎﾟｯﾌﾟ体" panose="040B0A00000000000000" pitchFamily="50" charset="-128"/>
+              </a:rPr>
+              <a:t>では動きまわっている間でもステ</a:t>
             </a:r>
             <a:endParaRPr kumimoji="1" lang="en-US" altLang="ja-JP" sz="3200" dirty="0">
               <a:latin typeface="HGS創英角ﾎﾟｯﾌﾟ体" panose="040B0A00000000000000" pitchFamily="50" charset="-128"/>
@@ -5114,100 +5206,21 @@
                 <a:latin typeface="HGS創英角ﾎﾟｯﾌﾟ体" panose="040B0A00000000000000" pitchFamily="50" charset="-128"/>
                 <a:ea typeface="HGS創英角ﾎﾟｯﾌﾟ体" panose="040B0A00000000000000" pitchFamily="50" charset="-128"/>
               </a:rPr>
-              <a:t>　・壁登り</a:t>
+              <a:t>　ルス状態が一定時間続きます。 </a:t>
             </a:r>
             <a:endParaRPr kumimoji="1" lang="en-US" altLang="ja-JP" sz="3200" dirty="0">
               <a:latin typeface="HGS創英角ﾎﾟｯﾌﾟ体" panose="040B0A00000000000000" pitchFamily="50" charset="-128"/>
               <a:ea typeface="HGS創英角ﾎﾟｯﾌﾟ体" panose="040B0A00000000000000" pitchFamily="50" charset="-128"/>
             </a:endParaRPr>
           </a:p>
-          <a:p>
-            <a:pPr>
-              <a:lnSpc>
-                <a:spcPct val="150000"/>
-              </a:lnSpc>
-            </a:pPr>
-            <a:r>
-              <a:rPr kumimoji="1" lang="ja-JP" altLang="en-US" sz="3200" dirty="0">
-                <a:latin typeface="HGS創英角ﾎﾟｯﾌﾟ体" panose="040B0A00000000000000" pitchFamily="50" charset="-128"/>
-                <a:ea typeface="HGS創英角ﾎﾟｯﾌﾟ体" panose="040B0A00000000000000" pitchFamily="50" charset="-128"/>
-              </a:rPr>
-              <a:t>　　特定の壁にジャンプすることによって張り付き、登る</a:t>
-            </a:r>
-            <a:r>
-              <a:rPr kumimoji="1" lang="ja-JP" altLang="en-US" sz="3200" dirty="0" err="1">
-                <a:latin typeface="HGS創英角ﾎﾟｯﾌﾟ体" panose="040B0A00000000000000" pitchFamily="50" charset="-128"/>
-                <a:ea typeface="HGS創英角ﾎﾟｯﾌﾟ体" panose="040B0A00000000000000" pitchFamily="50" charset="-128"/>
-              </a:rPr>
-              <a:t>こ</a:t>
-            </a:r>
-            <a:endParaRPr kumimoji="1" lang="en-US" altLang="ja-JP" sz="3200" dirty="0">
-              <a:latin typeface="HGS創英角ﾎﾟｯﾌﾟ体" panose="040B0A00000000000000" pitchFamily="50" charset="-128"/>
-              <a:ea typeface="HGS創英角ﾎﾟｯﾌﾟ体" panose="040B0A00000000000000" pitchFamily="50" charset="-128"/>
-            </a:endParaRPr>
-          </a:p>
-          <a:p>
-            <a:pPr>
-              <a:lnSpc>
-                <a:spcPct val="150000"/>
-              </a:lnSpc>
-            </a:pPr>
-            <a:r>
-              <a:rPr kumimoji="1" lang="ja-JP" altLang="en-US" sz="3200" dirty="0">
-                <a:latin typeface="HGS創英角ﾎﾟｯﾌﾟ体" panose="040B0A00000000000000" pitchFamily="50" charset="-128"/>
-                <a:ea typeface="HGS創英角ﾎﾟｯﾌﾟ体" panose="040B0A00000000000000" pitchFamily="50" charset="-128"/>
-              </a:rPr>
-              <a:t>　　とができます。</a:t>
-            </a:r>
-            <a:endParaRPr kumimoji="1" lang="en-US" altLang="ja-JP" sz="3200" dirty="0">
-              <a:latin typeface="HGS創英角ﾎﾟｯﾌﾟ体" panose="040B0A00000000000000" pitchFamily="50" charset="-128"/>
-              <a:ea typeface="HGS創英角ﾎﾟｯﾌﾟ体" panose="040B0A00000000000000" pitchFamily="50" charset="-128"/>
-            </a:endParaRPr>
-          </a:p>
-          <a:p>
-            <a:pPr>
-              <a:lnSpc>
-                <a:spcPct val="150000"/>
-              </a:lnSpc>
-            </a:pPr>
-            <a:r>
-              <a:rPr kumimoji="1" lang="ja-JP" altLang="en-US" sz="3200" dirty="0">
-                <a:latin typeface="HGS創英角ﾎﾟｯﾌﾟ体" panose="040B0A00000000000000" pitchFamily="50" charset="-128"/>
-                <a:ea typeface="HGS創英角ﾎﾟｯﾌﾟ体" panose="040B0A00000000000000" pitchFamily="50" charset="-128"/>
-              </a:rPr>
-              <a:t>　・しゃがみ</a:t>
-            </a:r>
-            <a:endParaRPr kumimoji="1" lang="en-US" altLang="ja-JP" sz="3200" dirty="0">
-              <a:latin typeface="HGS創英角ﾎﾟｯﾌﾟ体" panose="040B0A00000000000000" pitchFamily="50" charset="-128"/>
-              <a:ea typeface="HGS創英角ﾎﾟｯﾌﾟ体" panose="040B0A00000000000000" pitchFamily="50" charset="-128"/>
-            </a:endParaRPr>
-          </a:p>
-          <a:p>
-            <a:pPr>
-              <a:lnSpc>
-                <a:spcPct val="150000"/>
-              </a:lnSpc>
-            </a:pPr>
-            <a:r>
-              <a:rPr kumimoji="1" lang="ja-JP" altLang="en-US" sz="3200" dirty="0">
-                <a:latin typeface="HGS創英角ﾎﾟｯﾌﾟ体" panose="040B0A00000000000000" pitchFamily="50" charset="-128"/>
-                <a:ea typeface="HGS創英角ﾎﾟｯﾌﾟ体" panose="040B0A00000000000000" pitchFamily="50" charset="-128"/>
-              </a:rPr>
-              <a:t>　　主に舌の出る位置を下げたいときに使います。</a:t>
-            </a:r>
-            <a:endParaRPr kumimoji="1" lang="en-US" altLang="ja-JP" sz="3200" dirty="0">
-              <a:latin typeface="HGS創英角ﾎﾟｯﾌﾟ体" panose="040B0A00000000000000" pitchFamily="50" charset="-128"/>
-              <a:ea typeface="HGS創英角ﾎﾟｯﾌﾟ体" panose="040B0A00000000000000" pitchFamily="50" charset="-128"/>
-            </a:endParaRPr>
-          </a:p>
         </p:txBody>
       </p:sp>
       <p:pic>
         <p:nvPicPr>
-          <p:cNvPr id="6" name="図 5">
+          <p:cNvPr id="4" name="図 3">
             <a:extLst>
               <a:ext uri="{FF2B5EF4-FFF2-40B4-BE49-F238E27FC236}">
-                <a16:creationId xmlns:a16="http://schemas.microsoft.com/office/drawing/2014/main" id="{27D11C1B-E65F-4055-86D3-F253EA7A7410}"/>
+                <a16:creationId xmlns="" xmlns:a16="http://schemas.microsoft.com/office/drawing/2014/main" id="{1E442A58-5059-4E42-8D8E-909DC7B5FA64}"/>
               </a:ext>
             </a:extLst>
           </p:cNvPr>
@@ -5224,78 +5237,76 @@
         </p:blipFill>
         <p:spPr>
           <a:xfrm>
-            <a:off x="6095999" y="302359"/>
-            <a:ext cx="1456307" cy="1564988"/>
+            <a:off x="7828430" y="4196006"/>
+            <a:ext cx="2636370" cy="1943508"/>
           </a:xfrm>
           <a:prstGeom prst="rect">
             <a:avLst/>
           </a:prstGeom>
+          <a:ln w="38100" cap="sq">
+            <a:solidFill>
+              <a:srgbClr val="000000"/>
+            </a:solidFill>
+            <a:prstDash val="solid"/>
+            <a:miter lim="800000"/>
+          </a:ln>
+          <a:effectLst>
+            <a:outerShdw blurRad="50800" dist="38100" dir="2700000" algn="tl" rotWithShape="0">
+              <a:srgbClr val="000000">
+                <a:alpha val="43000"/>
+              </a:srgbClr>
+            </a:outerShdw>
+          </a:effectLst>
         </p:spPr>
       </p:pic>
       <p:pic>
         <p:nvPicPr>
-          <p:cNvPr id="9" name="図 8">
-            <a:extLst>
-              <a:ext uri="{FF2B5EF4-FFF2-40B4-BE49-F238E27FC236}">
-                <a16:creationId xmlns:a16="http://schemas.microsoft.com/office/drawing/2014/main" id="{D2E4F9DD-AFB8-4CF7-9591-E4440CAC5580}"/>
-              </a:ext>
-            </a:extLst>
-          </p:cNvPr>
+          <p:cNvPr id="3" name="図 2"/>
           <p:cNvPicPr>
             <a:picLocks noChangeAspect="1"/>
           </p:cNvPicPr>
           <p:nvPr/>
         </p:nvPicPr>
         <p:blipFill>
-          <a:blip r:embed="rId5"/>
+          <a:blip r:embed="rId5">
+            <a:extLst>
+              <a:ext uri="{28A0092B-C50C-407E-A947-70E740481C1C}">
+                <a14:useLocalDpi xmlns:a14="http://schemas.microsoft.com/office/drawing/2010/main" val="0"/>
+              </a:ext>
+            </a:extLst>
+          </a:blip>
           <a:stretch>
             <a:fillRect/>
           </a:stretch>
         </p:blipFill>
         <p:spPr>
           <a:xfrm>
-            <a:off x="9685077" y="1372005"/>
-            <a:ext cx="1453989" cy="1537414"/>
+            <a:off x="1902016" y="4898703"/>
+            <a:ext cx="4396063" cy="1728367"/>
           </a:xfrm>
           <a:prstGeom prst="rect">
             <a:avLst/>
           </a:prstGeom>
-        </p:spPr>
-      </p:pic>
-      <p:pic>
-        <p:nvPicPr>
-          <p:cNvPr id="11" name="図 10">
-            <a:extLst>
-              <a:ext uri="{FF2B5EF4-FFF2-40B4-BE49-F238E27FC236}">
-                <a16:creationId xmlns:a16="http://schemas.microsoft.com/office/drawing/2014/main" id="{8DB90C39-1DE8-4D71-862E-59D1E04EC4D2}"/>
-              </a:ext>
-            </a:extLst>
-          </p:cNvPr>
-          <p:cNvPicPr>
-            <a:picLocks noChangeAspect="1"/>
-          </p:cNvPicPr>
-          <p:nvPr/>
-        </p:nvPicPr>
-        <p:blipFill>
-          <a:blip r:embed="rId6"/>
-          <a:stretch>
-            <a:fillRect/>
-          </a:stretch>
-        </p:blipFill>
-        <p:spPr>
-          <a:xfrm>
-            <a:off x="8966441" y="4220255"/>
-            <a:ext cx="1682103" cy="1265740"/>
-          </a:xfrm>
-          <a:prstGeom prst="rect">
-            <a:avLst/>
-          </a:prstGeom>
+          <a:ln w="38100" cap="sq">
+            <a:solidFill>
+              <a:srgbClr val="000000"/>
+            </a:solidFill>
+            <a:prstDash val="solid"/>
+            <a:miter lim="800000"/>
+          </a:ln>
+          <a:effectLst>
+            <a:outerShdw blurRad="50800" dist="38100" dir="2700000" algn="tl" rotWithShape="0">
+              <a:srgbClr val="000000">
+                <a:alpha val="43000"/>
+              </a:srgbClr>
+            </a:outerShdw>
+          </a:effectLst>
         </p:spPr>
       </p:pic>
     </p:spTree>
     <p:extLst>
       <p:ext uri="{BB962C8B-B14F-4D97-AF65-F5344CB8AC3E}">
-        <p14:creationId xmlns:p14="http://schemas.microsoft.com/office/powerpoint/2010/main" val="2719649402"/>
+        <p14:creationId xmlns:p14="http://schemas.microsoft.com/office/powerpoint/2010/main" val="1295279335"/>
       </p:ext>
     </p:extLst>
   </p:cSld>
@@ -5324,10 +5335,10 @@
       </p:grpSpPr>
       <p:pic>
         <p:nvPicPr>
-          <p:cNvPr id="9" name="図 8">
+          <p:cNvPr id="7" name="図 6">
             <a:extLst>
               <a:ext uri="{FF2B5EF4-FFF2-40B4-BE49-F238E27FC236}">
-                <a16:creationId xmlns:a16="http://schemas.microsoft.com/office/drawing/2014/main" id="{E899258B-FEF6-472D-858E-EB508882C21A}"/>
+                <a16:creationId xmlns="" xmlns:a16="http://schemas.microsoft.com/office/drawing/2014/main" id="{97CD5407-DCAB-4EE4-81B3-86F67409B17C}"/>
               </a:ext>
             </a:extLst>
           </p:cNvPr>
@@ -5354,69 +5365,27 @@
       </p:pic>
       <p:sp>
         <p:nvSpPr>
-          <p:cNvPr id="2" name="テキスト ボックス 1">
+          <p:cNvPr id="3" name="正方形/長方形 2">
             <a:extLst>
               <a:ext uri="{FF2B5EF4-FFF2-40B4-BE49-F238E27FC236}">
-                <a16:creationId xmlns:a16="http://schemas.microsoft.com/office/drawing/2014/main" id="{472AF6D7-6889-47D8-9B47-253401E69C59}"/>
+                <a16:creationId xmlns="" xmlns:a16="http://schemas.microsoft.com/office/drawing/2014/main" id="{D3BF6EC0-6775-4FC2-B8A5-69992CB3CF53}"/>
               </a:ext>
             </a:extLst>
           </p:cNvPr>
-          <p:cNvSpPr txBox="1"/>
+          <p:cNvSpPr/>
           <p:nvPr/>
         </p:nvSpPr>
         <p:spPr>
           <a:xfrm>
-            <a:off x="561109" y="581890"/>
-            <a:ext cx="4783889" cy="769441"/>
+            <a:off x="469899" y="837337"/>
+            <a:ext cx="11362709" cy="3877985"/>
           </a:xfrm>
           <a:prstGeom prst="rect">
             <a:avLst/>
           </a:prstGeom>
-          <a:noFill/>
         </p:spPr>
         <p:txBody>
-          <a:bodyPr wrap="square" rtlCol="0">
-            <a:spAutoFit/>
-          </a:bodyPr>
-          <a:lstStyle/>
-          <a:p>
-            <a:r>
-              <a:rPr kumimoji="1" lang="ja-JP" altLang="en-US" sz="4400" dirty="0">
-                <a:solidFill>
-                  <a:srgbClr val="FF0000"/>
-                </a:solidFill>
-                <a:latin typeface="HGS創英角ﾎﾟｯﾌﾟ体" panose="040B0A00000000000000" pitchFamily="50" charset="-128"/>
-                <a:ea typeface="HGS創英角ﾎﾟｯﾌﾟ体" panose="040B0A00000000000000" pitchFamily="50" charset="-128"/>
-              </a:rPr>
-              <a:t>～特殊能力～</a:t>
-            </a:r>
-          </a:p>
-        </p:txBody>
-      </p:sp>
-      <p:sp>
-        <p:nvSpPr>
-          <p:cNvPr id="7" name="テキスト ボックス 6">
-            <a:extLst>
-              <a:ext uri="{FF2B5EF4-FFF2-40B4-BE49-F238E27FC236}">
-                <a16:creationId xmlns:a16="http://schemas.microsoft.com/office/drawing/2014/main" id="{73800048-3568-41F0-9625-5BAA357C3353}"/>
-              </a:ext>
-            </a:extLst>
-          </p:cNvPr>
-          <p:cNvSpPr txBox="1"/>
-          <p:nvPr/>
-        </p:nvSpPr>
-        <p:spPr>
-          <a:xfrm>
-            <a:off x="196849" y="1351331"/>
-            <a:ext cx="11798302" cy="3046988"/>
-          </a:xfrm>
-          <a:prstGeom prst="rect">
-            <a:avLst/>
-          </a:prstGeom>
-          <a:noFill/>
-        </p:spPr>
-        <p:txBody>
-          <a:bodyPr wrap="square" rtlCol="0">
+          <a:bodyPr wrap="square">
             <a:spAutoFit/>
           </a:bodyPr>
           <a:lstStyle/>
@@ -5427,26 +5396,13 @@
               </a:lnSpc>
             </a:pPr>
             <a:r>
-              <a:rPr kumimoji="1" lang="ja-JP" altLang="en-US" sz="3200" dirty="0">
-                <a:latin typeface="HGS創英角ﾎﾟｯﾌﾟ体" panose="040B0A00000000000000" pitchFamily="50" charset="-128"/>
-                <a:ea typeface="HGS創英角ﾎﾟｯﾌﾟ体" panose="040B0A00000000000000" pitchFamily="50" charset="-128"/>
-              </a:rPr>
-              <a:t>・プレイヤーは一定時間ステルス状態が継続する</a:t>
-            </a:r>
-            <a:r>
-              <a:rPr kumimoji="1" lang="ja-JP" altLang="en-US" sz="3200" dirty="0">
-                <a:solidFill>
-                  <a:srgbClr val="FF0000"/>
-                </a:solidFill>
-                <a:latin typeface="HGS創英角ﾎﾟｯﾌﾟ体" panose="040B0A00000000000000" pitchFamily="50" charset="-128"/>
-                <a:ea typeface="HGS創英角ﾎﾟｯﾌﾟ体" panose="040B0A00000000000000" pitchFamily="50" charset="-128"/>
-              </a:rPr>
-              <a:t>トランス状態　</a:t>
-            </a:r>
-            <a:endParaRPr kumimoji="1" lang="en-US" altLang="ja-JP" sz="3200" dirty="0">
-              <a:solidFill>
-                <a:srgbClr val="FF0000"/>
-              </a:solidFill>
+              <a:rPr kumimoji="1" lang="ja-JP" altLang="en-US" sz="3600" dirty="0">
+                <a:latin typeface="HGS創英角ﾎﾟｯﾌﾟ体" panose="040B0A00000000000000" pitchFamily="50" charset="-128"/>
+                <a:ea typeface="HGS創英角ﾎﾟｯﾌﾟ体" panose="040B0A00000000000000" pitchFamily="50" charset="-128"/>
+              </a:rPr>
+              <a:t>・トランス状態になるにはステージにある特定のアイ</a:t>
+            </a:r>
+            <a:endParaRPr kumimoji="1" lang="en-US" altLang="ja-JP" sz="3600" dirty="0">
               <a:latin typeface="HGS創英角ﾎﾟｯﾌﾟ体" panose="040B0A00000000000000" pitchFamily="50" charset="-128"/>
               <a:ea typeface="HGS創英角ﾎﾟｯﾌﾟ体" panose="040B0A00000000000000" pitchFamily="50" charset="-128"/>
             </a:endParaRPr>
@@ -5458,23 +5414,13 @@
               </a:lnSpc>
             </a:pPr>
             <a:r>
-              <a:rPr kumimoji="1" lang="ja-JP" altLang="en-US" sz="3200" dirty="0">
-                <a:solidFill>
-                  <a:srgbClr val="FF0000"/>
-                </a:solidFill>
-                <a:latin typeface="HGS創英角ﾎﾟｯﾌﾟ体" panose="040B0A00000000000000" pitchFamily="50" charset="-128"/>
-                <a:ea typeface="HGS創英角ﾎﾟｯﾌﾟ体" panose="040B0A00000000000000" pitchFamily="50" charset="-128"/>
-              </a:rPr>
-              <a:t>　</a:t>
-            </a:r>
-            <a:r>
-              <a:rPr kumimoji="1" lang="ja-JP" altLang="en-US" sz="3200" dirty="0">
-                <a:latin typeface="HGS創英角ﾎﾟｯﾌﾟ体" panose="040B0A00000000000000" pitchFamily="50" charset="-128"/>
-                <a:ea typeface="HGS創英角ﾎﾟｯﾌﾟ体" panose="040B0A00000000000000" pitchFamily="50" charset="-128"/>
-              </a:rPr>
-              <a:t>というものがあります。通常では、停止している間にステル</a:t>
-            </a:r>
-            <a:endParaRPr kumimoji="1" lang="en-US" altLang="ja-JP" sz="3200" dirty="0">
+              <a:rPr kumimoji="1" lang="ja-JP" altLang="en-US" sz="3600" dirty="0">
+                <a:latin typeface="HGS創英角ﾎﾟｯﾌﾟ体" panose="040B0A00000000000000" pitchFamily="50" charset="-128"/>
+                <a:ea typeface="HGS創英角ﾎﾟｯﾌﾟ体" panose="040B0A00000000000000" pitchFamily="50" charset="-128"/>
+              </a:rPr>
+              <a:t>　テムを舌などを使って入手し、使用することで発動　</a:t>
+            </a:r>
+            <a:endParaRPr kumimoji="1" lang="en-US" altLang="ja-JP" sz="3600" dirty="0">
               <a:latin typeface="HGS創英角ﾎﾟｯﾌﾟ体" panose="040B0A00000000000000" pitchFamily="50" charset="-128"/>
               <a:ea typeface="HGS創英角ﾎﾟｯﾌﾟ体" panose="040B0A00000000000000" pitchFamily="50" charset="-128"/>
             </a:endParaRPr>
@@ -5486,44 +5432,13 @@
               </a:lnSpc>
             </a:pPr>
             <a:r>
-              <a:rPr kumimoji="1" lang="ja-JP" altLang="en-US" sz="3200" dirty="0">
-                <a:latin typeface="HGS創英角ﾎﾟｯﾌﾟ体" panose="040B0A00000000000000" pitchFamily="50" charset="-128"/>
-                <a:ea typeface="HGS創英角ﾎﾟｯﾌﾟ体" panose="040B0A00000000000000" pitchFamily="50" charset="-128"/>
-              </a:rPr>
-              <a:t>　</a:t>
-            </a:r>
-            <a:r>
-              <a:rPr kumimoji="1" lang="ja-JP" altLang="en-US" sz="3200" dirty="0" err="1">
-                <a:latin typeface="HGS創英角ﾎﾟｯﾌﾟ体" panose="040B0A00000000000000" pitchFamily="50" charset="-128"/>
-                <a:ea typeface="HGS創英角ﾎﾟｯﾌﾟ体" panose="040B0A00000000000000" pitchFamily="50" charset="-128"/>
-              </a:rPr>
-              <a:t>スしますが</a:t>
-            </a:r>
-            <a:r>
-              <a:rPr kumimoji="1" lang="ja-JP" altLang="en-US" sz="3200" dirty="0">
-                <a:latin typeface="HGS創英角ﾎﾟｯﾌﾟ体" panose="040B0A00000000000000" pitchFamily="50" charset="-128"/>
-                <a:ea typeface="HGS創英角ﾎﾟｯﾌﾟ体" panose="040B0A00000000000000" pitchFamily="50" charset="-128"/>
-              </a:rPr>
-              <a:t>、</a:t>
-            </a:r>
-            <a:r>
-              <a:rPr kumimoji="1" lang="ja-JP" altLang="en-US" sz="3200" dirty="0">
-                <a:solidFill>
-                  <a:srgbClr val="FF0000"/>
-                </a:solidFill>
-                <a:latin typeface="HGS創英角ﾎﾟｯﾌﾟ体" panose="040B0A00000000000000" pitchFamily="50" charset="-128"/>
-                <a:ea typeface="HGS創英角ﾎﾟｯﾌﾟ体" panose="040B0A00000000000000" pitchFamily="50" charset="-128"/>
-              </a:rPr>
-              <a:t>トランス状態</a:t>
-            </a:r>
-            <a:r>
-              <a:rPr kumimoji="1" lang="ja-JP" altLang="en-US" sz="3200" dirty="0">
-                <a:latin typeface="HGS創英角ﾎﾟｯﾌﾟ体" panose="040B0A00000000000000" pitchFamily="50" charset="-128"/>
-                <a:ea typeface="HGS創英角ﾎﾟｯﾌﾟ体" panose="040B0A00000000000000" pitchFamily="50" charset="-128"/>
-              </a:rPr>
-              <a:t>では動きまわっている間でもステ</a:t>
-            </a:r>
-            <a:endParaRPr kumimoji="1" lang="en-US" altLang="ja-JP" sz="3200" dirty="0">
+              <a:rPr kumimoji="1" lang="ja-JP" altLang="en-US" sz="3600" dirty="0">
+                <a:latin typeface="HGS創英角ﾎﾟｯﾌﾟ体" panose="040B0A00000000000000" pitchFamily="50" charset="-128"/>
+                <a:ea typeface="HGS創英角ﾎﾟｯﾌﾟ体" panose="040B0A00000000000000" pitchFamily="50" charset="-128"/>
+              </a:rPr>
+              <a:t>　することができます。</a:t>
+            </a:r>
+            <a:endParaRPr kumimoji="1" lang="en-US" altLang="ja-JP" sz="3600" dirty="0">
               <a:latin typeface="HGS創英角ﾎﾟｯﾌﾟ体" panose="040B0A00000000000000" pitchFamily="50" charset="-128"/>
               <a:ea typeface="HGS創英角ﾎﾟｯﾌﾟ体" panose="040B0A00000000000000" pitchFamily="50" charset="-128"/>
             </a:endParaRPr>
@@ -5534,26 +5449,30 @@
                 <a:spcPct val="150000"/>
               </a:lnSpc>
             </a:pPr>
-            <a:r>
-              <a:rPr kumimoji="1" lang="ja-JP" altLang="en-US" sz="3200" dirty="0">
-                <a:latin typeface="HGS創英角ﾎﾟｯﾌﾟ体" panose="040B0A00000000000000" pitchFamily="50" charset="-128"/>
-                <a:ea typeface="HGS創英角ﾎﾟｯﾌﾟ体" panose="040B0A00000000000000" pitchFamily="50" charset="-128"/>
-              </a:rPr>
-              <a:t>　ルス状態が一定時間続きます。 </a:t>
-            </a:r>
-            <a:endParaRPr kumimoji="1" lang="en-US" altLang="ja-JP" sz="3200" dirty="0">
-              <a:latin typeface="HGS創英角ﾎﾟｯﾌﾟ体" panose="040B0A00000000000000" pitchFamily="50" charset="-128"/>
-              <a:ea typeface="HGS創英角ﾎﾟｯﾌﾟ体" panose="040B0A00000000000000" pitchFamily="50" charset="-128"/>
+            <a:endParaRPr kumimoji="1" lang="en-US" altLang="ja-JP" sz="2800" dirty="0">
+              <a:latin typeface="HGP創英角ｺﾞｼｯｸUB" panose="020B0900000000000000" pitchFamily="50" charset="-128"/>
+              <a:ea typeface="HGP創英角ｺﾞｼｯｸUB" panose="020B0900000000000000" pitchFamily="50" charset="-128"/>
+            </a:endParaRPr>
+          </a:p>
+          <a:p>
+            <a:pPr>
+              <a:lnSpc>
+                <a:spcPct val="150000"/>
+              </a:lnSpc>
+            </a:pPr>
+            <a:endParaRPr kumimoji="1" lang="en-US" altLang="ja-JP" sz="2800" dirty="0">
+              <a:latin typeface="HGP創英角ｺﾞｼｯｸUB" panose="020B0900000000000000" pitchFamily="50" charset="-128"/>
+              <a:ea typeface="HGP創英角ｺﾞｼｯｸUB" panose="020B0900000000000000" pitchFamily="50" charset="-128"/>
             </a:endParaRPr>
           </a:p>
         </p:txBody>
       </p:sp>
       <p:pic>
         <p:nvPicPr>
-          <p:cNvPr id="6" name="図 5">
+          <p:cNvPr id="4" name="図 3">
             <a:extLst>
               <a:ext uri="{FF2B5EF4-FFF2-40B4-BE49-F238E27FC236}">
-                <a16:creationId xmlns:a16="http://schemas.microsoft.com/office/drawing/2014/main" id="{A8961BA1-8F15-442B-9195-99F62309B57A}"/>
+                <a16:creationId xmlns="" xmlns:a16="http://schemas.microsoft.com/office/drawing/2014/main" id="{1F83E885-3B1A-4B16-8AB4-FA68EA3CF50F}"/>
               </a:ext>
             </a:extLst>
           </p:cNvPr>
@@ -5570,60 +5489,76 @@
         </p:blipFill>
         <p:spPr>
           <a:xfrm>
-            <a:off x="1337879" y="4524860"/>
-            <a:ext cx="2394111" cy="1657958"/>
+            <a:off x="6560358" y="3429000"/>
+            <a:ext cx="2257709" cy="1924184"/>
           </a:xfrm>
           <a:prstGeom prst="rect">
             <a:avLst/>
           </a:prstGeom>
-          <a:ln>
-            <a:noFill/>
+          <a:ln w="38100" cap="sq">
+            <a:solidFill>
+              <a:srgbClr val="000000"/>
+            </a:solidFill>
+            <a:prstDash val="solid"/>
+            <a:miter lim="800000"/>
           </a:ln>
           <a:effectLst>
-            <a:softEdge rad="112500"/>
+            <a:outerShdw blurRad="50800" dist="38100" dir="2700000" algn="tl" rotWithShape="0">
+              <a:srgbClr val="000000">
+                <a:alpha val="43000"/>
+              </a:srgbClr>
+            </a:outerShdw>
           </a:effectLst>
         </p:spPr>
       </p:pic>
       <p:pic>
         <p:nvPicPr>
-          <p:cNvPr id="4" name="図 3">
-            <a:extLst>
-              <a:ext uri="{FF2B5EF4-FFF2-40B4-BE49-F238E27FC236}">
-                <a16:creationId xmlns:a16="http://schemas.microsoft.com/office/drawing/2014/main" id="{1E442A58-5059-4E42-8D8E-909DC7B5FA64}"/>
-              </a:ext>
-            </a:extLst>
-          </p:cNvPr>
+          <p:cNvPr id="2" name="図 1"/>
           <p:cNvPicPr>
             <a:picLocks noChangeAspect="1"/>
           </p:cNvPicPr>
           <p:nvPr/>
         </p:nvPicPr>
         <p:blipFill>
-          <a:blip r:embed="rId5"/>
+          <a:blip r:embed="rId5">
+            <a:extLst>
+              <a:ext uri="{28A0092B-C50C-407E-A947-70E740481C1C}">
+                <a14:useLocalDpi xmlns:a14="http://schemas.microsoft.com/office/drawing/2010/main" val="0"/>
+              </a:ext>
+            </a:extLst>
+          </a:blip>
           <a:stretch>
             <a:fillRect/>
           </a:stretch>
         </p:blipFill>
         <p:spPr>
           <a:xfrm>
-            <a:off x="7463981" y="4524860"/>
-            <a:ext cx="2249021" cy="1657958"/>
+            <a:off x="984436" y="4165882"/>
+            <a:ext cx="2984127" cy="2374603"/>
           </a:xfrm>
           <a:prstGeom prst="rect">
             <a:avLst/>
           </a:prstGeom>
-          <a:ln>
-            <a:noFill/>
+          <a:ln w="38100" cap="sq">
+            <a:solidFill>
+              <a:srgbClr val="000000"/>
+            </a:solidFill>
+            <a:prstDash val="solid"/>
+            <a:miter lim="800000"/>
           </a:ln>
           <a:effectLst>
-            <a:softEdge rad="112500"/>
+            <a:outerShdw blurRad="50800" dist="38100" dir="2700000" algn="tl" rotWithShape="0">
+              <a:srgbClr val="000000">
+                <a:alpha val="43000"/>
+              </a:srgbClr>
+            </a:outerShdw>
           </a:effectLst>
         </p:spPr>
       </p:pic>
     </p:spTree>
     <p:extLst>
       <p:ext uri="{BB962C8B-B14F-4D97-AF65-F5344CB8AC3E}">
-        <p14:creationId xmlns:p14="http://schemas.microsoft.com/office/powerpoint/2010/main" val="1295279335"/>
+        <p14:creationId xmlns:p14="http://schemas.microsoft.com/office/powerpoint/2010/main" val="770438119"/>
       </p:ext>
     </p:extLst>
   </p:cSld>
@@ -5652,10 +5587,10 @@
       </p:grpSpPr>
       <p:pic>
         <p:nvPicPr>
-          <p:cNvPr id="7" name="図 6">
+          <p:cNvPr id="28" name="図 27">
             <a:extLst>
               <a:ext uri="{FF2B5EF4-FFF2-40B4-BE49-F238E27FC236}">
-                <a16:creationId xmlns:a16="http://schemas.microsoft.com/office/drawing/2014/main" id="{97CD5407-DCAB-4EE4-81B3-86F67409B17C}"/>
+                <a16:creationId xmlns="" xmlns:a16="http://schemas.microsoft.com/office/drawing/2014/main" id="{33E6B513-3369-4C10-B23C-E96FE2C38E13}"/>
               </a:ext>
             </a:extLst>
           </p:cNvPr>
@@ -5682,240 +5617,10 @@
       </p:pic>
       <p:sp>
         <p:nvSpPr>
-          <p:cNvPr id="3" name="正方形/長方形 2">
-            <a:extLst>
-              <a:ext uri="{FF2B5EF4-FFF2-40B4-BE49-F238E27FC236}">
-                <a16:creationId xmlns:a16="http://schemas.microsoft.com/office/drawing/2014/main" id="{D3BF6EC0-6775-4FC2-B8A5-69992CB3CF53}"/>
-              </a:ext>
-            </a:extLst>
-          </p:cNvPr>
-          <p:cNvSpPr/>
-          <p:nvPr/>
-        </p:nvSpPr>
-        <p:spPr>
-          <a:xfrm>
-            <a:off x="469899" y="837337"/>
-            <a:ext cx="11362709" cy="3877985"/>
-          </a:xfrm>
-          <a:prstGeom prst="rect">
-            <a:avLst/>
-          </a:prstGeom>
-        </p:spPr>
-        <p:txBody>
-          <a:bodyPr wrap="square">
-            <a:spAutoFit/>
-          </a:bodyPr>
-          <a:lstStyle/>
-          <a:p>
-            <a:pPr>
-              <a:lnSpc>
-                <a:spcPct val="150000"/>
-              </a:lnSpc>
-            </a:pPr>
-            <a:r>
-              <a:rPr kumimoji="1" lang="ja-JP" altLang="en-US" sz="3600" dirty="0">
-                <a:latin typeface="HGS創英角ﾎﾟｯﾌﾟ体" panose="040B0A00000000000000" pitchFamily="50" charset="-128"/>
-                <a:ea typeface="HGS創英角ﾎﾟｯﾌﾟ体" panose="040B0A00000000000000" pitchFamily="50" charset="-128"/>
-              </a:rPr>
-              <a:t>・トランス状態になるにはステージにある特定のアイ</a:t>
-            </a:r>
-            <a:endParaRPr kumimoji="1" lang="en-US" altLang="ja-JP" sz="3600" dirty="0">
-              <a:latin typeface="HGS創英角ﾎﾟｯﾌﾟ体" panose="040B0A00000000000000" pitchFamily="50" charset="-128"/>
-              <a:ea typeface="HGS創英角ﾎﾟｯﾌﾟ体" panose="040B0A00000000000000" pitchFamily="50" charset="-128"/>
-            </a:endParaRPr>
-          </a:p>
-          <a:p>
-            <a:pPr>
-              <a:lnSpc>
-                <a:spcPct val="150000"/>
-              </a:lnSpc>
-            </a:pPr>
-            <a:r>
-              <a:rPr kumimoji="1" lang="ja-JP" altLang="en-US" sz="3600" dirty="0">
-                <a:latin typeface="HGS創英角ﾎﾟｯﾌﾟ体" panose="040B0A00000000000000" pitchFamily="50" charset="-128"/>
-                <a:ea typeface="HGS創英角ﾎﾟｯﾌﾟ体" panose="040B0A00000000000000" pitchFamily="50" charset="-128"/>
-              </a:rPr>
-              <a:t>　テムを舌などを使って入手し、使用することで発動　</a:t>
-            </a:r>
-            <a:endParaRPr kumimoji="1" lang="en-US" altLang="ja-JP" sz="3600" dirty="0">
-              <a:latin typeface="HGS創英角ﾎﾟｯﾌﾟ体" panose="040B0A00000000000000" pitchFamily="50" charset="-128"/>
-              <a:ea typeface="HGS創英角ﾎﾟｯﾌﾟ体" panose="040B0A00000000000000" pitchFamily="50" charset="-128"/>
-            </a:endParaRPr>
-          </a:p>
-          <a:p>
-            <a:pPr>
-              <a:lnSpc>
-                <a:spcPct val="150000"/>
-              </a:lnSpc>
-            </a:pPr>
-            <a:r>
-              <a:rPr kumimoji="1" lang="ja-JP" altLang="en-US" sz="3600" dirty="0">
-                <a:latin typeface="HGS創英角ﾎﾟｯﾌﾟ体" panose="040B0A00000000000000" pitchFamily="50" charset="-128"/>
-                <a:ea typeface="HGS創英角ﾎﾟｯﾌﾟ体" panose="040B0A00000000000000" pitchFamily="50" charset="-128"/>
-              </a:rPr>
-              <a:t>　することができます。</a:t>
-            </a:r>
-            <a:endParaRPr kumimoji="1" lang="en-US" altLang="ja-JP" sz="3600" dirty="0">
-              <a:latin typeface="HGS創英角ﾎﾟｯﾌﾟ体" panose="040B0A00000000000000" pitchFamily="50" charset="-128"/>
-              <a:ea typeface="HGS創英角ﾎﾟｯﾌﾟ体" panose="040B0A00000000000000" pitchFamily="50" charset="-128"/>
-            </a:endParaRPr>
-          </a:p>
-          <a:p>
-            <a:pPr>
-              <a:lnSpc>
-                <a:spcPct val="150000"/>
-              </a:lnSpc>
-            </a:pPr>
-            <a:endParaRPr kumimoji="1" lang="en-US" altLang="ja-JP" sz="2800" dirty="0">
-              <a:latin typeface="HGP創英角ｺﾞｼｯｸUB" panose="020B0900000000000000" pitchFamily="50" charset="-128"/>
-              <a:ea typeface="HGP創英角ｺﾞｼｯｸUB" panose="020B0900000000000000" pitchFamily="50" charset="-128"/>
-            </a:endParaRPr>
-          </a:p>
-          <a:p>
-            <a:pPr>
-              <a:lnSpc>
-                <a:spcPct val="150000"/>
-              </a:lnSpc>
-            </a:pPr>
-            <a:endParaRPr kumimoji="1" lang="en-US" altLang="ja-JP" sz="2800" dirty="0">
-              <a:latin typeface="HGP創英角ｺﾞｼｯｸUB" panose="020B0900000000000000" pitchFamily="50" charset="-128"/>
-              <a:ea typeface="HGP創英角ｺﾞｼｯｸUB" panose="020B0900000000000000" pitchFamily="50" charset="-128"/>
-            </a:endParaRPr>
-          </a:p>
-        </p:txBody>
-      </p:sp>
-      <p:pic>
-        <p:nvPicPr>
-          <p:cNvPr id="4" name="図 3">
-            <a:extLst>
-              <a:ext uri="{FF2B5EF4-FFF2-40B4-BE49-F238E27FC236}">
-                <a16:creationId xmlns:a16="http://schemas.microsoft.com/office/drawing/2014/main" id="{1F83E885-3B1A-4B16-8AB4-FA68EA3CF50F}"/>
-              </a:ext>
-            </a:extLst>
-          </p:cNvPr>
-          <p:cNvPicPr>
-            <a:picLocks noChangeAspect="1"/>
-          </p:cNvPicPr>
-          <p:nvPr/>
-        </p:nvPicPr>
-        <p:blipFill>
-          <a:blip r:embed="rId4"/>
-          <a:stretch>
-            <a:fillRect/>
-          </a:stretch>
-        </p:blipFill>
-        <p:spPr>
-          <a:xfrm>
-            <a:off x="6560358" y="3429000"/>
-            <a:ext cx="2257709" cy="1924184"/>
-          </a:xfrm>
-          <a:prstGeom prst="rect">
-            <a:avLst/>
-          </a:prstGeom>
-          <a:ln>
-            <a:noFill/>
-          </a:ln>
-          <a:effectLst>
-            <a:softEdge rad="112500"/>
-          </a:effectLst>
-        </p:spPr>
-      </p:pic>
-      <p:pic>
-        <p:nvPicPr>
-          <p:cNvPr id="5" name="図 4">
-            <a:extLst>
-              <a:ext uri="{FF2B5EF4-FFF2-40B4-BE49-F238E27FC236}">
-                <a16:creationId xmlns:a16="http://schemas.microsoft.com/office/drawing/2014/main" id="{BB915DCB-8CAB-4A76-923F-DD93D0386696}"/>
-              </a:ext>
-            </a:extLst>
-          </p:cNvPr>
-          <p:cNvPicPr>
-            <a:picLocks noChangeAspect="1"/>
-          </p:cNvPicPr>
-          <p:nvPr/>
-        </p:nvPicPr>
-        <p:blipFill>
-          <a:blip r:embed="rId5"/>
-          <a:stretch>
-            <a:fillRect/>
-          </a:stretch>
-        </p:blipFill>
-        <p:spPr>
-          <a:xfrm>
-            <a:off x="1407107" y="4122857"/>
-            <a:ext cx="1779318" cy="2154549"/>
-          </a:xfrm>
-          <a:prstGeom prst="rect">
-            <a:avLst/>
-          </a:prstGeom>
-        </p:spPr>
-      </p:pic>
-    </p:spTree>
-    <p:extLst>
-      <p:ext uri="{BB962C8B-B14F-4D97-AF65-F5344CB8AC3E}">
-        <p14:creationId xmlns:p14="http://schemas.microsoft.com/office/powerpoint/2010/main" val="770438119"/>
-      </p:ext>
-    </p:extLst>
-  </p:cSld>
-  <p:clrMapOvr>
-    <a:masterClrMapping/>
-  </p:clrMapOvr>
-</p:sld>
-</file>
-
-<file path=ppt/slides/slide13.xml><?xml version="1.0" encoding="utf-8"?>
-<p:sld xmlns:a="http://schemas.openxmlformats.org/drawingml/2006/main" xmlns:r="http://schemas.openxmlformats.org/officeDocument/2006/relationships" xmlns:p="http://schemas.openxmlformats.org/presentationml/2006/main">
-  <p:cSld>
-    <p:spTree>
-      <p:nvGrpSpPr>
-        <p:cNvPr id="1" name=""/>
-        <p:cNvGrpSpPr/>
-        <p:nvPr/>
-      </p:nvGrpSpPr>
-      <p:grpSpPr>
-        <a:xfrm>
-          <a:off x="0" y="0"/>
-          <a:ext cx="0" cy="0"/>
-          <a:chOff x="0" y="0"/>
-          <a:chExt cx="0" cy="0"/>
-        </a:xfrm>
-      </p:grpSpPr>
-      <p:pic>
-        <p:nvPicPr>
-          <p:cNvPr id="28" name="図 27">
-            <a:extLst>
-              <a:ext uri="{FF2B5EF4-FFF2-40B4-BE49-F238E27FC236}">
-                <a16:creationId xmlns:a16="http://schemas.microsoft.com/office/drawing/2014/main" id="{33E6B513-3369-4C10-B23C-E96FE2C38E13}"/>
-              </a:ext>
-            </a:extLst>
-          </p:cNvPr>
-          <p:cNvPicPr>
-            <a:picLocks noChangeAspect="1"/>
-          </p:cNvPicPr>
-          <p:nvPr/>
-        </p:nvPicPr>
-        <p:blipFill>
-          <a:blip r:embed="rId3"/>
-          <a:stretch>
-            <a:fillRect/>
-          </a:stretch>
-        </p:blipFill>
-        <p:spPr>
-          <a:xfrm rot="16200000">
-            <a:off x="2660382" y="-2673618"/>
-            <a:ext cx="6871236" cy="12192000"/>
-          </a:xfrm>
-          <a:prstGeom prst="rect">
-            <a:avLst/>
-          </a:prstGeom>
-        </p:spPr>
-      </p:pic>
-      <p:sp>
-        <p:nvSpPr>
           <p:cNvPr id="2" name="テキスト ボックス 1">
             <a:extLst>
               <a:ext uri="{FF2B5EF4-FFF2-40B4-BE49-F238E27FC236}">
-                <a16:creationId xmlns:a16="http://schemas.microsoft.com/office/drawing/2014/main" id="{9795F675-CF26-4125-96E3-A2CB66A100AC}"/>
+                <a16:creationId xmlns="" xmlns:a16="http://schemas.microsoft.com/office/drawing/2014/main" id="{9795F675-CF26-4125-96E3-A2CB66A100AC}"/>
               </a:ext>
             </a:extLst>
           </p:cNvPr>
@@ -5943,8 +5648,8 @@
                 <a:solidFill>
                   <a:srgbClr val="FF0000"/>
                 </a:solidFill>
-                <a:latin typeface="UD デジタル 教科書体 NK-B" panose="02020700000000000000" pitchFamily="18" charset="-128"/>
-                <a:ea typeface="UD デジタル 教科書体 NK-B" panose="02020700000000000000" pitchFamily="18" charset="-128"/>
+                <a:latin typeface="HGS創英角ﾎﾟｯﾌﾟ体" panose="040B0A00000000000000" pitchFamily="50" charset="-128"/>
+                <a:ea typeface="HGS創英角ﾎﾟｯﾌﾟ体" panose="040B0A00000000000000" pitchFamily="50" charset="-128"/>
               </a:rPr>
               <a:t>～敵～</a:t>
             </a:r>
@@ -5956,7 +5661,7 @@
           <p:cNvPr id="8" name="テキスト ボックス 7">
             <a:extLst>
               <a:ext uri="{FF2B5EF4-FFF2-40B4-BE49-F238E27FC236}">
-                <a16:creationId xmlns:a16="http://schemas.microsoft.com/office/drawing/2014/main" id="{5253EBDE-D676-4C3B-BD3E-63AAB297C3B2}"/>
+                <a16:creationId xmlns="" xmlns:a16="http://schemas.microsoft.com/office/drawing/2014/main" id="{5253EBDE-D676-4C3B-BD3E-63AAB297C3B2}"/>
               </a:ext>
             </a:extLst>
           </p:cNvPr>
@@ -6078,7 +5783,7 @@
           <p:cNvPr id="20" name="図 19">
             <a:extLst>
               <a:ext uri="{FF2B5EF4-FFF2-40B4-BE49-F238E27FC236}">
-                <a16:creationId xmlns:a16="http://schemas.microsoft.com/office/drawing/2014/main" id="{935FFA61-B6A8-4CC0-8C90-8C45714C0F35}"/>
+                <a16:creationId xmlns="" xmlns:a16="http://schemas.microsoft.com/office/drawing/2014/main" id="{935FFA61-B6A8-4CC0-8C90-8C45714C0F35}"/>
               </a:ext>
             </a:extLst>
           </p:cNvPr>
@@ -6108,7 +5813,7 @@
           <p:cNvPr id="21" name="図 20">
             <a:extLst>
               <a:ext uri="{FF2B5EF4-FFF2-40B4-BE49-F238E27FC236}">
-                <a16:creationId xmlns:a16="http://schemas.microsoft.com/office/drawing/2014/main" id="{096DDC11-2C05-49E8-8FC3-EE6F482CE444}"/>
+                <a16:creationId xmlns="" xmlns:a16="http://schemas.microsoft.com/office/drawing/2014/main" id="{096DDC11-2C05-49E8-8FC3-EE6F482CE444}"/>
               </a:ext>
             </a:extLst>
           </p:cNvPr>
@@ -6138,7 +5843,7 @@
           <p:cNvPr id="22" name="図 21">
             <a:extLst>
               <a:ext uri="{FF2B5EF4-FFF2-40B4-BE49-F238E27FC236}">
-                <a16:creationId xmlns:a16="http://schemas.microsoft.com/office/drawing/2014/main" id="{1A6BF988-372F-4FAF-9FD7-B94102D744ED}"/>
+                <a16:creationId xmlns="" xmlns:a16="http://schemas.microsoft.com/office/drawing/2014/main" id="{1A6BF988-372F-4FAF-9FD7-B94102D744ED}"/>
               </a:ext>
             </a:extLst>
           </p:cNvPr>
@@ -6168,7 +5873,7 @@
           <p:cNvPr id="24" name="テキスト ボックス 23">
             <a:extLst>
               <a:ext uri="{FF2B5EF4-FFF2-40B4-BE49-F238E27FC236}">
-                <a16:creationId xmlns:a16="http://schemas.microsoft.com/office/drawing/2014/main" id="{FE4D056D-B0C5-4653-B06D-D30E559F6DE7}"/>
+                <a16:creationId xmlns="" xmlns:a16="http://schemas.microsoft.com/office/drawing/2014/main" id="{FE4D056D-B0C5-4653-B06D-D30E559F6DE7}"/>
               </a:ext>
             </a:extLst>
           </p:cNvPr>
@@ -6206,7 +5911,7 @@
           <p:cNvPr id="25" name="テキスト ボックス 24">
             <a:extLst>
               <a:ext uri="{FF2B5EF4-FFF2-40B4-BE49-F238E27FC236}">
-                <a16:creationId xmlns:a16="http://schemas.microsoft.com/office/drawing/2014/main" id="{780C4A3D-13A6-4FB8-A502-0F981F16018C}"/>
+                <a16:creationId xmlns="" xmlns:a16="http://schemas.microsoft.com/office/drawing/2014/main" id="{780C4A3D-13A6-4FB8-A502-0F981F16018C}"/>
               </a:ext>
             </a:extLst>
           </p:cNvPr>
@@ -6244,7 +5949,7 @@
           <p:cNvPr id="26" name="矢印: 右 25">
             <a:extLst>
               <a:ext uri="{FF2B5EF4-FFF2-40B4-BE49-F238E27FC236}">
-                <a16:creationId xmlns:a16="http://schemas.microsoft.com/office/drawing/2014/main" id="{94CC846B-929A-4C76-921D-EEFE04DCEB3C}"/>
+                <a16:creationId xmlns="" xmlns:a16="http://schemas.microsoft.com/office/drawing/2014/main" id="{94CC846B-929A-4C76-921D-EEFE04DCEB3C}"/>
               </a:ext>
             </a:extLst>
           </p:cNvPr>
@@ -6283,6 +5988,11 @@
             <a:lin ang="10800000" scaled="1"/>
             <a:tileRect/>
           </a:gradFill>
+          <a:ln>
+            <a:solidFill>
+              <a:schemeClr val="tx1"/>
+            </a:solidFill>
+          </a:ln>
         </p:spPr>
         <p:style>
           <a:lnRef idx="2">
@@ -6314,7 +6024,7 @@
           <p:cNvPr id="13" name="テキスト ボックス 12">
             <a:extLst>
               <a:ext uri="{FF2B5EF4-FFF2-40B4-BE49-F238E27FC236}">
-                <a16:creationId xmlns:a16="http://schemas.microsoft.com/office/drawing/2014/main" id="{F457744D-5931-41AC-AEE6-4CEA25D8CF15}"/>
+                <a16:creationId xmlns="" xmlns:a16="http://schemas.microsoft.com/office/drawing/2014/main" id="{F457744D-5931-41AC-AEE6-4CEA25D8CF15}"/>
               </a:ext>
             </a:extLst>
           </p:cNvPr>
@@ -6352,7 +6062,7 @@
           <p:cNvPr id="29" name="テキスト ボックス 28">
             <a:extLst>
               <a:ext uri="{FF2B5EF4-FFF2-40B4-BE49-F238E27FC236}">
-                <a16:creationId xmlns:a16="http://schemas.microsoft.com/office/drawing/2014/main" id="{9285935F-0C38-4AF3-9F07-CA05ED0D4B9D}"/>
+                <a16:creationId xmlns="" xmlns:a16="http://schemas.microsoft.com/office/drawing/2014/main" id="{9285935F-0C38-4AF3-9F07-CA05ED0D4B9D}"/>
               </a:ext>
             </a:extLst>
           </p:cNvPr>
@@ -6390,7 +6100,7 @@
           <p:cNvPr id="5" name="図 4">
             <a:extLst>
               <a:ext uri="{FF2B5EF4-FFF2-40B4-BE49-F238E27FC236}">
-                <a16:creationId xmlns:a16="http://schemas.microsoft.com/office/drawing/2014/main" id="{E21C9EBF-1C7C-425D-8AAF-14F004551F2B}"/>
+                <a16:creationId xmlns="" xmlns:a16="http://schemas.microsoft.com/office/drawing/2014/main" id="{E21C9EBF-1C7C-425D-8AAF-14F004551F2B}"/>
               </a:ext>
             </a:extLst>
           </p:cNvPr>
@@ -6413,6 +6123,20 @@
           <a:prstGeom prst="rect">
             <a:avLst/>
           </a:prstGeom>
+          <a:ln w="38100" cap="sq">
+            <a:solidFill>
+              <a:srgbClr val="000000"/>
+            </a:solidFill>
+            <a:prstDash val="solid"/>
+            <a:miter lim="800000"/>
+          </a:ln>
+          <a:effectLst>
+            <a:outerShdw blurRad="50800" dist="38100" dir="2700000" algn="tl" rotWithShape="0">
+              <a:srgbClr val="000000">
+                <a:alpha val="43000"/>
+              </a:srgbClr>
+            </a:outerShdw>
+          </a:effectLst>
         </p:spPr>
       </p:pic>
       <p:pic>
@@ -6420,7 +6144,7 @@
           <p:cNvPr id="9" name="図 8">
             <a:extLst>
               <a:ext uri="{FF2B5EF4-FFF2-40B4-BE49-F238E27FC236}">
-                <a16:creationId xmlns:a16="http://schemas.microsoft.com/office/drawing/2014/main" id="{1883AD5E-B355-47A0-A995-994D14705064}"/>
+                <a16:creationId xmlns="" xmlns:a16="http://schemas.microsoft.com/office/drawing/2014/main" id="{1883AD5E-B355-47A0-A995-994D14705064}"/>
               </a:ext>
             </a:extLst>
           </p:cNvPr>
@@ -6443,12 +6167,445 @@
           <a:prstGeom prst="rect">
             <a:avLst/>
           </a:prstGeom>
+          <a:ln w="38100" cap="sq">
+            <a:solidFill>
+              <a:srgbClr val="000000"/>
+            </a:solidFill>
+            <a:prstDash val="solid"/>
+            <a:miter lim="800000"/>
+          </a:ln>
+          <a:effectLst>
+            <a:outerShdw blurRad="50800" dist="38100" dir="2700000" algn="tl" rotWithShape="0">
+              <a:srgbClr val="000000">
+                <a:alpha val="43000"/>
+              </a:srgbClr>
+            </a:outerShdw>
+          </a:effectLst>
         </p:spPr>
       </p:pic>
     </p:spTree>
     <p:extLst>
       <p:ext uri="{BB962C8B-B14F-4D97-AF65-F5344CB8AC3E}">
         <p14:creationId xmlns:p14="http://schemas.microsoft.com/office/powerpoint/2010/main" val="2676881634"/>
+      </p:ext>
+    </p:extLst>
+  </p:cSld>
+  <p:clrMapOvr>
+    <a:masterClrMapping/>
+  </p:clrMapOvr>
+</p:sld>
+</file>
+
+<file path=ppt/slides/slide13.xml><?xml version="1.0" encoding="utf-8"?>
+<p:sld xmlns:a="http://schemas.openxmlformats.org/drawingml/2006/main" xmlns:r="http://schemas.openxmlformats.org/officeDocument/2006/relationships" xmlns:p="http://schemas.openxmlformats.org/presentationml/2006/main">
+  <p:cSld>
+    <p:spTree>
+      <p:nvGrpSpPr>
+        <p:cNvPr id="1" name=""/>
+        <p:cNvGrpSpPr/>
+        <p:nvPr/>
+      </p:nvGrpSpPr>
+      <p:grpSpPr>
+        <a:xfrm>
+          <a:off x="0" y="0"/>
+          <a:ext cx="0" cy="0"/>
+          <a:chOff x="0" y="0"/>
+          <a:chExt cx="0" cy="0"/>
+        </a:xfrm>
+      </p:grpSpPr>
+      <p:pic>
+        <p:nvPicPr>
+          <p:cNvPr id="15" name="図 14">
+            <a:extLst>
+              <a:ext uri="{FF2B5EF4-FFF2-40B4-BE49-F238E27FC236}">
+                <a16:creationId xmlns="" xmlns:a16="http://schemas.microsoft.com/office/drawing/2014/main" id="{8D3F59C6-1165-4B8F-AA28-DB8050D50850}"/>
+              </a:ext>
+            </a:extLst>
+          </p:cNvPr>
+          <p:cNvPicPr>
+            <a:picLocks noChangeAspect="1"/>
+          </p:cNvPicPr>
+          <p:nvPr/>
+        </p:nvPicPr>
+        <p:blipFill>
+          <a:blip r:embed="rId2"/>
+          <a:stretch>
+            <a:fillRect/>
+          </a:stretch>
+        </p:blipFill>
+        <p:spPr>
+          <a:xfrm rot="16200000">
+            <a:off x="2660382" y="-2673618"/>
+            <a:ext cx="6871236" cy="12192000"/>
+          </a:xfrm>
+          <a:prstGeom prst="rect">
+            <a:avLst/>
+          </a:prstGeom>
+        </p:spPr>
+      </p:pic>
+      <p:sp>
+        <p:nvSpPr>
+          <p:cNvPr id="2" name="テキスト ボックス 1">
+            <a:extLst>
+              <a:ext uri="{FF2B5EF4-FFF2-40B4-BE49-F238E27FC236}">
+                <a16:creationId xmlns="" xmlns:a16="http://schemas.microsoft.com/office/drawing/2014/main" id="{9795F675-CF26-4125-96E3-A2CB66A100AC}"/>
+              </a:ext>
+            </a:extLst>
+          </p:cNvPr>
+          <p:cNvSpPr txBox="1"/>
+          <p:nvPr/>
+        </p:nvSpPr>
+        <p:spPr>
+          <a:xfrm>
+            <a:off x="330895" y="187298"/>
+            <a:ext cx="2927694" cy="769441"/>
+          </a:xfrm>
+          <a:prstGeom prst="rect">
+            <a:avLst/>
+          </a:prstGeom>
+          <a:noFill/>
+        </p:spPr>
+        <p:txBody>
+          <a:bodyPr wrap="square" rtlCol="0">
+            <a:spAutoFit/>
+          </a:bodyPr>
+          <a:lstStyle/>
+          <a:p>
+            <a:r>
+              <a:rPr kumimoji="1" lang="ja-JP" altLang="en-US" sz="4400" dirty="0">
+                <a:solidFill>
+                  <a:srgbClr val="FF0000"/>
+                </a:solidFill>
+                <a:latin typeface="HGP創英角ﾎﾟｯﾌﾟ体" panose="040B0A00000000000000" pitchFamily="50" charset="-128"/>
+                <a:ea typeface="HGP創英角ﾎﾟｯﾌﾟ体" panose="040B0A00000000000000" pitchFamily="50" charset="-128"/>
+              </a:rPr>
+              <a:t>～謝辞～</a:t>
+            </a:r>
+          </a:p>
+        </p:txBody>
+      </p:sp>
+      <p:sp>
+        <p:nvSpPr>
+          <p:cNvPr id="20" name="テキスト ボックス 19">
+            <a:extLst>
+              <a:ext uri="{FF2B5EF4-FFF2-40B4-BE49-F238E27FC236}">
+                <a16:creationId xmlns="" xmlns:a16="http://schemas.microsoft.com/office/drawing/2014/main" id="{CAD74F7A-CF0F-41B1-96E6-55A893366D1E}"/>
+              </a:ext>
+            </a:extLst>
+          </p:cNvPr>
+          <p:cNvSpPr txBox="1"/>
+          <p:nvPr/>
+        </p:nvSpPr>
+        <p:spPr>
+          <a:xfrm>
+            <a:off x="165461" y="1178079"/>
+            <a:ext cx="11813179" cy="5509200"/>
+          </a:xfrm>
+          <a:prstGeom prst="rect">
+            <a:avLst/>
+          </a:prstGeom>
+          <a:noFill/>
+        </p:spPr>
+        <p:txBody>
+          <a:bodyPr wrap="square" rtlCol="0">
+            <a:spAutoFit/>
+          </a:bodyPr>
+          <a:lstStyle/>
+          <a:p>
+            <a:r>
+              <a:rPr kumimoji="1" lang="ja-JP" altLang="en-US" sz="2800" dirty="0">
+                <a:latin typeface="HGS創英角ﾎﾟｯﾌﾟ体" panose="040B0A00000000000000" pitchFamily="50" charset="-128"/>
+                <a:ea typeface="HGS創英角ﾎﾟｯﾌﾟ体" panose="040B0A00000000000000" pitchFamily="50" charset="-128"/>
+              </a:rPr>
+              <a:t>～</a:t>
+            </a:r>
+            <a:r>
+              <a:rPr kumimoji="1" lang="en-US" altLang="ja-JP" sz="2800" dirty="0">
+                <a:latin typeface="HGS創英角ﾎﾟｯﾌﾟ体" panose="040B0A00000000000000" pitchFamily="50" charset="-128"/>
+                <a:ea typeface="HGS創英角ﾎﾟｯﾌﾟ体" panose="040B0A00000000000000" pitchFamily="50" charset="-128"/>
+              </a:rPr>
+              <a:t>BGM</a:t>
+            </a:r>
+            <a:r>
+              <a:rPr kumimoji="1" lang="ja-JP" altLang="en-US" sz="2800" dirty="0">
+                <a:latin typeface="HGS創英角ﾎﾟｯﾌﾟ体" panose="040B0A00000000000000" pitchFamily="50" charset="-128"/>
+                <a:ea typeface="HGS創英角ﾎﾟｯﾌﾟ体" panose="040B0A00000000000000" pitchFamily="50" charset="-128"/>
+              </a:rPr>
+              <a:t>・</a:t>
+            </a:r>
+            <a:r>
+              <a:rPr kumimoji="1" lang="en-US" altLang="ja-JP" sz="2800" dirty="0">
+                <a:latin typeface="HGS創英角ﾎﾟｯﾌﾟ体" panose="040B0A00000000000000" pitchFamily="50" charset="-128"/>
+                <a:ea typeface="HGS創英角ﾎﾟｯﾌﾟ体" panose="040B0A00000000000000" pitchFamily="50" charset="-128"/>
+              </a:rPr>
+              <a:t>SE</a:t>
+            </a:r>
+            <a:r>
+              <a:rPr kumimoji="1" lang="ja-JP" altLang="en-US" sz="2800" dirty="0">
+                <a:latin typeface="HGS創英角ﾎﾟｯﾌﾟ体" panose="040B0A00000000000000" pitchFamily="50" charset="-128"/>
+                <a:ea typeface="HGS創英角ﾎﾟｯﾌﾟ体" panose="040B0A00000000000000" pitchFamily="50" charset="-128"/>
+              </a:rPr>
+              <a:t>～</a:t>
+            </a:r>
+            <a:endParaRPr kumimoji="1" lang="en-US" altLang="ja-JP" sz="2800" dirty="0">
+              <a:latin typeface="HGS創英角ﾎﾟｯﾌﾟ体" panose="040B0A00000000000000" pitchFamily="50" charset="-128"/>
+              <a:ea typeface="HGS創英角ﾎﾟｯﾌﾟ体" panose="040B0A00000000000000" pitchFamily="50" charset="-128"/>
+            </a:endParaRPr>
+          </a:p>
+          <a:p>
+            <a:r>
+              <a:rPr kumimoji="1" lang="ja-JP" altLang="en-US" sz="2800" dirty="0">
+                <a:latin typeface="HGS創英角ﾎﾟｯﾌﾟ体" panose="040B0A00000000000000" pitchFamily="50" charset="-128"/>
+                <a:ea typeface="HGS創英角ﾎﾟｯﾌﾟ体" panose="040B0A00000000000000" pitchFamily="50" charset="-128"/>
+              </a:rPr>
+              <a:t>　・</a:t>
+            </a:r>
+            <a:r>
+              <a:rPr kumimoji="1" lang="en-US" altLang="ja-JP" sz="2800" dirty="0">
+                <a:latin typeface="HGS創英角ﾎﾟｯﾌﾟ体" panose="040B0A00000000000000" pitchFamily="50" charset="-128"/>
+                <a:ea typeface="HGS創英角ﾎﾟｯﾌﾟ体" panose="040B0A00000000000000" pitchFamily="50" charset="-128"/>
+              </a:rPr>
+              <a:t>DOVA-SYNDROME</a:t>
+            </a:r>
+            <a:r>
+              <a:rPr kumimoji="1" lang="ja-JP" altLang="en-US" sz="2800" dirty="0">
+                <a:latin typeface="HGS創英角ﾎﾟｯﾌﾟ体" panose="040B0A00000000000000" pitchFamily="50" charset="-128"/>
+                <a:ea typeface="HGS創英角ﾎﾟｯﾌﾟ体" panose="040B0A00000000000000" pitchFamily="50" charset="-128"/>
+              </a:rPr>
+              <a:t> 様 ・甘茶の音楽工房 様  ・魔王魂 様</a:t>
+            </a:r>
+            <a:endParaRPr kumimoji="1" lang="en-US" altLang="ja-JP" sz="2800" dirty="0">
+              <a:latin typeface="HGS創英角ﾎﾟｯﾌﾟ体" panose="040B0A00000000000000" pitchFamily="50" charset="-128"/>
+              <a:ea typeface="HGS創英角ﾎﾟｯﾌﾟ体" panose="040B0A00000000000000" pitchFamily="50" charset="-128"/>
+            </a:endParaRPr>
+          </a:p>
+          <a:p>
+            <a:r>
+              <a:rPr kumimoji="1" lang="ja-JP" altLang="en-US" sz="2800" dirty="0">
+                <a:latin typeface="HGS創英角ﾎﾟｯﾌﾟ体" panose="040B0A00000000000000" pitchFamily="50" charset="-128"/>
+                <a:ea typeface="HGS創英角ﾎﾟｯﾌﾟ体" panose="040B0A00000000000000" pitchFamily="50" charset="-128"/>
+              </a:rPr>
+              <a:t>　・効果音ラボ 様           ・</a:t>
+            </a:r>
+            <a:r>
+              <a:rPr kumimoji="1" lang="en-US" altLang="ja-JP" sz="2800" dirty="0">
+                <a:latin typeface="HGS創英角ﾎﾟｯﾌﾟ体" panose="040B0A00000000000000" pitchFamily="50" charset="-128"/>
+                <a:ea typeface="HGS創英角ﾎﾟｯﾌﾟ体" panose="040B0A00000000000000" pitchFamily="50" charset="-128"/>
+              </a:rPr>
+              <a:t>Music is VFR </a:t>
+            </a:r>
+            <a:r>
+              <a:rPr kumimoji="1" lang="ja-JP" altLang="en-US" sz="2800" dirty="0">
+                <a:latin typeface="HGS創英角ﾎﾟｯﾌﾟ体" panose="040B0A00000000000000" pitchFamily="50" charset="-128"/>
+                <a:ea typeface="HGS創英角ﾎﾟｯﾌﾟ体" panose="040B0A00000000000000" pitchFamily="50" charset="-128"/>
+              </a:rPr>
+              <a:t>様 　 ・音人 様  　　　　　</a:t>
+            </a:r>
+            <a:endParaRPr kumimoji="1" lang="en-US" altLang="ja-JP" sz="2800" dirty="0">
+              <a:latin typeface="HGS創英角ﾎﾟｯﾌﾟ体" panose="040B0A00000000000000" pitchFamily="50" charset="-128"/>
+              <a:ea typeface="HGS創英角ﾎﾟｯﾌﾟ体" panose="040B0A00000000000000" pitchFamily="50" charset="-128"/>
+            </a:endParaRPr>
+          </a:p>
+          <a:p>
+            <a:r>
+              <a:rPr kumimoji="1" lang="ja-JP" altLang="en-US" sz="2800" dirty="0">
+                <a:latin typeface="HGS創英角ﾎﾟｯﾌﾟ体" panose="040B0A00000000000000" pitchFamily="50" charset="-128"/>
+                <a:ea typeface="HGS創英角ﾎﾟｯﾌﾟ体" panose="040B0A00000000000000" pitchFamily="50" charset="-128"/>
+              </a:rPr>
+              <a:t>　・無料効果音で遊ぼう 様</a:t>
+            </a:r>
+            <a:endParaRPr kumimoji="1" lang="en-US" altLang="ja-JP" sz="2800" dirty="0">
+              <a:latin typeface="HGS創英角ﾎﾟｯﾌﾟ体" panose="040B0A00000000000000" pitchFamily="50" charset="-128"/>
+              <a:ea typeface="HGS創英角ﾎﾟｯﾌﾟ体" panose="040B0A00000000000000" pitchFamily="50" charset="-128"/>
+            </a:endParaRPr>
+          </a:p>
+          <a:p>
+            <a:r>
+              <a:rPr kumimoji="1" lang="ja-JP" altLang="en-US" sz="2800" dirty="0">
+                <a:latin typeface="HGS創英角ﾎﾟｯﾌﾟ体" panose="040B0A00000000000000" pitchFamily="50" charset="-128"/>
+                <a:ea typeface="HGS創英角ﾎﾟｯﾌﾟ体" panose="040B0A00000000000000" pitchFamily="50" charset="-128"/>
+              </a:rPr>
+              <a:t>～３Ｄモデル～</a:t>
+            </a:r>
+            <a:endParaRPr kumimoji="1" lang="en-US" altLang="ja-JP" sz="2800" dirty="0">
+              <a:latin typeface="HGS創英角ﾎﾟｯﾌﾟ体" panose="040B0A00000000000000" pitchFamily="50" charset="-128"/>
+              <a:ea typeface="HGS創英角ﾎﾟｯﾌﾟ体" panose="040B0A00000000000000" pitchFamily="50" charset="-128"/>
+            </a:endParaRPr>
+          </a:p>
+          <a:p>
+            <a:r>
+              <a:rPr kumimoji="1" lang="ja-JP" altLang="en-US" sz="2800" dirty="0">
+                <a:latin typeface="HGS創英角ﾎﾟｯﾌﾟ体" panose="040B0A00000000000000" pitchFamily="50" charset="-128"/>
+                <a:ea typeface="HGS創英角ﾎﾟｯﾌﾟ体" panose="040B0A00000000000000" pitchFamily="50" charset="-128"/>
+              </a:rPr>
+              <a:t>　・</a:t>
+            </a:r>
+            <a:r>
+              <a:rPr kumimoji="1" lang="en-US" altLang="ja-JP" sz="2800" dirty="0">
+                <a:latin typeface="HGS創英角ﾎﾟｯﾌﾟ体" panose="040B0A00000000000000" pitchFamily="50" charset="-128"/>
+                <a:ea typeface="HGS創英角ﾎﾟｯﾌﾟ体" panose="040B0A00000000000000" pitchFamily="50" charset="-128"/>
+              </a:rPr>
+              <a:t>cloud9 </a:t>
+            </a:r>
+            <a:r>
+              <a:rPr kumimoji="1" lang="ja-JP" altLang="en-US" sz="2800" dirty="0">
+                <a:latin typeface="HGS創英角ﾎﾟｯﾌﾟ体" panose="040B0A00000000000000" pitchFamily="50" charset="-128"/>
+                <a:ea typeface="HGS創英角ﾎﾟｯﾌﾟ体" panose="040B0A00000000000000" pitchFamily="50" charset="-128"/>
+              </a:rPr>
+              <a:t>様　・七篠権平衛 様　・暇仁氏 様　</a:t>
+            </a:r>
+            <a:endParaRPr kumimoji="1" lang="en-US" altLang="ja-JP" sz="2800" dirty="0">
+              <a:latin typeface="HGS創英角ﾎﾟｯﾌﾟ体" panose="040B0A00000000000000" pitchFamily="50" charset="-128"/>
+              <a:ea typeface="HGS創英角ﾎﾟｯﾌﾟ体" panose="040B0A00000000000000" pitchFamily="50" charset="-128"/>
+            </a:endParaRPr>
+          </a:p>
+          <a:p>
+            <a:r>
+              <a:rPr kumimoji="1" lang="en-US" altLang="ja-JP" sz="2800" dirty="0">
+                <a:latin typeface="HGS創英角ﾎﾟｯﾌﾟ体" panose="040B0A00000000000000" pitchFamily="50" charset="-128"/>
+                <a:ea typeface="HGS創英角ﾎﾟｯﾌﾟ体" panose="040B0A00000000000000" pitchFamily="50" charset="-128"/>
+              </a:rPr>
+              <a:t>   </a:t>
+            </a:r>
+            <a:r>
+              <a:rPr kumimoji="1" lang="ja-JP" altLang="en-US" sz="2800" dirty="0">
+                <a:latin typeface="HGS創英角ﾎﾟｯﾌﾟ体" panose="040B0A00000000000000" pitchFamily="50" charset="-128"/>
+                <a:ea typeface="HGS創英角ﾎﾟｯﾌﾟ体" panose="040B0A00000000000000" pitchFamily="50" charset="-128"/>
+              </a:rPr>
+              <a:t>・無名（ひょーじ）様</a:t>
+            </a:r>
+            <a:r>
+              <a:rPr kumimoji="1" lang="en-US" altLang="ja-JP" sz="2800" dirty="0">
+                <a:latin typeface="HGS創英角ﾎﾟｯﾌﾟ体" panose="040B0A00000000000000" pitchFamily="50" charset="-128"/>
+                <a:ea typeface="HGS創英角ﾎﾟｯﾌﾟ体" panose="040B0A00000000000000" pitchFamily="50" charset="-128"/>
+              </a:rPr>
+              <a:t>   </a:t>
+            </a:r>
+            <a:r>
+              <a:rPr kumimoji="1" lang="ja-JP" altLang="en-US" sz="2800" dirty="0">
+                <a:latin typeface="HGS創英角ﾎﾟｯﾌﾟ体" panose="040B0A00000000000000" pitchFamily="50" charset="-128"/>
+                <a:ea typeface="HGS創英角ﾎﾟｯﾌﾟ体" panose="040B0A00000000000000" pitchFamily="50" charset="-128"/>
+              </a:rPr>
+              <a:t>・</a:t>
+            </a:r>
+            <a:r>
+              <a:rPr kumimoji="1" lang="en-US" altLang="ja-JP" sz="2800" dirty="0">
+                <a:latin typeface="HGS創英角ﾎﾟｯﾌﾟ体" panose="040B0A00000000000000" pitchFamily="50" charset="-128"/>
+                <a:ea typeface="HGS創英角ﾎﾟｯﾌﾟ体" panose="040B0A00000000000000" pitchFamily="50" charset="-128"/>
+              </a:rPr>
+              <a:t>tansoku102cm</a:t>
+            </a:r>
+            <a:r>
+              <a:rPr kumimoji="1" lang="ja-JP" altLang="en-US" sz="2800" dirty="0">
+                <a:latin typeface="HGS創英角ﾎﾟｯﾌﾟ体" panose="040B0A00000000000000" pitchFamily="50" charset="-128"/>
+                <a:ea typeface="HGS創英角ﾎﾟｯﾌﾟ体" panose="040B0A00000000000000" pitchFamily="50" charset="-128"/>
+              </a:rPr>
+              <a:t> 様　　　</a:t>
+            </a:r>
+            <a:endParaRPr kumimoji="1" lang="en-US" altLang="ja-JP" sz="2800" dirty="0">
+              <a:latin typeface="HGS創英角ﾎﾟｯﾌﾟ体" panose="040B0A00000000000000" pitchFamily="50" charset="-128"/>
+              <a:ea typeface="HGS創英角ﾎﾟｯﾌﾟ体" panose="040B0A00000000000000" pitchFamily="50" charset="-128"/>
+            </a:endParaRPr>
+          </a:p>
+          <a:p>
+            <a:r>
+              <a:rPr kumimoji="1" lang="ja-JP" altLang="en-US" sz="2800" dirty="0">
+                <a:latin typeface="HGS創英角ﾎﾟｯﾌﾟ体" panose="040B0A00000000000000" pitchFamily="50" charset="-128"/>
+                <a:ea typeface="HGS創英角ﾎﾟｯﾌﾟ体" panose="040B0A00000000000000" pitchFamily="50" charset="-128"/>
+              </a:rPr>
+              <a:t>～文字フォント～</a:t>
+            </a:r>
+            <a:endParaRPr kumimoji="1" lang="en-US" altLang="ja-JP" sz="2800" dirty="0">
+              <a:latin typeface="HGS創英角ﾎﾟｯﾌﾟ体" panose="040B0A00000000000000" pitchFamily="50" charset="-128"/>
+              <a:ea typeface="HGS創英角ﾎﾟｯﾌﾟ体" panose="040B0A00000000000000" pitchFamily="50" charset="-128"/>
+            </a:endParaRPr>
+          </a:p>
+          <a:p>
+            <a:r>
+              <a:rPr kumimoji="1" lang="ja-JP" altLang="en-US" sz="3200" dirty="0">
+                <a:latin typeface="HGS創英角ﾎﾟｯﾌﾟ体" panose="040B0A00000000000000" pitchFamily="50" charset="-128"/>
+                <a:ea typeface="HGS創英角ﾎﾟｯﾌﾟ体" panose="040B0A00000000000000" pitchFamily="50" charset="-128"/>
+              </a:rPr>
+              <a:t>　・タニヘイフォント 様</a:t>
+            </a:r>
+            <a:endParaRPr kumimoji="1" lang="en-US" altLang="ja-JP" sz="3200" dirty="0">
+              <a:latin typeface="HGS創英角ﾎﾟｯﾌﾟ体" panose="040B0A00000000000000" pitchFamily="50" charset="-128"/>
+              <a:ea typeface="HGS創英角ﾎﾟｯﾌﾟ体" panose="040B0A00000000000000" pitchFamily="50" charset="-128"/>
+            </a:endParaRPr>
+          </a:p>
+          <a:p>
+            <a:r>
+              <a:rPr kumimoji="1" lang="ja-JP" altLang="en-US" sz="3200" dirty="0">
+                <a:latin typeface="HGS創英角ﾎﾟｯﾌﾟ体" panose="040B0A00000000000000" pitchFamily="50" charset="-128"/>
+                <a:ea typeface="HGS創英角ﾎﾟｯﾌﾟ体" panose="040B0A00000000000000" pitchFamily="50" charset="-128"/>
+              </a:rPr>
+              <a:t>　・</a:t>
+            </a:r>
+            <a:r>
+              <a:rPr kumimoji="1" lang="en-US" altLang="ja-JP" sz="3200" dirty="0" err="1">
+                <a:latin typeface="HGS創英角ﾎﾟｯﾌﾟ体" panose="040B0A00000000000000" pitchFamily="50" charset="-128"/>
+                <a:ea typeface="HGS創英角ﾎﾟｯﾌﾟ体" panose="040B0A00000000000000" pitchFamily="50" charset="-128"/>
+              </a:rPr>
+              <a:t>Pheno</a:t>
+            </a:r>
+            <a:r>
+              <a:rPr kumimoji="1" lang="en-US" altLang="ja-JP" sz="3200" dirty="0">
+                <a:latin typeface="HGS創英角ﾎﾟｯﾌﾟ体" panose="040B0A00000000000000" pitchFamily="50" charset="-128"/>
+                <a:ea typeface="HGS創英角ﾎﾟｯﾌﾟ体" panose="040B0A00000000000000" pitchFamily="50" charset="-128"/>
+              </a:rPr>
+              <a:t> </a:t>
+            </a:r>
+            <a:r>
+              <a:rPr kumimoji="1" lang="en-US" altLang="ja-JP" sz="3200" dirty="0" err="1">
+                <a:latin typeface="HGS創英角ﾎﾟｯﾌﾟ体" panose="040B0A00000000000000" pitchFamily="50" charset="-128"/>
+                <a:ea typeface="HGS創英角ﾎﾟｯﾌﾟ体" panose="040B0A00000000000000" pitchFamily="50" charset="-128"/>
+              </a:rPr>
+              <a:t>mena</a:t>
+            </a:r>
+            <a:r>
+              <a:rPr kumimoji="1" lang="en-US" altLang="ja-JP" sz="3200" dirty="0">
+                <a:latin typeface="HGS創英角ﾎﾟｯﾌﾟ体" panose="040B0A00000000000000" pitchFamily="50" charset="-128"/>
+                <a:ea typeface="HGS創英角ﾎﾟｯﾌﾟ体" panose="040B0A00000000000000" pitchFamily="50" charset="-128"/>
+              </a:rPr>
+              <a:t> </a:t>
+            </a:r>
+            <a:r>
+              <a:rPr kumimoji="1" lang="ja-JP" altLang="en-US" sz="3200" dirty="0">
+                <a:latin typeface="HGS創英角ﾎﾟｯﾌﾟ体" panose="040B0A00000000000000" pitchFamily="50" charset="-128"/>
+                <a:ea typeface="HGS創英角ﾎﾟｯﾌﾟ体" panose="040B0A00000000000000" pitchFamily="50" charset="-128"/>
+              </a:rPr>
+              <a:t>様</a:t>
+            </a:r>
+            <a:endParaRPr kumimoji="1" lang="en-US" altLang="ja-JP" sz="3200" dirty="0">
+              <a:latin typeface="HGS創英角ﾎﾟｯﾌﾟ体" panose="040B0A00000000000000" pitchFamily="50" charset="-128"/>
+              <a:ea typeface="HGS創英角ﾎﾟｯﾌﾟ体" panose="040B0A00000000000000" pitchFamily="50" charset="-128"/>
+            </a:endParaRPr>
+          </a:p>
+          <a:p>
+            <a:r>
+              <a:rPr kumimoji="1" lang="ja-JP" altLang="en-US" sz="3200" dirty="0">
+                <a:latin typeface="HGS創英角ﾎﾟｯﾌﾟ体" panose="040B0A00000000000000" pitchFamily="50" charset="-128"/>
+                <a:ea typeface="HGS創英角ﾎﾟｯﾌﾟ体" panose="040B0A00000000000000" pitchFamily="50" charset="-128"/>
+              </a:rPr>
+              <a:t>　・ゆずポップ 様</a:t>
+            </a:r>
+            <a:endParaRPr kumimoji="1" lang="en-US" altLang="ja-JP" sz="3200" dirty="0">
+              <a:latin typeface="HGS創英角ﾎﾟｯﾌﾟ体" panose="040B0A00000000000000" pitchFamily="50" charset="-128"/>
+              <a:ea typeface="HGS創英角ﾎﾟｯﾌﾟ体" panose="040B0A00000000000000" pitchFamily="50" charset="-128"/>
+            </a:endParaRPr>
+          </a:p>
+          <a:p>
+            <a:endParaRPr kumimoji="1" lang="en-US" altLang="ja-JP" sz="3200" dirty="0">
+              <a:latin typeface="HGS創英角ﾎﾟｯﾌﾟ体" panose="040B0A00000000000000" pitchFamily="50" charset="-128"/>
+              <a:ea typeface="HGS創英角ﾎﾟｯﾌﾟ体" panose="040B0A00000000000000" pitchFamily="50" charset="-128"/>
+            </a:endParaRPr>
+          </a:p>
+        </p:txBody>
+      </p:sp>
+    </p:spTree>
+    <p:extLst>
+      <p:ext uri="{BB962C8B-B14F-4D97-AF65-F5344CB8AC3E}">
+        <p14:creationId xmlns:p14="http://schemas.microsoft.com/office/powerpoint/2010/main" val="3419240535"/>
       </p:ext>
     </p:extLst>
   </p:cSld>
@@ -6477,429 +6634,10 @@
       </p:grpSpPr>
       <p:pic>
         <p:nvPicPr>
-          <p:cNvPr id="15" name="図 14">
-            <a:extLst>
-              <a:ext uri="{FF2B5EF4-FFF2-40B4-BE49-F238E27FC236}">
-                <a16:creationId xmlns:a16="http://schemas.microsoft.com/office/drawing/2014/main" id="{8D3F59C6-1165-4B8F-AA28-DB8050D50850}"/>
-              </a:ext>
-            </a:extLst>
-          </p:cNvPr>
-          <p:cNvPicPr>
-            <a:picLocks noChangeAspect="1"/>
-          </p:cNvPicPr>
-          <p:nvPr/>
-        </p:nvPicPr>
-        <p:blipFill>
-          <a:blip r:embed="rId2"/>
-          <a:stretch>
-            <a:fillRect/>
-          </a:stretch>
-        </p:blipFill>
-        <p:spPr>
-          <a:xfrm rot="16200000">
-            <a:off x="2660382" y="-2673618"/>
-            <a:ext cx="6871236" cy="12192000"/>
-          </a:xfrm>
-          <a:prstGeom prst="rect">
-            <a:avLst/>
-          </a:prstGeom>
-        </p:spPr>
-      </p:pic>
-      <p:sp>
-        <p:nvSpPr>
-          <p:cNvPr id="2" name="テキスト ボックス 1">
-            <a:extLst>
-              <a:ext uri="{FF2B5EF4-FFF2-40B4-BE49-F238E27FC236}">
-                <a16:creationId xmlns:a16="http://schemas.microsoft.com/office/drawing/2014/main" id="{9795F675-CF26-4125-96E3-A2CB66A100AC}"/>
-              </a:ext>
-            </a:extLst>
-          </p:cNvPr>
-          <p:cNvSpPr txBox="1"/>
-          <p:nvPr/>
-        </p:nvSpPr>
-        <p:spPr>
-          <a:xfrm>
-            <a:off x="330895" y="187298"/>
-            <a:ext cx="2927694" cy="769441"/>
-          </a:xfrm>
-          <a:prstGeom prst="rect">
-            <a:avLst/>
-          </a:prstGeom>
-          <a:noFill/>
-        </p:spPr>
-        <p:txBody>
-          <a:bodyPr wrap="square" rtlCol="0">
-            <a:spAutoFit/>
-          </a:bodyPr>
-          <a:lstStyle/>
-          <a:p>
-            <a:r>
-              <a:rPr kumimoji="1" lang="ja-JP" altLang="en-US" sz="4400" dirty="0">
-                <a:solidFill>
-                  <a:srgbClr val="FF0000"/>
-                </a:solidFill>
-                <a:latin typeface="UD デジタル 教科書体 NK-B" panose="02020700000000000000" pitchFamily="18" charset="-128"/>
-                <a:ea typeface="UD デジタル 教科書体 NK-B" panose="02020700000000000000" pitchFamily="18" charset="-128"/>
-              </a:rPr>
-              <a:t>～謝辞～</a:t>
-            </a:r>
-          </a:p>
-        </p:txBody>
-      </p:sp>
-      <p:sp>
-        <p:nvSpPr>
-          <p:cNvPr id="20" name="テキスト ボックス 19">
-            <a:extLst>
-              <a:ext uri="{FF2B5EF4-FFF2-40B4-BE49-F238E27FC236}">
-                <a16:creationId xmlns:a16="http://schemas.microsoft.com/office/drawing/2014/main" id="{CAD74F7A-CF0F-41B1-96E6-55A893366D1E}"/>
-              </a:ext>
-            </a:extLst>
-          </p:cNvPr>
-          <p:cNvSpPr txBox="1"/>
-          <p:nvPr/>
-        </p:nvSpPr>
-        <p:spPr>
-          <a:xfrm>
-            <a:off x="165461" y="1178079"/>
-            <a:ext cx="11813179" cy="5509200"/>
-          </a:xfrm>
-          <a:prstGeom prst="rect">
-            <a:avLst/>
-          </a:prstGeom>
-          <a:noFill/>
-        </p:spPr>
-        <p:txBody>
-          <a:bodyPr wrap="square" rtlCol="0">
-            <a:spAutoFit/>
-          </a:bodyPr>
-          <a:lstStyle/>
-          <a:p>
-            <a:r>
-              <a:rPr kumimoji="1" lang="ja-JP" altLang="en-US" sz="2800" dirty="0">
-                <a:latin typeface="HGS創英角ﾎﾟｯﾌﾟ体" panose="040B0A00000000000000" pitchFamily="50" charset="-128"/>
-                <a:ea typeface="HGS創英角ﾎﾟｯﾌﾟ体" panose="040B0A00000000000000" pitchFamily="50" charset="-128"/>
-              </a:rPr>
-              <a:t>～</a:t>
-            </a:r>
-            <a:r>
-              <a:rPr kumimoji="1" lang="en-US" altLang="ja-JP" sz="2800" dirty="0">
-                <a:latin typeface="HGS創英角ﾎﾟｯﾌﾟ体" panose="040B0A00000000000000" pitchFamily="50" charset="-128"/>
-                <a:ea typeface="HGS創英角ﾎﾟｯﾌﾟ体" panose="040B0A00000000000000" pitchFamily="50" charset="-128"/>
-              </a:rPr>
-              <a:t>BGM</a:t>
-            </a:r>
-            <a:r>
-              <a:rPr kumimoji="1" lang="ja-JP" altLang="en-US" sz="2800" dirty="0">
-                <a:latin typeface="HGS創英角ﾎﾟｯﾌﾟ体" panose="040B0A00000000000000" pitchFamily="50" charset="-128"/>
-                <a:ea typeface="HGS創英角ﾎﾟｯﾌﾟ体" panose="040B0A00000000000000" pitchFamily="50" charset="-128"/>
-              </a:rPr>
-              <a:t>・</a:t>
-            </a:r>
-            <a:r>
-              <a:rPr kumimoji="1" lang="en-US" altLang="ja-JP" sz="2800" dirty="0">
-                <a:latin typeface="HGS創英角ﾎﾟｯﾌﾟ体" panose="040B0A00000000000000" pitchFamily="50" charset="-128"/>
-                <a:ea typeface="HGS創英角ﾎﾟｯﾌﾟ体" panose="040B0A00000000000000" pitchFamily="50" charset="-128"/>
-              </a:rPr>
-              <a:t>SE</a:t>
-            </a:r>
-            <a:r>
-              <a:rPr kumimoji="1" lang="ja-JP" altLang="en-US" sz="2800" dirty="0">
-                <a:latin typeface="HGS創英角ﾎﾟｯﾌﾟ体" panose="040B0A00000000000000" pitchFamily="50" charset="-128"/>
-                <a:ea typeface="HGS創英角ﾎﾟｯﾌﾟ体" panose="040B0A00000000000000" pitchFamily="50" charset="-128"/>
-              </a:rPr>
-              <a:t>～</a:t>
-            </a:r>
-            <a:endParaRPr kumimoji="1" lang="en-US" altLang="ja-JP" sz="2800" dirty="0">
-              <a:latin typeface="HGS創英角ﾎﾟｯﾌﾟ体" panose="040B0A00000000000000" pitchFamily="50" charset="-128"/>
-              <a:ea typeface="HGS創英角ﾎﾟｯﾌﾟ体" panose="040B0A00000000000000" pitchFamily="50" charset="-128"/>
-            </a:endParaRPr>
-          </a:p>
-          <a:p>
-            <a:r>
-              <a:rPr kumimoji="1" lang="ja-JP" altLang="en-US" sz="2800" dirty="0">
-                <a:latin typeface="HGS創英角ﾎﾟｯﾌﾟ体" panose="040B0A00000000000000" pitchFamily="50" charset="-128"/>
-                <a:ea typeface="HGS創英角ﾎﾟｯﾌﾟ体" panose="040B0A00000000000000" pitchFamily="50" charset="-128"/>
-              </a:rPr>
-              <a:t>　・</a:t>
-            </a:r>
-            <a:r>
-              <a:rPr kumimoji="1" lang="en-US" altLang="ja-JP" sz="2800" dirty="0">
-                <a:latin typeface="HGS創英角ﾎﾟｯﾌﾟ体" panose="040B0A00000000000000" pitchFamily="50" charset="-128"/>
-                <a:ea typeface="HGS創英角ﾎﾟｯﾌﾟ体" panose="040B0A00000000000000" pitchFamily="50" charset="-128"/>
-              </a:rPr>
-              <a:t>DOVA-SYNDROME</a:t>
-            </a:r>
-            <a:r>
-              <a:rPr kumimoji="1" lang="ja-JP" altLang="en-US" sz="2800" dirty="0">
-                <a:latin typeface="HGS創英角ﾎﾟｯﾌﾟ体" panose="040B0A00000000000000" pitchFamily="50" charset="-128"/>
-                <a:ea typeface="HGS創英角ﾎﾟｯﾌﾟ体" panose="040B0A00000000000000" pitchFamily="50" charset="-128"/>
-              </a:rPr>
-              <a:t> 様 ・甘茶の音楽工房 様  ・魔王魂 様</a:t>
-            </a:r>
-            <a:endParaRPr kumimoji="1" lang="en-US" altLang="ja-JP" sz="2800" dirty="0">
-              <a:latin typeface="HGS創英角ﾎﾟｯﾌﾟ体" panose="040B0A00000000000000" pitchFamily="50" charset="-128"/>
-              <a:ea typeface="HGS創英角ﾎﾟｯﾌﾟ体" panose="040B0A00000000000000" pitchFamily="50" charset="-128"/>
-            </a:endParaRPr>
-          </a:p>
-          <a:p>
-            <a:r>
-              <a:rPr kumimoji="1" lang="ja-JP" altLang="en-US" sz="2800" dirty="0">
-                <a:latin typeface="HGS創英角ﾎﾟｯﾌﾟ体" panose="040B0A00000000000000" pitchFamily="50" charset="-128"/>
-                <a:ea typeface="HGS創英角ﾎﾟｯﾌﾟ体" panose="040B0A00000000000000" pitchFamily="50" charset="-128"/>
-              </a:rPr>
-              <a:t>　・効果音ラボ 様           ・</a:t>
-            </a:r>
-            <a:r>
-              <a:rPr kumimoji="1" lang="en-US" altLang="ja-JP" sz="2800" dirty="0">
-                <a:latin typeface="HGS創英角ﾎﾟｯﾌﾟ体" panose="040B0A00000000000000" pitchFamily="50" charset="-128"/>
-                <a:ea typeface="HGS創英角ﾎﾟｯﾌﾟ体" panose="040B0A00000000000000" pitchFamily="50" charset="-128"/>
-              </a:rPr>
-              <a:t>Music is VFR </a:t>
-            </a:r>
-            <a:r>
-              <a:rPr kumimoji="1" lang="ja-JP" altLang="en-US" sz="2800" dirty="0">
-                <a:latin typeface="HGS創英角ﾎﾟｯﾌﾟ体" panose="040B0A00000000000000" pitchFamily="50" charset="-128"/>
-                <a:ea typeface="HGS創英角ﾎﾟｯﾌﾟ体" panose="040B0A00000000000000" pitchFamily="50" charset="-128"/>
-              </a:rPr>
-              <a:t>様 　 ・音人 様  　　　　　</a:t>
-            </a:r>
-            <a:endParaRPr kumimoji="1" lang="en-US" altLang="ja-JP" sz="2800" dirty="0">
-              <a:latin typeface="HGS創英角ﾎﾟｯﾌﾟ体" panose="040B0A00000000000000" pitchFamily="50" charset="-128"/>
-              <a:ea typeface="HGS創英角ﾎﾟｯﾌﾟ体" panose="040B0A00000000000000" pitchFamily="50" charset="-128"/>
-            </a:endParaRPr>
-          </a:p>
-          <a:p>
-            <a:r>
-              <a:rPr kumimoji="1" lang="ja-JP" altLang="en-US" sz="2800" dirty="0">
-                <a:latin typeface="HGS創英角ﾎﾟｯﾌﾟ体" panose="040B0A00000000000000" pitchFamily="50" charset="-128"/>
-                <a:ea typeface="HGS創英角ﾎﾟｯﾌﾟ体" panose="040B0A00000000000000" pitchFamily="50" charset="-128"/>
-              </a:rPr>
-              <a:t>　・無料効果音で遊ぼう 様</a:t>
-            </a:r>
-            <a:endParaRPr kumimoji="1" lang="en-US" altLang="ja-JP" sz="2800" dirty="0">
-              <a:latin typeface="HGS創英角ﾎﾟｯﾌﾟ体" panose="040B0A00000000000000" pitchFamily="50" charset="-128"/>
-              <a:ea typeface="HGS創英角ﾎﾟｯﾌﾟ体" panose="040B0A00000000000000" pitchFamily="50" charset="-128"/>
-            </a:endParaRPr>
-          </a:p>
-          <a:p>
-            <a:r>
-              <a:rPr kumimoji="1" lang="ja-JP" altLang="en-US" sz="2800" dirty="0">
-                <a:latin typeface="HGS創英角ﾎﾟｯﾌﾟ体" panose="040B0A00000000000000" pitchFamily="50" charset="-128"/>
-                <a:ea typeface="HGS創英角ﾎﾟｯﾌﾟ体" panose="040B0A00000000000000" pitchFamily="50" charset="-128"/>
-              </a:rPr>
-              <a:t>～３Ｄモデル～</a:t>
-            </a:r>
-            <a:endParaRPr kumimoji="1" lang="en-US" altLang="ja-JP" sz="2800" dirty="0">
-              <a:latin typeface="HGS創英角ﾎﾟｯﾌﾟ体" panose="040B0A00000000000000" pitchFamily="50" charset="-128"/>
-              <a:ea typeface="HGS創英角ﾎﾟｯﾌﾟ体" panose="040B0A00000000000000" pitchFamily="50" charset="-128"/>
-            </a:endParaRPr>
-          </a:p>
-          <a:p>
-            <a:r>
-              <a:rPr kumimoji="1" lang="ja-JP" altLang="en-US" sz="2800" dirty="0">
-                <a:latin typeface="HGS創英角ﾎﾟｯﾌﾟ体" panose="040B0A00000000000000" pitchFamily="50" charset="-128"/>
-                <a:ea typeface="HGS創英角ﾎﾟｯﾌﾟ体" panose="040B0A00000000000000" pitchFamily="50" charset="-128"/>
-              </a:rPr>
-              <a:t>　・</a:t>
-            </a:r>
-            <a:r>
-              <a:rPr kumimoji="1" lang="en-US" altLang="ja-JP" sz="2800" dirty="0">
-                <a:latin typeface="HGS創英角ﾎﾟｯﾌﾟ体" panose="040B0A00000000000000" pitchFamily="50" charset="-128"/>
-                <a:ea typeface="HGS創英角ﾎﾟｯﾌﾟ体" panose="040B0A00000000000000" pitchFamily="50" charset="-128"/>
-              </a:rPr>
-              <a:t>cloud9 </a:t>
-            </a:r>
-            <a:r>
-              <a:rPr kumimoji="1" lang="ja-JP" altLang="en-US" sz="2800" dirty="0">
-                <a:latin typeface="HGS創英角ﾎﾟｯﾌﾟ体" panose="040B0A00000000000000" pitchFamily="50" charset="-128"/>
-                <a:ea typeface="HGS創英角ﾎﾟｯﾌﾟ体" panose="040B0A00000000000000" pitchFamily="50" charset="-128"/>
-              </a:rPr>
-              <a:t>様　・七篠権平衛 様　・暇仁氏 様　</a:t>
-            </a:r>
-            <a:endParaRPr kumimoji="1" lang="en-US" altLang="ja-JP" sz="2800" dirty="0">
-              <a:latin typeface="HGS創英角ﾎﾟｯﾌﾟ体" panose="040B0A00000000000000" pitchFamily="50" charset="-128"/>
-              <a:ea typeface="HGS創英角ﾎﾟｯﾌﾟ体" panose="040B0A00000000000000" pitchFamily="50" charset="-128"/>
-            </a:endParaRPr>
-          </a:p>
-          <a:p>
-            <a:r>
-              <a:rPr kumimoji="1" lang="en-US" altLang="ja-JP" sz="2800" dirty="0">
-                <a:latin typeface="HGS創英角ﾎﾟｯﾌﾟ体" panose="040B0A00000000000000" pitchFamily="50" charset="-128"/>
-                <a:ea typeface="HGS創英角ﾎﾟｯﾌﾟ体" panose="040B0A00000000000000" pitchFamily="50" charset="-128"/>
-              </a:rPr>
-              <a:t>   </a:t>
-            </a:r>
-            <a:r>
-              <a:rPr kumimoji="1" lang="ja-JP" altLang="en-US" sz="2800" dirty="0">
-                <a:latin typeface="HGS創英角ﾎﾟｯﾌﾟ体" panose="040B0A00000000000000" pitchFamily="50" charset="-128"/>
-                <a:ea typeface="HGS創英角ﾎﾟｯﾌﾟ体" panose="040B0A00000000000000" pitchFamily="50" charset="-128"/>
-              </a:rPr>
-              <a:t>・無名（ひょーじ）様</a:t>
-            </a:r>
-            <a:r>
-              <a:rPr kumimoji="1" lang="en-US" altLang="ja-JP" sz="2800" dirty="0">
-                <a:latin typeface="HGS創英角ﾎﾟｯﾌﾟ体" panose="040B0A00000000000000" pitchFamily="50" charset="-128"/>
-                <a:ea typeface="HGS創英角ﾎﾟｯﾌﾟ体" panose="040B0A00000000000000" pitchFamily="50" charset="-128"/>
-              </a:rPr>
-              <a:t>   </a:t>
-            </a:r>
-            <a:r>
-              <a:rPr kumimoji="1" lang="ja-JP" altLang="en-US" sz="2800" dirty="0">
-                <a:latin typeface="HGS創英角ﾎﾟｯﾌﾟ体" panose="040B0A00000000000000" pitchFamily="50" charset="-128"/>
-                <a:ea typeface="HGS創英角ﾎﾟｯﾌﾟ体" panose="040B0A00000000000000" pitchFamily="50" charset="-128"/>
-              </a:rPr>
-              <a:t>・</a:t>
-            </a:r>
-            <a:r>
-              <a:rPr kumimoji="1" lang="en-US" altLang="ja-JP" sz="2800" dirty="0">
-                <a:latin typeface="HGS創英角ﾎﾟｯﾌﾟ体" panose="040B0A00000000000000" pitchFamily="50" charset="-128"/>
-                <a:ea typeface="HGS創英角ﾎﾟｯﾌﾟ体" panose="040B0A00000000000000" pitchFamily="50" charset="-128"/>
-              </a:rPr>
-              <a:t>tansoku102cm</a:t>
-            </a:r>
-            <a:r>
-              <a:rPr kumimoji="1" lang="ja-JP" altLang="en-US" sz="2800" dirty="0">
-                <a:latin typeface="HGS創英角ﾎﾟｯﾌﾟ体" panose="040B0A00000000000000" pitchFamily="50" charset="-128"/>
-                <a:ea typeface="HGS創英角ﾎﾟｯﾌﾟ体" panose="040B0A00000000000000" pitchFamily="50" charset="-128"/>
-              </a:rPr>
-              <a:t> 様　　　</a:t>
-            </a:r>
-            <a:endParaRPr kumimoji="1" lang="en-US" altLang="ja-JP" sz="2800" dirty="0">
-              <a:latin typeface="HGS創英角ﾎﾟｯﾌﾟ体" panose="040B0A00000000000000" pitchFamily="50" charset="-128"/>
-              <a:ea typeface="HGS創英角ﾎﾟｯﾌﾟ体" panose="040B0A00000000000000" pitchFamily="50" charset="-128"/>
-            </a:endParaRPr>
-          </a:p>
-          <a:p>
-            <a:r>
-              <a:rPr kumimoji="1" lang="ja-JP" altLang="en-US" sz="2800" dirty="0">
-                <a:latin typeface="HGS創英角ﾎﾟｯﾌﾟ体" panose="040B0A00000000000000" pitchFamily="50" charset="-128"/>
-                <a:ea typeface="HGS創英角ﾎﾟｯﾌﾟ体" panose="040B0A00000000000000" pitchFamily="50" charset="-128"/>
-              </a:rPr>
-              <a:t>～文字フォント～</a:t>
-            </a:r>
-            <a:endParaRPr kumimoji="1" lang="en-US" altLang="ja-JP" sz="2800" dirty="0">
-              <a:latin typeface="HGS創英角ﾎﾟｯﾌﾟ体" panose="040B0A00000000000000" pitchFamily="50" charset="-128"/>
-              <a:ea typeface="HGS創英角ﾎﾟｯﾌﾟ体" panose="040B0A00000000000000" pitchFamily="50" charset="-128"/>
-            </a:endParaRPr>
-          </a:p>
-          <a:p>
-            <a:r>
-              <a:rPr kumimoji="1" lang="ja-JP" altLang="en-US" sz="3200" dirty="0">
-                <a:latin typeface="HGS創英角ﾎﾟｯﾌﾟ体" panose="040B0A00000000000000" pitchFamily="50" charset="-128"/>
-                <a:ea typeface="HGS創英角ﾎﾟｯﾌﾟ体" panose="040B0A00000000000000" pitchFamily="50" charset="-128"/>
-              </a:rPr>
-              <a:t>　・タニヘイフォント 様</a:t>
-            </a:r>
-            <a:endParaRPr kumimoji="1" lang="en-US" altLang="ja-JP" sz="3200" dirty="0">
-              <a:latin typeface="HGS創英角ﾎﾟｯﾌﾟ体" panose="040B0A00000000000000" pitchFamily="50" charset="-128"/>
-              <a:ea typeface="HGS創英角ﾎﾟｯﾌﾟ体" panose="040B0A00000000000000" pitchFamily="50" charset="-128"/>
-            </a:endParaRPr>
-          </a:p>
-          <a:p>
-            <a:r>
-              <a:rPr kumimoji="1" lang="ja-JP" altLang="en-US" sz="3200" dirty="0">
-                <a:latin typeface="HGS創英角ﾎﾟｯﾌﾟ体" panose="040B0A00000000000000" pitchFamily="50" charset="-128"/>
-                <a:ea typeface="HGS創英角ﾎﾟｯﾌﾟ体" panose="040B0A00000000000000" pitchFamily="50" charset="-128"/>
-              </a:rPr>
-              <a:t>　・</a:t>
-            </a:r>
-            <a:r>
-              <a:rPr kumimoji="1" lang="en-US" altLang="ja-JP" sz="3200" dirty="0" err="1">
-                <a:latin typeface="HGS創英角ﾎﾟｯﾌﾟ体" panose="040B0A00000000000000" pitchFamily="50" charset="-128"/>
-                <a:ea typeface="HGS創英角ﾎﾟｯﾌﾟ体" panose="040B0A00000000000000" pitchFamily="50" charset="-128"/>
-              </a:rPr>
-              <a:t>Pheno</a:t>
-            </a:r>
-            <a:r>
-              <a:rPr kumimoji="1" lang="en-US" altLang="ja-JP" sz="3200" dirty="0">
-                <a:latin typeface="HGS創英角ﾎﾟｯﾌﾟ体" panose="040B0A00000000000000" pitchFamily="50" charset="-128"/>
-                <a:ea typeface="HGS創英角ﾎﾟｯﾌﾟ体" panose="040B0A00000000000000" pitchFamily="50" charset="-128"/>
-              </a:rPr>
-              <a:t> </a:t>
-            </a:r>
-            <a:r>
-              <a:rPr kumimoji="1" lang="en-US" altLang="ja-JP" sz="3200" dirty="0" err="1">
-                <a:latin typeface="HGS創英角ﾎﾟｯﾌﾟ体" panose="040B0A00000000000000" pitchFamily="50" charset="-128"/>
-                <a:ea typeface="HGS創英角ﾎﾟｯﾌﾟ体" panose="040B0A00000000000000" pitchFamily="50" charset="-128"/>
-              </a:rPr>
-              <a:t>mena</a:t>
-            </a:r>
-            <a:r>
-              <a:rPr kumimoji="1" lang="en-US" altLang="ja-JP" sz="3200" dirty="0">
-                <a:latin typeface="HGS創英角ﾎﾟｯﾌﾟ体" panose="040B0A00000000000000" pitchFamily="50" charset="-128"/>
-                <a:ea typeface="HGS創英角ﾎﾟｯﾌﾟ体" panose="040B0A00000000000000" pitchFamily="50" charset="-128"/>
-              </a:rPr>
-              <a:t> </a:t>
-            </a:r>
-            <a:r>
-              <a:rPr kumimoji="1" lang="ja-JP" altLang="en-US" sz="3200" dirty="0">
-                <a:latin typeface="HGS創英角ﾎﾟｯﾌﾟ体" panose="040B0A00000000000000" pitchFamily="50" charset="-128"/>
-                <a:ea typeface="HGS創英角ﾎﾟｯﾌﾟ体" panose="040B0A00000000000000" pitchFamily="50" charset="-128"/>
-              </a:rPr>
-              <a:t>様</a:t>
-            </a:r>
-            <a:endParaRPr kumimoji="1" lang="en-US" altLang="ja-JP" sz="3200" dirty="0">
-              <a:latin typeface="HGS創英角ﾎﾟｯﾌﾟ体" panose="040B0A00000000000000" pitchFamily="50" charset="-128"/>
-              <a:ea typeface="HGS創英角ﾎﾟｯﾌﾟ体" panose="040B0A00000000000000" pitchFamily="50" charset="-128"/>
-            </a:endParaRPr>
-          </a:p>
-          <a:p>
-            <a:r>
-              <a:rPr kumimoji="1" lang="ja-JP" altLang="en-US" sz="3200" dirty="0">
-                <a:latin typeface="HGS創英角ﾎﾟｯﾌﾟ体" panose="040B0A00000000000000" pitchFamily="50" charset="-128"/>
-                <a:ea typeface="HGS創英角ﾎﾟｯﾌﾟ体" panose="040B0A00000000000000" pitchFamily="50" charset="-128"/>
-              </a:rPr>
-              <a:t>　・ゆずポップ 様</a:t>
-            </a:r>
-            <a:endParaRPr kumimoji="1" lang="en-US" altLang="ja-JP" sz="3200" dirty="0">
-              <a:latin typeface="HGS創英角ﾎﾟｯﾌﾟ体" panose="040B0A00000000000000" pitchFamily="50" charset="-128"/>
-              <a:ea typeface="HGS創英角ﾎﾟｯﾌﾟ体" panose="040B0A00000000000000" pitchFamily="50" charset="-128"/>
-            </a:endParaRPr>
-          </a:p>
-          <a:p>
-            <a:endParaRPr kumimoji="1" lang="en-US" altLang="ja-JP" sz="3200" dirty="0">
-              <a:latin typeface="HGS創英角ﾎﾟｯﾌﾟ体" panose="040B0A00000000000000" pitchFamily="50" charset="-128"/>
-              <a:ea typeface="HGS創英角ﾎﾟｯﾌﾟ体" panose="040B0A00000000000000" pitchFamily="50" charset="-128"/>
-            </a:endParaRPr>
-          </a:p>
-        </p:txBody>
-      </p:sp>
-    </p:spTree>
-    <p:extLst>
-      <p:ext uri="{BB962C8B-B14F-4D97-AF65-F5344CB8AC3E}">
-        <p14:creationId xmlns:p14="http://schemas.microsoft.com/office/powerpoint/2010/main" val="3419240535"/>
-      </p:ext>
-    </p:extLst>
-  </p:cSld>
-  <p:clrMapOvr>
-    <a:masterClrMapping/>
-  </p:clrMapOvr>
-</p:sld>
-</file>
-
-<file path=ppt/slides/slide15.xml><?xml version="1.0" encoding="utf-8"?>
-<p:sld xmlns:a="http://schemas.openxmlformats.org/drawingml/2006/main" xmlns:r="http://schemas.openxmlformats.org/officeDocument/2006/relationships" xmlns:p="http://schemas.openxmlformats.org/presentationml/2006/main">
-  <p:cSld>
-    <p:spTree>
-      <p:nvGrpSpPr>
-        <p:cNvPr id="1" name=""/>
-        <p:cNvGrpSpPr/>
-        <p:nvPr/>
-      </p:nvGrpSpPr>
-      <p:grpSpPr>
-        <a:xfrm>
-          <a:off x="0" y="0"/>
-          <a:ext cx="0" cy="0"/>
-          <a:chOff x="0" y="0"/>
-          <a:chExt cx="0" cy="0"/>
-        </a:xfrm>
-      </p:grpSpPr>
-      <p:pic>
-        <p:nvPicPr>
           <p:cNvPr id="4" name="図 3">
             <a:extLst>
               <a:ext uri="{FF2B5EF4-FFF2-40B4-BE49-F238E27FC236}">
-                <a16:creationId xmlns:a16="http://schemas.microsoft.com/office/drawing/2014/main" id="{999EAE72-B2F4-4EB3-A562-307AA100811E}"/>
+                <a16:creationId xmlns="" xmlns:a16="http://schemas.microsoft.com/office/drawing/2014/main" id="{999EAE72-B2F4-4EB3-A562-307AA100811E}"/>
               </a:ext>
             </a:extLst>
           </p:cNvPr>
@@ -6929,7 +6667,7 @@
           <p:cNvPr id="5" name="図 4">
             <a:extLst>
               <a:ext uri="{FF2B5EF4-FFF2-40B4-BE49-F238E27FC236}">
-                <a16:creationId xmlns:a16="http://schemas.microsoft.com/office/drawing/2014/main" id="{EF586003-189D-4F3D-8057-EA89C5CD7A50}"/>
+                <a16:creationId xmlns="" xmlns:a16="http://schemas.microsoft.com/office/drawing/2014/main" id="{EF586003-189D-4F3D-8057-EA89C5CD7A50}"/>
               </a:ext>
             </a:extLst>
           </p:cNvPr>
@@ -6959,7 +6697,7 @@
           <p:cNvPr id="2" name="テキスト ボックス 1">
             <a:extLst>
               <a:ext uri="{FF2B5EF4-FFF2-40B4-BE49-F238E27FC236}">
-                <a16:creationId xmlns:a16="http://schemas.microsoft.com/office/drawing/2014/main" id="{4C6CC404-299F-4F20-9455-0B4C9E9ECA2B}"/>
+                <a16:creationId xmlns="" xmlns:a16="http://schemas.microsoft.com/office/drawing/2014/main" id="{4C6CC404-299F-4F20-9455-0B4C9E9ECA2B}"/>
               </a:ext>
             </a:extLst>
           </p:cNvPr>
@@ -7027,7 +6765,7 @@
           <p:cNvPr id="4" name="図 3">
             <a:extLst>
               <a:ext uri="{FF2B5EF4-FFF2-40B4-BE49-F238E27FC236}">
-                <a16:creationId xmlns:a16="http://schemas.microsoft.com/office/drawing/2014/main" id="{27138200-E57A-4351-8813-7EF8E7C3353B}"/>
+                <a16:creationId xmlns="" xmlns:a16="http://schemas.microsoft.com/office/drawing/2014/main" id="{27138200-E57A-4351-8813-7EF8E7C3353B}"/>
               </a:ext>
             </a:extLst>
           </p:cNvPr>
@@ -7057,7 +6795,7 @@
           <p:cNvPr id="2" name="タイトル 1">
             <a:extLst>
               <a:ext uri="{FF2B5EF4-FFF2-40B4-BE49-F238E27FC236}">
-                <a16:creationId xmlns:a16="http://schemas.microsoft.com/office/drawing/2014/main" id="{18BF23CD-27EA-4705-9E83-C5EF4B939509}"/>
+                <a16:creationId xmlns="" xmlns:a16="http://schemas.microsoft.com/office/drawing/2014/main" id="{18BF23CD-27EA-4705-9E83-C5EF4B939509}"/>
               </a:ext>
             </a:extLst>
           </p:cNvPr>
@@ -7095,7 +6833,7 @@
           <p:cNvPr id="3" name="コンテンツ プレースホルダー 2">
             <a:extLst>
               <a:ext uri="{FF2B5EF4-FFF2-40B4-BE49-F238E27FC236}">
-                <a16:creationId xmlns:a16="http://schemas.microsoft.com/office/drawing/2014/main" id="{581529EF-8A55-4FB6-A3EF-86797DC43DA8}"/>
+                <a16:creationId xmlns="" xmlns:a16="http://schemas.microsoft.com/office/drawing/2014/main" id="{581529EF-8A55-4FB6-A3EF-86797DC43DA8}"/>
               </a:ext>
             </a:extLst>
           </p:cNvPr>
@@ -7125,369 +6863,17 @@
   <p:clrMapOvr>
     <a:masterClrMapping/>
   </p:clrMapOvr>
+  <p:timing>
+    <p:tnLst>
+      <p:par>
+        <p:cTn id="1" dur="indefinite" restart="never" nodeType="tmRoot"/>
+      </p:par>
+    </p:tnLst>
+  </p:timing>
 </p:sld>
 </file>
 
 <file path=ppt/slides/slide3.xml><?xml version="1.0" encoding="utf-8"?>
-<p:sld xmlns:a="http://schemas.openxmlformats.org/drawingml/2006/main" xmlns:r="http://schemas.openxmlformats.org/officeDocument/2006/relationships" xmlns:p="http://schemas.openxmlformats.org/presentationml/2006/main" show="0">
-  <p:cSld>
-    <p:spTree>
-      <p:nvGrpSpPr>
-        <p:cNvPr id="1" name=""/>
-        <p:cNvGrpSpPr/>
-        <p:nvPr/>
-      </p:nvGrpSpPr>
-      <p:grpSpPr>
-        <a:xfrm>
-          <a:off x="0" y="0"/>
-          <a:ext cx="0" cy="0"/>
-          <a:chOff x="0" y="0"/>
-          <a:chExt cx="0" cy="0"/>
-        </a:xfrm>
-      </p:grpSpPr>
-      <p:pic>
-        <p:nvPicPr>
-          <p:cNvPr id="10" name="図 9">
-            <a:extLst>
-              <a:ext uri="{FF2B5EF4-FFF2-40B4-BE49-F238E27FC236}">
-                <a16:creationId xmlns:a16="http://schemas.microsoft.com/office/drawing/2014/main" id="{6247FD45-0344-4CAE-87F3-5818369FE52B}"/>
-              </a:ext>
-            </a:extLst>
-          </p:cNvPr>
-          <p:cNvPicPr>
-            <a:picLocks noChangeAspect="1"/>
-          </p:cNvPicPr>
-          <p:nvPr/>
-        </p:nvPicPr>
-        <p:blipFill>
-          <a:blip r:embed="rId2"/>
-          <a:stretch>
-            <a:fillRect/>
-          </a:stretch>
-        </p:blipFill>
-        <p:spPr>
-          <a:xfrm rot="16200000">
-            <a:off x="2660382" y="-2673618"/>
-            <a:ext cx="6871236" cy="12192000"/>
-          </a:xfrm>
-          <a:prstGeom prst="rect">
-            <a:avLst/>
-          </a:prstGeom>
-        </p:spPr>
-      </p:pic>
-      <p:sp>
-        <p:nvSpPr>
-          <p:cNvPr id="2" name="テキスト ボックス 1"/>
-          <p:cNvSpPr txBox="1"/>
-          <p:nvPr/>
-        </p:nvSpPr>
-        <p:spPr>
-          <a:xfrm>
-            <a:off x="546738" y="151653"/>
-            <a:ext cx="3601056" cy="769441"/>
-          </a:xfrm>
-          <a:prstGeom prst="rect">
-            <a:avLst/>
-          </a:prstGeom>
-          <a:noFill/>
-        </p:spPr>
-        <p:txBody>
-          <a:bodyPr wrap="square" rtlCol="0">
-            <a:spAutoFit/>
-          </a:bodyPr>
-          <a:lstStyle/>
-          <a:p>
-            <a:r>
-              <a:rPr kumimoji="1" lang="ja-JP" altLang="en-US" sz="4400" dirty="0">
-                <a:solidFill>
-                  <a:srgbClr val="FF0000"/>
-                </a:solidFill>
-                <a:latin typeface="HGS創英角ﾎﾟｯﾌﾟ体" panose="040B0A00000000000000" pitchFamily="50" charset="-128"/>
-                <a:ea typeface="HGS創英角ﾎﾟｯﾌﾟ体" panose="040B0A00000000000000" pitchFamily="50" charset="-128"/>
-              </a:rPr>
-              <a:t>～動画～</a:t>
-            </a:r>
-          </a:p>
-        </p:txBody>
-      </p:sp>
-      <p:sp>
-        <p:nvSpPr>
-          <p:cNvPr id="3" name="テキスト ボックス 2"/>
-          <p:cNvSpPr txBox="1"/>
-          <p:nvPr/>
-        </p:nvSpPr>
-        <p:spPr>
-          <a:xfrm>
-            <a:off x="608445" y="861458"/>
-            <a:ext cx="9393381" cy="3670236"/>
-          </a:xfrm>
-          <a:prstGeom prst="rect">
-            <a:avLst/>
-          </a:prstGeom>
-          <a:noFill/>
-        </p:spPr>
-        <p:txBody>
-          <a:bodyPr wrap="square" rtlCol="0">
-            <a:spAutoFit/>
-          </a:bodyPr>
-          <a:lstStyle/>
-          <a:p>
-            <a:pPr>
-              <a:lnSpc>
-                <a:spcPct val="150000"/>
-              </a:lnSpc>
-            </a:pPr>
-            <a:r>
-              <a:rPr kumimoji="1" lang="ja-JP" altLang="en-US" sz="3200" dirty="0">
-                <a:latin typeface="HGP創英角ｺﾞｼｯｸUB" panose="020B0900000000000000" pitchFamily="50" charset="-128"/>
-                <a:ea typeface="HGP創英角ｺﾞｼｯｸUB" panose="020B0900000000000000" pitchFamily="50" charset="-128"/>
-              </a:rPr>
-              <a:t>社会科見学に来ていた小学</a:t>
-            </a:r>
-            <a:r>
-              <a:rPr kumimoji="1" lang="en-US" altLang="ja-JP" sz="3200" dirty="0">
-                <a:latin typeface="HGP創英角ｺﾞｼｯｸUB" panose="020B0900000000000000" pitchFamily="50" charset="-128"/>
-                <a:ea typeface="HGP創英角ｺﾞｼｯｸUB" panose="020B0900000000000000" pitchFamily="50" charset="-128"/>
-              </a:rPr>
-              <a:t>4</a:t>
-            </a:r>
-            <a:r>
-              <a:rPr kumimoji="1" lang="ja-JP" altLang="en-US" sz="3200" dirty="0">
-                <a:latin typeface="HGP創英角ｺﾞｼｯｸUB" panose="020B0900000000000000" pitchFamily="50" charset="-128"/>
-                <a:ea typeface="HGP創英角ｺﾞｼｯｸUB" panose="020B0900000000000000" pitchFamily="50" charset="-128"/>
-              </a:rPr>
-              <a:t>年生の女の子。</a:t>
-            </a:r>
-            <a:endParaRPr kumimoji="1" lang="en-US" altLang="ja-JP" sz="3200" dirty="0">
-              <a:latin typeface="HGP創英角ｺﾞｼｯｸUB" panose="020B0900000000000000" pitchFamily="50" charset="-128"/>
-              <a:ea typeface="HGP創英角ｺﾞｼｯｸUB" panose="020B0900000000000000" pitchFamily="50" charset="-128"/>
-            </a:endParaRPr>
-          </a:p>
-          <a:p>
-            <a:pPr>
-              <a:lnSpc>
-                <a:spcPct val="150000"/>
-              </a:lnSpc>
-            </a:pPr>
-            <a:r>
-              <a:rPr kumimoji="1" lang="ja-JP" altLang="en-US" sz="3200" dirty="0">
-                <a:latin typeface="HGP創英角ｺﾞｼｯｸUB" panose="020B0900000000000000" pitchFamily="50" charset="-128"/>
-                <a:ea typeface="HGP創英角ｺﾞｼｯｸUB" panose="020B0900000000000000" pitchFamily="50" charset="-128"/>
-              </a:rPr>
-              <a:t>道に迷っているうちに研究施設の裏の顔を目撃してしまい、口封じのために</a:t>
-            </a:r>
-            <a:r>
-              <a:rPr kumimoji="1" lang="ja-JP" altLang="en-US" sz="3200" dirty="0">
-                <a:solidFill>
-                  <a:srgbClr val="00B050"/>
-                </a:solidFill>
-                <a:latin typeface="HGP創英角ｺﾞｼｯｸUB" panose="020B0900000000000000" pitchFamily="50" charset="-128"/>
-                <a:ea typeface="HGP創英角ｺﾞｼｯｸUB" panose="020B0900000000000000" pitchFamily="50" charset="-128"/>
-              </a:rPr>
-              <a:t>カメレオン人間</a:t>
-            </a:r>
-            <a:r>
-              <a:rPr kumimoji="1" lang="ja-JP" altLang="en-US" sz="3200" dirty="0">
-                <a:latin typeface="HGP創英角ｺﾞｼｯｸUB" panose="020B0900000000000000" pitchFamily="50" charset="-128"/>
-                <a:ea typeface="HGP創英角ｺﾞｼｯｸUB" panose="020B0900000000000000" pitchFamily="50" charset="-128"/>
-              </a:rPr>
-              <a:t>にされてしまう。</a:t>
-            </a:r>
-            <a:endParaRPr kumimoji="1" lang="en-US" altLang="ja-JP" sz="3200" dirty="0">
-              <a:latin typeface="HGP創英角ｺﾞｼｯｸUB" panose="020B0900000000000000" pitchFamily="50" charset="-128"/>
-              <a:ea typeface="HGP創英角ｺﾞｼｯｸUB" panose="020B0900000000000000" pitchFamily="50" charset="-128"/>
-            </a:endParaRPr>
-          </a:p>
-          <a:p>
-            <a:pPr>
-              <a:lnSpc>
-                <a:spcPct val="150000"/>
-              </a:lnSpc>
-            </a:pPr>
-            <a:r>
-              <a:rPr kumimoji="1" lang="ja-JP" altLang="en-US" sz="3200" dirty="0">
-                <a:latin typeface="HGP創英角ｺﾞｼｯｸUB" panose="020B0900000000000000" pitchFamily="50" charset="-128"/>
-                <a:ea typeface="HGP創英角ｺﾞｼｯｸUB" panose="020B0900000000000000" pitchFamily="50" charset="-128"/>
-              </a:rPr>
-              <a:t>女の子はこの事実を外に伝えるためにも、</a:t>
-            </a:r>
-            <a:r>
-              <a:rPr lang="ja-JP" altLang="ja-JP" sz="3200" dirty="0">
-                <a:latin typeface="HGP創英角ｺﾞｼｯｸUB" panose="020B0900000000000000" pitchFamily="50" charset="-128"/>
-                <a:ea typeface="HGP創英角ｺﾞｼｯｸUB" panose="020B0900000000000000" pitchFamily="50" charset="-128"/>
-              </a:rPr>
-              <a:t>人間に戻る薬を手にすべく研究所内を探索</a:t>
-            </a:r>
-            <a:r>
-              <a:rPr lang="ja-JP" altLang="en-US" sz="3200" dirty="0">
-                <a:latin typeface="HGP創英角ｺﾞｼｯｸUB" panose="020B0900000000000000" pitchFamily="50" charset="-128"/>
-                <a:ea typeface="HGP創英角ｺﾞｼｯｸUB" panose="020B0900000000000000" pitchFamily="50" charset="-128"/>
-              </a:rPr>
-              <a:t>します。</a:t>
-            </a:r>
-            <a:endParaRPr lang="ja-JP" altLang="ja-JP" sz="3200" dirty="0">
-              <a:latin typeface="HGP創英角ｺﾞｼｯｸUB" panose="020B0900000000000000" pitchFamily="50" charset="-128"/>
-              <a:ea typeface="HGP創英角ｺﾞｼｯｸUB" panose="020B0900000000000000" pitchFamily="50" charset="-128"/>
-            </a:endParaRPr>
-          </a:p>
-        </p:txBody>
-      </p:sp>
-      <p:pic>
-        <p:nvPicPr>
-          <p:cNvPr id="4" name="図 3"/>
-          <p:cNvPicPr/>
-          <p:nvPr/>
-        </p:nvPicPr>
-        <p:blipFill>
-          <a:blip r:embed="rId3" cstate="print">
-            <a:extLst>
-              <a:ext uri="{28A0092B-C50C-407E-A947-70E740481C1C}">
-                <a14:useLocalDpi xmlns:a14="http://schemas.microsoft.com/office/drawing/2010/main" val="0"/>
-              </a:ext>
-            </a:extLst>
-          </a:blip>
-          <a:srcRect/>
-          <a:stretch>
-            <a:fillRect/>
-          </a:stretch>
-        </p:blipFill>
-        <p:spPr bwMode="auto">
-          <a:xfrm>
-            <a:off x="6096000" y="4558754"/>
-            <a:ext cx="2824784" cy="1960439"/>
-          </a:xfrm>
-          <a:prstGeom prst="rect">
-            <a:avLst/>
-          </a:prstGeom>
-          <a:ln>
-            <a:noFill/>
-          </a:ln>
-          <a:effectLst>
-            <a:softEdge rad="112500"/>
-          </a:effectLst>
-        </p:spPr>
-      </p:pic>
-      <p:pic>
-        <p:nvPicPr>
-          <p:cNvPr id="5" name="図 4"/>
-          <p:cNvPicPr/>
-          <p:nvPr/>
-        </p:nvPicPr>
-        <p:blipFill>
-          <a:blip r:embed="rId4" cstate="print">
-            <a:extLst>
-              <a:ext uri="{28A0092B-C50C-407E-A947-70E740481C1C}">
-                <a14:useLocalDpi xmlns:a14="http://schemas.microsoft.com/office/drawing/2010/main" val="0"/>
-              </a:ext>
-            </a:extLst>
-          </a:blip>
-          <a:srcRect/>
-          <a:stretch>
-            <a:fillRect/>
-          </a:stretch>
-        </p:blipFill>
-        <p:spPr bwMode="auto">
-          <a:xfrm>
-            <a:off x="9000586" y="4531694"/>
-            <a:ext cx="2941320" cy="1995805"/>
-          </a:xfrm>
-          <a:prstGeom prst="rect">
-            <a:avLst/>
-          </a:prstGeom>
-          <a:ln>
-            <a:noFill/>
-          </a:ln>
-          <a:effectLst>
-            <a:softEdge rad="112500"/>
-          </a:effectLst>
-        </p:spPr>
-      </p:pic>
-      <p:pic>
-        <p:nvPicPr>
-          <p:cNvPr id="7" name="図 6">
-            <a:extLst>
-              <a:ext uri="{FF2B5EF4-FFF2-40B4-BE49-F238E27FC236}">
-                <a16:creationId xmlns:a16="http://schemas.microsoft.com/office/drawing/2014/main" id="{C1705B78-44FC-4A54-BD1B-8ECCD0E2B210}"/>
-              </a:ext>
-            </a:extLst>
-          </p:cNvPr>
-          <p:cNvPicPr>
-            <a:picLocks noChangeAspect="1"/>
-          </p:cNvPicPr>
-          <p:nvPr/>
-        </p:nvPicPr>
-        <p:blipFill>
-          <a:blip r:embed="rId5"/>
-          <a:stretch>
-            <a:fillRect/>
-          </a:stretch>
-        </p:blipFill>
-        <p:spPr>
-          <a:xfrm>
-            <a:off x="3297763" y="4567060"/>
-            <a:ext cx="2495550" cy="1960439"/>
-          </a:xfrm>
-          <a:prstGeom prst="rect">
-            <a:avLst/>
-          </a:prstGeom>
-          <a:ln>
-            <a:noFill/>
-          </a:ln>
-          <a:effectLst>
-            <a:softEdge rad="112500"/>
-          </a:effectLst>
-        </p:spPr>
-      </p:pic>
-      <p:pic>
-        <p:nvPicPr>
-          <p:cNvPr id="8" name="図 7">
-            <a:extLst>
-              <a:ext uri="{FF2B5EF4-FFF2-40B4-BE49-F238E27FC236}">
-                <a16:creationId xmlns:a16="http://schemas.microsoft.com/office/drawing/2014/main" id="{99E3EA6B-C60F-439B-9A45-189D13148F5A}"/>
-              </a:ext>
-            </a:extLst>
-          </p:cNvPr>
-          <p:cNvPicPr>
-            <a:picLocks noChangeAspect="1"/>
-          </p:cNvPicPr>
-          <p:nvPr/>
-        </p:nvPicPr>
-        <p:blipFill>
-          <a:blip r:embed="rId6"/>
-          <a:stretch>
-            <a:fillRect/>
-          </a:stretch>
-        </p:blipFill>
-        <p:spPr>
-          <a:xfrm>
-            <a:off x="706343" y="4574726"/>
-            <a:ext cx="2387174" cy="1909739"/>
-          </a:xfrm>
-          <a:prstGeom prst="rect">
-            <a:avLst/>
-          </a:prstGeom>
-          <a:ln>
-            <a:noFill/>
-          </a:ln>
-          <a:effectLst>
-            <a:softEdge rad="112500"/>
-          </a:effectLst>
-        </p:spPr>
-      </p:pic>
-    </p:spTree>
-    <p:extLst>
-      <p:ext uri="{BB962C8B-B14F-4D97-AF65-F5344CB8AC3E}">
-        <p14:creationId xmlns:p14="http://schemas.microsoft.com/office/powerpoint/2010/main" val="58400602"/>
-      </p:ext>
-    </p:extLst>
-  </p:cSld>
-  <p:clrMapOvr>
-    <a:masterClrMapping/>
-  </p:clrMapOvr>
-</p:sld>
-</file>
-
-<file path=ppt/slides/slide4.xml><?xml version="1.0" encoding="utf-8"?>
 <p:sld xmlns:a="http://schemas.openxmlformats.org/drawingml/2006/main" xmlns:r="http://schemas.openxmlformats.org/officeDocument/2006/relationships" xmlns:p="http://schemas.openxmlformats.org/presentationml/2006/main">
   <p:cSld>
     <p:spTree>
@@ -7509,7 +6895,7 @@
           <p:cNvPr id="7" name="図 6">
             <a:extLst>
               <a:ext uri="{FF2B5EF4-FFF2-40B4-BE49-F238E27FC236}">
-                <a16:creationId xmlns:a16="http://schemas.microsoft.com/office/drawing/2014/main" id="{2F7AD146-4060-43F2-9DEE-7924927949FE}"/>
+                <a16:creationId xmlns="" xmlns:a16="http://schemas.microsoft.com/office/drawing/2014/main" id="{2F7AD146-4060-43F2-9DEE-7924927949FE}"/>
               </a:ext>
             </a:extLst>
           </p:cNvPr>
@@ -7758,10 +7144,17 @@
   <p:clrMapOvr>
     <a:masterClrMapping/>
   </p:clrMapOvr>
+  <p:timing>
+    <p:tnLst>
+      <p:par>
+        <p:cTn id="1" dur="indefinite" restart="never" nodeType="tmRoot"/>
+      </p:par>
+    </p:tnLst>
+  </p:timing>
 </p:sld>
 </file>
 
-<file path=ppt/slides/slide5.xml><?xml version="1.0" encoding="utf-8"?>
+<file path=ppt/slides/slide4.xml><?xml version="1.0" encoding="utf-8"?>
 <p:sld xmlns:a="http://schemas.openxmlformats.org/drawingml/2006/main" xmlns:r="http://schemas.openxmlformats.org/officeDocument/2006/relationships" xmlns:p="http://schemas.openxmlformats.org/presentationml/2006/main">
   <p:cSld>
     <p:spTree>
@@ -7783,7 +7176,7 @@
           <p:cNvPr id="10" name="図 9">
             <a:extLst>
               <a:ext uri="{FF2B5EF4-FFF2-40B4-BE49-F238E27FC236}">
-                <a16:creationId xmlns:a16="http://schemas.microsoft.com/office/drawing/2014/main" id="{1B8B4273-5736-458A-B7FF-A51CF5B46758}"/>
+                <a16:creationId xmlns="" xmlns:a16="http://schemas.microsoft.com/office/drawing/2014/main" id="{1B8B4273-5736-458A-B7FF-A51CF5B46758}"/>
               </a:ext>
             </a:extLst>
           </p:cNvPr>
@@ -7848,7 +7241,7 @@
           <p:cNvPr id="20" name="テキスト ボックス 19">
             <a:extLst>
               <a:ext uri="{FF2B5EF4-FFF2-40B4-BE49-F238E27FC236}">
-                <a16:creationId xmlns:a16="http://schemas.microsoft.com/office/drawing/2014/main" id="{B53077F5-2E57-4C34-AAF8-9ADAF035C5C7}"/>
+                <a16:creationId xmlns="" xmlns:a16="http://schemas.microsoft.com/office/drawing/2014/main" id="{B53077F5-2E57-4C34-AAF8-9ADAF035C5C7}"/>
               </a:ext>
             </a:extLst>
           </p:cNvPr>
@@ -7967,7 +7360,7 @@
           <p:cNvPr id="5" name="図 4">
             <a:extLst>
               <a:ext uri="{FF2B5EF4-FFF2-40B4-BE49-F238E27FC236}">
-                <a16:creationId xmlns:a16="http://schemas.microsoft.com/office/drawing/2014/main" id="{4C7F56FB-0A80-40A8-A596-9F3486CD6369}"/>
+                <a16:creationId xmlns="" xmlns:a16="http://schemas.microsoft.com/office/drawing/2014/main" id="{4C7F56FB-0A80-40A8-A596-9F3486CD6369}"/>
               </a:ext>
             </a:extLst>
           </p:cNvPr>
@@ -7984,17 +7377,25 @@
         </p:blipFill>
         <p:spPr>
           <a:xfrm>
-            <a:off x="2555877" y="4559832"/>
-            <a:ext cx="6706749" cy="2311648"/>
+            <a:off x="2679700" y="4650573"/>
+            <a:ext cx="6023775" cy="2076244"/>
           </a:xfrm>
           <a:prstGeom prst="rect">
             <a:avLst/>
           </a:prstGeom>
-          <a:ln>
-            <a:noFill/>
+          <a:ln w="19050" cap="sq">
+            <a:solidFill>
+              <a:srgbClr val="000000"/>
+            </a:solidFill>
+            <a:prstDash val="solid"/>
+            <a:miter lim="800000"/>
           </a:ln>
           <a:effectLst>
-            <a:softEdge rad="112500"/>
+            <a:outerShdw blurRad="50800" dist="38100" dir="2700000" algn="tl" rotWithShape="0">
+              <a:srgbClr val="000000">
+                <a:alpha val="43000"/>
+              </a:srgbClr>
+            </a:outerShdw>
           </a:effectLst>
         </p:spPr>
       </p:pic>
@@ -8008,10 +7409,17 @@
   <p:clrMapOvr>
     <a:masterClrMapping/>
   </p:clrMapOvr>
+  <p:timing>
+    <p:tnLst>
+      <p:par>
+        <p:cTn id="1" dur="indefinite" restart="never" nodeType="tmRoot"/>
+      </p:par>
+    </p:tnLst>
+  </p:timing>
 </p:sld>
 </file>
 
-<file path=ppt/slides/slide6.xml><?xml version="1.0" encoding="utf-8"?>
+<file path=ppt/slides/slide5.xml><?xml version="1.0" encoding="utf-8"?>
 <p:sld xmlns:a="http://schemas.openxmlformats.org/drawingml/2006/main" xmlns:r="http://schemas.openxmlformats.org/officeDocument/2006/relationships" xmlns:p="http://schemas.openxmlformats.org/presentationml/2006/main">
   <p:cSld>
     <p:spTree>
@@ -8033,392 +7441,7 @@
           <p:cNvPr id="12" name="図 11">
             <a:extLst>
               <a:ext uri="{FF2B5EF4-FFF2-40B4-BE49-F238E27FC236}">
-                <a16:creationId xmlns:a16="http://schemas.microsoft.com/office/drawing/2014/main" id="{B2B9C88B-54B0-48BF-A5A2-4995803BEF2C}"/>
-              </a:ext>
-            </a:extLst>
-          </p:cNvPr>
-          <p:cNvPicPr>
-            <a:picLocks noChangeAspect="1"/>
-          </p:cNvPicPr>
-          <p:nvPr/>
-        </p:nvPicPr>
-        <p:blipFill>
-          <a:blip r:embed="rId4"/>
-          <a:stretch>
-            <a:fillRect/>
-          </a:stretch>
-        </p:blipFill>
-        <p:spPr>
-          <a:xfrm rot="16200000">
-            <a:off x="2660382" y="-2673618"/>
-            <a:ext cx="6871236" cy="12192000"/>
-          </a:xfrm>
-          <a:prstGeom prst="rect">
-            <a:avLst/>
-          </a:prstGeom>
-        </p:spPr>
-      </p:pic>
-      <p:sp>
-        <p:nvSpPr>
-          <p:cNvPr id="2" name="テキスト ボックス 1">
-            <a:extLst>
-              <a:ext uri="{FF2B5EF4-FFF2-40B4-BE49-F238E27FC236}">
-                <a16:creationId xmlns:a16="http://schemas.microsoft.com/office/drawing/2014/main" id="{A25448DB-94B6-4943-8B6D-E664614033C7}"/>
-              </a:ext>
-            </a:extLst>
-          </p:cNvPr>
-          <p:cNvSpPr txBox="1"/>
-          <p:nvPr/>
-        </p:nvSpPr>
-        <p:spPr>
-          <a:xfrm>
-            <a:off x="292100" y="280238"/>
-            <a:ext cx="5803900" cy="769441"/>
-          </a:xfrm>
-          <a:prstGeom prst="rect">
-            <a:avLst/>
-          </a:prstGeom>
-          <a:noFill/>
-        </p:spPr>
-        <p:txBody>
-          <a:bodyPr wrap="square" rtlCol="0">
-            <a:spAutoFit/>
-          </a:bodyPr>
-          <a:lstStyle/>
-          <a:p>
-            <a:r>
-              <a:rPr kumimoji="1" lang="ja-JP" altLang="en-US" sz="4400" dirty="0">
-                <a:solidFill>
-                  <a:srgbClr val="FF0000"/>
-                </a:solidFill>
-                <a:latin typeface="HGS創英角ﾎﾟｯﾌﾟ体" panose="040B0A00000000000000" pitchFamily="50" charset="-128"/>
-                <a:ea typeface="HGS創英角ﾎﾟｯﾌﾟ体" panose="040B0A00000000000000" pitchFamily="50" charset="-128"/>
-              </a:rPr>
-              <a:t>～プレイヤーの動き～</a:t>
-            </a:r>
-          </a:p>
-        </p:txBody>
-      </p:sp>
-      <p:sp>
-        <p:nvSpPr>
-          <p:cNvPr id="3" name="テキスト ボックス 2">
-            <a:extLst>
-              <a:ext uri="{FF2B5EF4-FFF2-40B4-BE49-F238E27FC236}">
-                <a16:creationId xmlns:a16="http://schemas.microsoft.com/office/drawing/2014/main" id="{E20EA4CA-16A1-4E86-A081-0D4C21931C9A}"/>
-              </a:ext>
-            </a:extLst>
-          </p:cNvPr>
-          <p:cNvSpPr txBox="1"/>
-          <p:nvPr/>
-        </p:nvSpPr>
-        <p:spPr>
-          <a:xfrm>
-            <a:off x="188190" y="842002"/>
-            <a:ext cx="11636043" cy="5909310"/>
-          </a:xfrm>
-          <a:prstGeom prst="rect">
-            <a:avLst/>
-          </a:prstGeom>
-          <a:noFill/>
-        </p:spPr>
-        <p:txBody>
-          <a:bodyPr wrap="square" rtlCol="0">
-            <a:spAutoFit/>
-          </a:bodyPr>
-          <a:lstStyle/>
-          <a:p>
-            <a:pPr>
-              <a:lnSpc>
-                <a:spcPct val="150000"/>
-              </a:lnSpc>
-            </a:pPr>
-            <a:r>
-              <a:rPr kumimoji="1" lang="en-US" altLang="ja-JP" sz="3600" dirty="0">
-                <a:latin typeface="HGS創英角ﾎﾟｯﾌﾟ体" panose="040B0A00000000000000" pitchFamily="50" charset="-128"/>
-                <a:ea typeface="HGS創英角ﾎﾟｯﾌﾟ体" panose="040B0A00000000000000" pitchFamily="50" charset="-128"/>
-              </a:rPr>
-              <a:t>【</a:t>
-            </a:r>
-            <a:r>
-              <a:rPr kumimoji="1" lang="ja-JP" altLang="en-US" sz="3600" dirty="0">
-                <a:latin typeface="HGS創英角ﾎﾟｯﾌﾟ体" panose="040B0A00000000000000" pitchFamily="50" charset="-128"/>
-                <a:ea typeface="HGS創英角ﾎﾟｯﾌﾟ体" panose="040B0A00000000000000" pitchFamily="50" charset="-128"/>
-              </a:rPr>
-              <a:t>ロープアクション</a:t>
-            </a:r>
-            <a:r>
-              <a:rPr kumimoji="1" lang="en-US" altLang="ja-JP" sz="3600" dirty="0">
-                <a:latin typeface="HGS創英角ﾎﾟｯﾌﾟ体" panose="040B0A00000000000000" pitchFamily="50" charset="-128"/>
-                <a:ea typeface="HGS創英角ﾎﾟｯﾌﾟ体" panose="040B0A00000000000000" pitchFamily="50" charset="-128"/>
-              </a:rPr>
-              <a:t>】</a:t>
-            </a:r>
-          </a:p>
-          <a:p>
-            <a:pPr>
-              <a:lnSpc>
-                <a:spcPct val="150000"/>
-              </a:lnSpc>
-            </a:pPr>
-            <a:r>
-              <a:rPr kumimoji="1" lang="ja-JP" altLang="en-US" sz="3600" dirty="0">
-                <a:latin typeface="HGS創英角ﾎﾟｯﾌﾟ体" panose="040B0A00000000000000" pitchFamily="50" charset="-128"/>
-                <a:ea typeface="HGS創英角ﾎﾟｯﾌﾟ体" panose="040B0A00000000000000" pitchFamily="50" charset="-128"/>
-              </a:rPr>
-              <a:t>・舌をロープのように使うことで、ものを引き寄せたり、</a:t>
-            </a:r>
-            <a:endParaRPr kumimoji="1" lang="en-US" altLang="ja-JP" sz="3600" dirty="0">
-              <a:latin typeface="HGS創英角ﾎﾟｯﾌﾟ体" panose="040B0A00000000000000" pitchFamily="50" charset="-128"/>
-              <a:ea typeface="HGS創英角ﾎﾟｯﾌﾟ体" panose="040B0A00000000000000" pitchFamily="50" charset="-128"/>
-            </a:endParaRPr>
-          </a:p>
-          <a:p>
-            <a:pPr>
-              <a:lnSpc>
-                <a:spcPct val="150000"/>
-              </a:lnSpc>
-            </a:pPr>
-            <a:r>
-              <a:rPr kumimoji="1" lang="ja-JP" altLang="en-US" sz="3600" dirty="0">
-                <a:latin typeface="HGS創英角ﾎﾟｯﾌﾟ体" panose="040B0A00000000000000" pitchFamily="50" charset="-128"/>
-                <a:ea typeface="HGS創英角ﾎﾟｯﾌﾟ体" panose="040B0A00000000000000" pitchFamily="50" charset="-128"/>
-              </a:rPr>
-              <a:t>　特定の床を動かすことができます。</a:t>
-            </a:r>
-            <a:endParaRPr kumimoji="1" lang="en-US" altLang="ja-JP" sz="3600" dirty="0">
-              <a:latin typeface="HGS創英角ﾎﾟｯﾌﾟ体" panose="040B0A00000000000000" pitchFamily="50" charset="-128"/>
-              <a:ea typeface="HGS創英角ﾎﾟｯﾌﾟ体" panose="040B0A00000000000000" pitchFamily="50" charset="-128"/>
-            </a:endParaRPr>
-          </a:p>
-          <a:p>
-            <a:pPr>
-              <a:lnSpc>
-                <a:spcPct val="150000"/>
-              </a:lnSpc>
-            </a:pPr>
-            <a:endParaRPr kumimoji="1" lang="en-US" altLang="ja-JP" sz="3600" dirty="0">
-              <a:latin typeface="HGP創英角ﾎﾟｯﾌﾟ体" panose="040B0A00000000000000" pitchFamily="50" charset="-128"/>
-              <a:ea typeface="HGP創英角ﾎﾟｯﾌﾟ体" panose="040B0A00000000000000" pitchFamily="50" charset="-128"/>
-            </a:endParaRPr>
-          </a:p>
-          <a:p>
-            <a:pPr>
-              <a:lnSpc>
-                <a:spcPct val="150000"/>
-              </a:lnSpc>
-            </a:pPr>
-            <a:endParaRPr kumimoji="1" lang="en-US" altLang="ja-JP" sz="3600" dirty="0">
-              <a:latin typeface="HGP創英角ﾎﾟｯﾌﾟ体" panose="040B0A00000000000000" pitchFamily="50" charset="-128"/>
-              <a:ea typeface="HGP創英角ﾎﾟｯﾌﾟ体" panose="040B0A00000000000000" pitchFamily="50" charset="-128"/>
-            </a:endParaRPr>
-          </a:p>
-          <a:p>
-            <a:pPr>
-              <a:lnSpc>
-                <a:spcPct val="150000"/>
-              </a:lnSpc>
-            </a:pPr>
-            <a:r>
-              <a:rPr kumimoji="1" lang="ja-JP" altLang="en-US" sz="3600" dirty="0">
-                <a:latin typeface="HGP創英角ﾎﾟｯﾌﾟ体" panose="040B0A00000000000000" pitchFamily="50" charset="-128"/>
-                <a:ea typeface="HGP創英角ﾎﾟｯﾌﾟ体" panose="040B0A00000000000000" pitchFamily="50" charset="-128"/>
-              </a:rPr>
-              <a:t>　　</a:t>
-            </a:r>
-            <a:endParaRPr kumimoji="1" lang="en-US" altLang="ja-JP" sz="3600" dirty="0">
-              <a:latin typeface="HGP創英角ﾎﾟｯﾌﾟ体" panose="040B0A00000000000000" pitchFamily="50" charset="-128"/>
-              <a:ea typeface="HGP創英角ﾎﾟｯﾌﾟ体" panose="040B0A00000000000000" pitchFamily="50" charset="-128"/>
-            </a:endParaRPr>
-          </a:p>
-          <a:p>
-            <a:pPr>
-              <a:lnSpc>
-                <a:spcPct val="150000"/>
-              </a:lnSpc>
-            </a:pPr>
-            <a:r>
-              <a:rPr kumimoji="1" lang="ja-JP" altLang="en-US" sz="3600" dirty="0">
-                <a:latin typeface="HGP創英角ﾎﾟｯﾌﾟ体" panose="040B0A00000000000000" pitchFamily="50" charset="-128"/>
-                <a:ea typeface="HGP創英角ﾎﾟｯﾌﾟ体" panose="040B0A00000000000000" pitchFamily="50" charset="-128"/>
-              </a:rPr>
-              <a:t>　　</a:t>
-            </a:r>
-            <a:r>
-              <a:rPr kumimoji="1" lang="ja-JP" altLang="en-US" sz="2800" dirty="0">
-                <a:latin typeface="HGP創英角ｺﾞｼｯｸUB" panose="020B0900000000000000" pitchFamily="50" charset="-128"/>
-                <a:ea typeface="HGP創英角ｺﾞｼｯｸUB" panose="020B0900000000000000" pitchFamily="50" charset="-128"/>
-              </a:rPr>
-              <a:t>　</a:t>
-            </a:r>
-            <a:endParaRPr kumimoji="1" lang="en-US" altLang="ja-JP" sz="2800" dirty="0">
-              <a:latin typeface="HGP創英角ｺﾞｼｯｸUB" panose="020B0900000000000000" pitchFamily="50" charset="-128"/>
-              <a:ea typeface="HGP創英角ｺﾞｼｯｸUB" panose="020B0900000000000000" pitchFamily="50" charset="-128"/>
-            </a:endParaRPr>
-          </a:p>
-        </p:txBody>
-      </p:sp>
-      <p:graphicFrame>
-        <p:nvGraphicFramePr>
-          <p:cNvPr id="6" name="オブジェクト 5">
-            <a:extLst>
-              <a:ext uri="{FF2B5EF4-FFF2-40B4-BE49-F238E27FC236}">
-                <a16:creationId xmlns:a16="http://schemas.microsoft.com/office/drawing/2014/main" id="{9BE27444-37BD-4F77-8199-7EDB4083BA66}"/>
-              </a:ext>
-            </a:extLst>
-          </p:cNvPr>
-          <p:cNvGraphicFramePr>
-            <a:graphicFrameLocks noChangeAspect="1"/>
-          </p:cNvGraphicFramePr>
-          <p:nvPr>
-            <p:extLst>
-              <p:ext uri="{D42A27DB-BD31-4B8C-83A1-F6EECF244321}">
-                <p14:modId xmlns:p14="http://schemas.microsoft.com/office/powerpoint/2010/main" val="2657851386"/>
-              </p:ext>
-            </p:extLst>
-          </p:nvPr>
-        </p:nvGraphicFramePr>
-        <p:xfrm>
-          <a:off x="4698999" y="4507662"/>
-          <a:ext cx="2794000" cy="2070100"/>
-        </p:xfrm>
-        <a:graphic>
-          <a:graphicData uri="http://schemas.openxmlformats.org/presentationml/2006/ole">
-            <mc:AlternateContent xmlns:mc="http://schemas.openxmlformats.org/markup-compatibility/2006">
-              <mc:Choice xmlns:v="urn:schemas-microsoft-com:vml" Requires="v">
-                <p:oleObj spid="_x0000_s1040" name="Image" r:id="rId5" imgW="2793600" imgH="2069640" progId="Photoshop.Image.11">
-                  <p:embed/>
-                </p:oleObj>
-              </mc:Choice>
-              <mc:Fallback>
-                <p:oleObj name="Image" r:id="rId5" imgW="2793600" imgH="2069640" progId="Photoshop.Image.11">
-                  <p:embed/>
-                  <p:pic>
-                    <p:nvPicPr>
-                      <p:cNvPr id="0" name=""/>
-                      <p:cNvPicPr/>
-                      <p:nvPr/>
-                    </p:nvPicPr>
-                    <p:blipFill>
-                      <a:blip r:embed="rId6"/>
-                      <a:stretch>
-                        <a:fillRect/>
-                      </a:stretch>
-                    </p:blipFill>
-                    <p:spPr>
-                      <a:xfrm>
-                        <a:off x="4698999" y="4507662"/>
-                        <a:ext cx="2794000" cy="2070100"/>
-                      </a:xfrm>
-                      <a:prstGeom prst="rect">
-                        <a:avLst/>
-                      </a:prstGeom>
-                    </p:spPr>
-                  </p:pic>
-                </p:oleObj>
-              </mc:Fallback>
-            </mc:AlternateContent>
-          </a:graphicData>
-        </a:graphic>
-      </p:graphicFrame>
-      <p:graphicFrame>
-        <p:nvGraphicFramePr>
-          <p:cNvPr id="7" name="オブジェクト 6">
-            <a:extLst>
-              <a:ext uri="{FF2B5EF4-FFF2-40B4-BE49-F238E27FC236}">
-                <a16:creationId xmlns:a16="http://schemas.microsoft.com/office/drawing/2014/main" id="{1ADC2F9F-EA55-4C35-8881-29706EB53944}"/>
-              </a:ext>
-            </a:extLst>
-          </p:cNvPr>
-          <p:cNvGraphicFramePr>
-            <a:graphicFrameLocks noChangeAspect="1"/>
-          </p:cNvGraphicFramePr>
-          <p:nvPr>
-            <p:extLst>
-              <p:ext uri="{D42A27DB-BD31-4B8C-83A1-F6EECF244321}">
-                <p14:modId xmlns:p14="http://schemas.microsoft.com/office/powerpoint/2010/main" val="3791682616"/>
-              </p:ext>
-            </p:extLst>
-          </p:nvPr>
-        </p:nvGraphicFramePr>
-        <p:xfrm>
-          <a:off x="609979" y="3590581"/>
-          <a:ext cx="2819400" cy="2019300"/>
-        </p:xfrm>
-        <a:graphic>
-          <a:graphicData uri="http://schemas.openxmlformats.org/presentationml/2006/ole">
-            <mc:AlternateContent xmlns:mc="http://schemas.openxmlformats.org/markup-compatibility/2006">
-              <mc:Choice xmlns:v="urn:schemas-microsoft-com:vml" Requires="v">
-                <p:oleObj spid="_x0000_s1041" name="Image" r:id="rId7" imgW="2818800" imgH="2018880" progId="Photoshop.Image.11">
-                  <p:embed/>
-                </p:oleObj>
-              </mc:Choice>
-              <mc:Fallback>
-                <p:oleObj name="Image" r:id="rId7" imgW="2818800" imgH="2018880" progId="Photoshop.Image.11">
-                  <p:embed/>
-                  <p:pic>
-                    <p:nvPicPr>
-                      <p:cNvPr id="0" name=""/>
-                      <p:cNvPicPr/>
-                      <p:nvPr/>
-                    </p:nvPicPr>
-                    <p:blipFill>
-                      <a:blip r:embed="rId8"/>
-                      <a:stretch>
-                        <a:fillRect/>
-                      </a:stretch>
-                    </p:blipFill>
-                    <p:spPr>
-                      <a:xfrm>
-                        <a:off x="609979" y="3590581"/>
-                        <a:ext cx="2819400" cy="2019300"/>
-                      </a:xfrm>
-                      <a:prstGeom prst="rect">
-                        <a:avLst/>
-                      </a:prstGeom>
-                    </p:spPr>
-                  </p:pic>
-                </p:oleObj>
-              </mc:Fallback>
-            </mc:AlternateContent>
-          </a:graphicData>
-        </a:graphic>
-      </p:graphicFrame>
-    </p:spTree>
-    <p:extLst>
-      <p:ext uri="{BB962C8B-B14F-4D97-AF65-F5344CB8AC3E}">
-        <p14:creationId xmlns:p14="http://schemas.microsoft.com/office/powerpoint/2010/main" val="3941892157"/>
-      </p:ext>
-    </p:extLst>
-  </p:cSld>
-  <p:clrMapOvr>
-    <a:masterClrMapping/>
-  </p:clrMapOvr>
-</p:sld>
-</file>
-
-<file path=ppt/slides/slide7.xml><?xml version="1.0" encoding="utf-8"?>
-<p:sld xmlns:a="http://schemas.openxmlformats.org/drawingml/2006/main" xmlns:r="http://schemas.openxmlformats.org/officeDocument/2006/relationships" xmlns:p="http://schemas.openxmlformats.org/presentationml/2006/main">
-  <p:cSld>
-    <p:spTree>
-      <p:nvGrpSpPr>
-        <p:cNvPr id="1" name=""/>
-        <p:cNvGrpSpPr/>
-        <p:nvPr/>
-      </p:nvGrpSpPr>
-      <p:grpSpPr>
-        <a:xfrm>
-          <a:off x="0" y="0"/>
-          <a:ext cx="0" cy="0"/>
-          <a:chOff x="0" y="0"/>
-          <a:chExt cx="0" cy="0"/>
-        </a:xfrm>
-      </p:grpSpPr>
-      <p:pic>
-        <p:nvPicPr>
-          <p:cNvPr id="7" name="図 6">
-            <a:extLst>
-              <a:ext uri="{FF2B5EF4-FFF2-40B4-BE49-F238E27FC236}">
-                <a16:creationId xmlns:a16="http://schemas.microsoft.com/office/drawing/2014/main" id="{6FF6E39F-6B0E-4FB3-81D6-08A961EAE2EE}"/>
+                <a16:creationId xmlns="" xmlns:a16="http://schemas.microsoft.com/office/drawing/2014/main" id="{B2B9C88B-54B0-48BF-A5A2-4995803BEF2C}"/>
               </a:ext>
             </a:extLst>
           </p:cNvPr>
@@ -8445,10 +7468,390 @@
       </p:pic>
       <p:sp>
         <p:nvSpPr>
+          <p:cNvPr id="2" name="テキスト ボックス 1">
+            <a:extLst>
+              <a:ext uri="{FF2B5EF4-FFF2-40B4-BE49-F238E27FC236}">
+                <a16:creationId xmlns="" xmlns:a16="http://schemas.microsoft.com/office/drawing/2014/main" id="{A25448DB-94B6-4943-8B6D-E664614033C7}"/>
+              </a:ext>
+            </a:extLst>
+          </p:cNvPr>
+          <p:cNvSpPr txBox="1"/>
+          <p:nvPr/>
+        </p:nvSpPr>
+        <p:spPr>
+          <a:xfrm>
+            <a:off x="292100" y="280238"/>
+            <a:ext cx="5803900" cy="769441"/>
+          </a:xfrm>
+          <a:prstGeom prst="rect">
+            <a:avLst/>
+          </a:prstGeom>
+          <a:noFill/>
+        </p:spPr>
+        <p:txBody>
+          <a:bodyPr wrap="square" rtlCol="0">
+            <a:spAutoFit/>
+          </a:bodyPr>
+          <a:lstStyle/>
+          <a:p>
+            <a:r>
+              <a:rPr kumimoji="1" lang="ja-JP" altLang="en-US" sz="4400" dirty="0">
+                <a:solidFill>
+                  <a:srgbClr val="FF0000"/>
+                </a:solidFill>
+                <a:latin typeface="HGS創英角ﾎﾟｯﾌﾟ体" panose="040B0A00000000000000" pitchFamily="50" charset="-128"/>
+                <a:ea typeface="HGS創英角ﾎﾟｯﾌﾟ体" panose="040B0A00000000000000" pitchFamily="50" charset="-128"/>
+              </a:rPr>
+              <a:t>～プレイヤーの動き～</a:t>
+            </a:r>
+          </a:p>
+        </p:txBody>
+      </p:sp>
+      <p:sp>
+        <p:nvSpPr>
           <p:cNvPr id="3" name="テキスト ボックス 2">
             <a:extLst>
               <a:ext uri="{FF2B5EF4-FFF2-40B4-BE49-F238E27FC236}">
-                <a16:creationId xmlns:a16="http://schemas.microsoft.com/office/drawing/2014/main" id="{E20EA4CA-16A1-4E86-A081-0D4C21931C9A}"/>
+                <a16:creationId xmlns="" xmlns:a16="http://schemas.microsoft.com/office/drawing/2014/main" id="{E20EA4CA-16A1-4E86-A081-0D4C21931C9A}"/>
+              </a:ext>
+            </a:extLst>
+          </p:cNvPr>
+          <p:cNvSpPr txBox="1"/>
+          <p:nvPr/>
+        </p:nvSpPr>
+        <p:spPr>
+          <a:xfrm>
+            <a:off x="188190" y="842002"/>
+            <a:ext cx="11636043" cy="5909310"/>
+          </a:xfrm>
+          <a:prstGeom prst="rect">
+            <a:avLst/>
+          </a:prstGeom>
+          <a:noFill/>
+        </p:spPr>
+        <p:txBody>
+          <a:bodyPr wrap="square" rtlCol="0">
+            <a:spAutoFit/>
+          </a:bodyPr>
+          <a:lstStyle/>
+          <a:p>
+            <a:pPr>
+              <a:lnSpc>
+                <a:spcPct val="150000"/>
+              </a:lnSpc>
+            </a:pPr>
+            <a:r>
+              <a:rPr kumimoji="1" lang="en-US" altLang="ja-JP" sz="3600" dirty="0">
+                <a:latin typeface="HGS創英角ﾎﾟｯﾌﾟ体" panose="040B0A00000000000000" pitchFamily="50" charset="-128"/>
+                <a:ea typeface="HGS創英角ﾎﾟｯﾌﾟ体" panose="040B0A00000000000000" pitchFamily="50" charset="-128"/>
+              </a:rPr>
+              <a:t>【</a:t>
+            </a:r>
+            <a:r>
+              <a:rPr kumimoji="1" lang="ja-JP" altLang="en-US" sz="3600" dirty="0">
+                <a:latin typeface="HGS創英角ﾎﾟｯﾌﾟ体" panose="040B0A00000000000000" pitchFamily="50" charset="-128"/>
+                <a:ea typeface="HGS創英角ﾎﾟｯﾌﾟ体" panose="040B0A00000000000000" pitchFamily="50" charset="-128"/>
+              </a:rPr>
+              <a:t>ロープアクション</a:t>
+            </a:r>
+            <a:r>
+              <a:rPr kumimoji="1" lang="en-US" altLang="ja-JP" sz="3600" dirty="0">
+                <a:latin typeface="HGS創英角ﾎﾟｯﾌﾟ体" panose="040B0A00000000000000" pitchFamily="50" charset="-128"/>
+                <a:ea typeface="HGS創英角ﾎﾟｯﾌﾟ体" panose="040B0A00000000000000" pitchFamily="50" charset="-128"/>
+              </a:rPr>
+              <a:t>】</a:t>
+            </a:r>
+          </a:p>
+          <a:p>
+            <a:pPr>
+              <a:lnSpc>
+                <a:spcPct val="150000"/>
+              </a:lnSpc>
+            </a:pPr>
+            <a:r>
+              <a:rPr kumimoji="1" lang="ja-JP" altLang="en-US" sz="3600" dirty="0">
+                <a:latin typeface="HGS創英角ﾎﾟｯﾌﾟ体" panose="040B0A00000000000000" pitchFamily="50" charset="-128"/>
+                <a:ea typeface="HGS創英角ﾎﾟｯﾌﾟ体" panose="040B0A00000000000000" pitchFamily="50" charset="-128"/>
+              </a:rPr>
+              <a:t>・舌をロープのように使うことで、ものを引き寄せたり、</a:t>
+            </a:r>
+            <a:endParaRPr kumimoji="1" lang="en-US" altLang="ja-JP" sz="3600" dirty="0">
+              <a:latin typeface="HGS創英角ﾎﾟｯﾌﾟ体" panose="040B0A00000000000000" pitchFamily="50" charset="-128"/>
+              <a:ea typeface="HGS創英角ﾎﾟｯﾌﾟ体" panose="040B0A00000000000000" pitchFamily="50" charset="-128"/>
+            </a:endParaRPr>
+          </a:p>
+          <a:p>
+            <a:pPr>
+              <a:lnSpc>
+                <a:spcPct val="150000"/>
+              </a:lnSpc>
+            </a:pPr>
+            <a:r>
+              <a:rPr kumimoji="1" lang="ja-JP" altLang="en-US" sz="3600" dirty="0">
+                <a:latin typeface="HGS創英角ﾎﾟｯﾌﾟ体" panose="040B0A00000000000000" pitchFamily="50" charset="-128"/>
+                <a:ea typeface="HGS創英角ﾎﾟｯﾌﾟ体" panose="040B0A00000000000000" pitchFamily="50" charset="-128"/>
+              </a:rPr>
+              <a:t>　特定の床を動かすことができます。</a:t>
+            </a:r>
+            <a:endParaRPr kumimoji="1" lang="en-US" altLang="ja-JP" sz="3600" dirty="0">
+              <a:latin typeface="HGS創英角ﾎﾟｯﾌﾟ体" panose="040B0A00000000000000" pitchFamily="50" charset="-128"/>
+              <a:ea typeface="HGS創英角ﾎﾟｯﾌﾟ体" panose="040B0A00000000000000" pitchFamily="50" charset="-128"/>
+            </a:endParaRPr>
+          </a:p>
+          <a:p>
+            <a:pPr>
+              <a:lnSpc>
+                <a:spcPct val="150000"/>
+              </a:lnSpc>
+            </a:pPr>
+            <a:endParaRPr kumimoji="1" lang="en-US" altLang="ja-JP" sz="3600" dirty="0">
+              <a:latin typeface="HGP創英角ﾎﾟｯﾌﾟ体" panose="040B0A00000000000000" pitchFamily="50" charset="-128"/>
+              <a:ea typeface="HGP創英角ﾎﾟｯﾌﾟ体" panose="040B0A00000000000000" pitchFamily="50" charset="-128"/>
+            </a:endParaRPr>
+          </a:p>
+          <a:p>
+            <a:pPr>
+              <a:lnSpc>
+                <a:spcPct val="150000"/>
+              </a:lnSpc>
+            </a:pPr>
+            <a:endParaRPr kumimoji="1" lang="en-US" altLang="ja-JP" sz="3600" dirty="0">
+              <a:latin typeface="HGP創英角ﾎﾟｯﾌﾟ体" panose="040B0A00000000000000" pitchFamily="50" charset="-128"/>
+              <a:ea typeface="HGP創英角ﾎﾟｯﾌﾟ体" panose="040B0A00000000000000" pitchFamily="50" charset="-128"/>
+            </a:endParaRPr>
+          </a:p>
+          <a:p>
+            <a:pPr>
+              <a:lnSpc>
+                <a:spcPct val="150000"/>
+              </a:lnSpc>
+            </a:pPr>
+            <a:r>
+              <a:rPr kumimoji="1" lang="ja-JP" altLang="en-US" sz="3600" dirty="0">
+                <a:latin typeface="HGP創英角ﾎﾟｯﾌﾟ体" panose="040B0A00000000000000" pitchFamily="50" charset="-128"/>
+                <a:ea typeface="HGP創英角ﾎﾟｯﾌﾟ体" panose="040B0A00000000000000" pitchFamily="50" charset="-128"/>
+              </a:rPr>
+              <a:t>　　</a:t>
+            </a:r>
+            <a:endParaRPr kumimoji="1" lang="en-US" altLang="ja-JP" sz="3600" dirty="0">
+              <a:latin typeface="HGP創英角ﾎﾟｯﾌﾟ体" panose="040B0A00000000000000" pitchFamily="50" charset="-128"/>
+              <a:ea typeface="HGP創英角ﾎﾟｯﾌﾟ体" panose="040B0A00000000000000" pitchFamily="50" charset="-128"/>
+            </a:endParaRPr>
+          </a:p>
+          <a:p>
+            <a:pPr>
+              <a:lnSpc>
+                <a:spcPct val="150000"/>
+              </a:lnSpc>
+            </a:pPr>
+            <a:r>
+              <a:rPr kumimoji="1" lang="ja-JP" altLang="en-US" sz="3600" dirty="0">
+                <a:latin typeface="HGP創英角ﾎﾟｯﾌﾟ体" panose="040B0A00000000000000" pitchFamily="50" charset="-128"/>
+                <a:ea typeface="HGP創英角ﾎﾟｯﾌﾟ体" panose="040B0A00000000000000" pitchFamily="50" charset="-128"/>
+              </a:rPr>
+              <a:t>　　</a:t>
+            </a:r>
+            <a:r>
+              <a:rPr kumimoji="1" lang="ja-JP" altLang="en-US" sz="2800" dirty="0">
+                <a:latin typeface="HGP創英角ｺﾞｼｯｸUB" panose="020B0900000000000000" pitchFamily="50" charset="-128"/>
+                <a:ea typeface="HGP創英角ｺﾞｼｯｸUB" panose="020B0900000000000000" pitchFamily="50" charset="-128"/>
+              </a:rPr>
+              <a:t>　</a:t>
+            </a:r>
+            <a:endParaRPr kumimoji="1" lang="en-US" altLang="ja-JP" sz="2800" dirty="0">
+              <a:latin typeface="HGP創英角ｺﾞｼｯｸUB" panose="020B0900000000000000" pitchFamily="50" charset="-128"/>
+              <a:ea typeface="HGP創英角ｺﾞｼｯｸUB" panose="020B0900000000000000" pitchFamily="50" charset="-128"/>
+            </a:endParaRPr>
+          </a:p>
+        </p:txBody>
+      </p:sp>
+      <p:pic>
+        <p:nvPicPr>
+          <p:cNvPr id="4" name="図 3"/>
+          <p:cNvPicPr>
+            <a:picLocks noChangeAspect="1"/>
+          </p:cNvPicPr>
+          <p:nvPr/>
+        </p:nvPicPr>
+        <p:blipFill>
+          <a:blip r:embed="rId4">
+            <a:extLst>
+              <a:ext uri="{28A0092B-C50C-407E-A947-70E740481C1C}">
+                <a14:useLocalDpi xmlns:a14="http://schemas.microsoft.com/office/drawing/2010/main" val="0"/>
+              </a:ext>
+            </a:extLst>
+          </a:blip>
+          <a:stretch>
+            <a:fillRect/>
+          </a:stretch>
+        </p:blipFill>
+        <p:spPr>
+          <a:xfrm>
+            <a:off x="910386" y="4064000"/>
+            <a:ext cx="4273449" cy="1445137"/>
+          </a:xfrm>
+          <a:prstGeom prst="rect">
+            <a:avLst/>
+          </a:prstGeom>
+          <a:ln w="19050">
+            <a:solidFill>
+              <a:schemeClr val="tx1"/>
+            </a:solidFill>
+          </a:ln>
+        </p:spPr>
+      </p:pic>
+      <p:pic>
+        <p:nvPicPr>
+          <p:cNvPr id="5" name="図 4"/>
+          <p:cNvPicPr>
+            <a:picLocks noChangeAspect="1"/>
+          </p:cNvPicPr>
+          <p:nvPr/>
+        </p:nvPicPr>
+        <p:blipFill>
+          <a:blip r:embed="rId5">
+            <a:extLst>
+              <a:ext uri="{28A0092B-C50C-407E-A947-70E740481C1C}">
+                <a14:useLocalDpi xmlns:a14="http://schemas.microsoft.com/office/drawing/2010/main" val="0"/>
+              </a:ext>
+            </a:extLst>
+          </a:blip>
+          <a:stretch>
+            <a:fillRect/>
+          </a:stretch>
+        </p:blipFill>
+        <p:spPr>
+          <a:xfrm>
+            <a:off x="6006211" y="5016500"/>
+            <a:ext cx="2844444" cy="1432267"/>
+          </a:xfrm>
+          <a:prstGeom prst="rect">
+            <a:avLst/>
+          </a:prstGeom>
+          <a:ln w="19050">
+            <a:solidFill>
+              <a:schemeClr val="tx1"/>
+            </a:solidFill>
+          </a:ln>
+        </p:spPr>
+      </p:pic>
+      <p:pic>
+        <p:nvPicPr>
+          <p:cNvPr id="6" name="図 5"/>
+          <p:cNvPicPr>
+            <a:picLocks noChangeAspect="1"/>
+          </p:cNvPicPr>
+          <p:nvPr/>
+        </p:nvPicPr>
+        <p:blipFill>
+          <a:blip r:embed="rId6">
+            <a:extLst>
+              <a:ext uri="{28A0092B-C50C-407E-A947-70E740481C1C}">
+                <a14:useLocalDpi xmlns:a14="http://schemas.microsoft.com/office/drawing/2010/main" val="0"/>
+              </a:ext>
+            </a:extLst>
+          </a:blip>
+          <a:stretch>
+            <a:fillRect/>
+          </a:stretch>
+        </p:blipFill>
+        <p:spPr>
+          <a:xfrm>
+            <a:off x="8288719" y="3422381"/>
+            <a:ext cx="1631872" cy="1186816"/>
+          </a:xfrm>
+          <a:prstGeom prst="rect">
+            <a:avLst/>
+          </a:prstGeom>
+          <a:ln w="38100" cap="sq">
+            <a:solidFill>
+              <a:srgbClr val="000000"/>
+            </a:solidFill>
+            <a:prstDash val="solid"/>
+            <a:miter lim="800000"/>
+          </a:ln>
+          <a:effectLst>
+            <a:outerShdw blurRad="50800" dist="38100" dir="2700000" algn="tl" rotWithShape="0">
+              <a:srgbClr val="000000">
+                <a:alpha val="43000"/>
+              </a:srgbClr>
+            </a:outerShdw>
+          </a:effectLst>
+        </p:spPr>
+      </p:pic>
+    </p:spTree>
+    <p:extLst>
+      <p:ext uri="{BB962C8B-B14F-4D97-AF65-F5344CB8AC3E}">
+        <p14:creationId xmlns:p14="http://schemas.microsoft.com/office/powerpoint/2010/main" val="3941892157"/>
+      </p:ext>
+    </p:extLst>
+  </p:cSld>
+  <p:clrMapOvr>
+    <a:masterClrMapping/>
+  </p:clrMapOvr>
+  <p:timing>
+    <p:tnLst>
+      <p:par>
+        <p:cTn id="1" dur="indefinite" restart="never" nodeType="tmRoot"/>
+      </p:par>
+    </p:tnLst>
+  </p:timing>
+</p:sld>
+</file>
+
+<file path=ppt/slides/slide6.xml><?xml version="1.0" encoding="utf-8"?>
+<p:sld xmlns:a="http://schemas.openxmlformats.org/drawingml/2006/main" xmlns:r="http://schemas.openxmlformats.org/officeDocument/2006/relationships" xmlns:p="http://schemas.openxmlformats.org/presentationml/2006/main">
+  <p:cSld>
+    <p:spTree>
+      <p:nvGrpSpPr>
+        <p:cNvPr id="1" name=""/>
+        <p:cNvGrpSpPr/>
+        <p:nvPr/>
+      </p:nvGrpSpPr>
+      <p:grpSpPr>
+        <a:xfrm>
+          <a:off x="0" y="0"/>
+          <a:ext cx="0" cy="0"/>
+          <a:chOff x="0" y="0"/>
+          <a:chExt cx="0" cy="0"/>
+        </a:xfrm>
+      </p:grpSpPr>
+      <p:pic>
+        <p:nvPicPr>
+          <p:cNvPr id="7" name="図 6">
+            <a:extLst>
+              <a:ext uri="{FF2B5EF4-FFF2-40B4-BE49-F238E27FC236}">
+                <a16:creationId xmlns="" xmlns:a16="http://schemas.microsoft.com/office/drawing/2014/main" id="{6FF6E39F-6B0E-4FB3-81D6-08A961EAE2EE}"/>
+              </a:ext>
+            </a:extLst>
+          </p:cNvPr>
+          <p:cNvPicPr>
+            <a:picLocks noChangeAspect="1"/>
+          </p:cNvPicPr>
+          <p:nvPr/>
+        </p:nvPicPr>
+        <p:blipFill>
+          <a:blip r:embed="rId3"/>
+          <a:stretch>
+            <a:fillRect/>
+          </a:stretch>
+        </p:blipFill>
+        <p:spPr>
+          <a:xfrm rot="16200000">
+            <a:off x="2660382" y="-2673618"/>
+            <a:ext cx="6871236" cy="12192000"/>
+          </a:xfrm>
+          <a:prstGeom prst="rect">
+            <a:avLst/>
+          </a:prstGeom>
+        </p:spPr>
+      </p:pic>
+      <p:sp>
+        <p:nvSpPr>
+          <p:cNvPr id="3" name="テキスト ボックス 2">
+            <a:extLst>
+              <a:ext uri="{FF2B5EF4-FFF2-40B4-BE49-F238E27FC236}">
+                <a16:creationId xmlns="" xmlns:a16="http://schemas.microsoft.com/office/drawing/2014/main" id="{E20EA4CA-16A1-4E86-A081-0D4C21931C9A}"/>
               </a:ext>
             </a:extLst>
           </p:cNvPr>
@@ -8531,7 +7934,7 @@
           <p:cNvPr id="8" name="図 7">
             <a:extLst>
               <a:ext uri="{FF2B5EF4-FFF2-40B4-BE49-F238E27FC236}">
-                <a16:creationId xmlns:a16="http://schemas.microsoft.com/office/drawing/2014/main" id="{2EFCC41C-8547-4D05-B882-7E7915BC4B0F}"/>
+                <a16:creationId xmlns="" xmlns:a16="http://schemas.microsoft.com/office/drawing/2014/main" id="{2EFCC41C-8547-4D05-B882-7E7915BC4B0F}"/>
               </a:ext>
             </a:extLst>
           </p:cNvPr>
@@ -8548,12 +7951,26 @@
         </p:blipFill>
         <p:spPr>
           <a:xfrm>
-            <a:off x="3111751" y="2933364"/>
+            <a:off x="622551" y="2886997"/>
             <a:ext cx="6825633" cy="1619852"/>
           </a:xfrm>
           <a:prstGeom prst="rect">
             <a:avLst/>
           </a:prstGeom>
+          <a:ln w="38100" cap="sq">
+            <a:solidFill>
+              <a:srgbClr val="000000"/>
+            </a:solidFill>
+            <a:prstDash val="solid"/>
+            <a:miter lim="800000"/>
+          </a:ln>
+          <a:effectLst>
+            <a:outerShdw blurRad="50800" dist="38100" dir="2700000" algn="tl" rotWithShape="0">
+              <a:srgbClr val="000000">
+                <a:alpha val="43000"/>
+              </a:srgbClr>
+            </a:outerShdw>
+          </a:effectLst>
         </p:spPr>
       </p:pic>
       <p:pic>
@@ -8561,7 +7978,7 @@
           <p:cNvPr id="10" name="図 9">
             <a:extLst>
               <a:ext uri="{FF2B5EF4-FFF2-40B4-BE49-F238E27FC236}">
-                <a16:creationId xmlns:a16="http://schemas.microsoft.com/office/drawing/2014/main" id="{996035CB-D5DC-4EF8-B2E0-A63A2C36AEC8}"/>
+                <a16:creationId xmlns="" xmlns:a16="http://schemas.microsoft.com/office/drawing/2014/main" id="{996035CB-D5DC-4EF8-B2E0-A63A2C36AEC8}"/>
               </a:ext>
             </a:extLst>
           </p:cNvPr>
@@ -8578,18 +7995,383 @@
         </p:blipFill>
         <p:spPr>
           <a:xfrm>
-            <a:off x="3111751" y="4980180"/>
+            <a:off x="4737351" y="4838596"/>
             <a:ext cx="6825633" cy="1687656"/>
+          </a:xfrm>
+          <a:prstGeom prst="rect">
+            <a:avLst/>
+          </a:prstGeom>
+          <a:ln w="38100" cap="sq">
+            <a:solidFill>
+              <a:srgbClr val="000000"/>
+            </a:solidFill>
+            <a:prstDash val="solid"/>
+            <a:miter lim="800000"/>
+          </a:ln>
+          <a:effectLst>
+            <a:outerShdw blurRad="50800" dist="38100" dir="2700000" algn="tl" rotWithShape="0">
+              <a:srgbClr val="000000">
+                <a:alpha val="43000"/>
+              </a:srgbClr>
+            </a:outerShdw>
+          </a:effectLst>
+        </p:spPr>
+      </p:pic>
+    </p:spTree>
+    <p:extLst>
+      <p:ext uri="{BB962C8B-B14F-4D97-AF65-F5344CB8AC3E}">
+        <p14:creationId xmlns:p14="http://schemas.microsoft.com/office/powerpoint/2010/main" val="1465201583"/>
+      </p:ext>
+    </p:extLst>
+  </p:cSld>
+  <p:clrMapOvr>
+    <a:masterClrMapping/>
+  </p:clrMapOvr>
+  <p:timing>
+    <p:tnLst>
+      <p:par>
+        <p:cTn id="1" dur="indefinite" restart="never" nodeType="tmRoot"/>
+      </p:par>
+    </p:tnLst>
+  </p:timing>
+</p:sld>
+</file>
+
+<file path=ppt/slides/slide7.xml><?xml version="1.0" encoding="utf-8"?>
+<p:sld xmlns:a="http://schemas.openxmlformats.org/drawingml/2006/main" xmlns:r="http://schemas.openxmlformats.org/officeDocument/2006/relationships" xmlns:p="http://schemas.openxmlformats.org/presentationml/2006/main">
+  <p:cSld>
+    <p:spTree>
+      <p:nvGrpSpPr>
+        <p:cNvPr id="1" name=""/>
+        <p:cNvGrpSpPr/>
+        <p:nvPr/>
+      </p:nvGrpSpPr>
+      <p:grpSpPr>
+        <a:xfrm>
+          <a:off x="0" y="0"/>
+          <a:ext cx="0" cy="0"/>
+          <a:chOff x="0" y="0"/>
+          <a:chExt cx="0" cy="0"/>
+        </a:xfrm>
+      </p:grpSpPr>
+      <p:pic>
+        <p:nvPicPr>
+          <p:cNvPr id="4" name="図 3">
+            <a:extLst>
+              <a:ext uri="{FF2B5EF4-FFF2-40B4-BE49-F238E27FC236}">
+                <a16:creationId xmlns="" xmlns:a16="http://schemas.microsoft.com/office/drawing/2014/main" id="{AF1BEF19-F430-42E7-95C6-8D89CB4DAC24}"/>
+              </a:ext>
+            </a:extLst>
+          </p:cNvPr>
+          <p:cNvPicPr>
+            <a:picLocks noChangeAspect="1"/>
+          </p:cNvPicPr>
+          <p:nvPr/>
+        </p:nvPicPr>
+        <p:blipFill>
+          <a:blip r:embed="rId3"/>
+          <a:stretch>
+            <a:fillRect/>
+          </a:stretch>
+        </p:blipFill>
+        <p:spPr>
+          <a:xfrm rot="16200000">
+            <a:off x="2660382" y="-2673618"/>
+            <a:ext cx="6871236" cy="12192000"/>
           </a:xfrm>
           <a:prstGeom prst="rect">
             <a:avLst/>
           </a:prstGeom>
         </p:spPr>
       </p:pic>
+      <p:sp>
+        <p:nvSpPr>
+          <p:cNvPr id="3" name="テキスト ボックス 2">
+            <a:extLst>
+              <a:ext uri="{FF2B5EF4-FFF2-40B4-BE49-F238E27FC236}">
+                <a16:creationId xmlns="" xmlns:a16="http://schemas.microsoft.com/office/drawing/2014/main" id="{E20EA4CA-16A1-4E86-A081-0D4C21931C9A}"/>
+              </a:ext>
+            </a:extLst>
+          </p:cNvPr>
+          <p:cNvSpPr txBox="1"/>
+          <p:nvPr/>
+        </p:nvSpPr>
+        <p:spPr>
+          <a:xfrm>
+            <a:off x="277978" y="301674"/>
+            <a:ext cx="11636043" cy="3130665"/>
+          </a:xfrm>
+          <a:prstGeom prst="rect">
+            <a:avLst/>
+          </a:prstGeom>
+          <a:noFill/>
+        </p:spPr>
+        <p:txBody>
+          <a:bodyPr wrap="square" rtlCol="0">
+            <a:spAutoFit/>
+          </a:bodyPr>
+          <a:lstStyle/>
+          <a:p>
+            <a:pPr>
+              <a:lnSpc>
+                <a:spcPct val="150000"/>
+              </a:lnSpc>
+            </a:pPr>
+            <a:r>
+              <a:rPr kumimoji="1" lang="ja-JP" altLang="en-US" sz="3600" dirty="0">
+                <a:latin typeface="HGS創英角ﾎﾟｯﾌﾟ体" panose="040B0A00000000000000" pitchFamily="50" charset="-128"/>
+                <a:ea typeface="HGS創英角ﾎﾟｯﾌﾟ体" panose="040B0A00000000000000" pitchFamily="50" charset="-128"/>
+              </a:rPr>
+              <a:t>・敵に舌をぶつけることで一定時間ひるませて視界を遮</a:t>
+            </a:r>
+            <a:endParaRPr kumimoji="1" lang="en-US" altLang="ja-JP" sz="3600" dirty="0">
+              <a:latin typeface="HGS創英角ﾎﾟｯﾌﾟ体" panose="040B0A00000000000000" pitchFamily="50" charset="-128"/>
+              <a:ea typeface="HGS創英角ﾎﾟｯﾌﾟ体" panose="040B0A00000000000000" pitchFamily="50" charset="-128"/>
+            </a:endParaRPr>
+          </a:p>
+          <a:p>
+            <a:pPr>
+              <a:lnSpc>
+                <a:spcPct val="150000"/>
+              </a:lnSpc>
+            </a:pPr>
+            <a:r>
+              <a:rPr kumimoji="1" lang="ja-JP" altLang="en-US" sz="3600" dirty="0">
+                <a:latin typeface="HGS創英角ﾎﾟｯﾌﾟ体" panose="040B0A00000000000000" pitchFamily="50" charset="-128"/>
+                <a:ea typeface="HGS創英角ﾎﾟｯﾌﾟ体" panose="040B0A00000000000000" pitchFamily="50" charset="-128"/>
+              </a:rPr>
+              <a:t>　</a:t>
+            </a:r>
+            <a:r>
+              <a:rPr kumimoji="1" lang="ja-JP" altLang="en-US" sz="3600" dirty="0" err="1">
+                <a:latin typeface="HGS創英角ﾎﾟｯﾌﾟ体" panose="040B0A00000000000000" pitchFamily="50" charset="-128"/>
+                <a:ea typeface="HGS創英角ﾎﾟｯﾌﾟ体" panose="040B0A00000000000000" pitchFamily="50" charset="-128"/>
+              </a:rPr>
+              <a:t>る</a:t>
+            </a:r>
+            <a:r>
+              <a:rPr kumimoji="1" lang="ja-JP" altLang="en-US" sz="3600" dirty="0">
+                <a:latin typeface="HGS創英角ﾎﾟｯﾌﾟ体" panose="040B0A00000000000000" pitchFamily="50" charset="-128"/>
+                <a:ea typeface="HGS創英角ﾎﾟｯﾌﾟ体" panose="040B0A00000000000000" pitchFamily="50" charset="-128"/>
+              </a:rPr>
+              <a:t>ことができます。しかし、ぶつけるごとに警戒度が</a:t>
+            </a:r>
+            <a:endParaRPr kumimoji="1" lang="en-US" altLang="ja-JP" sz="3600" dirty="0">
+              <a:latin typeface="HGS創英角ﾎﾟｯﾌﾟ体" panose="040B0A00000000000000" pitchFamily="50" charset="-128"/>
+              <a:ea typeface="HGS創英角ﾎﾟｯﾌﾟ体" panose="040B0A00000000000000" pitchFamily="50" charset="-128"/>
+            </a:endParaRPr>
+          </a:p>
+          <a:p>
+            <a:pPr>
+              <a:lnSpc>
+                <a:spcPct val="150000"/>
+              </a:lnSpc>
+            </a:pPr>
+            <a:r>
+              <a:rPr kumimoji="1" lang="ja-JP" altLang="en-US" sz="3600" dirty="0">
+                <a:latin typeface="HGS創英角ﾎﾟｯﾌﾟ体" panose="040B0A00000000000000" pitchFamily="50" charset="-128"/>
+                <a:ea typeface="HGS創英角ﾎﾟｯﾌﾟ体" panose="040B0A00000000000000" pitchFamily="50" charset="-128"/>
+              </a:rPr>
+              <a:t>　上がっていくのでステージ攻略が難しくなります。</a:t>
+            </a:r>
+            <a:endParaRPr kumimoji="1" lang="en-US" altLang="ja-JP" sz="3600" dirty="0">
+              <a:latin typeface="HGS創英角ﾎﾟｯﾌﾟ体" panose="040B0A00000000000000" pitchFamily="50" charset="-128"/>
+              <a:ea typeface="HGS創英角ﾎﾟｯﾌﾟ体" panose="040B0A00000000000000" pitchFamily="50" charset="-128"/>
+            </a:endParaRPr>
+          </a:p>
+          <a:p>
+            <a:pPr>
+              <a:lnSpc>
+                <a:spcPct val="150000"/>
+              </a:lnSpc>
+            </a:pPr>
+            <a:endParaRPr kumimoji="1" lang="en-US" altLang="ja-JP" sz="2800" dirty="0">
+              <a:latin typeface="HGP創英角ｺﾞｼｯｸUB" panose="020B0900000000000000" pitchFamily="50" charset="-128"/>
+              <a:ea typeface="HGP創英角ｺﾞｼｯｸUB" panose="020B0900000000000000" pitchFamily="50" charset="-128"/>
+            </a:endParaRPr>
+          </a:p>
+        </p:txBody>
+      </p:sp>
+      <p:pic>
+        <p:nvPicPr>
+          <p:cNvPr id="7" name="図 6">
+            <a:extLst>
+              <a:ext uri="{FF2B5EF4-FFF2-40B4-BE49-F238E27FC236}">
+                <a16:creationId xmlns="" xmlns:a16="http://schemas.microsoft.com/office/drawing/2014/main" id="{23C19729-52FD-4AED-AD23-135AAFBC87EB}"/>
+              </a:ext>
+            </a:extLst>
+          </p:cNvPr>
+          <p:cNvPicPr>
+            <a:picLocks noChangeAspect="1"/>
+          </p:cNvPicPr>
+          <p:nvPr/>
+        </p:nvPicPr>
+        <p:blipFill>
+          <a:blip r:embed="rId4"/>
+          <a:stretch>
+            <a:fillRect/>
+          </a:stretch>
+        </p:blipFill>
+        <p:spPr>
+          <a:xfrm>
+            <a:off x="8644986" y="3914517"/>
+            <a:ext cx="2382434" cy="1838223"/>
+          </a:xfrm>
+          <a:prstGeom prst="rect">
+            <a:avLst/>
+          </a:prstGeom>
+          <a:ln w="38100" cap="sq">
+            <a:solidFill>
+              <a:srgbClr val="000000"/>
+            </a:solidFill>
+            <a:prstDash val="solid"/>
+            <a:miter lim="800000"/>
+          </a:ln>
+          <a:effectLst>
+            <a:outerShdw blurRad="50800" dist="38100" dir="2700000" algn="tl" rotWithShape="0">
+              <a:srgbClr val="000000">
+                <a:alpha val="43000"/>
+              </a:srgbClr>
+            </a:outerShdw>
+          </a:effectLst>
+        </p:spPr>
+      </p:pic>
+      <p:sp>
+        <p:nvSpPr>
+          <p:cNvPr id="12" name="矢印: 右 11">
+            <a:extLst>
+              <a:ext uri="{FF2B5EF4-FFF2-40B4-BE49-F238E27FC236}">
+                <a16:creationId xmlns="" xmlns:a16="http://schemas.microsoft.com/office/drawing/2014/main" id="{4755CD07-39A8-40E3-AA26-A74E6C911E7E}"/>
+              </a:ext>
+            </a:extLst>
+          </p:cNvPr>
+          <p:cNvSpPr/>
+          <p:nvPr/>
+        </p:nvSpPr>
+        <p:spPr>
+          <a:xfrm>
+            <a:off x="7422827" y="4460062"/>
+            <a:ext cx="1014761" cy="747131"/>
+          </a:xfrm>
+          <a:prstGeom prst="rightArrow">
+            <a:avLst/>
+          </a:prstGeom>
+        </p:spPr>
+        <p:style>
+          <a:lnRef idx="1">
+            <a:schemeClr val="accent2"/>
+          </a:lnRef>
+          <a:fillRef idx="2">
+            <a:schemeClr val="accent2"/>
+          </a:fillRef>
+          <a:effectRef idx="1">
+            <a:schemeClr val="accent2"/>
+          </a:effectRef>
+          <a:fontRef idx="minor">
+            <a:schemeClr val="dk1"/>
+          </a:fontRef>
+        </p:style>
+        <p:txBody>
+          <a:bodyPr rtlCol="0" anchor="ctr"/>
+          <a:lstStyle/>
+          <a:p>
+            <a:pPr algn="ctr"/>
+            <a:endParaRPr kumimoji="1" lang="ja-JP" altLang="en-US"/>
+          </a:p>
+        </p:txBody>
+      </p:sp>
+      <p:pic>
+        <p:nvPicPr>
+          <p:cNvPr id="2" name="図 1"/>
+          <p:cNvPicPr>
+            <a:picLocks noChangeAspect="1"/>
+          </p:cNvPicPr>
+          <p:nvPr/>
+        </p:nvPicPr>
+        <p:blipFill>
+          <a:blip r:embed="rId5">
+            <a:extLst>
+              <a:ext uri="{28A0092B-C50C-407E-A947-70E740481C1C}">
+                <a14:useLocalDpi xmlns:a14="http://schemas.microsoft.com/office/drawing/2010/main" val="0"/>
+              </a:ext>
+            </a:extLst>
+          </a:blip>
+          <a:stretch>
+            <a:fillRect/>
+          </a:stretch>
+        </p:blipFill>
+        <p:spPr>
+          <a:xfrm>
+            <a:off x="635096" y="3422381"/>
+            <a:ext cx="1705073" cy="2046087"/>
+          </a:xfrm>
+          <a:prstGeom prst="rect">
+            <a:avLst/>
+          </a:prstGeom>
+          <a:ln w="38100" cap="sq">
+            <a:solidFill>
+              <a:srgbClr val="000000"/>
+            </a:solidFill>
+            <a:prstDash val="solid"/>
+            <a:miter lim="800000"/>
+          </a:ln>
+          <a:effectLst>
+            <a:outerShdw blurRad="50800" dist="38100" dir="2700000" algn="tl" rotWithShape="0">
+              <a:srgbClr val="000000">
+                <a:alpha val="43000"/>
+              </a:srgbClr>
+            </a:outerShdw>
+          </a:effectLst>
+        </p:spPr>
+      </p:pic>
+      <p:pic>
+        <p:nvPicPr>
+          <p:cNvPr id="6" name="図 5"/>
+          <p:cNvPicPr>
+            <a:picLocks noChangeAspect="1"/>
+          </p:cNvPicPr>
+          <p:nvPr/>
+        </p:nvPicPr>
+        <p:blipFill>
+          <a:blip r:embed="rId6">
+            <a:extLst>
+              <a:ext uri="{28A0092B-C50C-407E-A947-70E740481C1C}">
+                <a14:useLocalDpi xmlns:a14="http://schemas.microsoft.com/office/drawing/2010/main" val="0"/>
+              </a:ext>
+            </a:extLst>
+          </a:blip>
+          <a:stretch>
+            <a:fillRect/>
+          </a:stretch>
+        </p:blipFill>
+        <p:spPr>
+          <a:xfrm>
+            <a:off x="4556995" y="4002124"/>
+            <a:ext cx="2570099" cy="1663005"/>
+          </a:xfrm>
+          <a:prstGeom prst="rect">
+            <a:avLst/>
+          </a:prstGeom>
+          <a:ln w="38100" cap="sq">
+            <a:solidFill>
+              <a:srgbClr val="000000"/>
+            </a:solidFill>
+            <a:prstDash val="solid"/>
+            <a:miter lim="800000"/>
+          </a:ln>
+          <a:effectLst>
+            <a:outerShdw blurRad="50800" dist="38100" dir="2700000" algn="tl" rotWithShape="0">
+              <a:srgbClr val="000000">
+                <a:alpha val="43000"/>
+              </a:srgbClr>
+            </a:outerShdw>
+          </a:effectLst>
+        </p:spPr>
+      </p:pic>
     </p:spTree>
     <p:extLst>
       <p:ext uri="{BB962C8B-B14F-4D97-AF65-F5344CB8AC3E}">
-        <p14:creationId xmlns:p14="http://schemas.microsoft.com/office/powerpoint/2010/main" val="1465201583"/>
+        <p14:creationId xmlns:p14="http://schemas.microsoft.com/office/powerpoint/2010/main" val="3001223612"/>
       </p:ext>
     </p:extLst>
   </p:cSld>
@@ -8618,10 +8400,10 @@
       </p:grpSpPr>
       <p:pic>
         <p:nvPicPr>
-          <p:cNvPr id="4" name="図 3">
+          <p:cNvPr id="8" name="図 7">
             <a:extLst>
               <a:ext uri="{FF2B5EF4-FFF2-40B4-BE49-F238E27FC236}">
-                <a16:creationId xmlns:a16="http://schemas.microsoft.com/office/drawing/2014/main" id="{AF1BEF19-F430-42E7-95C6-8D89CB4DAC24}"/>
+                <a16:creationId xmlns="" xmlns:a16="http://schemas.microsoft.com/office/drawing/2014/main" id="{00720C05-8A9E-4340-8011-12F3881D86D3}"/>
               </a:ext>
             </a:extLst>
           </p:cNvPr>
@@ -8648,28 +8430,27 @@
       </p:pic>
       <p:sp>
         <p:nvSpPr>
-          <p:cNvPr id="3" name="テキスト ボックス 2">
+          <p:cNvPr id="2" name="正方形/長方形 1">
             <a:extLst>
               <a:ext uri="{FF2B5EF4-FFF2-40B4-BE49-F238E27FC236}">
-                <a16:creationId xmlns:a16="http://schemas.microsoft.com/office/drawing/2014/main" id="{E20EA4CA-16A1-4E86-A081-0D4C21931C9A}"/>
+                <a16:creationId xmlns="" xmlns:a16="http://schemas.microsoft.com/office/drawing/2014/main" id="{19FE10D6-B85F-482E-9330-694A3130DBAF}"/>
               </a:ext>
             </a:extLst>
           </p:cNvPr>
-          <p:cNvSpPr txBox="1"/>
+          <p:cNvSpPr/>
           <p:nvPr/>
         </p:nvSpPr>
         <p:spPr>
           <a:xfrm>
-            <a:off x="277978" y="301674"/>
-            <a:ext cx="11636043" cy="3130665"/>
+            <a:off x="318053" y="302359"/>
+            <a:ext cx="11200657" cy="3785652"/>
           </a:xfrm>
           <a:prstGeom prst="rect">
             <a:avLst/>
           </a:prstGeom>
-          <a:noFill/>
         </p:spPr>
         <p:txBody>
-          <a:bodyPr wrap="square" rtlCol="0">
+          <a:bodyPr wrap="square">
             <a:spAutoFit/>
           </a:bodyPr>
           <a:lstStyle/>
@@ -8680,16 +8461,26 @@
               </a:lnSpc>
             </a:pPr>
             <a:r>
-              <a:rPr kumimoji="1" lang="ja-JP" altLang="en-US" sz="3600" dirty="0">
-                <a:latin typeface="HGS創英角ﾎﾟｯﾌﾟ体" panose="040B0A00000000000000" pitchFamily="50" charset="-128"/>
-                <a:ea typeface="HGS創英角ﾎﾟｯﾌﾟ体" panose="040B0A00000000000000" pitchFamily="50" charset="-128"/>
-              </a:rPr>
-              <a:t>・敵に舌をぶつけることで一定時間ひるませて視界を遮</a:t>
-            </a:r>
-            <a:endParaRPr kumimoji="1" lang="en-US" altLang="ja-JP" sz="3600" dirty="0">
-              <a:latin typeface="HGS創英角ﾎﾟｯﾌﾟ体" panose="040B0A00000000000000" pitchFamily="50" charset="-128"/>
-              <a:ea typeface="HGS創英角ﾎﾟｯﾌﾟ体" panose="040B0A00000000000000" pitchFamily="50" charset="-128"/>
-            </a:endParaRPr>
+              <a:rPr kumimoji="1" lang="en-US" altLang="ja-JP" sz="3200" dirty="0">
+                <a:latin typeface="HGS創英角ﾎﾟｯﾌﾟ体" panose="040B0A00000000000000" pitchFamily="50" charset="-128"/>
+                <a:ea typeface="HGS創英角ﾎﾟｯﾌﾟ体" panose="040B0A00000000000000" pitchFamily="50" charset="-128"/>
+              </a:rPr>
+              <a:t>【</a:t>
+            </a:r>
+            <a:r>
+              <a:rPr kumimoji="1" lang="ja-JP" altLang="en-US" sz="3200" dirty="0">
+                <a:latin typeface="HGS創英角ﾎﾟｯﾌﾟ体" panose="040B0A00000000000000" pitchFamily="50" charset="-128"/>
+                <a:ea typeface="HGS創英角ﾎﾟｯﾌﾟ体" panose="040B0A00000000000000" pitchFamily="50" charset="-128"/>
+              </a:rPr>
+              <a:t>ステルスアクション</a:t>
+            </a:r>
+            <a:r>
+              <a:rPr kumimoji="1" lang="en-US" altLang="ja-JP" sz="3200" dirty="0">
+                <a:latin typeface="HGS創英角ﾎﾟｯﾌﾟ体" panose="040B0A00000000000000" pitchFamily="50" charset="-128"/>
+                <a:ea typeface="HGS創英角ﾎﾟｯﾌﾟ体" panose="040B0A00000000000000" pitchFamily="50" charset="-128"/>
+              </a:rPr>
+              <a:t>】</a:t>
+            </a:r>
           </a:p>
           <a:p>
             <a:pPr>
@@ -8698,27 +8489,13 @@
               </a:lnSpc>
             </a:pPr>
             <a:r>
-              <a:rPr kumimoji="1" lang="ja-JP" altLang="en-US" sz="3600" dirty="0">
-                <a:latin typeface="HGS創英角ﾎﾟｯﾌﾟ体" panose="040B0A00000000000000" pitchFamily="50" charset="-128"/>
-                <a:ea typeface="HGS創英角ﾎﾟｯﾌﾟ体" panose="040B0A00000000000000" pitchFamily="50" charset="-128"/>
-              </a:rPr>
-              <a:t>　</a:t>
-            </a:r>
-            <a:r>
-              <a:rPr kumimoji="1" lang="ja-JP" altLang="en-US" sz="3600" dirty="0" err="1">
-                <a:latin typeface="HGS創英角ﾎﾟｯﾌﾟ体" panose="040B0A00000000000000" pitchFamily="50" charset="-128"/>
-                <a:ea typeface="HGS創英角ﾎﾟｯﾌﾟ体" panose="040B0A00000000000000" pitchFamily="50" charset="-128"/>
-              </a:rPr>
-              <a:t>る</a:t>
-            </a:r>
-            <a:r>
-              <a:rPr kumimoji="1" lang="ja-JP" altLang="en-US" sz="3600" dirty="0">
-                <a:latin typeface="HGS創英角ﾎﾟｯﾌﾟ体" panose="040B0A00000000000000" pitchFamily="50" charset="-128"/>
-                <a:ea typeface="HGS創英角ﾎﾟｯﾌﾟ体" panose="040B0A00000000000000" pitchFamily="50" charset="-128"/>
-              </a:rPr>
-              <a:t>ことができます。しかし、ぶつけるごとに警戒度が</a:t>
-            </a:r>
-            <a:endParaRPr kumimoji="1" lang="en-US" altLang="ja-JP" sz="3600" dirty="0">
+              <a:rPr kumimoji="1" lang="ja-JP" altLang="en-US" sz="3200" dirty="0">
+                <a:latin typeface="HGS創英角ﾎﾟｯﾌﾟ体" panose="040B0A00000000000000" pitchFamily="50" charset="-128"/>
+                <a:ea typeface="HGS創英角ﾎﾟｯﾌﾟ体" panose="040B0A00000000000000" pitchFamily="50" charset="-128"/>
+              </a:rPr>
+              <a:t>・プレイヤーが一定時間停止し続けるとステルス状態になり、</a:t>
+            </a:r>
+            <a:endParaRPr kumimoji="1" lang="en-US" altLang="ja-JP" sz="3200" dirty="0">
               <a:latin typeface="HGS創英角ﾎﾟｯﾌﾟ体" panose="040B0A00000000000000" pitchFamily="50" charset="-128"/>
               <a:ea typeface="HGS創英角ﾎﾟｯﾌﾟ体" panose="040B0A00000000000000" pitchFamily="50" charset="-128"/>
             </a:endParaRPr>
@@ -8730,13 +8507,13 @@
               </a:lnSpc>
             </a:pPr>
             <a:r>
-              <a:rPr kumimoji="1" lang="ja-JP" altLang="en-US" sz="3600" dirty="0">
-                <a:latin typeface="HGS創英角ﾎﾟｯﾌﾟ体" panose="040B0A00000000000000" pitchFamily="50" charset="-128"/>
-                <a:ea typeface="HGS創英角ﾎﾟｯﾌﾟ体" panose="040B0A00000000000000" pitchFamily="50" charset="-128"/>
-              </a:rPr>
-              <a:t>　上がっていくのでステージ攻略が難しくなります。</a:t>
-            </a:r>
-            <a:endParaRPr kumimoji="1" lang="en-US" altLang="ja-JP" sz="3600" dirty="0">
+              <a:rPr kumimoji="1" lang="ja-JP" altLang="en-US" sz="3200" dirty="0">
+                <a:latin typeface="HGS創英角ﾎﾟｯﾌﾟ体" panose="040B0A00000000000000" pitchFamily="50" charset="-128"/>
+                <a:ea typeface="HGS創英角ﾎﾟｯﾌﾟ体" panose="040B0A00000000000000" pitchFamily="50" charset="-128"/>
+              </a:rPr>
+              <a:t>　敵に見つからなくなります。動き出すことで解除されます。</a:t>
+            </a:r>
+            <a:endParaRPr kumimoji="1" lang="en-US" altLang="ja-JP" sz="3200" dirty="0">
               <a:latin typeface="HGS創英角ﾎﾟｯﾌﾟ体" panose="040B0A00000000000000" pitchFamily="50" charset="-128"/>
               <a:ea typeface="HGS創英角ﾎﾟｯﾌﾟ体" panose="040B0A00000000000000" pitchFamily="50" charset="-128"/>
             </a:endParaRPr>
@@ -8747,19 +8524,51 @@
                 <a:spcPct val="150000"/>
               </a:lnSpc>
             </a:pPr>
-            <a:endParaRPr kumimoji="1" lang="en-US" altLang="ja-JP" sz="2800" dirty="0">
-              <a:latin typeface="HGP創英角ｺﾞｼｯｸUB" panose="020B0900000000000000" pitchFamily="50" charset="-128"/>
-              <a:ea typeface="HGP創英角ｺﾞｼｯｸUB" panose="020B0900000000000000" pitchFamily="50" charset="-128"/>
+            <a:r>
+              <a:rPr kumimoji="1" lang="ja-JP" altLang="en-US" sz="3200" dirty="0">
+                <a:latin typeface="HGS創英角ﾎﾟｯﾌﾟ体" panose="040B0A00000000000000" pitchFamily="50" charset="-128"/>
+                <a:ea typeface="HGS創英角ﾎﾟｯﾌﾟ体" panose="040B0A00000000000000" pitchFamily="50" charset="-128"/>
+              </a:rPr>
+              <a:t>　また、特定のアイテムを取ることでステルス状態になる</a:t>
+            </a:r>
+            <a:r>
+              <a:rPr kumimoji="1" lang="ja-JP" altLang="en-US" sz="3200" dirty="0" err="1">
+                <a:latin typeface="HGS創英角ﾎﾟｯﾌﾟ体" panose="040B0A00000000000000" pitchFamily="50" charset="-128"/>
+                <a:ea typeface="HGS創英角ﾎﾟｯﾌﾟ体" panose="040B0A00000000000000" pitchFamily="50" charset="-128"/>
+              </a:rPr>
+              <a:t>こ</a:t>
+            </a:r>
+            <a:endParaRPr kumimoji="1" lang="en-US" altLang="ja-JP" sz="3200" dirty="0">
+              <a:latin typeface="HGS創英角ﾎﾟｯﾌﾟ体" panose="040B0A00000000000000" pitchFamily="50" charset="-128"/>
+              <a:ea typeface="HGS創英角ﾎﾟｯﾌﾟ体" panose="040B0A00000000000000" pitchFamily="50" charset="-128"/>
+            </a:endParaRPr>
+          </a:p>
+          <a:p>
+            <a:pPr>
+              <a:lnSpc>
+                <a:spcPct val="150000"/>
+              </a:lnSpc>
+            </a:pPr>
+            <a:r>
+              <a:rPr kumimoji="1" lang="ja-JP" altLang="en-US" sz="3200" dirty="0">
+                <a:latin typeface="HGS創英角ﾎﾟｯﾌﾟ体" panose="040B0A00000000000000" pitchFamily="50" charset="-128"/>
+                <a:ea typeface="HGS創英角ﾎﾟｯﾌﾟ体" panose="040B0A00000000000000" pitchFamily="50" charset="-128"/>
+              </a:rPr>
+              <a:t>　ともあります。</a:t>
+            </a:r>
+            <a:endParaRPr kumimoji="1" lang="en-US" altLang="ja-JP" sz="3200" dirty="0">
+              <a:latin typeface="HGS創英角ﾎﾟｯﾌﾟ体" panose="040B0A00000000000000" pitchFamily="50" charset="-128"/>
+              <a:ea typeface="HGS創英角ﾎﾟｯﾌﾟ体" panose="040B0A00000000000000" pitchFamily="50" charset="-128"/>
             </a:endParaRPr>
           </a:p>
         </p:txBody>
       </p:sp>
       <p:pic>
         <p:nvPicPr>
-          <p:cNvPr id="5" name="図 4">
+          <p:cNvPr id="4" name="図 3">
             <a:extLst>
               <a:ext uri="{FF2B5EF4-FFF2-40B4-BE49-F238E27FC236}">
-                <a16:creationId xmlns:a16="http://schemas.microsoft.com/office/drawing/2014/main" id="{624F66BB-8072-4B0B-A866-53AD1A5905E5}"/>
+                <a16:creationId xmlns="" xmlns:a16="http://schemas.microsoft.com/office/drawing/2014/main" id="{5020C300-04ED-41E8-A621-E607D144B2C0}"/>
               </a:ext>
             </a:extLst>
           </p:cNvPr>
@@ -8776,12 +8585,26 @@
         </p:blipFill>
         <p:spPr>
           <a:xfrm>
-            <a:off x="773312" y="3368970"/>
-            <a:ext cx="2058808" cy="1838223"/>
+            <a:off x="2128069" y="4262069"/>
+            <a:ext cx="2577746" cy="1837229"/>
           </a:xfrm>
           <a:prstGeom prst="rect">
             <a:avLst/>
           </a:prstGeom>
+          <a:ln w="19050" cap="sq">
+            <a:solidFill>
+              <a:srgbClr val="000000"/>
+            </a:solidFill>
+            <a:prstDash val="solid"/>
+            <a:miter lim="800000"/>
+          </a:ln>
+          <a:effectLst>
+            <a:outerShdw blurRad="50800" dist="38100" dir="2700000" algn="tl" rotWithShape="0">
+              <a:srgbClr val="000000">
+                <a:alpha val="43000"/>
+              </a:srgbClr>
+            </a:outerShdw>
+          </a:effectLst>
         </p:spPr>
       </p:pic>
       <p:pic>
@@ -8789,7 +8612,7 @@
           <p:cNvPr id="7" name="図 6">
             <a:extLst>
               <a:ext uri="{FF2B5EF4-FFF2-40B4-BE49-F238E27FC236}">
-                <a16:creationId xmlns:a16="http://schemas.microsoft.com/office/drawing/2014/main" id="{23C19729-52FD-4AED-AD23-135AAFBC87EB}"/>
+                <a16:creationId xmlns="" xmlns:a16="http://schemas.microsoft.com/office/drawing/2014/main" id="{C64358FB-5848-4DB9-8FCA-53DD94CF3658}"/>
               </a:ext>
             </a:extLst>
           </p:cNvPr>
@@ -8806,92 +8629,23 @@
         </p:blipFill>
         <p:spPr>
           <a:xfrm>
-            <a:off x="8644986" y="3914517"/>
-            <a:ext cx="2382434" cy="1838223"/>
+            <a:off x="6833885" y="4262069"/>
+            <a:ext cx="2577745" cy="1837228"/>
           </a:xfrm>
           <a:prstGeom prst="rect">
             <a:avLst/>
           </a:prstGeom>
+          <a:ln w="19050">
+            <a:solidFill>
+              <a:schemeClr val="tx1"/>
+            </a:solidFill>
+          </a:ln>
         </p:spPr>
       </p:pic>
-      <p:pic>
-        <p:nvPicPr>
-          <p:cNvPr id="9" name="図 8">
-            <a:extLst>
-              <a:ext uri="{FF2B5EF4-FFF2-40B4-BE49-F238E27FC236}">
-                <a16:creationId xmlns:a16="http://schemas.microsoft.com/office/drawing/2014/main" id="{1D5A9A1A-E48B-4597-9478-9E6CBB4A4935}"/>
-              </a:ext>
-            </a:extLst>
-          </p:cNvPr>
-          <p:cNvPicPr>
-            <a:picLocks noChangeAspect="1"/>
-          </p:cNvPicPr>
-          <p:nvPr/>
-        </p:nvPicPr>
-        <p:blipFill>
-          <a:blip r:embed="rId6"/>
-          <a:stretch>
-            <a:fillRect/>
-          </a:stretch>
-        </p:blipFill>
-        <p:spPr>
-          <a:xfrm>
-            <a:off x="4976568" y="3914517"/>
-            <a:ext cx="2238861" cy="1838223"/>
-          </a:xfrm>
-          <a:prstGeom prst="rect">
-            <a:avLst/>
-          </a:prstGeom>
-        </p:spPr>
-      </p:pic>
-      <p:sp>
-        <p:nvSpPr>
-          <p:cNvPr id="12" name="矢印: 右 11">
-            <a:extLst>
-              <a:ext uri="{FF2B5EF4-FFF2-40B4-BE49-F238E27FC236}">
-                <a16:creationId xmlns:a16="http://schemas.microsoft.com/office/drawing/2014/main" id="{4755CD07-39A8-40E3-AA26-A74E6C911E7E}"/>
-              </a:ext>
-            </a:extLst>
-          </p:cNvPr>
-          <p:cNvSpPr/>
-          <p:nvPr/>
-        </p:nvSpPr>
-        <p:spPr>
-          <a:xfrm>
-            <a:off x="7422827" y="4460062"/>
-            <a:ext cx="1014761" cy="747131"/>
-          </a:xfrm>
-          <a:prstGeom prst="rightArrow">
-            <a:avLst/>
-          </a:prstGeom>
-        </p:spPr>
-        <p:style>
-          <a:lnRef idx="1">
-            <a:schemeClr val="accent2"/>
-          </a:lnRef>
-          <a:fillRef idx="2">
-            <a:schemeClr val="accent2"/>
-          </a:fillRef>
-          <a:effectRef idx="1">
-            <a:schemeClr val="accent2"/>
-          </a:effectRef>
-          <a:fontRef idx="minor">
-            <a:schemeClr val="dk1"/>
-          </a:fontRef>
-        </p:style>
-        <p:txBody>
-          <a:bodyPr rtlCol="0" anchor="ctr"/>
-          <a:lstStyle/>
-          <a:p>
-            <a:pPr algn="ctr"/>
-            <a:endParaRPr kumimoji="1" lang="ja-JP" altLang="en-US"/>
-          </a:p>
-        </p:txBody>
-      </p:sp>
     </p:spTree>
     <p:extLst>
       <p:ext uri="{BB962C8B-B14F-4D97-AF65-F5344CB8AC3E}">
-        <p14:creationId xmlns:p14="http://schemas.microsoft.com/office/powerpoint/2010/main" val="3001223612"/>
+        <p14:creationId xmlns:p14="http://schemas.microsoft.com/office/powerpoint/2010/main" val="720974581"/>
       </p:ext>
     </p:extLst>
   </p:cSld>
@@ -8923,7 +8677,7 @@
           <p:cNvPr id="8" name="図 7">
             <a:extLst>
               <a:ext uri="{FF2B5EF4-FFF2-40B4-BE49-F238E27FC236}">
-                <a16:creationId xmlns:a16="http://schemas.microsoft.com/office/drawing/2014/main" id="{00720C05-8A9E-4340-8011-12F3881D86D3}"/>
+                <a16:creationId xmlns="" xmlns:a16="http://schemas.microsoft.com/office/drawing/2014/main" id="{F5B20E38-170D-499B-B8EF-085949EBBAB4}"/>
               </a:ext>
             </a:extLst>
           </p:cNvPr>
@@ -8953,7 +8707,7 @@
           <p:cNvPr id="2" name="正方形/長方形 1">
             <a:extLst>
               <a:ext uri="{FF2B5EF4-FFF2-40B4-BE49-F238E27FC236}">
-                <a16:creationId xmlns:a16="http://schemas.microsoft.com/office/drawing/2014/main" id="{19FE10D6-B85F-482E-9330-694A3130DBAF}"/>
+                <a16:creationId xmlns="" xmlns:a16="http://schemas.microsoft.com/office/drawing/2014/main" id="{19FE10D6-B85F-482E-9330-694A3130DBAF}"/>
               </a:ext>
             </a:extLst>
           </p:cNvPr>
@@ -8963,7 +8717,7 @@
         <p:spPr>
           <a:xfrm>
             <a:off x="318053" y="302359"/>
-            <a:ext cx="11200657" cy="3785652"/>
+            <a:ext cx="11200657" cy="6001643"/>
           </a:xfrm>
           <a:prstGeom prst="rect">
             <a:avLst/>
@@ -8992,7 +8746,7 @@
                 <a:latin typeface="HGS創英角ﾎﾟｯﾌﾟ体" panose="040B0A00000000000000" pitchFamily="50" charset="-128"/>
                 <a:ea typeface="HGS創英角ﾎﾟｯﾌﾟ体" panose="040B0A00000000000000" pitchFamily="50" charset="-128"/>
               </a:rPr>
-              <a:t>ステルスアクション</a:t>
+              <a:t>その他アクション</a:t>
             </a:r>
             <a:r>
               <a:rPr kumimoji="1" lang="en-US" altLang="ja-JP" sz="3200" dirty="0">
@@ -9013,7 +8767,7 @@
                 <a:latin typeface="HGS創英角ﾎﾟｯﾌﾟ体" panose="040B0A00000000000000" pitchFamily="50" charset="-128"/>
                 <a:ea typeface="HGS創英角ﾎﾟｯﾌﾟ体" panose="040B0A00000000000000" pitchFamily="50" charset="-128"/>
               </a:rPr>
-              <a:t>・プレイヤーが一定時間停止し続けるとステルス状態になり、</a:t>
+              <a:t>　・ジャンプ</a:t>
             </a:r>
             <a:endParaRPr kumimoji="1" lang="en-US" altLang="ja-JP" sz="3200" dirty="0">
               <a:latin typeface="HGS創英角ﾎﾟｯﾌﾟ体" panose="040B0A00000000000000" pitchFamily="50" charset="-128"/>
@@ -9031,7 +8785,7 @@
                 <a:latin typeface="HGS創英角ﾎﾟｯﾌﾟ体" panose="040B0A00000000000000" pitchFamily="50" charset="-128"/>
                 <a:ea typeface="HGS創英角ﾎﾟｯﾌﾟ体" panose="040B0A00000000000000" pitchFamily="50" charset="-128"/>
               </a:rPr>
-              <a:t>　敵に見つからなくなります。動き出すことで解除されます。</a:t>
+              <a:t>　　障害物を乗り越えます。</a:t>
             </a:r>
             <a:endParaRPr kumimoji="1" lang="en-US" altLang="ja-JP" sz="3200" dirty="0">
               <a:latin typeface="HGS創英角ﾎﾟｯﾌﾟ体" panose="040B0A00000000000000" pitchFamily="50" charset="-128"/>
@@ -9049,14 +8803,7 @@
                 <a:latin typeface="HGS創英角ﾎﾟｯﾌﾟ体" panose="040B0A00000000000000" pitchFamily="50" charset="-128"/>
                 <a:ea typeface="HGS創英角ﾎﾟｯﾌﾟ体" panose="040B0A00000000000000" pitchFamily="50" charset="-128"/>
               </a:rPr>
-              <a:t>　また、特定のアイテムを取ることでステルス状態になる</a:t>
-            </a:r>
-            <a:r>
-              <a:rPr kumimoji="1" lang="ja-JP" altLang="en-US" sz="3200" dirty="0" err="1">
-                <a:latin typeface="HGS創英角ﾎﾟｯﾌﾟ体" panose="040B0A00000000000000" pitchFamily="50" charset="-128"/>
-                <a:ea typeface="HGS創英角ﾎﾟｯﾌﾟ体" panose="040B0A00000000000000" pitchFamily="50" charset="-128"/>
-              </a:rPr>
-              <a:t>こ</a:t>
+              <a:t>　・壁登り</a:t>
             </a:r>
             <a:endParaRPr kumimoji="1" lang="en-US" altLang="ja-JP" sz="3200" dirty="0">
               <a:latin typeface="HGS創英角ﾎﾟｯﾌﾟ体" panose="040B0A00000000000000" pitchFamily="50" charset="-128"/>
@@ -9074,21 +8821,82 @@
                 <a:latin typeface="HGS創英角ﾎﾟｯﾌﾟ体" panose="040B0A00000000000000" pitchFamily="50" charset="-128"/>
                 <a:ea typeface="HGS創英角ﾎﾟｯﾌﾟ体" panose="040B0A00000000000000" pitchFamily="50" charset="-128"/>
               </a:rPr>
-              <a:t>　ともあります。</a:t>
+              <a:t>　　特定の壁にジャンプすることによって張り付き、登る</a:t>
+            </a:r>
+            <a:r>
+              <a:rPr kumimoji="1" lang="ja-JP" altLang="en-US" sz="3200" dirty="0" err="1">
+                <a:latin typeface="HGS創英角ﾎﾟｯﾌﾟ体" panose="040B0A00000000000000" pitchFamily="50" charset="-128"/>
+                <a:ea typeface="HGS創英角ﾎﾟｯﾌﾟ体" panose="040B0A00000000000000" pitchFamily="50" charset="-128"/>
+              </a:rPr>
+              <a:t>こ</a:t>
             </a:r>
             <a:endParaRPr kumimoji="1" lang="en-US" altLang="ja-JP" sz="3200" dirty="0">
               <a:latin typeface="HGS創英角ﾎﾟｯﾌﾟ体" panose="040B0A00000000000000" pitchFamily="50" charset="-128"/>
               <a:ea typeface="HGS創英角ﾎﾟｯﾌﾟ体" panose="040B0A00000000000000" pitchFamily="50" charset="-128"/>
             </a:endParaRPr>
           </a:p>
+          <a:p>
+            <a:pPr>
+              <a:lnSpc>
+                <a:spcPct val="150000"/>
+              </a:lnSpc>
+            </a:pPr>
+            <a:r>
+              <a:rPr kumimoji="1" lang="ja-JP" altLang="en-US" sz="3200" dirty="0">
+                <a:latin typeface="HGS創英角ﾎﾟｯﾌﾟ体" panose="040B0A00000000000000" pitchFamily="50" charset="-128"/>
+                <a:ea typeface="HGS創英角ﾎﾟｯﾌﾟ体" panose="040B0A00000000000000" pitchFamily="50" charset="-128"/>
+              </a:rPr>
+              <a:t>　　とができます。</a:t>
+            </a:r>
+            <a:endParaRPr kumimoji="1" lang="en-US" altLang="ja-JP" sz="3200" dirty="0">
+              <a:latin typeface="HGS創英角ﾎﾟｯﾌﾟ体" panose="040B0A00000000000000" pitchFamily="50" charset="-128"/>
+              <a:ea typeface="HGS創英角ﾎﾟｯﾌﾟ体" panose="040B0A00000000000000" pitchFamily="50" charset="-128"/>
+            </a:endParaRPr>
+          </a:p>
+          <a:p>
+            <a:pPr>
+              <a:lnSpc>
+                <a:spcPct val="150000"/>
+              </a:lnSpc>
+            </a:pPr>
+            <a:r>
+              <a:rPr kumimoji="1" lang="ja-JP" altLang="en-US" sz="3200" dirty="0">
+                <a:latin typeface="HGS創英角ﾎﾟｯﾌﾟ体" panose="040B0A00000000000000" pitchFamily="50" charset="-128"/>
+                <a:ea typeface="HGS創英角ﾎﾟｯﾌﾟ体" panose="040B0A00000000000000" pitchFamily="50" charset="-128"/>
+              </a:rPr>
+              <a:t>　・しゃがみ</a:t>
+            </a:r>
+            <a:endParaRPr kumimoji="1" lang="en-US" altLang="ja-JP" sz="3200" dirty="0">
+              <a:latin typeface="HGS創英角ﾎﾟｯﾌﾟ体" panose="040B0A00000000000000" pitchFamily="50" charset="-128"/>
+              <a:ea typeface="HGS創英角ﾎﾟｯﾌﾟ体" panose="040B0A00000000000000" pitchFamily="50" charset="-128"/>
+            </a:endParaRPr>
+          </a:p>
+          <a:p>
+            <a:pPr>
+              <a:lnSpc>
+                <a:spcPct val="150000"/>
+              </a:lnSpc>
+            </a:pPr>
+            <a:r>
+              <a:rPr kumimoji="1" lang="ja-JP" altLang="en-US" sz="3200" dirty="0">
+                <a:latin typeface="HGS創英角ﾎﾟｯﾌﾟ体" panose="040B0A00000000000000" pitchFamily="50" charset="-128"/>
+                <a:ea typeface="HGS創英角ﾎﾟｯﾌﾟ体" panose="040B0A00000000000000" pitchFamily="50" charset="-128"/>
+              </a:rPr>
+              <a:t>　　主に舌の出る位置を下げたいときに使います。</a:t>
+            </a:r>
+            <a:endParaRPr kumimoji="1" lang="en-US" altLang="ja-JP" sz="3200" dirty="0">
+              <a:latin typeface="HGS創英角ﾎﾟｯﾌﾟ体" panose="040B0A00000000000000" pitchFamily="50" charset="-128"/>
+              <a:ea typeface="HGS創英角ﾎﾟｯﾌﾟ体" panose="040B0A00000000000000" pitchFamily="50" charset="-128"/>
+            </a:endParaRPr>
+          </a:p>
         </p:txBody>
       </p:sp>
       <p:pic>
         <p:nvPicPr>
-          <p:cNvPr id="4" name="図 3">
+          <p:cNvPr id="6" name="図 5">
             <a:extLst>
               <a:ext uri="{FF2B5EF4-FFF2-40B4-BE49-F238E27FC236}">
-                <a16:creationId xmlns:a16="http://schemas.microsoft.com/office/drawing/2014/main" id="{5020C300-04ED-41E8-A621-E607D144B2C0}"/>
+                <a16:creationId xmlns="" xmlns:a16="http://schemas.microsoft.com/office/drawing/2014/main" id="{27D11C1B-E65F-4055-86D3-F253EA7A7410}"/>
               </a:ext>
             </a:extLst>
           </p:cNvPr>
@@ -9105,20 +8913,34 @@
         </p:blipFill>
         <p:spPr>
           <a:xfrm>
-            <a:off x="2128069" y="4262069"/>
-            <a:ext cx="2577746" cy="1837229"/>
+            <a:off x="5562599" y="302359"/>
+            <a:ext cx="1456307" cy="1564988"/>
           </a:xfrm>
           <a:prstGeom prst="rect">
             <a:avLst/>
           </a:prstGeom>
+          <a:ln w="38100" cap="sq">
+            <a:solidFill>
+              <a:srgbClr val="000000"/>
+            </a:solidFill>
+            <a:prstDash val="solid"/>
+            <a:miter lim="800000"/>
+          </a:ln>
+          <a:effectLst>
+            <a:outerShdw blurRad="50800" dist="38100" dir="2700000" algn="tl" rotWithShape="0">
+              <a:srgbClr val="000000">
+                <a:alpha val="43000"/>
+              </a:srgbClr>
+            </a:outerShdw>
+          </a:effectLst>
         </p:spPr>
       </p:pic>
       <p:pic>
         <p:nvPicPr>
-          <p:cNvPr id="7" name="図 6">
+          <p:cNvPr id="11" name="図 10">
             <a:extLst>
               <a:ext uri="{FF2B5EF4-FFF2-40B4-BE49-F238E27FC236}">
-                <a16:creationId xmlns:a16="http://schemas.microsoft.com/office/drawing/2014/main" id="{C64358FB-5848-4DB9-8FCA-53DD94CF3658}"/>
+                <a16:creationId xmlns="" xmlns:a16="http://schemas.microsoft.com/office/drawing/2014/main" id="{8DB90C39-1DE8-4D71-862E-59D1E04EC4D2}"/>
               </a:ext>
             </a:extLst>
           </p:cNvPr>
@@ -9135,18 +8957,76 @@
         </p:blipFill>
         <p:spPr>
           <a:xfrm>
-            <a:off x="6833885" y="4262069"/>
-            <a:ext cx="2577745" cy="1837228"/>
+            <a:off x="9807492" y="4436155"/>
+            <a:ext cx="1682103" cy="1265740"/>
           </a:xfrm>
           <a:prstGeom prst="rect">
             <a:avLst/>
           </a:prstGeom>
+          <a:ln w="38100" cap="sq">
+            <a:solidFill>
+              <a:srgbClr val="000000"/>
+            </a:solidFill>
+            <a:prstDash val="solid"/>
+            <a:miter lim="800000"/>
+          </a:ln>
+          <a:effectLst>
+            <a:outerShdw blurRad="50800" dist="38100" dir="2700000" algn="tl" rotWithShape="0">
+              <a:srgbClr val="000000">
+                <a:alpha val="43000"/>
+              </a:srgbClr>
+            </a:outerShdw>
+          </a:effectLst>
+        </p:spPr>
+      </p:pic>
+      <p:pic>
+        <p:nvPicPr>
+          <p:cNvPr id="3" name="図 2"/>
+          <p:cNvPicPr>
+            <a:picLocks noChangeAspect="1"/>
+          </p:cNvPicPr>
+          <p:nvPr/>
+        </p:nvPicPr>
+        <p:blipFill>
+          <a:blip r:embed="rId6">
+            <a:extLst>
+              <a:ext uri="{28A0092B-C50C-407E-A947-70E740481C1C}">
+                <a14:useLocalDpi xmlns:a14="http://schemas.microsoft.com/office/drawing/2010/main" val="0"/>
+              </a:ext>
+            </a:extLst>
+          </a:blip>
+          <a:stretch>
+            <a:fillRect/>
+          </a:stretch>
+        </p:blipFill>
+        <p:spPr>
+          <a:xfrm>
+            <a:off x="9067148" y="1594755"/>
+            <a:ext cx="1581396" cy="1644025"/>
+          </a:xfrm>
+          <a:prstGeom prst="rect">
+            <a:avLst/>
+          </a:prstGeom>
+          <a:ln w="38100" cap="sq">
+            <a:solidFill>
+              <a:srgbClr val="000000"/>
+            </a:solidFill>
+            <a:prstDash val="solid"/>
+            <a:miter lim="800000"/>
+          </a:ln>
+          <a:effectLst>
+            <a:outerShdw blurRad="50800" dist="38100" dir="2700000" algn="tl" rotWithShape="0">
+              <a:srgbClr val="000000">
+                <a:alpha val="43000"/>
+              </a:srgbClr>
+            </a:outerShdw>
+          </a:effectLst>
         </p:spPr>
       </p:pic>
     </p:spTree>
     <p:extLst>
       <p:ext uri="{BB962C8B-B14F-4D97-AF65-F5344CB8AC3E}">
-        <p14:creationId xmlns:p14="http://schemas.microsoft.com/office/powerpoint/2010/main" val="720974581"/>
+        <p14:creationId xmlns:p14="http://schemas.microsoft.com/office/powerpoint/2010/main" val="2719649402"/>
       </p:ext>
     </p:extLst>
   </p:cSld>

--- a/AsoGameSho.pptx
+++ b/AsoGameSho.pptx
@@ -4761,7 +4761,7 @@
           <p:cNvPr id="9" name="図 8">
             <a:extLst>
               <a:ext uri="{FF2B5EF4-FFF2-40B4-BE49-F238E27FC236}">
-                <a16:creationId xmlns="" xmlns:a16="http://schemas.microsoft.com/office/drawing/2014/main" id="{A9C6F8E7-C554-4A3D-A90F-82904E22C655}"/>
+                <a16:creationId xmlns:a16="http://schemas.microsoft.com/office/drawing/2014/main" xmlns="" id="{A9C6F8E7-C554-4A3D-A90F-82904E22C655}"/>
               </a:ext>
             </a:extLst>
           </p:cNvPr>
@@ -4927,7 +4927,7 @@
           <p:cNvPr id="6" name="図 5">
             <a:extLst>
               <a:ext uri="{FF2B5EF4-FFF2-40B4-BE49-F238E27FC236}">
-                <a16:creationId xmlns="" xmlns:a16="http://schemas.microsoft.com/office/drawing/2014/main" id="{1DF02CDB-A5CB-4E13-90C8-B447B6CD7BD1}"/>
+                <a16:creationId xmlns:a16="http://schemas.microsoft.com/office/drawing/2014/main" xmlns="" id="{1DF02CDB-A5CB-4E13-90C8-B447B6CD7BD1}"/>
               </a:ext>
             </a:extLst>
           </p:cNvPr>
@@ -4994,7 +4994,7 @@
           <p:cNvPr id="9" name="図 8">
             <a:extLst>
               <a:ext uri="{FF2B5EF4-FFF2-40B4-BE49-F238E27FC236}">
-                <a16:creationId xmlns="" xmlns:a16="http://schemas.microsoft.com/office/drawing/2014/main" id="{E899258B-FEF6-472D-858E-EB508882C21A}"/>
+                <a16:creationId xmlns:a16="http://schemas.microsoft.com/office/drawing/2014/main" xmlns="" id="{E899258B-FEF6-472D-858E-EB508882C21A}"/>
               </a:ext>
             </a:extLst>
           </p:cNvPr>
@@ -5024,7 +5024,7 @@
           <p:cNvPr id="2" name="テキスト ボックス 1">
             <a:extLst>
               <a:ext uri="{FF2B5EF4-FFF2-40B4-BE49-F238E27FC236}">
-                <a16:creationId xmlns="" xmlns:a16="http://schemas.microsoft.com/office/drawing/2014/main" id="{472AF6D7-6889-47D8-9B47-253401E69C59}"/>
+                <a16:creationId xmlns:a16="http://schemas.microsoft.com/office/drawing/2014/main" xmlns="" id="{472AF6D7-6889-47D8-9B47-253401E69C59}"/>
               </a:ext>
             </a:extLst>
           </p:cNvPr>
@@ -5065,7 +5065,7 @@
           <p:cNvPr id="7" name="テキスト ボックス 6">
             <a:extLst>
               <a:ext uri="{FF2B5EF4-FFF2-40B4-BE49-F238E27FC236}">
-                <a16:creationId xmlns="" xmlns:a16="http://schemas.microsoft.com/office/drawing/2014/main" id="{73800048-3568-41F0-9625-5BAA357C3353}"/>
+                <a16:creationId xmlns:a16="http://schemas.microsoft.com/office/drawing/2014/main" xmlns="" id="{73800048-3568-41F0-9625-5BAA357C3353}"/>
               </a:ext>
             </a:extLst>
           </p:cNvPr>
@@ -5220,7 +5220,7 @@
           <p:cNvPr id="4" name="図 3">
             <a:extLst>
               <a:ext uri="{FF2B5EF4-FFF2-40B4-BE49-F238E27FC236}">
-                <a16:creationId xmlns="" xmlns:a16="http://schemas.microsoft.com/office/drawing/2014/main" id="{1E442A58-5059-4E42-8D8E-909DC7B5FA64}"/>
+                <a16:creationId xmlns:a16="http://schemas.microsoft.com/office/drawing/2014/main" xmlns="" id="{1E442A58-5059-4E42-8D8E-909DC7B5FA64}"/>
               </a:ext>
             </a:extLst>
           </p:cNvPr>
@@ -5338,7 +5338,7 @@
           <p:cNvPr id="7" name="図 6">
             <a:extLst>
               <a:ext uri="{FF2B5EF4-FFF2-40B4-BE49-F238E27FC236}">
-                <a16:creationId xmlns="" xmlns:a16="http://schemas.microsoft.com/office/drawing/2014/main" id="{97CD5407-DCAB-4EE4-81B3-86F67409B17C}"/>
+                <a16:creationId xmlns:a16="http://schemas.microsoft.com/office/drawing/2014/main" xmlns="" id="{97CD5407-DCAB-4EE4-81B3-86F67409B17C}"/>
               </a:ext>
             </a:extLst>
           </p:cNvPr>
@@ -5368,7 +5368,7 @@
           <p:cNvPr id="3" name="正方形/長方形 2">
             <a:extLst>
               <a:ext uri="{FF2B5EF4-FFF2-40B4-BE49-F238E27FC236}">
-                <a16:creationId xmlns="" xmlns:a16="http://schemas.microsoft.com/office/drawing/2014/main" id="{D3BF6EC0-6775-4FC2-B8A5-69992CB3CF53}"/>
+                <a16:creationId xmlns:a16="http://schemas.microsoft.com/office/drawing/2014/main" xmlns="" id="{D3BF6EC0-6775-4FC2-B8A5-69992CB3CF53}"/>
               </a:ext>
             </a:extLst>
           </p:cNvPr>
@@ -5472,7 +5472,7 @@
           <p:cNvPr id="4" name="図 3">
             <a:extLst>
               <a:ext uri="{FF2B5EF4-FFF2-40B4-BE49-F238E27FC236}">
-                <a16:creationId xmlns="" xmlns:a16="http://schemas.microsoft.com/office/drawing/2014/main" id="{1F83E885-3B1A-4B16-8AB4-FA68EA3CF50F}"/>
+                <a16:creationId xmlns:a16="http://schemas.microsoft.com/office/drawing/2014/main" xmlns="" id="{1F83E885-3B1A-4B16-8AB4-FA68EA3CF50F}"/>
               </a:ext>
             </a:extLst>
           </p:cNvPr>
@@ -5590,7 +5590,7 @@
           <p:cNvPr id="28" name="図 27">
             <a:extLst>
               <a:ext uri="{FF2B5EF4-FFF2-40B4-BE49-F238E27FC236}">
-                <a16:creationId xmlns="" xmlns:a16="http://schemas.microsoft.com/office/drawing/2014/main" id="{33E6B513-3369-4C10-B23C-E96FE2C38E13}"/>
+                <a16:creationId xmlns:a16="http://schemas.microsoft.com/office/drawing/2014/main" xmlns="" id="{33E6B513-3369-4C10-B23C-E96FE2C38E13}"/>
               </a:ext>
             </a:extLst>
           </p:cNvPr>
@@ -5620,7 +5620,7 @@
           <p:cNvPr id="2" name="テキスト ボックス 1">
             <a:extLst>
               <a:ext uri="{FF2B5EF4-FFF2-40B4-BE49-F238E27FC236}">
-                <a16:creationId xmlns="" xmlns:a16="http://schemas.microsoft.com/office/drawing/2014/main" id="{9795F675-CF26-4125-96E3-A2CB66A100AC}"/>
+                <a16:creationId xmlns:a16="http://schemas.microsoft.com/office/drawing/2014/main" xmlns="" id="{9795F675-CF26-4125-96E3-A2CB66A100AC}"/>
               </a:ext>
             </a:extLst>
           </p:cNvPr>
@@ -5661,7 +5661,7 @@
           <p:cNvPr id="8" name="テキスト ボックス 7">
             <a:extLst>
               <a:ext uri="{FF2B5EF4-FFF2-40B4-BE49-F238E27FC236}">
-                <a16:creationId xmlns="" xmlns:a16="http://schemas.microsoft.com/office/drawing/2014/main" id="{5253EBDE-D676-4C3B-BD3E-63AAB297C3B2}"/>
+                <a16:creationId xmlns:a16="http://schemas.microsoft.com/office/drawing/2014/main" xmlns="" id="{5253EBDE-D676-4C3B-BD3E-63AAB297C3B2}"/>
               </a:ext>
             </a:extLst>
           </p:cNvPr>
@@ -5783,7 +5783,7 @@
           <p:cNvPr id="20" name="図 19">
             <a:extLst>
               <a:ext uri="{FF2B5EF4-FFF2-40B4-BE49-F238E27FC236}">
-                <a16:creationId xmlns="" xmlns:a16="http://schemas.microsoft.com/office/drawing/2014/main" id="{935FFA61-B6A8-4CC0-8C90-8C45714C0F35}"/>
+                <a16:creationId xmlns:a16="http://schemas.microsoft.com/office/drawing/2014/main" xmlns="" id="{935FFA61-B6A8-4CC0-8C90-8C45714C0F35}"/>
               </a:ext>
             </a:extLst>
           </p:cNvPr>
@@ -5813,7 +5813,7 @@
           <p:cNvPr id="21" name="図 20">
             <a:extLst>
               <a:ext uri="{FF2B5EF4-FFF2-40B4-BE49-F238E27FC236}">
-                <a16:creationId xmlns="" xmlns:a16="http://schemas.microsoft.com/office/drawing/2014/main" id="{096DDC11-2C05-49E8-8FC3-EE6F482CE444}"/>
+                <a16:creationId xmlns:a16="http://schemas.microsoft.com/office/drawing/2014/main" xmlns="" id="{096DDC11-2C05-49E8-8FC3-EE6F482CE444}"/>
               </a:ext>
             </a:extLst>
           </p:cNvPr>
@@ -5843,7 +5843,7 @@
           <p:cNvPr id="22" name="図 21">
             <a:extLst>
               <a:ext uri="{FF2B5EF4-FFF2-40B4-BE49-F238E27FC236}">
-                <a16:creationId xmlns="" xmlns:a16="http://schemas.microsoft.com/office/drawing/2014/main" id="{1A6BF988-372F-4FAF-9FD7-B94102D744ED}"/>
+                <a16:creationId xmlns:a16="http://schemas.microsoft.com/office/drawing/2014/main" xmlns="" id="{1A6BF988-372F-4FAF-9FD7-B94102D744ED}"/>
               </a:ext>
             </a:extLst>
           </p:cNvPr>
@@ -5873,7 +5873,7 @@
           <p:cNvPr id="24" name="テキスト ボックス 23">
             <a:extLst>
               <a:ext uri="{FF2B5EF4-FFF2-40B4-BE49-F238E27FC236}">
-                <a16:creationId xmlns="" xmlns:a16="http://schemas.microsoft.com/office/drawing/2014/main" id="{FE4D056D-B0C5-4653-B06D-D30E559F6DE7}"/>
+                <a16:creationId xmlns:a16="http://schemas.microsoft.com/office/drawing/2014/main" xmlns="" id="{FE4D056D-B0C5-4653-B06D-D30E559F6DE7}"/>
               </a:ext>
             </a:extLst>
           </p:cNvPr>
@@ -5911,7 +5911,7 @@
           <p:cNvPr id="25" name="テキスト ボックス 24">
             <a:extLst>
               <a:ext uri="{FF2B5EF4-FFF2-40B4-BE49-F238E27FC236}">
-                <a16:creationId xmlns="" xmlns:a16="http://schemas.microsoft.com/office/drawing/2014/main" id="{780C4A3D-13A6-4FB8-A502-0F981F16018C}"/>
+                <a16:creationId xmlns:a16="http://schemas.microsoft.com/office/drawing/2014/main" xmlns="" id="{780C4A3D-13A6-4FB8-A502-0F981F16018C}"/>
               </a:ext>
             </a:extLst>
           </p:cNvPr>
@@ -5949,7 +5949,7 @@
           <p:cNvPr id="26" name="矢印: 右 25">
             <a:extLst>
               <a:ext uri="{FF2B5EF4-FFF2-40B4-BE49-F238E27FC236}">
-                <a16:creationId xmlns="" xmlns:a16="http://schemas.microsoft.com/office/drawing/2014/main" id="{94CC846B-929A-4C76-921D-EEFE04DCEB3C}"/>
+                <a16:creationId xmlns:a16="http://schemas.microsoft.com/office/drawing/2014/main" xmlns="" id="{94CC846B-929A-4C76-921D-EEFE04DCEB3C}"/>
               </a:ext>
             </a:extLst>
           </p:cNvPr>
@@ -6024,7 +6024,7 @@
           <p:cNvPr id="13" name="テキスト ボックス 12">
             <a:extLst>
               <a:ext uri="{FF2B5EF4-FFF2-40B4-BE49-F238E27FC236}">
-                <a16:creationId xmlns="" xmlns:a16="http://schemas.microsoft.com/office/drawing/2014/main" id="{F457744D-5931-41AC-AEE6-4CEA25D8CF15}"/>
+                <a16:creationId xmlns:a16="http://schemas.microsoft.com/office/drawing/2014/main" xmlns="" id="{F457744D-5931-41AC-AEE6-4CEA25D8CF15}"/>
               </a:ext>
             </a:extLst>
           </p:cNvPr>
@@ -6062,7 +6062,7 @@
           <p:cNvPr id="29" name="テキスト ボックス 28">
             <a:extLst>
               <a:ext uri="{FF2B5EF4-FFF2-40B4-BE49-F238E27FC236}">
-                <a16:creationId xmlns="" xmlns:a16="http://schemas.microsoft.com/office/drawing/2014/main" id="{9285935F-0C38-4AF3-9F07-CA05ED0D4B9D}"/>
+                <a16:creationId xmlns:a16="http://schemas.microsoft.com/office/drawing/2014/main" xmlns="" id="{9285935F-0C38-4AF3-9F07-CA05ED0D4B9D}"/>
               </a:ext>
             </a:extLst>
           </p:cNvPr>
@@ -6100,7 +6100,7 @@
           <p:cNvPr id="5" name="図 4">
             <a:extLst>
               <a:ext uri="{FF2B5EF4-FFF2-40B4-BE49-F238E27FC236}">
-                <a16:creationId xmlns="" xmlns:a16="http://schemas.microsoft.com/office/drawing/2014/main" id="{E21C9EBF-1C7C-425D-8AAF-14F004551F2B}"/>
+                <a16:creationId xmlns:a16="http://schemas.microsoft.com/office/drawing/2014/main" xmlns="" id="{E21C9EBF-1C7C-425D-8AAF-14F004551F2B}"/>
               </a:ext>
             </a:extLst>
           </p:cNvPr>
@@ -6144,7 +6144,7 @@
           <p:cNvPr id="9" name="図 8">
             <a:extLst>
               <a:ext uri="{FF2B5EF4-FFF2-40B4-BE49-F238E27FC236}">
-                <a16:creationId xmlns="" xmlns:a16="http://schemas.microsoft.com/office/drawing/2014/main" id="{1883AD5E-B355-47A0-A995-994D14705064}"/>
+                <a16:creationId xmlns:a16="http://schemas.microsoft.com/office/drawing/2014/main" xmlns="" id="{1883AD5E-B355-47A0-A995-994D14705064}"/>
               </a:ext>
             </a:extLst>
           </p:cNvPr>
@@ -6218,7 +6218,7 @@
           <p:cNvPr id="15" name="図 14">
             <a:extLst>
               <a:ext uri="{FF2B5EF4-FFF2-40B4-BE49-F238E27FC236}">
-                <a16:creationId xmlns="" xmlns:a16="http://schemas.microsoft.com/office/drawing/2014/main" id="{8D3F59C6-1165-4B8F-AA28-DB8050D50850}"/>
+                <a16:creationId xmlns:a16="http://schemas.microsoft.com/office/drawing/2014/main" xmlns="" id="{8D3F59C6-1165-4B8F-AA28-DB8050D50850}"/>
               </a:ext>
             </a:extLst>
           </p:cNvPr>
@@ -6248,7 +6248,7 @@
           <p:cNvPr id="2" name="テキスト ボックス 1">
             <a:extLst>
               <a:ext uri="{FF2B5EF4-FFF2-40B4-BE49-F238E27FC236}">
-                <a16:creationId xmlns="" xmlns:a16="http://schemas.microsoft.com/office/drawing/2014/main" id="{9795F675-CF26-4125-96E3-A2CB66A100AC}"/>
+                <a16:creationId xmlns:a16="http://schemas.microsoft.com/office/drawing/2014/main" xmlns="" id="{9795F675-CF26-4125-96E3-A2CB66A100AC}"/>
               </a:ext>
             </a:extLst>
           </p:cNvPr>
@@ -6289,7 +6289,7 @@
           <p:cNvPr id="20" name="テキスト ボックス 19">
             <a:extLst>
               <a:ext uri="{FF2B5EF4-FFF2-40B4-BE49-F238E27FC236}">
-                <a16:creationId xmlns="" xmlns:a16="http://schemas.microsoft.com/office/drawing/2014/main" id="{CAD74F7A-CF0F-41B1-96E6-55A893366D1E}"/>
+                <a16:creationId xmlns:a16="http://schemas.microsoft.com/office/drawing/2014/main" xmlns="" id="{CAD74F7A-CF0F-41B1-96E6-55A893366D1E}"/>
               </a:ext>
             </a:extLst>
           </p:cNvPr>
@@ -6637,7 +6637,7 @@
           <p:cNvPr id="4" name="図 3">
             <a:extLst>
               <a:ext uri="{FF2B5EF4-FFF2-40B4-BE49-F238E27FC236}">
-                <a16:creationId xmlns="" xmlns:a16="http://schemas.microsoft.com/office/drawing/2014/main" id="{999EAE72-B2F4-4EB3-A562-307AA100811E}"/>
+                <a16:creationId xmlns:a16="http://schemas.microsoft.com/office/drawing/2014/main" xmlns="" id="{999EAE72-B2F4-4EB3-A562-307AA100811E}"/>
               </a:ext>
             </a:extLst>
           </p:cNvPr>
@@ -6667,7 +6667,7 @@
           <p:cNvPr id="5" name="図 4">
             <a:extLst>
               <a:ext uri="{FF2B5EF4-FFF2-40B4-BE49-F238E27FC236}">
-                <a16:creationId xmlns="" xmlns:a16="http://schemas.microsoft.com/office/drawing/2014/main" id="{EF586003-189D-4F3D-8057-EA89C5CD7A50}"/>
+                <a16:creationId xmlns:a16="http://schemas.microsoft.com/office/drawing/2014/main" xmlns="" id="{EF586003-189D-4F3D-8057-EA89C5CD7A50}"/>
               </a:ext>
             </a:extLst>
           </p:cNvPr>
@@ -6697,7 +6697,7 @@
           <p:cNvPr id="2" name="テキスト ボックス 1">
             <a:extLst>
               <a:ext uri="{FF2B5EF4-FFF2-40B4-BE49-F238E27FC236}">
-                <a16:creationId xmlns="" xmlns:a16="http://schemas.microsoft.com/office/drawing/2014/main" id="{4C6CC404-299F-4F20-9455-0B4C9E9ECA2B}"/>
+                <a16:creationId xmlns:a16="http://schemas.microsoft.com/office/drawing/2014/main" xmlns="" id="{4C6CC404-299F-4F20-9455-0B4C9E9ECA2B}"/>
               </a:ext>
             </a:extLst>
           </p:cNvPr>
@@ -6765,7 +6765,7 @@
           <p:cNvPr id="4" name="図 3">
             <a:extLst>
               <a:ext uri="{FF2B5EF4-FFF2-40B4-BE49-F238E27FC236}">
-                <a16:creationId xmlns="" xmlns:a16="http://schemas.microsoft.com/office/drawing/2014/main" id="{27138200-E57A-4351-8813-7EF8E7C3353B}"/>
+                <a16:creationId xmlns:a16="http://schemas.microsoft.com/office/drawing/2014/main" xmlns="" id="{27138200-E57A-4351-8813-7EF8E7C3353B}"/>
               </a:ext>
             </a:extLst>
           </p:cNvPr>
@@ -6795,7 +6795,7 @@
           <p:cNvPr id="2" name="タイトル 1">
             <a:extLst>
               <a:ext uri="{FF2B5EF4-FFF2-40B4-BE49-F238E27FC236}">
-                <a16:creationId xmlns="" xmlns:a16="http://schemas.microsoft.com/office/drawing/2014/main" id="{18BF23CD-27EA-4705-9E83-C5EF4B939509}"/>
+                <a16:creationId xmlns:a16="http://schemas.microsoft.com/office/drawing/2014/main" xmlns="" id="{18BF23CD-27EA-4705-9E83-C5EF4B939509}"/>
               </a:ext>
             </a:extLst>
           </p:cNvPr>
@@ -6833,7 +6833,7 @@
           <p:cNvPr id="3" name="コンテンツ プレースホルダー 2">
             <a:extLst>
               <a:ext uri="{FF2B5EF4-FFF2-40B4-BE49-F238E27FC236}">
-                <a16:creationId xmlns="" xmlns:a16="http://schemas.microsoft.com/office/drawing/2014/main" id="{581529EF-8A55-4FB6-A3EF-86797DC43DA8}"/>
+                <a16:creationId xmlns:a16="http://schemas.microsoft.com/office/drawing/2014/main" xmlns="" id="{581529EF-8A55-4FB6-A3EF-86797DC43DA8}"/>
               </a:ext>
             </a:extLst>
           </p:cNvPr>
@@ -6895,7 +6895,7 @@
           <p:cNvPr id="7" name="図 6">
             <a:extLst>
               <a:ext uri="{FF2B5EF4-FFF2-40B4-BE49-F238E27FC236}">
-                <a16:creationId xmlns="" xmlns:a16="http://schemas.microsoft.com/office/drawing/2014/main" id="{2F7AD146-4060-43F2-9DEE-7924927949FE}"/>
+                <a16:creationId xmlns:a16="http://schemas.microsoft.com/office/drawing/2014/main" xmlns="" id="{2F7AD146-4060-43F2-9DEE-7924927949FE}"/>
               </a:ext>
             </a:extLst>
           </p:cNvPr>
@@ -7176,7 +7176,7 @@
           <p:cNvPr id="10" name="図 9">
             <a:extLst>
               <a:ext uri="{FF2B5EF4-FFF2-40B4-BE49-F238E27FC236}">
-                <a16:creationId xmlns="" xmlns:a16="http://schemas.microsoft.com/office/drawing/2014/main" id="{1B8B4273-5736-458A-B7FF-A51CF5B46758}"/>
+                <a16:creationId xmlns:a16="http://schemas.microsoft.com/office/drawing/2014/main" xmlns="" id="{1B8B4273-5736-458A-B7FF-A51CF5B46758}"/>
               </a:ext>
             </a:extLst>
           </p:cNvPr>
@@ -7241,7 +7241,7 @@
           <p:cNvPr id="20" name="テキスト ボックス 19">
             <a:extLst>
               <a:ext uri="{FF2B5EF4-FFF2-40B4-BE49-F238E27FC236}">
-                <a16:creationId xmlns="" xmlns:a16="http://schemas.microsoft.com/office/drawing/2014/main" id="{B53077F5-2E57-4C34-AAF8-9ADAF035C5C7}"/>
+                <a16:creationId xmlns:a16="http://schemas.microsoft.com/office/drawing/2014/main" xmlns="" id="{B53077F5-2E57-4C34-AAF8-9ADAF035C5C7}"/>
               </a:ext>
             </a:extLst>
           </p:cNvPr>
@@ -7360,7 +7360,7 @@
           <p:cNvPr id="5" name="図 4">
             <a:extLst>
               <a:ext uri="{FF2B5EF4-FFF2-40B4-BE49-F238E27FC236}">
-                <a16:creationId xmlns="" xmlns:a16="http://schemas.microsoft.com/office/drawing/2014/main" id="{4C7F56FB-0A80-40A8-A596-9F3486CD6369}"/>
+                <a16:creationId xmlns:a16="http://schemas.microsoft.com/office/drawing/2014/main" xmlns="" id="{4C7F56FB-0A80-40A8-A596-9F3486CD6369}"/>
               </a:ext>
             </a:extLst>
           </p:cNvPr>
@@ -7441,7 +7441,7 @@
           <p:cNvPr id="12" name="図 11">
             <a:extLst>
               <a:ext uri="{FF2B5EF4-FFF2-40B4-BE49-F238E27FC236}">
-                <a16:creationId xmlns="" xmlns:a16="http://schemas.microsoft.com/office/drawing/2014/main" id="{B2B9C88B-54B0-48BF-A5A2-4995803BEF2C}"/>
+                <a16:creationId xmlns:a16="http://schemas.microsoft.com/office/drawing/2014/main" xmlns="" id="{B2B9C88B-54B0-48BF-A5A2-4995803BEF2C}"/>
               </a:ext>
             </a:extLst>
           </p:cNvPr>
@@ -7471,7 +7471,7 @@
           <p:cNvPr id="2" name="テキスト ボックス 1">
             <a:extLst>
               <a:ext uri="{FF2B5EF4-FFF2-40B4-BE49-F238E27FC236}">
-                <a16:creationId xmlns="" xmlns:a16="http://schemas.microsoft.com/office/drawing/2014/main" id="{A25448DB-94B6-4943-8B6D-E664614033C7}"/>
+                <a16:creationId xmlns:a16="http://schemas.microsoft.com/office/drawing/2014/main" xmlns="" id="{A25448DB-94B6-4943-8B6D-E664614033C7}"/>
               </a:ext>
             </a:extLst>
           </p:cNvPr>
@@ -7512,7 +7512,7 @@
           <p:cNvPr id="3" name="テキスト ボックス 2">
             <a:extLst>
               <a:ext uri="{FF2B5EF4-FFF2-40B4-BE49-F238E27FC236}">
-                <a16:creationId xmlns="" xmlns:a16="http://schemas.microsoft.com/office/drawing/2014/main" id="{E20EA4CA-16A1-4E86-A081-0D4C21931C9A}"/>
+                <a16:creationId xmlns:a16="http://schemas.microsoft.com/office/drawing/2014/main" xmlns="" id="{E20EA4CA-16A1-4E86-A081-0D4C21931C9A}"/>
               </a:ext>
             </a:extLst>
           </p:cNvPr>
@@ -7821,7 +7821,7 @@
           <p:cNvPr id="7" name="図 6">
             <a:extLst>
               <a:ext uri="{FF2B5EF4-FFF2-40B4-BE49-F238E27FC236}">
-                <a16:creationId xmlns="" xmlns:a16="http://schemas.microsoft.com/office/drawing/2014/main" id="{6FF6E39F-6B0E-4FB3-81D6-08A961EAE2EE}"/>
+                <a16:creationId xmlns:a16="http://schemas.microsoft.com/office/drawing/2014/main" xmlns="" id="{6FF6E39F-6B0E-4FB3-81D6-08A961EAE2EE}"/>
               </a:ext>
             </a:extLst>
           </p:cNvPr>
@@ -7851,7 +7851,7 @@
           <p:cNvPr id="3" name="テキスト ボックス 2">
             <a:extLst>
               <a:ext uri="{FF2B5EF4-FFF2-40B4-BE49-F238E27FC236}">
-                <a16:creationId xmlns="" xmlns:a16="http://schemas.microsoft.com/office/drawing/2014/main" id="{E20EA4CA-16A1-4E86-A081-0D4C21931C9A}"/>
+                <a16:creationId xmlns:a16="http://schemas.microsoft.com/office/drawing/2014/main" xmlns="" id="{E20EA4CA-16A1-4E86-A081-0D4C21931C9A}"/>
               </a:ext>
             </a:extLst>
           </p:cNvPr>
@@ -7934,7 +7934,7 @@
           <p:cNvPr id="8" name="図 7">
             <a:extLst>
               <a:ext uri="{FF2B5EF4-FFF2-40B4-BE49-F238E27FC236}">
-                <a16:creationId xmlns="" xmlns:a16="http://schemas.microsoft.com/office/drawing/2014/main" id="{2EFCC41C-8547-4D05-B882-7E7915BC4B0F}"/>
+                <a16:creationId xmlns:a16="http://schemas.microsoft.com/office/drawing/2014/main" xmlns="" id="{2EFCC41C-8547-4D05-B882-7E7915BC4B0F}"/>
               </a:ext>
             </a:extLst>
           </p:cNvPr>
@@ -7978,7 +7978,7 @@
           <p:cNvPr id="10" name="図 9">
             <a:extLst>
               <a:ext uri="{FF2B5EF4-FFF2-40B4-BE49-F238E27FC236}">
-                <a16:creationId xmlns="" xmlns:a16="http://schemas.microsoft.com/office/drawing/2014/main" id="{996035CB-D5DC-4EF8-B2E0-A63A2C36AEC8}"/>
+                <a16:creationId xmlns:a16="http://schemas.microsoft.com/office/drawing/2014/main" xmlns="" id="{996035CB-D5DC-4EF8-B2E0-A63A2C36AEC8}"/>
               </a:ext>
             </a:extLst>
           </p:cNvPr>
@@ -8059,7 +8059,7 @@
           <p:cNvPr id="4" name="図 3">
             <a:extLst>
               <a:ext uri="{FF2B5EF4-FFF2-40B4-BE49-F238E27FC236}">
-                <a16:creationId xmlns="" xmlns:a16="http://schemas.microsoft.com/office/drawing/2014/main" id="{AF1BEF19-F430-42E7-95C6-8D89CB4DAC24}"/>
+                <a16:creationId xmlns:a16="http://schemas.microsoft.com/office/drawing/2014/main" xmlns="" id="{AF1BEF19-F430-42E7-95C6-8D89CB4DAC24}"/>
               </a:ext>
             </a:extLst>
           </p:cNvPr>
@@ -8089,7 +8089,7 @@
           <p:cNvPr id="3" name="テキスト ボックス 2">
             <a:extLst>
               <a:ext uri="{FF2B5EF4-FFF2-40B4-BE49-F238E27FC236}">
-                <a16:creationId xmlns="" xmlns:a16="http://schemas.microsoft.com/office/drawing/2014/main" id="{E20EA4CA-16A1-4E86-A081-0D4C21931C9A}"/>
+                <a16:creationId xmlns:a16="http://schemas.microsoft.com/office/drawing/2014/main" xmlns="" id="{E20EA4CA-16A1-4E86-A081-0D4C21931C9A}"/>
               </a:ext>
             </a:extLst>
           </p:cNvPr>
@@ -8197,7 +8197,7 @@
           <p:cNvPr id="7" name="図 6">
             <a:extLst>
               <a:ext uri="{FF2B5EF4-FFF2-40B4-BE49-F238E27FC236}">
-                <a16:creationId xmlns="" xmlns:a16="http://schemas.microsoft.com/office/drawing/2014/main" id="{23C19729-52FD-4AED-AD23-135AAFBC87EB}"/>
+                <a16:creationId xmlns:a16="http://schemas.microsoft.com/office/drawing/2014/main" xmlns="" id="{23C19729-52FD-4AED-AD23-135AAFBC87EB}"/>
               </a:ext>
             </a:extLst>
           </p:cNvPr>
@@ -8241,7 +8241,7 @@
           <p:cNvPr id="12" name="矢印: 右 11">
             <a:extLst>
               <a:ext uri="{FF2B5EF4-FFF2-40B4-BE49-F238E27FC236}">
-                <a16:creationId xmlns="" xmlns:a16="http://schemas.microsoft.com/office/drawing/2014/main" id="{4755CD07-39A8-40E3-AA26-A74E6C911E7E}"/>
+                <a16:creationId xmlns:a16="http://schemas.microsoft.com/office/drawing/2014/main" xmlns="" id="{4755CD07-39A8-40E3-AA26-A74E6C911E7E}"/>
               </a:ext>
             </a:extLst>
           </p:cNvPr>
@@ -8403,7 +8403,7 @@
           <p:cNvPr id="8" name="図 7">
             <a:extLst>
               <a:ext uri="{FF2B5EF4-FFF2-40B4-BE49-F238E27FC236}">
-                <a16:creationId xmlns="" xmlns:a16="http://schemas.microsoft.com/office/drawing/2014/main" id="{00720C05-8A9E-4340-8011-12F3881D86D3}"/>
+                <a16:creationId xmlns:a16="http://schemas.microsoft.com/office/drawing/2014/main" xmlns="" id="{00720C05-8A9E-4340-8011-12F3881D86D3}"/>
               </a:ext>
             </a:extLst>
           </p:cNvPr>
@@ -8433,7 +8433,7 @@
           <p:cNvPr id="2" name="正方形/長方形 1">
             <a:extLst>
               <a:ext uri="{FF2B5EF4-FFF2-40B4-BE49-F238E27FC236}">
-                <a16:creationId xmlns="" xmlns:a16="http://schemas.microsoft.com/office/drawing/2014/main" id="{19FE10D6-B85F-482E-9330-694A3130DBAF}"/>
+                <a16:creationId xmlns:a16="http://schemas.microsoft.com/office/drawing/2014/main" xmlns="" id="{19FE10D6-B85F-482E-9330-694A3130DBAF}"/>
               </a:ext>
             </a:extLst>
           </p:cNvPr>
@@ -8568,7 +8568,7 @@
           <p:cNvPr id="4" name="図 3">
             <a:extLst>
               <a:ext uri="{FF2B5EF4-FFF2-40B4-BE49-F238E27FC236}">
-                <a16:creationId xmlns="" xmlns:a16="http://schemas.microsoft.com/office/drawing/2014/main" id="{5020C300-04ED-41E8-A621-E607D144B2C0}"/>
+                <a16:creationId xmlns:a16="http://schemas.microsoft.com/office/drawing/2014/main" xmlns="" id="{5020C300-04ED-41E8-A621-E607D144B2C0}"/>
               </a:ext>
             </a:extLst>
           </p:cNvPr>
@@ -8612,7 +8612,7 @@
           <p:cNvPr id="7" name="図 6">
             <a:extLst>
               <a:ext uri="{FF2B5EF4-FFF2-40B4-BE49-F238E27FC236}">
-                <a16:creationId xmlns="" xmlns:a16="http://schemas.microsoft.com/office/drawing/2014/main" id="{C64358FB-5848-4DB9-8FCA-53DD94CF3658}"/>
+                <a16:creationId xmlns:a16="http://schemas.microsoft.com/office/drawing/2014/main" xmlns="" id="{C64358FB-5848-4DB9-8FCA-53DD94CF3658}"/>
               </a:ext>
             </a:extLst>
           </p:cNvPr>
@@ -8677,7 +8677,7 @@
           <p:cNvPr id="8" name="図 7">
             <a:extLst>
               <a:ext uri="{FF2B5EF4-FFF2-40B4-BE49-F238E27FC236}">
-                <a16:creationId xmlns="" xmlns:a16="http://schemas.microsoft.com/office/drawing/2014/main" id="{F5B20E38-170D-499B-B8EF-085949EBBAB4}"/>
+                <a16:creationId xmlns:a16="http://schemas.microsoft.com/office/drawing/2014/main" xmlns="" id="{F5B20E38-170D-499B-B8EF-085949EBBAB4}"/>
               </a:ext>
             </a:extLst>
           </p:cNvPr>
@@ -8707,7 +8707,7 @@
           <p:cNvPr id="2" name="正方形/長方形 1">
             <a:extLst>
               <a:ext uri="{FF2B5EF4-FFF2-40B4-BE49-F238E27FC236}">
-                <a16:creationId xmlns="" xmlns:a16="http://schemas.microsoft.com/office/drawing/2014/main" id="{19FE10D6-B85F-482E-9330-694A3130DBAF}"/>
+                <a16:creationId xmlns:a16="http://schemas.microsoft.com/office/drawing/2014/main" xmlns="" id="{19FE10D6-B85F-482E-9330-694A3130DBAF}"/>
               </a:ext>
             </a:extLst>
           </p:cNvPr>
@@ -8896,7 +8896,7 @@
           <p:cNvPr id="6" name="図 5">
             <a:extLst>
               <a:ext uri="{FF2B5EF4-FFF2-40B4-BE49-F238E27FC236}">
-                <a16:creationId xmlns="" xmlns:a16="http://schemas.microsoft.com/office/drawing/2014/main" id="{27D11C1B-E65F-4055-86D3-F253EA7A7410}"/>
+                <a16:creationId xmlns:a16="http://schemas.microsoft.com/office/drawing/2014/main" xmlns="" id="{27D11C1B-E65F-4055-86D3-F253EA7A7410}"/>
               </a:ext>
             </a:extLst>
           </p:cNvPr>
@@ -8940,7 +8940,7 @@
           <p:cNvPr id="11" name="図 10">
             <a:extLst>
               <a:ext uri="{FF2B5EF4-FFF2-40B4-BE49-F238E27FC236}">
-                <a16:creationId xmlns="" xmlns:a16="http://schemas.microsoft.com/office/drawing/2014/main" id="{8DB90C39-1DE8-4D71-862E-59D1E04EC4D2}"/>
+                <a16:creationId xmlns:a16="http://schemas.microsoft.com/office/drawing/2014/main" xmlns="" id="{8DB90C39-1DE8-4D71-862E-59D1E04EC4D2}"/>
               </a:ext>
             </a:extLst>
           </p:cNvPr>

--- a/AsoGameSho.pptx
+++ b/AsoGameSho.pptx
@@ -4761,7 +4761,7 @@
           <p:cNvPr id="9" name="図 8">
             <a:extLst>
               <a:ext uri="{FF2B5EF4-FFF2-40B4-BE49-F238E27FC236}">
-                <a16:creationId xmlns:a16="http://schemas.microsoft.com/office/drawing/2014/main" xmlns="" id="{A9C6F8E7-C554-4A3D-A90F-82904E22C655}"/>
+                <a16:creationId xmlns="" xmlns:a16="http://schemas.microsoft.com/office/drawing/2014/main" id="{A9C6F8E7-C554-4A3D-A90F-82904E22C655}"/>
               </a:ext>
             </a:extLst>
           </p:cNvPr>
@@ -4927,7 +4927,7 @@
           <p:cNvPr id="6" name="図 5">
             <a:extLst>
               <a:ext uri="{FF2B5EF4-FFF2-40B4-BE49-F238E27FC236}">
-                <a16:creationId xmlns:a16="http://schemas.microsoft.com/office/drawing/2014/main" xmlns="" id="{1DF02CDB-A5CB-4E13-90C8-B447B6CD7BD1}"/>
+                <a16:creationId xmlns="" xmlns:a16="http://schemas.microsoft.com/office/drawing/2014/main" id="{1DF02CDB-A5CB-4E13-90C8-B447B6CD7BD1}"/>
               </a:ext>
             </a:extLst>
           </p:cNvPr>
@@ -4994,7 +4994,7 @@
           <p:cNvPr id="9" name="図 8">
             <a:extLst>
               <a:ext uri="{FF2B5EF4-FFF2-40B4-BE49-F238E27FC236}">
-                <a16:creationId xmlns:a16="http://schemas.microsoft.com/office/drawing/2014/main" xmlns="" id="{E899258B-FEF6-472D-858E-EB508882C21A}"/>
+                <a16:creationId xmlns="" xmlns:a16="http://schemas.microsoft.com/office/drawing/2014/main" id="{E899258B-FEF6-472D-858E-EB508882C21A}"/>
               </a:ext>
             </a:extLst>
           </p:cNvPr>
@@ -5024,7 +5024,7 @@
           <p:cNvPr id="2" name="テキスト ボックス 1">
             <a:extLst>
               <a:ext uri="{FF2B5EF4-FFF2-40B4-BE49-F238E27FC236}">
-                <a16:creationId xmlns:a16="http://schemas.microsoft.com/office/drawing/2014/main" xmlns="" id="{472AF6D7-6889-47D8-9B47-253401E69C59}"/>
+                <a16:creationId xmlns="" xmlns:a16="http://schemas.microsoft.com/office/drawing/2014/main" id="{472AF6D7-6889-47D8-9B47-253401E69C59}"/>
               </a:ext>
             </a:extLst>
           </p:cNvPr>
@@ -5065,7 +5065,7 @@
           <p:cNvPr id="7" name="テキスト ボックス 6">
             <a:extLst>
               <a:ext uri="{FF2B5EF4-FFF2-40B4-BE49-F238E27FC236}">
-                <a16:creationId xmlns:a16="http://schemas.microsoft.com/office/drawing/2014/main" xmlns="" id="{73800048-3568-41F0-9625-5BAA357C3353}"/>
+                <a16:creationId xmlns="" xmlns:a16="http://schemas.microsoft.com/office/drawing/2014/main" id="{73800048-3568-41F0-9625-5BAA357C3353}"/>
               </a:ext>
             </a:extLst>
           </p:cNvPr>
@@ -5220,7 +5220,7 @@
           <p:cNvPr id="4" name="図 3">
             <a:extLst>
               <a:ext uri="{FF2B5EF4-FFF2-40B4-BE49-F238E27FC236}">
-                <a16:creationId xmlns:a16="http://schemas.microsoft.com/office/drawing/2014/main" xmlns="" id="{1E442A58-5059-4E42-8D8E-909DC7B5FA64}"/>
+                <a16:creationId xmlns="" xmlns:a16="http://schemas.microsoft.com/office/drawing/2014/main" id="{1E442A58-5059-4E42-8D8E-909DC7B5FA64}"/>
               </a:ext>
             </a:extLst>
           </p:cNvPr>
@@ -5338,7 +5338,7 @@
           <p:cNvPr id="7" name="図 6">
             <a:extLst>
               <a:ext uri="{FF2B5EF4-FFF2-40B4-BE49-F238E27FC236}">
-                <a16:creationId xmlns:a16="http://schemas.microsoft.com/office/drawing/2014/main" xmlns="" id="{97CD5407-DCAB-4EE4-81B3-86F67409B17C}"/>
+                <a16:creationId xmlns="" xmlns:a16="http://schemas.microsoft.com/office/drawing/2014/main" id="{97CD5407-DCAB-4EE4-81B3-86F67409B17C}"/>
               </a:ext>
             </a:extLst>
           </p:cNvPr>
@@ -5368,7 +5368,7 @@
           <p:cNvPr id="3" name="正方形/長方形 2">
             <a:extLst>
               <a:ext uri="{FF2B5EF4-FFF2-40B4-BE49-F238E27FC236}">
-                <a16:creationId xmlns:a16="http://schemas.microsoft.com/office/drawing/2014/main" xmlns="" id="{D3BF6EC0-6775-4FC2-B8A5-69992CB3CF53}"/>
+                <a16:creationId xmlns="" xmlns:a16="http://schemas.microsoft.com/office/drawing/2014/main" id="{D3BF6EC0-6775-4FC2-B8A5-69992CB3CF53}"/>
               </a:ext>
             </a:extLst>
           </p:cNvPr>
@@ -5472,7 +5472,7 @@
           <p:cNvPr id="4" name="図 3">
             <a:extLst>
               <a:ext uri="{FF2B5EF4-FFF2-40B4-BE49-F238E27FC236}">
-                <a16:creationId xmlns:a16="http://schemas.microsoft.com/office/drawing/2014/main" xmlns="" id="{1F83E885-3B1A-4B16-8AB4-FA68EA3CF50F}"/>
+                <a16:creationId xmlns="" xmlns:a16="http://schemas.microsoft.com/office/drawing/2014/main" id="{1F83E885-3B1A-4B16-8AB4-FA68EA3CF50F}"/>
               </a:ext>
             </a:extLst>
           </p:cNvPr>
@@ -5590,7 +5590,7 @@
           <p:cNvPr id="28" name="図 27">
             <a:extLst>
               <a:ext uri="{FF2B5EF4-FFF2-40B4-BE49-F238E27FC236}">
-                <a16:creationId xmlns:a16="http://schemas.microsoft.com/office/drawing/2014/main" xmlns="" id="{33E6B513-3369-4C10-B23C-E96FE2C38E13}"/>
+                <a16:creationId xmlns="" xmlns:a16="http://schemas.microsoft.com/office/drawing/2014/main" id="{33E6B513-3369-4C10-B23C-E96FE2C38E13}"/>
               </a:ext>
             </a:extLst>
           </p:cNvPr>
@@ -5620,7 +5620,7 @@
           <p:cNvPr id="2" name="テキスト ボックス 1">
             <a:extLst>
               <a:ext uri="{FF2B5EF4-FFF2-40B4-BE49-F238E27FC236}">
-                <a16:creationId xmlns:a16="http://schemas.microsoft.com/office/drawing/2014/main" xmlns="" id="{9795F675-CF26-4125-96E3-A2CB66A100AC}"/>
+                <a16:creationId xmlns="" xmlns:a16="http://schemas.microsoft.com/office/drawing/2014/main" id="{9795F675-CF26-4125-96E3-A2CB66A100AC}"/>
               </a:ext>
             </a:extLst>
           </p:cNvPr>
@@ -5661,7 +5661,7 @@
           <p:cNvPr id="8" name="テキスト ボックス 7">
             <a:extLst>
               <a:ext uri="{FF2B5EF4-FFF2-40B4-BE49-F238E27FC236}">
-                <a16:creationId xmlns:a16="http://schemas.microsoft.com/office/drawing/2014/main" xmlns="" id="{5253EBDE-D676-4C3B-BD3E-63AAB297C3B2}"/>
+                <a16:creationId xmlns="" xmlns:a16="http://schemas.microsoft.com/office/drawing/2014/main" id="{5253EBDE-D676-4C3B-BD3E-63AAB297C3B2}"/>
               </a:ext>
             </a:extLst>
           </p:cNvPr>
@@ -5783,7 +5783,7 @@
           <p:cNvPr id="20" name="図 19">
             <a:extLst>
               <a:ext uri="{FF2B5EF4-FFF2-40B4-BE49-F238E27FC236}">
-                <a16:creationId xmlns:a16="http://schemas.microsoft.com/office/drawing/2014/main" xmlns="" id="{935FFA61-B6A8-4CC0-8C90-8C45714C0F35}"/>
+                <a16:creationId xmlns="" xmlns:a16="http://schemas.microsoft.com/office/drawing/2014/main" id="{935FFA61-B6A8-4CC0-8C90-8C45714C0F35}"/>
               </a:ext>
             </a:extLst>
           </p:cNvPr>
@@ -5813,7 +5813,7 @@
           <p:cNvPr id="21" name="図 20">
             <a:extLst>
               <a:ext uri="{FF2B5EF4-FFF2-40B4-BE49-F238E27FC236}">
-                <a16:creationId xmlns:a16="http://schemas.microsoft.com/office/drawing/2014/main" xmlns="" id="{096DDC11-2C05-49E8-8FC3-EE6F482CE444}"/>
+                <a16:creationId xmlns="" xmlns:a16="http://schemas.microsoft.com/office/drawing/2014/main" id="{096DDC11-2C05-49E8-8FC3-EE6F482CE444}"/>
               </a:ext>
             </a:extLst>
           </p:cNvPr>
@@ -5843,7 +5843,7 @@
           <p:cNvPr id="22" name="図 21">
             <a:extLst>
               <a:ext uri="{FF2B5EF4-FFF2-40B4-BE49-F238E27FC236}">
-                <a16:creationId xmlns:a16="http://schemas.microsoft.com/office/drawing/2014/main" xmlns="" id="{1A6BF988-372F-4FAF-9FD7-B94102D744ED}"/>
+                <a16:creationId xmlns="" xmlns:a16="http://schemas.microsoft.com/office/drawing/2014/main" id="{1A6BF988-372F-4FAF-9FD7-B94102D744ED}"/>
               </a:ext>
             </a:extLst>
           </p:cNvPr>
@@ -5873,7 +5873,7 @@
           <p:cNvPr id="24" name="テキスト ボックス 23">
             <a:extLst>
               <a:ext uri="{FF2B5EF4-FFF2-40B4-BE49-F238E27FC236}">
-                <a16:creationId xmlns:a16="http://schemas.microsoft.com/office/drawing/2014/main" xmlns="" id="{FE4D056D-B0C5-4653-B06D-D30E559F6DE7}"/>
+                <a16:creationId xmlns="" xmlns:a16="http://schemas.microsoft.com/office/drawing/2014/main" id="{FE4D056D-B0C5-4653-B06D-D30E559F6DE7}"/>
               </a:ext>
             </a:extLst>
           </p:cNvPr>
@@ -5911,7 +5911,7 @@
           <p:cNvPr id="25" name="テキスト ボックス 24">
             <a:extLst>
               <a:ext uri="{FF2B5EF4-FFF2-40B4-BE49-F238E27FC236}">
-                <a16:creationId xmlns:a16="http://schemas.microsoft.com/office/drawing/2014/main" xmlns="" id="{780C4A3D-13A6-4FB8-A502-0F981F16018C}"/>
+                <a16:creationId xmlns="" xmlns:a16="http://schemas.microsoft.com/office/drawing/2014/main" id="{780C4A3D-13A6-4FB8-A502-0F981F16018C}"/>
               </a:ext>
             </a:extLst>
           </p:cNvPr>
@@ -5949,7 +5949,7 @@
           <p:cNvPr id="26" name="矢印: 右 25">
             <a:extLst>
               <a:ext uri="{FF2B5EF4-FFF2-40B4-BE49-F238E27FC236}">
-                <a16:creationId xmlns:a16="http://schemas.microsoft.com/office/drawing/2014/main" xmlns="" id="{94CC846B-929A-4C76-921D-EEFE04DCEB3C}"/>
+                <a16:creationId xmlns="" xmlns:a16="http://schemas.microsoft.com/office/drawing/2014/main" id="{94CC846B-929A-4C76-921D-EEFE04DCEB3C}"/>
               </a:ext>
             </a:extLst>
           </p:cNvPr>
@@ -6024,7 +6024,7 @@
           <p:cNvPr id="13" name="テキスト ボックス 12">
             <a:extLst>
               <a:ext uri="{FF2B5EF4-FFF2-40B4-BE49-F238E27FC236}">
-                <a16:creationId xmlns:a16="http://schemas.microsoft.com/office/drawing/2014/main" xmlns="" id="{F457744D-5931-41AC-AEE6-4CEA25D8CF15}"/>
+                <a16:creationId xmlns="" xmlns:a16="http://schemas.microsoft.com/office/drawing/2014/main" id="{F457744D-5931-41AC-AEE6-4CEA25D8CF15}"/>
               </a:ext>
             </a:extLst>
           </p:cNvPr>
@@ -6062,7 +6062,7 @@
           <p:cNvPr id="29" name="テキスト ボックス 28">
             <a:extLst>
               <a:ext uri="{FF2B5EF4-FFF2-40B4-BE49-F238E27FC236}">
-                <a16:creationId xmlns:a16="http://schemas.microsoft.com/office/drawing/2014/main" xmlns="" id="{9285935F-0C38-4AF3-9F07-CA05ED0D4B9D}"/>
+                <a16:creationId xmlns="" xmlns:a16="http://schemas.microsoft.com/office/drawing/2014/main" id="{9285935F-0C38-4AF3-9F07-CA05ED0D4B9D}"/>
               </a:ext>
             </a:extLst>
           </p:cNvPr>
@@ -6100,7 +6100,7 @@
           <p:cNvPr id="5" name="図 4">
             <a:extLst>
               <a:ext uri="{FF2B5EF4-FFF2-40B4-BE49-F238E27FC236}">
-                <a16:creationId xmlns:a16="http://schemas.microsoft.com/office/drawing/2014/main" xmlns="" id="{E21C9EBF-1C7C-425D-8AAF-14F004551F2B}"/>
+                <a16:creationId xmlns="" xmlns:a16="http://schemas.microsoft.com/office/drawing/2014/main" id="{E21C9EBF-1C7C-425D-8AAF-14F004551F2B}"/>
               </a:ext>
             </a:extLst>
           </p:cNvPr>
@@ -6144,7 +6144,7 @@
           <p:cNvPr id="9" name="図 8">
             <a:extLst>
               <a:ext uri="{FF2B5EF4-FFF2-40B4-BE49-F238E27FC236}">
-                <a16:creationId xmlns:a16="http://schemas.microsoft.com/office/drawing/2014/main" xmlns="" id="{1883AD5E-B355-47A0-A995-994D14705064}"/>
+                <a16:creationId xmlns="" xmlns:a16="http://schemas.microsoft.com/office/drawing/2014/main" id="{1883AD5E-B355-47A0-A995-994D14705064}"/>
               </a:ext>
             </a:extLst>
           </p:cNvPr>
@@ -6218,7 +6218,7 @@
           <p:cNvPr id="15" name="図 14">
             <a:extLst>
               <a:ext uri="{FF2B5EF4-FFF2-40B4-BE49-F238E27FC236}">
-                <a16:creationId xmlns:a16="http://schemas.microsoft.com/office/drawing/2014/main" xmlns="" id="{8D3F59C6-1165-4B8F-AA28-DB8050D50850}"/>
+                <a16:creationId xmlns="" xmlns:a16="http://schemas.microsoft.com/office/drawing/2014/main" id="{8D3F59C6-1165-4B8F-AA28-DB8050D50850}"/>
               </a:ext>
             </a:extLst>
           </p:cNvPr>
@@ -6248,7 +6248,7 @@
           <p:cNvPr id="2" name="テキスト ボックス 1">
             <a:extLst>
               <a:ext uri="{FF2B5EF4-FFF2-40B4-BE49-F238E27FC236}">
-                <a16:creationId xmlns:a16="http://schemas.microsoft.com/office/drawing/2014/main" xmlns="" id="{9795F675-CF26-4125-96E3-A2CB66A100AC}"/>
+                <a16:creationId xmlns="" xmlns:a16="http://schemas.microsoft.com/office/drawing/2014/main" id="{9795F675-CF26-4125-96E3-A2CB66A100AC}"/>
               </a:ext>
             </a:extLst>
           </p:cNvPr>
@@ -6289,7 +6289,7 @@
           <p:cNvPr id="20" name="テキスト ボックス 19">
             <a:extLst>
               <a:ext uri="{FF2B5EF4-FFF2-40B4-BE49-F238E27FC236}">
-                <a16:creationId xmlns:a16="http://schemas.microsoft.com/office/drawing/2014/main" xmlns="" id="{CAD74F7A-CF0F-41B1-96E6-55A893366D1E}"/>
+                <a16:creationId xmlns="" xmlns:a16="http://schemas.microsoft.com/office/drawing/2014/main" id="{CAD74F7A-CF0F-41B1-96E6-55A893366D1E}"/>
               </a:ext>
             </a:extLst>
           </p:cNvPr>
@@ -6637,7 +6637,7 @@
           <p:cNvPr id="4" name="図 3">
             <a:extLst>
               <a:ext uri="{FF2B5EF4-FFF2-40B4-BE49-F238E27FC236}">
-                <a16:creationId xmlns:a16="http://schemas.microsoft.com/office/drawing/2014/main" xmlns="" id="{999EAE72-B2F4-4EB3-A562-307AA100811E}"/>
+                <a16:creationId xmlns="" xmlns:a16="http://schemas.microsoft.com/office/drawing/2014/main" id="{999EAE72-B2F4-4EB3-A562-307AA100811E}"/>
               </a:ext>
             </a:extLst>
           </p:cNvPr>
@@ -6667,7 +6667,7 @@
           <p:cNvPr id="5" name="図 4">
             <a:extLst>
               <a:ext uri="{FF2B5EF4-FFF2-40B4-BE49-F238E27FC236}">
-                <a16:creationId xmlns:a16="http://schemas.microsoft.com/office/drawing/2014/main" xmlns="" id="{EF586003-189D-4F3D-8057-EA89C5CD7A50}"/>
+                <a16:creationId xmlns="" xmlns:a16="http://schemas.microsoft.com/office/drawing/2014/main" id="{EF586003-189D-4F3D-8057-EA89C5CD7A50}"/>
               </a:ext>
             </a:extLst>
           </p:cNvPr>
@@ -6697,7 +6697,7 @@
           <p:cNvPr id="2" name="テキスト ボックス 1">
             <a:extLst>
               <a:ext uri="{FF2B5EF4-FFF2-40B4-BE49-F238E27FC236}">
-                <a16:creationId xmlns:a16="http://schemas.microsoft.com/office/drawing/2014/main" xmlns="" id="{4C6CC404-299F-4F20-9455-0B4C9E9ECA2B}"/>
+                <a16:creationId xmlns="" xmlns:a16="http://schemas.microsoft.com/office/drawing/2014/main" id="{4C6CC404-299F-4F20-9455-0B4C9E9ECA2B}"/>
               </a:ext>
             </a:extLst>
           </p:cNvPr>
@@ -6765,7 +6765,7 @@
           <p:cNvPr id="4" name="図 3">
             <a:extLst>
               <a:ext uri="{FF2B5EF4-FFF2-40B4-BE49-F238E27FC236}">
-                <a16:creationId xmlns:a16="http://schemas.microsoft.com/office/drawing/2014/main" xmlns="" id="{27138200-E57A-4351-8813-7EF8E7C3353B}"/>
+                <a16:creationId xmlns="" xmlns:a16="http://schemas.microsoft.com/office/drawing/2014/main" id="{27138200-E57A-4351-8813-7EF8E7C3353B}"/>
               </a:ext>
             </a:extLst>
           </p:cNvPr>
@@ -6795,7 +6795,7 @@
           <p:cNvPr id="2" name="タイトル 1">
             <a:extLst>
               <a:ext uri="{FF2B5EF4-FFF2-40B4-BE49-F238E27FC236}">
-                <a16:creationId xmlns:a16="http://schemas.microsoft.com/office/drawing/2014/main" xmlns="" id="{18BF23CD-27EA-4705-9E83-C5EF4B939509}"/>
+                <a16:creationId xmlns="" xmlns:a16="http://schemas.microsoft.com/office/drawing/2014/main" id="{18BF23CD-27EA-4705-9E83-C5EF4B939509}"/>
               </a:ext>
             </a:extLst>
           </p:cNvPr>
@@ -6833,7 +6833,7 @@
           <p:cNvPr id="3" name="コンテンツ プレースホルダー 2">
             <a:extLst>
               <a:ext uri="{FF2B5EF4-FFF2-40B4-BE49-F238E27FC236}">
-                <a16:creationId xmlns:a16="http://schemas.microsoft.com/office/drawing/2014/main" xmlns="" id="{581529EF-8A55-4FB6-A3EF-86797DC43DA8}"/>
+                <a16:creationId xmlns="" xmlns:a16="http://schemas.microsoft.com/office/drawing/2014/main" id="{581529EF-8A55-4FB6-A3EF-86797DC43DA8}"/>
               </a:ext>
             </a:extLst>
           </p:cNvPr>
@@ -6895,7 +6895,7 @@
           <p:cNvPr id="7" name="図 6">
             <a:extLst>
               <a:ext uri="{FF2B5EF4-FFF2-40B4-BE49-F238E27FC236}">
-                <a16:creationId xmlns:a16="http://schemas.microsoft.com/office/drawing/2014/main" xmlns="" id="{2F7AD146-4060-43F2-9DEE-7924927949FE}"/>
+                <a16:creationId xmlns="" xmlns:a16="http://schemas.microsoft.com/office/drawing/2014/main" id="{2F7AD146-4060-43F2-9DEE-7924927949FE}"/>
               </a:ext>
             </a:extLst>
           </p:cNvPr>
@@ -7176,7 +7176,7 @@
           <p:cNvPr id="10" name="図 9">
             <a:extLst>
               <a:ext uri="{FF2B5EF4-FFF2-40B4-BE49-F238E27FC236}">
-                <a16:creationId xmlns:a16="http://schemas.microsoft.com/office/drawing/2014/main" xmlns="" id="{1B8B4273-5736-458A-B7FF-A51CF5B46758}"/>
+                <a16:creationId xmlns="" xmlns:a16="http://schemas.microsoft.com/office/drawing/2014/main" id="{1B8B4273-5736-458A-B7FF-A51CF5B46758}"/>
               </a:ext>
             </a:extLst>
           </p:cNvPr>
@@ -7241,7 +7241,7 @@
           <p:cNvPr id="20" name="テキスト ボックス 19">
             <a:extLst>
               <a:ext uri="{FF2B5EF4-FFF2-40B4-BE49-F238E27FC236}">
-                <a16:creationId xmlns:a16="http://schemas.microsoft.com/office/drawing/2014/main" xmlns="" id="{B53077F5-2E57-4C34-AAF8-9ADAF035C5C7}"/>
+                <a16:creationId xmlns="" xmlns:a16="http://schemas.microsoft.com/office/drawing/2014/main" id="{B53077F5-2E57-4C34-AAF8-9ADAF035C5C7}"/>
               </a:ext>
             </a:extLst>
           </p:cNvPr>
@@ -7360,7 +7360,7 @@
           <p:cNvPr id="5" name="図 4">
             <a:extLst>
               <a:ext uri="{FF2B5EF4-FFF2-40B4-BE49-F238E27FC236}">
-                <a16:creationId xmlns:a16="http://schemas.microsoft.com/office/drawing/2014/main" xmlns="" id="{4C7F56FB-0A80-40A8-A596-9F3486CD6369}"/>
+                <a16:creationId xmlns="" xmlns:a16="http://schemas.microsoft.com/office/drawing/2014/main" id="{4C7F56FB-0A80-40A8-A596-9F3486CD6369}"/>
               </a:ext>
             </a:extLst>
           </p:cNvPr>
@@ -7379,6 +7379,50 @@
           <a:xfrm>
             <a:off x="2679700" y="4650573"/>
             <a:ext cx="6023775" cy="2076244"/>
+          </a:xfrm>
+          <a:prstGeom prst="rect">
+            <a:avLst/>
+          </a:prstGeom>
+          <a:ln w="19050" cap="sq">
+            <a:solidFill>
+              <a:srgbClr val="000000"/>
+            </a:solidFill>
+            <a:prstDash val="solid"/>
+            <a:miter lim="800000"/>
+          </a:ln>
+          <a:effectLst>
+            <a:outerShdw blurRad="50800" dist="38100" dir="2700000" algn="tl" rotWithShape="0">
+              <a:srgbClr val="000000">
+                <a:alpha val="43000"/>
+              </a:srgbClr>
+            </a:outerShdw>
+          </a:effectLst>
+        </p:spPr>
+      </p:pic>
+      <p:pic>
+        <p:nvPicPr>
+          <p:cNvPr id="3" name="図 2"/>
+          <p:cNvPicPr>
+            <a:picLocks noChangeAspect="1"/>
+          </p:cNvPicPr>
+          <p:nvPr/>
+        </p:nvPicPr>
+        <p:blipFill>
+          <a:blip r:embed="rId5">
+            <a:extLst>
+              <a:ext uri="{28A0092B-C50C-407E-A947-70E740481C1C}">
+                <a14:useLocalDpi xmlns:a14="http://schemas.microsoft.com/office/drawing/2010/main" val="0"/>
+              </a:ext>
+            </a:extLst>
+          </a:blip>
+          <a:stretch>
+            <a:fillRect/>
+          </a:stretch>
+        </p:blipFill>
+        <p:spPr>
+          <a:xfrm>
+            <a:off x="10392350" y="2032062"/>
+            <a:ext cx="1180952" cy="990476"/>
           </a:xfrm>
           <a:prstGeom prst="rect">
             <a:avLst/>
@@ -7441,7 +7485,7 @@
           <p:cNvPr id="12" name="図 11">
             <a:extLst>
               <a:ext uri="{FF2B5EF4-FFF2-40B4-BE49-F238E27FC236}">
-                <a16:creationId xmlns:a16="http://schemas.microsoft.com/office/drawing/2014/main" xmlns="" id="{B2B9C88B-54B0-48BF-A5A2-4995803BEF2C}"/>
+                <a16:creationId xmlns="" xmlns:a16="http://schemas.microsoft.com/office/drawing/2014/main" id="{B2B9C88B-54B0-48BF-A5A2-4995803BEF2C}"/>
               </a:ext>
             </a:extLst>
           </p:cNvPr>
@@ -7471,7 +7515,7 @@
           <p:cNvPr id="2" name="テキスト ボックス 1">
             <a:extLst>
               <a:ext uri="{FF2B5EF4-FFF2-40B4-BE49-F238E27FC236}">
-                <a16:creationId xmlns:a16="http://schemas.microsoft.com/office/drawing/2014/main" xmlns="" id="{A25448DB-94B6-4943-8B6D-E664614033C7}"/>
+                <a16:creationId xmlns="" xmlns:a16="http://schemas.microsoft.com/office/drawing/2014/main" id="{A25448DB-94B6-4943-8B6D-E664614033C7}"/>
               </a:ext>
             </a:extLst>
           </p:cNvPr>
@@ -7512,7 +7556,7 @@
           <p:cNvPr id="3" name="テキスト ボックス 2">
             <a:extLst>
               <a:ext uri="{FF2B5EF4-FFF2-40B4-BE49-F238E27FC236}">
-                <a16:creationId xmlns:a16="http://schemas.microsoft.com/office/drawing/2014/main" xmlns="" id="{E20EA4CA-16A1-4E86-A081-0D4C21931C9A}"/>
+                <a16:creationId xmlns="" xmlns:a16="http://schemas.microsoft.com/office/drawing/2014/main" id="{E20EA4CA-16A1-4E86-A081-0D4C21931C9A}"/>
               </a:ext>
             </a:extLst>
           </p:cNvPr>
@@ -7821,7 +7865,7 @@
           <p:cNvPr id="7" name="図 6">
             <a:extLst>
               <a:ext uri="{FF2B5EF4-FFF2-40B4-BE49-F238E27FC236}">
-                <a16:creationId xmlns:a16="http://schemas.microsoft.com/office/drawing/2014/main" xmlns="" id="{6FF6E39F-6B0E-4FB3-81D6-08A961EAE2EE}"/>
+                <a16:creationId xmlns="" xmlns:a16="http://schemas.microsoft.com/office/drawing/2014/main" id="{6FF6E39F-6B0E-4FB3-81D6-08A961EAE2EE}"/>
               </a:ext>
             </a:extLst>
           </p:cNvPr>
@@ -7851,7 +7895,7 @@
           <p:cNvPr id="3" name="テキスト ボックス 2">
             <a:extLst>
               <a:ext uri="{FF2B5EF4-FFF2-40B4-BE49-F238E27FC236}">
-                <a16:creationId xmlns:a16="http://schemas.microsoft.com/office/drawing/2014/main" xmlns="" id="{E20EA4CA-16A1-4E86-A081-0D4C21931C9A}"/>
+                <a16:creationId xmlns="" xmlns:a16="http://schemas.microsoft.com/office/drawing/2014/main" id="{E20EA4CA-16A1-4E86-A081-0D4C21931C9A}"/>
               </a:ext>
             </a:extLst>
           </p:cNvPr>
@@ -7934,7 +7978,7 @@
           <p:cNvPr id="8" name="図 7">
             <a:extLst>
               <a:ext uri="{FF2B5EF4-FFF2-40B4-BE49-F238E27FC236}">
-                <a16:creationId xmlns:a16="http://schemas.microsoft.com/office/drawing/2014/main" xmlns="" id="{2EFCC41C-8547-4D05-B882-7E7915BC4B0F}"/>
+                <a16:creationId xmlns="" xmlns:a16="http://schemas.microsoft.com/office/drawing/2014/main" id="{2EFCC41C-8547-4D05-B882-7E7915BC4B0F}"/>
               </a:ext>
             </a:extLst>
           </p:cNvPr>
@@ -7978,7 +8022,7 @@
           <p:cNvPr id="10" name="図 9">
             <a:extLst>
               <a:ext uri="{FF2B5EF4-FFF2-40B4-BE49-F238E27FC236}">
-                <a16:creationId xmlns:a16="http://schemas.microsoft.com/office/drawing/2014/main" xmlns="" id="{996035CB-D5DC-4EF8-B2E0-A63A2C36AEC8}"/>
+                <a16:creationId xmlns="" xmlns:a16="http://schemas.microsoft.com/office/drawing/2014/main" id="{996035CB-D5DC-4EF8-B2E0-A63A2C36AEC8}"/>
               </a:ext>
             </a:extLst>
           </p:cNvPr>
@@ -8059,7 +8103,7 @@
           <p:cNvPr id="4" name="図 3">
             <a:extLst>
               <a:ext uri="{FF2B5EF4-FFF2-40B4-BE49-F238E27FC236}">
-                <a16:creationId xmlns:a16="http://schemas.microsoft.com/office/drawing/2014/main" xmlns="" id="{AF1BEF19-F430-42E7-95C6-8D89CB4DAC24}"/>
+                <a16:creationId xmlns="" xmlns:a16="http://schemas.microsoft.com/office/drawing/2014/main" id="{AF1BEF19-F430-42E7-95C6-8D89CB4DAC24}"/>
               </a:ext>
             </a:extLst>
           </p:cNvPr>
@@ -8089,7 +8133,7 @@
           <p:cNvPr id="3" name="テキスト ボックス 2">
             <a:extLst>
               <a:ext uri="{FF2B5EF4-FFF2-40B4-BE49-F238E27FC236}">
-                <a16:creationId xmlns:a16="http://schemas.microsoft.com/office/drawing/2014/main" xmlns="" id="{E20EA4CA-16A1-4E86-A081-0D4C21931C9A}"/>
+                <a16:creationId xmlns="" xmlns:a16="http://schemas.microsoft.com/office/drawing/2014/main" id="{E20EA4CA-16A1-4E86-A081-0D4C21931C9A}"/>
               </a:ext>
             </a:extLst>
           </p:cNvPr>
@@ -8192,56 +8236,12 @@
           </a:p>
         </p:txBody>
       </p:sp>
-      <p:pic>
-        <p:nvPicPr>
-          <p:cNvPr id="7" name="図 6">
-            <a:extLst>
-              <a:ext uri="{FF2B5EF4-FFF2-40B4-BE49-F238E27FC236}">
-                <a16:creationId xmlns:a16="http://schemas.microsoft.com/office/drawing/2014/main" xmlns="" id="{23C19729-52FD-4AED-AD23-135AAFBC87EB}"/>
-              </a:ext>
-            </a:extLst>
-          </p:cNvPr>
-          <p:cNvPicPr>
-            <a:picLocks noChangeAspect="1"/>
-          </p:cNvPicPr>
-          <p:nvPr/>
-        </p:nvPicPr>
-        <p:blipFill>
-          <a:blip r:embed="rId4"/>
-          <a:stretch>
-            <a:fillRect/>
-          </a:stretch>
-        </p:blipFill>
-        <p:spPr>
-          <a:xfrm>
-            <a:off x="8644986" y="3914517"/>
-            <a:ext cx="2382434" cy="1838223"/>
-          </a:xfrm>
-          <a:prstGeom prst="rect">
-            <a:avLst/>
-          </a:prstGeom>
-          <a:ln w="38100" cap="sq">
-            <a:solidFill>
-              <a:srgbClr val="000000"/>
-            </a:solidFill>
-            <a:prstDash val="solid"/>
-            <a:miter lim="800000"/>
-          </a:ln>
-          <a:effectLst>
-            <a:outerShdw blurRad="50800" dist="38100" dir="2700000" algn="tl" rotWithShape="0">
-              <a:srgbClr val="000000">
-                <a:alpha val="43000"/>
-              </a:srgbClr>
-            </a:outerShdw>
-          </a:effectLst>
-        </p:spPr>
-      </p:pic>
       <p:sp>
         <p:nvSpPr>
           <p:cNvPr id="12" name="矢印: 右 11">
             <a:extLst>
               <a:ext uri="{FF2B5EF4-FFF2-40B4-BE49-F238E27FC236}">
-                <a16:creationId xmlns:a16="http://schemas.microsoft.com/office/drawing/2014/main" xmlns="" id="{4755CD07-39A8-40E3-AA26-A74E6C911E7E}"/>
+                <a16:creationId xmlns="" xmlns:a16="http://schemas.microsoft.com/office/drawing/2014/main" id="{4755CD07-39A8-40E3-AA26-A74E6C911E7E}"/>
               </a:ext>
             </a:extLst>
           </p:cNvPr>
@@ -8289,7 +8289,7 @@
           <p:nvPr/>
         </p:nvPicPr>
         <p:blipFill>
-          <a:blip r:embed="rId5">
+          <a:blip r:embed="rId4">
             <a:extLst>
               <a:ext uri="{28A0092B-C50C-407E-A947-70E740481C1C}">
                 <a14:useLocalDpi xmlns:a14="http://schemas.microsoft.com/office/drawing/2010/main" val="0"/>
@@ -8333,7 +8333,7 @@
           <p:nvPr/>
         </p:nvPicPr>
         <p:blipFill>
-          <a:blip r:embed="rId6">
+          <a:blip r:embed="rId5">
             <a:extLst>
               <a:ext uri="{28A0092B-C50C-407E-A947-70E740481C1C}">
                 <a14:useLocalDpi xmlns:a14="http://schemas.microsoft.com/office/drawing/2010/main" val="0"/>
@@ -8348,6 +8348,50 @@
           <a:xfrm>
             <a:off x="4556995" y="4002124"/>
             <a:ext cx="2570099" cy="1663005"/>
+          </a:xfrm>
+          <a:prstGeom prst="rect">
+            <a:avLst/>
+          </a:prstGeom>
+          <a:ln w="38100" cap="sq">
+            <a:solidFill>
+              <a:srgbClr val="000000"/>
+            </a:solidFill>
+            <a:prstDash val="solid"/>
+            <a:miter lim="800000"/>
+          </a:ln>
+          <a:effectLst>
+            <a:outerShdw blurRad="50800" dist="38100" dir="2700000" algn="tl" rotWithShape="0">
+              <a:srgbClr val="000000">
+                <a:alpha val="43000"/>
+              </a:srgbClr>
+            </a:outerShdw>
+          </a:effectLst>
+        </p:spPr>
+      </p:pic>
+      <p:pic>
+        <p:nvPicPr>
+          <p:cNvPr id="5" name="図 4"/>
+          <p:cNvPicPr>
+            <a:picLocks noChangeAspect="1"/>
+          </p:cNvPicPr>
+          <p:nvPr/>
+        </p:nvPicPr>
+        <p:blipFill>
+          <a:blip r:embed="rId6">
+            <a:extLst>
+              <a:ext uri="{28A0092B-C50C-407E-A947-70E740481C1C}">
+                <a14:useLocalDpi xmlns:a14="http://schemas.microsoft.com/office/drawing/2010/main" val="0"/>
+              </a:ext>
+            </a:extLst>
+          </a:blip>
+          <a:stretch>
+            <a:fillRect/>
+          </a:stretch>
+        </p:blipFill>
+        <p:spPr>
+          <a:xfrm>
+            <a:off x="8867179" y="4002124"/>
+            <a:ext cx="2393105" cy="1663005"/>
           </a:xfrm>
           <a:prstGeom prst="rect">
             <a:avLst/>
@@ -8403,7 +8447,7 @@
           <p:cNvPr id="8" name="図 7">
             <a:extLst>
               <a:ext uri="{FF2B5EF4-FFF2-40B4-BE49-F238E27FC236}">
-                <a16:creationId xmlns:a16="http://schemas.microsoft.com/office/drawing/2014/main" xmlns="" id="{00720C05-8A9E-4340-8011-12F3881D86D3}"/>
+                <a16:creationId xmlns="" xmlns:a16="http://schemas.microsoft.com/office/drawing/2014/main" id="{00720C05-8A9E-4340-8011-12F3881D86D3}"/>
               </a:ext>
             </a:extLst>
           </p:cNvPr>
@@ -8433,7 +8477,7 @@
           <p:cNvPr id="2" name="正方形/長方形 1">
             <a:extLst>
               <a:ext uri="{FF2B5EF4-FFF2-40B4-BE49-F238E27FC236}">
-                <a16:creationId xmlns:a16="http://schemas.microsoft.com/office/drawing/2014/main" xmlns="" id="{19FE10D6-B85F-482E-9330-694A3130DBAF}"/>
+                <a16:creationId xmlns="" xmlns:a16="http://schemas.microsoft.com/office/drawing/2014/main" id="{19FE10D6-B85F-482E-9330-694A3130DBAF}"/>
               </a:ext>
             </a:extLst>
           </p:cNvPr>
@@ -8568,7 +8612,7 @@
           <p:cNvPr id="4" name="図 3">
             <a:extLst>
               <a:ext uri="{FF2B5EF4-FFF2-40B4-BE49-F238E27FC236}">
-                <a16:creationId xmlns:a16="http://schemas.microsoft.com/office/drawing/2014/main" xmlns="" id="{5020C300-04ED-41E8-A621-E607D144B2C0}"/>
+                <a16:creationId xmlns="" xmlns:a16="http://schemas.microsoft.com/office/drawing/2014/main" id="{5020C300-04ED-41E8-A621-E607D144B2C0}"/>
               </a:ext>
             </a:extLst>
           </p:cNvPr>
@@ -8612,7 +8656,7 @@
           <p:cNvPr id="7" name="図 6">
             <a:extLst>
               <a:ext uri="{FF2B5EF4-FFF2-40B4-BE49-F238E27FC236}">
-                <a16:creationId xmlns:a16="http://schemas.microsoft.com/office/drawing/2014/main" xmlns="" id="{C64358FB-5848-4DB9-8FCA-53DD94CF3658}"/>
+                <a16:creationId xmlns="" xmlns:a16="http://schemas.microsoft.com/office/drawing/2014/main" id="{C64358FB-5848-4DB9-8FCA-53DD94CF3658}"/>
               </a:ext>
             </a:extLst>
           </p:cNvPr>
@@ -8677,7 +8721,7 @@
           <p:cNvPr id="8" name="図 7">
             <a:extLst>
               <a:ext uri="{FF2B5EF4-FFF2-40B4-BE49-F238E27FC236}">
-                <a16:creationId xmlns:a16="http://schemas.microsoft.com/office/drawing/2014/main" xmlns="" id="{F5B20E38-170D-499B-B8EF-085949EBBAB4}"/>
+                <a16:creationId xmlns="" xmlns:a16="http://schemas.microsoft.com/office/drawing/2014/main" id="{F5B20E38-170D-499B-B8EF-085949EBBAB4}"/>
               </a:ext>
             </a:extLst>
           </p:cNvPr>
@@ -8707,7 +8751,7 @@
           <p:cNvPr id="2" name="正方形/長方形 1">
             <a:extLst>
               <a:ext uri="{FF2B5EF4-FFF2-40B4-BE49-F238E27FC236}">
-                <a16:creationId xmlns:a16="http://schemas.microsoft.com/office/drawing/2014/main" xmlns="" id="{19FE10D6-B85F-482E-9330-694A3130DBAF}"/>
+                <a16:creationId xmlns="" xmlns:a16="http://schemas.microsoft.com/office/drawing/2014/main" id="{19FE10D6-B85F-482E-9330-694A3130DBAF}"/>
               </a:ext>
             </a:extLst>
           </p:cNvPr>
@@ -8896,7 +8940,7 @@
           <p:cNvPr id="6" name="図 5">
             <a:extLst>
               <a:ext uri="{FF2B5EF4-FFF2-40B4-BE49-F238E27FC236}">
-                <a16:creationId xmlns:a16="http://schemas.microsoft.com/office/drawing/2014/main" xmlns="" id="{27D11C1B-E65F-4055-86D3-F253EA7A7410}"/>
+                <a16:creationId xmlns="" xmlns:a16="http://schemas.microsoft.com/office/drawing/2014/main" id="{27D11C1B-E65F-4055-86D3-F253EA7A7410}"/>
               </a:ext>
             </a:extLst>
           </p:cNvPr>
@@ -8940,7 +8984,7 @@
           <p:cNvPr id="11" name="図 10">
             <a:extLst>
               <a:ext uri="{FF2B5EF4-FFF2-40B4-BE49-F238E27FC236}">
-                <a16:creationId xmlns:a16="http://schemas.microsoft.com/office/drawing/2014/main" xmlns="" id="{8DB90C39-1DE8-4D71-862E-59D1E04EC4D2}"/>
+                <a16:creationId xmlns="" xmlns:a16="http://schemas.microsoft.com/office/drawing/2014/main" id="{8DB90C39-1DE8-4D71-862E-59D1E04EC4D2}"/>
               </a:ext>
             </a:extLst>
           </p:cNvPr>
